--- a/deep-learning-in-practice-with-pytorch/0-machine-learning.pptx
+++ b/deep-learning-in-practice-with-pytorch/0-machine-learning.pptx
@@ -5,7 +5,7 @@
     <p:sldMasterId id="2147483648" r:id="rId1"/>
   </p:sldMasterIdLst>
   <p:notesMasterIdLst>
-    <p:notesMasterId r:id="rId34"/>
+    <p:notesMasterId r:id="rId41"/>
   </p:notesMasterIdLst>
   <p:sldIdLst>
     <p:sldId id="257" r:id="rId2"/>
@@ -37,9 +37,16 @@
     <p:sldId id="371" r:id="rId28"/>
     <p:sldId id="375" r:id="rId29"/>
     <p:sldId id="372" r:id="rId30"/>
-    <p:sldId id="373" r:id="rId31"/>
-    <p:sldId id="365" r:id="rId32"/>
-    <p:sldId id="361" r:id="rId33"/>
+    <p:sldId id="376" r:id="rId31"/>
+    <p:sldId id="373" r:id="rId32"/>
+    <p:sldId id="365" r:id="rId33"/>
+    <p:sldId id="377" r:id="rId34"/>
+    <p:sldId id="378" r:id="rId35"/>
+    <p:sldId id="379" r:id="rId36"/>
+    <p:sldId id="380" r:id="rId37"/>
+    <p:sldId id="381" r:id="rId38"/>
+    <p:sldId id="382" r:id="rId39"/>
+    <p:sldId id="361" r:id="rId40"/>
   </p:sldIdLst>
   <p:sldSz cx="12192000" cy="6858000"/>
   <p:notesSz cx="6858000" cy="9144000"/>
@@ -1038,6 +1045,293 @@
     <p:extLst>
       <p:ext uri="{BB962C8B-B14F-4D97-AF65-F5344CB8AC3E}">
         <p14:creationId xmlns:p14="http://schemas.microsoft.com/office/powerpoint/2010/main" val="2750531775"/>
+      </p:ext>
+    </p:extLst>
+  </p:cSld>
+  <p:clrMapOvr>
+    <a:masterClrMapping/>
+  </p:clrMapOvr>
+</p:notes>
+</file>
+
+<file path=ppt/notesSlides/notesSlide7.xml><?xml version="1.0" encoding="utf-8"?>
+<p:notes xmlns:a="http://schemas.openxmlformats.org/drawingml/2006/main" xmlns:r="http://schemas.openxmlformats.org/officeDocument/2006/relationships" xmlns:p="http://schemas.openxmlformats.org/presentationml/2006/main">
+  <p:cSld>
+    <p:spTree>
+      <p:nvGrpSpPr>
+        <p:cNvPr id="1" name=""/>
+        <p:cNvGrpSpPr/>
+        <p:nvPr/>
+      </p:nvGrpSpPr>
+      <p:grpSpPr>
+        <a:xfrm>
+          <a:off x="0" y="0"/>
+          <a:ext cx="0" cy="0"/>
+          <a:chOff x="0" y="0"/>
+          <a:chExt cx="0" cy="0"/>
+        </a:xfrm>
+      </p:grpSpPr>
+      <p:sp>
+        <p:nvSpPr>
+          <p:cNvPr id="2" name="Espace réservé de l'image des diapositives 1"/>
+          <p:cNvSpPr>
+            <a:spLocks noGrp="1" noRot="1" noChangeAspect="1"/>
+          </p:cNvSpPr>
+          <p:nvPr>
+            <p:ph type="sldImg"/>
+          </p:nvPr>
+        </p:nvSpPr>
+        <p:spPr/>
+      </p:sp>
+      <p:sp>
+        <p:nvSpPr>
+          <p:cNvPr id="3" name="Espace réservé des notes 2"/>
+          <p:cNvSpPr>
+            <a:spLocks noGrp="1"/>
+          </p:cNvSpPr>
+          <p:nvPr>
+            <p:ph type="body" idx="1"/>
+          </p:nvPr>
+        </p:nvSpPr>
+        <p:spPr/>
+        <p:txBody>
+          <a:bodyPr/>
+          <a:lstStyle/>
+          <a:p>
+            <a:r>
+              <a:rPr lang="en-US" dirty="0"/>
+              <a:t>Qui </a:t>
+            </a:r>
+            <a:r>
+              <a:rPr lang="en-US" dirty="0" err="1"/>
+              <a:t>chiedi</a:t>
+            </a:r>
+            <a:r>
+              <a:rPr lang="en-US" dirty="0"/>
+              <a:t> </a:t>
+            </a:r>
+            <a:r>
+              <a:rPr lang="en-US" dirty="0" err="1"/>
+              <a:t>cosa</a:t>
+            </a:r>
+            <a:r>
+              <a:rPr lang="en-US" dirty="0"/>
+              <a:t> </a:t>
+            </a:r>
+            <a:r>
+              <a:rPr lang="en-US" dirty="0" err="1"/>
+              <a:t>può</a:t>
+            </a:r>
+            <a:r>
+              <a:rPr lang="en-US" dirty="0"/>
+              <a:t> </a:t>
+            </a:r>
+            <a:r>
+              <a:rPr lang="en-US" dirty="0" err="1"/>
+              <a:t>includere</a:t>
+            </a:r>
+            <a:r>
+              <a:rPr lang="en-US" dirty="0"/>
+              <a:t> il pre-processing</a:t>
+            </a:r>
+          </a:p>
+        </p:txBody>
+      </p:sp>
+      <p:sp>
+        <p:nvSpPr>
+          <p:cNvPr id="4" name="Espace réservé du numéro de diapositive 3"/>
+          <p:cNvSpPr>
+            <a:spLocks noGrp="1"/>
+          </p:cNvSpPr>
+          <p:nvPr>
+            <p:ph type="sldNum" sz="quarter" idx="5"/>
+          </p:nvPr>
+        </p:nvSpPr>
+        <p:spPr/>
+        <p:txBody>
+          <a:bodyPr/>
+          <a:lstStyle/>
+          <a:p>
+            <a:fld id="{48D977CF-5572-4704-BDD5-87BB4760C726}" type="slidenum">
+              <a:rPr lang="en-US" smtClean="0"/>
+              <a:t>33</a:t>
+            </a:fld>
+            <a:endParaRPr lang="en-US"/>
+          </a:p>
+        </p:txBody>
+      </p:sp>
+    </p:spTree>
+    <p:extLst>
+      <p:ext uri="{BB962C8B-B14F-4D97-AF65-F5344CB8AC3E}">
+        <p14:creationId xmlns:p14="http://schemas.microsoft.com/office/powerpoint/2010/main" val="623751587"/>
+      </p:ext>
+    </p:extLst>
+  </p:cSld>
+  <p:clrMapOvr>
+    <a:masterClrMapping/>
+  </p:clrMapOvr>
+</p:notes>
+</file>
+
+<file path=ppt/notesSlides/notesSlide8.xml><?xml version="1.0" encoding="utf-8"?>
+<p:notes xmlns:a="http://schemas.openxmlformats.org/drawingml/2006/main" xmlns:r="http://schemas.openxmlformats.org/officeDocument/2006/relationships" xmlns:p="http://schemas.openxmlformats.org/presentationml/2006/main">
+  <p:cSld>
+    <p:spTree>
+      <p:nvGrpSpPr>
+        <p:cNvPr id="1" name=""/>
+        <p:cNvGrpSpPr/>
+        <p:nvPr/>
+      </p:nvGrpSpPr>
+      <p:grpSpPr>
+        <a:xfrm>
+          <a:off x="0" y="0"/>
+          <a:ext cx="0" cy="0"/>
+          <a:chOff x="0" y="0"/>
+          <a:chExt cx="0" cy="0"/>
+        </a:xfrm>
+      </p:grpSpPr>
+      <p:sp>
+        <p:nvSpPr>
+          <p:cNvPr id="2" name="Espace réservé de l'image des diapositives 1"/>
+          <p:cNvSpPr>
+            <a:spLocks noGrp="1" noRot="1" noChangeAspect="1"/>
+          </p:cNvSpPr>
+          <p:nvPr>
+            <p:ph type="sldImg"/>
+          </p:nvPr>
+        </p:nvSpPr>
+        <p:spPr/>
+      </p:sp>
+      <p:sp>
+        <p:nvSpPr>
+          <p:cNvPr id="3" name="Espace réservé des notes 2"/>
+          <p:cNvSpPr>
+            <a:spLocks noGrp="1"/>
+          </p:cNvSpPr>
+          <p:nvPr>
+            <p:ph type="body" idx="1"/>
+          </p:nvPr>
+        </p:nvSpPr>
+        <p:spPr/>
+        <p:txBody>
+          <a:bodyPr/>
+          <a:lstStyle/>
+          <a:p>
+            <a:endParaRPr lang="en-US" dirty="0"/>
+          </a:p>
+        </p:txBody>
+      </p:sp>
+      <p:sp>
+        <p:nvSpPr>
+          <p:cNvPr id="4" name="Espace réservé du numéro de diapositive 3"/>
+          <p:cNvSpPr>
+            <a:spLocks noGrp="1"/>
+          </p:cNvSpPr>
+          <p:nvPr>
+            <p:ph type="sldNum" sz="quarter" idx="5"/>
+          </p:nvPr>
+        </p:nvSpPr>
+        <p:spPr/>
+        <p:txBody>
+          <a:bodyPr/>
+          <a:lstStyle/>
+          <a:p>
+            <a:fld id="{48D977CF-5572-4704-BDD5-87BB4760C726}" type="slidenum">
+              <a:rPr lang="en-US" smtClean="0"/>
+              <a:t>35</a:t>
+            </a:fld>
+            <a:endParaRPr lang="en-US"/>
+          </a:p>
+        </p:txBody>
+      </p:sp>
+    </p:spTree>
+    <p:extLst>
+      <p:ext uri="{BB962C8B-B14F-4D97-AF65-F5344CB8AC3E}">
+        <p14:creationId xmlns:p14="http://schemas.microsoft.com/office/powerpoint/2010/main" val="280629827"/>
+      </p:ext>
+    </p:extLst>
+  </p:cSld>
+  <p:clrMapOvr>
+    <a:masterClrMapping/>
+  </p:clrMapOvr>
+</p:notes>
+</file>
+
+<file path=ppt/notesSlides/notesSlide9.xml><?xml version="1.0" encoding="utf-8"?>
+<p:notes xmlns:a="http://schemas.openxmlformats.org/drawingml/2006/main" xmlns:r="http://schemas.openxmlformats.org/officeDocument/2006/relationships" xmlns:p="http://schemas.openxmlformats.org/presentationml/2006/main">
+  <p:cSld>
+    <p:spTree>
+      <p:nvGrpSpPr>
+        <p:cNvPr id="1" name=""/>
+        <p:cNvGrpSpPr/>
+        <p:nvPr/>
+      </p:nvGrpSpPr>
+      <p:grpSpPr>
+        <a:xfrm>
+          <a:off x="0" y="0"/>
+          <a:ext cx="0" cy="0"/>
+          <a:chOff x="0" y="0"/>
+          <a:chExt cx="0" cy="0"/>
+        </a:xfrm>
+      </p:grpSpPr>
+      <p:sp>
+        <p:nvSpPr>
+          <p:cNvPr id="2" name="Espace réservé de l'image des diapositives 1"/>
+          <p:cNvSpPr>
+            <a:spLocks noGrp="1" noRot="1" noChangeAspect="1"/>
+          </p:cNvSpPr>
+          <p:nvPr>
+            <p:ph type="sldImg"/>
+          </p:nvPr>
+        </p:nvSpPr>
+        <p:spPr/>
+      </p:sp>
+      <p:sp>
+        <p:nvSpPr>
+          <p:cNvPr id="3" name="Espace réservé des notes 2"/>
+          <p:cNvSpPr>
+            <a:spLocks noGrp="1"/>
+          </p:cNvSpPr>
+          <p:nvPr>
+            <p:ph type="body" idx="1"/>
+          </p:nvPr>
+        </p:nvSpPr>
+        <p:spPr/>
+        <p:txBody>
+          <a:bodyPr/>
+          <a:lstStyle/>
+          <a:p>
+            <a:endParaRPr lang="en-US" dirty="0"/>
+          </a:p>
+        </p:txBody>
+      </p:sp>
+      <p:sp>
+        <p:nvSpPr>
+          <p:cNvPr id="4" name="Espace réservé du numéro de diapositive 3"/>
+          <p:cNvSpPr>
+            <a:spLocks noGrp="1"/>
+          </p:cNvSpPr>
+          <p:nvPr>
+            <p:ph type="sldNum" sz="quarter" idx="5"/>
+          </p:nvPr>
+        </p:nvSpPr>
+        <p:spPr/>
+        <p:txBody>
+          <a:bodyPr/>
+          <a:lstStyle/>
+          <a:p>
+            <a:fld id="{48D977CF-5572-4704-BDD5-87BB4760C726}" type="slidenum">
+              <a:rPr lang="en-US" smtClean="0"/>
+              <a:t>36</a:t>
+            </a:fld>
+            <a:endParaRPr lang="en-US"/>
+          </a:p>
+        </p:txBody>
+      </p:sp>
+    </p:spTree>
+    <p:extLst>
+      <p:ext uri="{BB962C8B-B14F-4D97-AF65-F5344CB8AC3E}">
+        <p14:creationId xmlns:p14="http://schemas.microsoft.com/office/powerpoint/2010/main" val="2293166674"/>
       </p:ext>
     </p:extLst>
   </p:cSld>
@@ -2747,10 +3041,17 @@
           <a:lstStyle/>
           <a:p>
             <a:r>
-              <a:rPr lang="it-IT" sz="9600" dirty="0"/>
-              <a:t>Refresher on Machine Learning</a:t>
-            </a:r>
-            <a:endParaRPr lang="fr-FR" sz="9600" dirty="0"/>
+              <a:rPr lang="it-IT" sz="6600" dirty="0"/>
+              <a:t>Refresher on </a:t>
+            </a:r>
+            <a:br>
+              <a:rPr lang="it-IT" sz="6600" dirty="0"/>
+            </a:br>
+            <a:r>
+              <a:rPr lang="it-IT" sz="6600" dirty="0"/>
+              <a:t>Machine Learning</a:t>
+            </a:r>
+            <a:endParaRPr lang="fr-FR" sz="6600" dirty="0"/>
           </a:p>
         </p:txBody>
       </p:sp>
@@ -7910,6 +8211,53 @@
           <a:chExt cx="0" cy="0"/>
         </a:xfrm>
       </p:grpSpPr>
+      <p:pic>
+        <p:nvPicPr>
+          <p:cNvPr id="4" name="Picture 2" descr="Introduction to Reinforcement Learning for Beginners">
+            <a:extLst>
+              <a:ext uri="{FF2B5EF4-FFF2-40B4-BE49-F238E27FC236}">
+                <a16:creationId xmlns:a16="http://schemas.microsoft.com/office/drawing/2014/main" id="{8455D8B6-A3C4-432A-AC5E-5E16C2699BDD}"/>
+              </a:ext>
+            </a:extLst>
+          </p:cNvPr>
+          <p:cNvPicPr>
+            <a:picLocks noChangeAspect="1" noChangeArrowheads="1"/>
+          </p:cNvPicPr>
+          <p:nvPr/>
+        </p:nvPicPr>
+        <p:blipFill>
+          <a:blip r:embed="rId2">
+            <a:extLst>
+              <a:ext uri="{28A0092B-C50C-407E-A947-70E740481C1C}">
+                <a14:useLocalDpi xmlns:a14="http://schemas.microsoft.com/office/drawing/2010/main" val="0"/>
+              </a:ext>
+            </a:extLst>
+          </a:blip>
+          <a:srcRect/>
+          <a:stretch>
+            <a:fillRect/>
+          </a:stretch>
+        </p:blipFill>
+        <p:spPr bwMode="auto">
+          <a:xfrm>
+            <a:off x="6181725" y="3498850"/>
+            <a:ext cx="5172075" cy="2600325"/>
+          </a:xfrm>
+          <a:prstGeom prst="rect">
+            <a:avLst/>
+          </a:prstGeom>
+          <a:noFill/>
+          <a:extLst>
+            <a:ext uri="{909E8E84-426E-40DD-AFC4-6F175D3DCCD1}">
+              <a14:hiddenFill xmlns:a14="http://schemas.microsoft.com/office/drawing/2010/main">
+                <a:solidFill>
+                  <a:srgbClr val="FFFFFF"/>
+                </a:solidFill>
+              </a14:hiddenFill>
+            </a:ext>
+          </a:extLst>
+        </p:spPr>
+      </p:pic>
       <p:sp>
         <p:nvSpPr>
           <p:cNvPr id="2" name="Titre 1">
@@ -7959,7 +8307,46 @@
           <a:bodyPr/>
           <a:lstStyle/>
           <a:p>
-            <a:endParaRPr lang="en-US"/>
+            <a:r>
+              <a:rPr lang="en-US" dirty="0"/>
+              <a:t>Similar to ML, but not exactly</a:t>
+            </a:r>
+          </a:p>
+          <a:p>
+            <a:pPr lvl="1"/>
+            <a:r>
+              <a:rPr lang="en-US" dirty="0"/>
+              <a:t>No value associated to a single decision</a:t>
+            </a:r>
+          </a:p>
+          <a:p>
+            <a:pPr lvl="1"/>
+            <a:r>
+              <a:rPr lang="en-US" dirty="0"/>
+              <a:t>Reward is consequence of a </a:t>
+            </a:r>
+            <a:r>
+              <a:rPr lang="en-US" i="1" dirty="0"/>
+              <a:t>series</a:t>
+            </a:r>
+            <a:r>
+              <a:rPr lang="en-US" dirty="0"/>
+              <a:t> of decisions</a:t>
+            </a:r>
+          </a:p>
+          <a:p>
+            <a:pPr lvl="1"/>
+            <a:r>
+              <a:rPr lang="en-US" dirty="0"/>
+              <a:t>Example: a chess game; should we trading a Queen for a Knight? Well, it depends on the </a:t>
+            </a:r>
+            <a:r>
+              <a:rPr lang="en-US" b="1" dirty="0"/>
+              <a:t>board state</a:t>
+            </a:r>
+          </a:p>
+          <a:p>
+            <a:endParaRPr lang="en-US" dirty="0"/>
           </a:p>
         </p:txBody>
       </p:sp>
@@ -8073,7 +8460,15 @@
             <a:pPr lvl="1"/>
             <a:r>
               <a:rPr lang="en-US" dirty="0"/>
-              <a:t>Impossible to explore exhaustively!</a:t>
+              <a:t>Impossible to explore exhaustively! (highest is checkers, 10</a:t>
+            </a:r>
+            <a:r>
+              <a:rPr lang="en-US" baseline="30000" dirty="0"/>
+              <a:t>10</a:t>
+            </a:r>
+            <a:r>
+              <a:rPr lang="en-US" dirty="0"/>
+              <a:t>)</a:t>
             </a:r>
           </a:p>
           <a:p>
@@ -8085,7 +8480,7 @@
           <a:p>
             <a:r>
               <a:rPr lang="en-US" dirty="0"/>
-              <a:t>Still, Go (~10</a:t>
+              <a:t>Go (~10</a:t>
             </a:r>
             <a:r>
               <a:rPr lang="en-US" baseline="30000" dirty="0"/>
@@ -8110,6 +8505,14 @@
           </a:p>
           <a:p>
             <a:pPr lvl="1"/>
+            <a:r>
+              <a:rPr lang="en-US" dirty="0"/>
+              <a:t>In 2016, world champion defeated! </a:t>
+            </a:r>
+            <a:r>
+              <a:rPr lang="en-US" b="1" dirty="0"/>
+              <a:t>Deep reinforcement learning</a:t>
+            </a:r>
             <a:endParaRPr lang="en-US" dirty="0"/>
           </a:p>
         </p:txBody>
@@ -8301,7 +8704,16 @@
           <a:bodyPr/>
           <a:lstStyle/>
           <a:p>
-            <a:endParaRPr lang="en-US"/>
+            <a:r>
+              <a:rPr lang="en-US" dirty="0"/>
+              <a:t>What happens when we don’t have the correct answer?</a:t>
+            </a:r>
+          </a:p>
+          <a:p>
+            <a:r>
+              <a:rPr lang="en-US" dirty="0"/>
+              <a:t>For example, separate data into groups</a:t>
+            </a:r>
           </a:p>
         </p:txBody>
       </p:sp>
@@ -10338,13 +10750,8 @@
             <a:pPr lvl="1"/>
             <a:r>
               <a:rPr lang="en-US" dirty="0"/>
-              <a:t>Or possible numerical issues (e.g. </a:t>
-            </a:r>
-            <a:r>
-              <a:rPr lang="en-US"/>
-              <a:t>values too big)</a:t>
-            </a:r>
-            <a:endParaRPr lang="en-US" dirty="0"/>
+              <a:t>Or possible numerical issues (e.g. values too big)</a:t>
+            </a:r>
           </a:p>
         </p:txBody>
       </p:sp>
@@ -11072,7 +11479,7 @@
           <p:cNvPr id="2" name="Titre 1">
             <a:extLst>
               <a:ext uri="{FF2B5EF4-FFF2-40B4-BE49-F238E27FC236}">
-                <a16:creationId xmlns:a16="http://schemas.microsoft.com/office/drawing/2014/main" id="{24803BEE-D182-42F8-92AE-40B6D290B905}"/>
+                <a16:creationId xmlns:a16="http://schemas.microsoft.com/office/drawing/2014/main" id="{BEF44876-89F5-41A3-BCDC-7EF481CCBACB}"/>
               </a:ext>
             </a:extLst>
           </p:cNvPr>
@@ -11090,7 +11497,7 @@
           <a:p>
             <a:r>
               <a:rPr lang="en-US" dirty="0"/>
-              <a:t>Feature construction</a:t>
+              <a:t>Feature selection</a:t>
             </a:r>
           </a:p>
         </p:txBody>
@@ -11100,7 +11507,7 @@
           <p:cNvPr id="3" name="Espace réservé du texte 2">
             <a:extLst>
               <a:ext uri="{FF2B5EF4-FFF2-40B4-BE49-F238E27FC236}">
-                <a16:creationId xmlns:a16="http://schemas.microsoft.com/office/drawing/2014/main" id="{4B2593A4-540B-4982-B66E-3F921E5FC3A6}"/>
+                <a16:creationId xmlns:a16="http://schemas.microsoft.com/office/drawing/2014/main" id="{109416AC-DC52-43DD-9209-E630E641FA84}"/>
               </a:ext>
             </a:extLst>
           </p:cNvPr>
@@ -11123,7 +11530,7 @@
     </p:spTree>
     <p:extLst>
       <p:ext uri="{BB962C8B-B14F-4D97-AF65-F5344CB8AC3E}">
-        <p14:creationId xmlns:p14="http://schemas.microsoft.com/office/powerpoint/2010/main" val="1684186787"/>
+        <p14:creationId xmlns:p14="http://schemas.microsoft.com/office/powerpoint/2010/main" val="2558567936"/>
       </p:ext>
     </p:extLst>
   </p:cSld>
@@ -11152,6 +11559,89 @@
       </p:grpSpPr>
       <p:sp>
         <p:nvSpPr>
+          <p:cNvPr id="2" name="Titre 1">
+            <a:extLst>
+              <a:ext uri="{FF2B5EF4-FFF2-40B4-BE49-F238E27FC236}">
+                <a16:creationId xmlns:a16="http://schemas.microsoft.com/office/drawing/2014/main" id="{24803BEE-D182-42F8-92AE-40B6D290B905}"/>
+              </a:ext>
+            </a:extLst>
+          </p:cNvPr>
+          <p:cNvSpPr>
+            <a:spLocks noGrp="1"/>
+          </p:cNvSpPr>
+          <p:nvPr>
+            <p:ph type="title"/>
+          </p:nvPr>
+        </p:nvSpPr>
+        <p:spPr/>
+        <p:txBody>
+          <a:bodyPr/>
+          <a:lstStyle/>
+          <a:p>
+            <a:r>
+              <a:rPr lang="en-US" dirty="0"/>
+              <a:t>Feature construction</a:t>
+            </a:r>
+          </a:p>
+        </p:txBody>
+      </p:sp>
+      <p:sp>
+        <p:nvSpPr>
+          <p:cNvPr id="3" name="Espace réservé du texte 2">
+            <a:extLst>
+              <a:ext uri="{FF2B5EF4-FFF2-40B4-BE49-F238E27FC236}">
+                <a16:creationId xmlns:a16="http://schemas.microsoft.com/office/drawing/2014/main" id="{4B2593A4-540B-4982-B66E-3F921E5FC3A6}"/>
+              </a:ext>
+            </a:extLst>
+          </p:cNvPr>
+          <p:cNvSpPr>
+            <a:spLocks noGrp="1"/>
+          </p:cNvSpPr>
+          <p:nvPr>
+            <p:ph type="body" sz="quarter" idx="10"/>
+          </p:nvPr>
+        </p:nvSpPr>
+        <p:spPr/>
+        <p:txBody>
+          <a:bodyPr/>
+          <a:lstStyle/>
+          <a:p>
+            <a:endParaRPr lang="en-US"/>
+          </a:p>
+        </p:txBody>
+      </p:sp>
+    </p:spTree>
+    <p:extLst>
+      <p:ext uri="{BB962C8B-B14F-4D97-AF65-F5344CB8AC3E}">
+        <p14:creationId xmlns:p14="http://schemas.microsoft.com/office/powerpoint/2010/main" val="1684186787"/>
+      </p:ext>
+    </p:extLst>
+  </p:cSld>
+  <p:clrMapOvr>
+    <a:masterClrMapping/>
+  </p:clrMapOvr>
+</p:sld>
+</file>
+
+<file path=ppt/slides/slide32.xml><?xml version="1.0" encoding="utf-8"?>
+<p:sld xmlns:a="http://schemas.openxmlformats.org/drawingml/2006/main" xmlns:r="http://schemas.openxmlformats.org/officeDocument/2006/relationships" xmlns:p="http://schemas.openxmlformats.org/presentationml/2006/main">
+  <p:cSld>
+    <p:spTree>
+      <p:nvGrpSpPr>
+        <p:cNvPr id="1" name=""/>
+        <p:cNvGrpSpPr/>
+        <p:nvPr/>
+      </p:nvGrpSpPr>
+      <p:grpSpPr>
+        <a:xfrm>
+          <a:off x="0" y="0"/>
+          <a:ext cx="0" cy="0"/>
+          <a:chOff x="0" y="0"/>
+          <a:chExt cx="0" cy="0"/>
+        </a:xfrm>
+      </p:grpSpPr>
+      <p:sp>
+        <p:nvSpPr>
           <p:cNvPr id="11" name="Rectangle : coins arrondis 10">
             <a:extLst>
               <a:ext uri="{FF2B5EF4-FFF2-40B4-BE49-F238E27FC236}">
@@ -11804,7 +12294,2117 @@
 </p:sld>
 </file>
 
-<file path=ppt/slides/slide32.xml><?xml version="1.0" encoding="utf-8"?>
+<file path=ppt/slides/slide33.xml><?xml version="1.0" encoding="utf-8"?>
+<p:sld xmlns:a="http://schemas.openxmlformats.org/drawingml/2006/main" xmlns:r="http://schemas.openxmlformats.org/officeDocument/2006/relationships" xmlns:p="http://schemas.openxmlformats.org/presentationml/2006/main">
+  <p:cSld>
+    <p:spTree>
+      <p:nvGrpSpPr>
+        <p:cNvPr id="1" name=""/>
+        <p:cNvGrpSpPr/>
+        <p:nvPr/>
+      </p:nvGrpSpPr>
+      <p:grpSpPr>
+        <a:xfrm>
+          <a:off x="0" y="0"/>
+          <a:ext cx="0" cy="0"/>
+          <a:chOff x="0" y="0"/>
+          <a:chExt cx="0" cy="0"/>
+        </a:xfrm>
+      </p:grpSpPr>
+      <p:sp>
+        <p:nvSpPr>
+          <p:cNvPr id="11" name="Rectangle : coins arrondis 10">
+            <a:extLst>
+              <a:ext uri="{FF2B5EF4-FFF2-40B4-BE49-F238E27FC236}">
+                <a16:creationId xmlns:a16="http://schemas.microsoft.com/office/drawing/2014/main" id="{26013B2E-CC3B-413E-8CDB-4F1697F804B5}"/>
+              </a:ext>
+            </a:extLst>
+          </p:cNvPr>
+          <p:cNvSpPr/>
+          <p:nvPr/>
+        </p:nvSpPr>
+        <p:spPr>
+          <a:xfrm>
+            <a:off x="8152222" y="1960775"/>
+            <a:ext cx="2950981" cy="3638747"/>
+          </a:xfrm>
+          <a:prstGeom prst="roundRect">
+            <a:avLst/>
+          </a:prstGeom>
+          <a:ln/>
+        </p:spPr>
+        <p:style>
+          <a:lnRef idx="2">
+            <a:schemeClr val="accent2"/>
+          </a:lnRef>
+          <a:fillRef idx="1">
+            <a:schemeClr val="lt1"/>
+          </a:fillRef>
+          <a:effectRef idx="0">
+            <a:schemeClr val="accent2"/>
+          </a:effectRef>
+          <a:fontRef idx="minor">
+            <a:schemeClr val="dk1"/>
+          </a:fontRef>
+        </p:style>
+        <p:txBody>
+          <a:bodyPr rtlCol="0" anchor="t"/>
+          <a:lstStyle/>
+          <a:p>
+            <a:pPr algn="ctr"/>
+            <a:r>
+              <a:rPr lang="en-US" dirty="0"/>
+              <a:t>Machine Learning</a:t>
+            </a:r>
+          </a:p>
+        </p:txBody>
+      </p:sp>
+      <p:sp>
+        <p:nvSpPr>
+          <p:cNvPr id="2" name="Titre 1">
+            <a:extLst>
+              <a:ext uri="{FF2B5EF4-FFF2-40B4-BE49-F238E27FC236}">
+                <a16:creationId xmlns:a16="http://schemas.microsoft.com/office/drawing/2014/main" id="{A5420EFC-FFB3-4740-9D5B-A9BB5F6B612F}"/>
+              </a:ext>
+            </a:extLst>
+          </p:cNvPr>
+          <p:cNvSpPr>
+            <a:spLocks noGrp="1"/>
+          </p:cNvSpPr>
+          <p:nvPr>
+            <p:ph type="title"/>
+          </p:nvPr>
+        </p:nvSpPr>
+        <p:spPr/>
+        <p:txBody>
+          <a:bodyPr/>
+          <a:lstStyle/>
+          <a:p>
+            <a:r>
+              <a:rPr lang="en-US" dirty="0"/>
+              <a:t>Machine Learning pipeline</a:t>
+            </a:r>
+          </a:p>
+        </p:txBody>
+      </p:sp>
+      <p:sp>
+        <p:nvSpPr>
+          <p:cNvPr id="4" name="Organigramme : Disque magnétique 3">
+            <a:extLst>
+              <a:ext uri="{FF2B5EF4-FFF2-40B4-BE49-F238E27FC236}">
+                <a16:creationId xmlns:a16="http://schemas.microsoft.com/office/drawing/2014/main" id="{7C72C114-1A3F-4108-81DB-BC96D0970337}"/>
+              </a:ext>
+            </a:extLst>
+          </p:cNvPr>
+          <p:cNvSpPr/>
+          <p:nvPr/>
+        </p:nvSpPr>
+        <p:spPr>
+          <a:xfrm>
+            <a:off x="761998" y="3007151"/>
+            <a:ext cx="1867293" cy="1611983"/>
+          </a:xfrm>
+          <a:prstGeom prst="flowChartMagneticDisk">
+            <a:avLst/>
+          </a:prstGeom>
+        </p:spPr>
+        <p:style>
+          <a:lnRef idx="2">
+            <a:schemeClr val="dk1"/>
+          </a:lnRef>
+          <a:fillRef idx="1">
+            <a:schemeClr val="lt1"/>
+          </a:fillRef>
+          <a:effectRef idx="0">
+            <a:schemeClr val="dk1"/>
+          </a:effectRef>
+          <a:fontRef idx="minor">
+            <a:schemeClr val="dk1"/>
+          </a:fontRef>
+        </p:style>
+        <p:txBody>
+          <a:bodyPr rtlCol="0" anchor="ctr"/>
+          <a:lstStyle/>
+          <a:p>
+            <a:pPr algn="ctr"/>
+            <a:r>
+              <a:rPr lang="en-US" dirty="0"/>
+              <a:t>Raw data</a:t>
+            </a:r>
+          </a:p>
+        </p:txBody>
+      </p:sp>
+      <p:sp>
+        <p:nvSpPr>
+          <p:cNvPr id="5" name="Rectangle : coins arrondis 4">
+            <a:extLst>
+              <a:ext uri="{FF2B5EF4-FFF2-40B4-BE49-F238E27FC236}">
+                <a16:creationId xmlns:a16="http://schemas.microsoft.com/office/drawing/2014/main" id="{E6D5FD6A-1026-4A3F-974B-CBE700AB2544}"/>
+              </a:ext>
+            </a:extLst>
+          </p:cNvPr>
+          <p:cNvSpPr/>
+          <p:nvPr/>
+        </p:nvSpPr>
+        <p:spPr>
+          <a:xfrm>
+            <a:off x="3276206" y="3307615"/>
+            <a:ext cx="1791093" cy="1095866"/>
+          </a:xfrm>
+          <a:prstGeom prst="roundRect">
+            <a:avLst/>
+          </a:prstGeom>
+        </p:spPr>
+        <p:style>
+          <a:lnRef idx="2">
+            <a:schemeClr val="accent6"/>
+          </a:lnRef>
+          <a:fillRef idx="1">
+            <a:schemeClr val="lt1"/>
+          </a:fillRef>
+          <a:effectRef idx="0">
+            <a:schemeClr val="accent6"/>
+          </a:effectRef>
+          <a:fontRef idx="minor">
+            <a:schemeClr val="dk1"/>
+          </a:fontRef>
+        </p:style>
+        <p:txBody>
+          <a:bodyPr rtlCol="0" anchor="ctr"/>
+          <a:lstStyle/>
+          <a:p>
+            <a:pPr algn="ctr"/>
+            <a:r>
+              <a:rPr lang="en-US" dirty="0"/>
+              <a:t>Preprocessing</a:t>
+            </a:r>
+          </a:p>
+        </p:txBody>
+      </p:sp>
+      <p:sp>
+        <p:nvSpPr>
+          <p:cNvPr id="6" name="Rectangle : coins arrondis 5">
+            <a:extLst>
+              <a:ext uri="{FF2B5EF4-FFF2-40B4-BE49-F238E27FC236}">
+                <a16:creationId xmlns:a16="http://schemas.microsoft.com/office/drawing/2014/main" id="{EED3D23D-DCE6-461A-9290-2AE5D2A13024}"/>
+              </a:ext>
+            </a:extLst>
+          </p:cNvPr>
+          <p:cNvSpPr/>
+          <p:nvPr/>
+        </p:nvSpPr>
+        <p:spPr>
+          <a:xfrm>
+            <a:off x="5714214" y="3307629"/>
+            <a:ext cx="1791093" cy="1095866"/>
+          </a:xfrm>
+          <a:prstGeom prst="roundRect">
+            <a:avLst/>
+          </a:prstGeom>
+          <a:ln>
+            <a:solidFill>
+              <a:schemeClr val="accent1"/>
+            </a:solidFill>
+          </a:ln>
+        </p:spPr>
+        <p:style>
+          <a:lnRef idx="2">
+            <a:schemeClr val="accent6"/>
+          </a:lnRef>
+          <a:fillRef idx="1">
+            <a:schemeClr val="lt1"/>
+          </a:fillRef>
+          <a:effectRef idx="0">
+            <a:schemeClr val="accent6"/>
+          </a:effectRef>
+          <a:fontRef idx="minor">
+            <a:schemeClr val="dk1"/>
+          </a:fontRef>
+        </p:style>
+        <p:txBody>
+          <a:bodyPr rtlCol="0" anchor="ctr"/>
+          <a:lstStyle/>
+          <a:p>
+            <a:pPr algn="ctr"/>
+            <a:r>
+              <a:rPr lang="en-US" dirty="0"/>
+              <a:t>Feature engineering</a:t>
+            </a:r>
+          </a:p>
+        </p:txBody>
+      </p:sp>
+      <p:sp>
+        <p:nvSpPr>
+          <p:cNvPr id="7" name="Rectangle : coins arrondis 6">
+            <a:extLst>
+              <a:ext uri="{FF2B5EF4-FFF2-40B4-BE49-F238E27FC236}">
+                <a16:creationId xmlns:a16="http://schemas.microsoft.com/office/drawing/2014/main" id="{881C9840-4F76-4F8B-8CC9-87B790F8CDF2}"/>
+              </a:ext>
+            </a:extLst>
+          </p:cNvPr>
+          <p:cNvSpPr/>
+          <p:nvPr/>
+        </p:nvSpPr>
+        <p:spPr>
+          <a:xfrm>
+            <a:off x="8480589" y="2668788"/>
+            <a:ext cx="2331171" cy="677567"/>
+          </a:xfrm>
+          <a:prstGeom prst="roundRect">
+            <a:avLst/>
+          </a:prstGeom>
+          <a:solidFill>
+            <a:schemeClr val="accent2">
+              <a:lumMod val="75000"/>
+            </a:schemeClr>
+          </a:solidFill>
+          <a:ln/>
+        </p:spPr>
+        <p:style>
+          <a:lnRef idx="2">
+            <a:schemeClr val="accent2"/>
+          </a:lnRef>
+          <a:fillRef idx="1">
+            <a:schemeClr val="lt1"/>
+          </a:fillRef>
+          <a:effectRef idx="0">
+            <a:schemeClr val="accent2"/>
+          </a:effectRef>
+          <a:fontRef idx="minor">
+            <a:schemeClr val="dk1"/>
+          </a:fontRef>
+        </p:style>
+        <p:txBody>
+          <a:bodyPr rtlCol="0" anchor="ctr"/>
+          <a:lstStyle/>
+          <a:p>
+            <a:pPr algn="ctr"/>
+            <a:r>
+              <a:rPr lang="en-US" dirty="0">
+                <a:solidFill>
+                  <a:schemeClr val="bg1"/>
+                </a:solidFill>
+              </a:rPr>
+              <a:t>Model selection</a:t>
+            </a:r>
+          </a:p>
+        </p:txBody>
+      </p:sp>
+      <p:sp>
+        <p:nvSpPr>
+          <p:cNvPr id="9" name="Rectangle : coins arrondis 8">
+            <a:extLst>
+              <a:ext uri="{FF2B5EF4-FFF2-40B4-BE49-F238E27FC236}">
+                <a16:creationId xmlns:a16="http://schemas.microsoft.com/office/drawing/2014/main" id="{9CDF2850-8F9D-4F03-9337-08204EE86A4B}"/>
+              </a:ext>
+            </a:extLst>
+          </p:cNvPr>
+          <p:cNvSpPr/>
+          <p:nvPr/>
+        </p:nvSpPr>
+        <p:spPr>
+          <a:xfrm>
+            <a:off x="8480589" y="3536135"/>
+            <a:ext cx="2331171" cy="677566"/>
+          </a:xfrm>
+          <a:prstGeom prst="roundRect">
+            <a:avLst/>
+          </a:prstGeom>
+          <a:solidFill>
+            <a:schemeClr val="accent2">
+              <a:lumMod val="60000"/>
+              <a:lumOff val="40000"/>
+            </a:schemeClr>
+          </a:solidFill>
+          <a:ln/>
+        </p:spPr>
+        <p:style>
+          <a:lnRef idx="2">
+            <a:schemeClr val="accent2"/>
+          </a:lnRef>
+          <a:fillRef idx="1">
+            <a:schemeClr val="lt1"/>
+          </a:fillRef>
+          <a:effectRef idx="0">
+            <a:schemeClr val="accent2"/>
+          </a:effectRef>
+          <a:fontRef idx="minor">
+            <a:schemeClr val="dk1"/>
+          </a:fontRef>
+        </p:style>
+        <p:txBody>
+          <a:bodyPr rtlCol="0" anchor="ctr"/>
+          <a:lstStyle/>
+          <a:p>
+            <a:pPr algn="ctr"/>
+            <a:r>
+              <a:rPr lang="en-US" dirty="0"/>
+              <a:t>Hyperparameter tuning</a:t>
+            </a:r>
+          </a:p>
+        </p:txBody>
+      </p:sp>
+      <p:sp>
+        <p:nvSpPr>
+          <p:cNvPr id="10" name="Rectangle : coins arrondis 9">
+            <a:extLst>
+              <a:ext uri="{FF2B5EF4-FFF2-40B4-BE49-F238E27FC236}">
+                <a16:creationId xmlns:a16="http://schemas.microsoft.com/office/drawing/2014/main" id="{2D340371-28B8-455F-B881-A909062EAFF2}"/>
+              </a:ext>
+            </a:extLst>
+          </p:cNvPr>
+          <p:cNvSpPr/>
+          <p:nvPr/>
+        </p:nvSpPr>
+        <p:spPr>
+          <a:xfrm>
+            <a:off x="8480588" y="4403481"/>
+            <a:ext cx="2331171" cy="677566"/>
+          </a:xfrm>
+          <a:prstGeom prst="roundRect">
+            <a:avLst/>
+          </a:prstGeom>
+          <a:solidFill>
+            <a:schemeClr val="accent2">
+              <a:lumMod val="40000"/>
+              <a:lumOff val="60000"/>
+            </a:schemeClr>
+          </a:solidFill>
+          <a:ln/>
+        </p:spPr>
+        <p:style>
+          <a:lnRef idx="2">
+            <a:schemeClr val="accent2"/>
+          </a:lnRef>
+          <a:fillRef idx="1">
+            <a:schemeClr val="lt1"/>
+          </a:fillRef>
+          <a:effectRef idx="0">
+            <a:schemeClr val="accent2"/>
+          </a:effectRef>
+          <a:fontRef idx="minor">
+            <a:schemeClr val="dk1"/>
+          </a:fontRef>
+        </p:style>
+        <p:txBody>
+          <a:bodyPr rtlCol="0" anchor="ctr"/>
+          <a:lstStyle/>
+          <a:p>
+            <a:pPr algn="ctr"/>
+            <a:r>
+              <a:rPr lang="en-US" dirty="0"/>
+              <a:t>Training and validation</a:t>
+            </a:r>
+          </a:p>
+        </p:txBody>
+      </p:sp>
+      <p:sp>
+        <p:nvSpPr>
+          <p:cNvPr id="12" name="Flèche : droite 11">
+            <a:extLst>
+              <a:ext uri="{FF2B5EF4-FFF2-40B4-BE49-F238E27FC236}">
+                <a16:creationId xmlns:a16="http://schemas.microsoft.com/office/drawing/2014/main" id="{98B44FC7-2E2E-40E3-9F38-2053326FE093}"/>
+              </a:ext>
+            </a:extLst>
+          </p:cNvPr>
+          <p:cNvSpPr/>
+          <p:nvPr/>
+        </p:nvSpPr>
+        <p:spPr>
+          <a:xfrm>
+            <a:off x="2629291" y="3573259"/>
+            <a:ext cx="778103" cy="479765"/>
+          </a:xfrm>
+          <a:prstGeom prst="rightArrow">
+            <a:avLst/>
+          </a:prstGeom>
+        </p:spPr>
+        <p:style>
+          <a:lnRef idx="2">
+            <a:schemeClr val="dk1"/>
+          </a:lnRef>
+          <a:fillRef idx="1">
+            <a:schemeClr val="lt1"/>
+          </a:fillRef>
+          <a:effectRef idx="0">
+            <a:schemeClr val="dk1"/>
+          </a:effectRef>
+          <a:fontRef idx="minor">
+            <a:schemeClr val="dk1"/>
+          </a:fontRef>
+        </p:style>
+        <p:txBody>
+          <a:bodyPr rtlCol="0" anchor="ctr"/>
+          <a:lstStyle/>
+          <a:p>
+            <a:pPr algn="ctr"/>
+            <a:endParaRPr lang="en-US"/>
+          </a:p>
+        </p:txBody>
+      </p:sp>
+      <p:sp>
+        <p:nvSpPr>
+          <p:cNvPr id="13" name="Flèche : droite 12">
+            <a:extLst>
+              <a:ext uri="{FF2B5EF4-FFF2-40B4-BE49-F238E27FC236}">
+                <a16:creationId xmlns:a16="http://schemas.microsoft.com/office/drawing/2014/main" id="{60828FC5-75BB-4604-850A-76BD9F07E5A2}"/>
+              </a:ext>
+            </a:extLst>
+          </p:cNvPr>
+          <p:cNvSpPr/>
+          <p:nvPr/>
+        </p:nvSpPr>
+        <p:spPr>
+          <a:xfrm>
+            <a:off x="5067299" y="3573259"/>
+            <a:ext cx="778103" cy="479765"/>
+          </a:xfrm>
+          <a:prstGeom prst="rightArrow">
+            <a:avLst/>
+          </a:prstGeom>
+        </p:spPr>
+        <p:style>
+          <a:lnRef idx="2">
+            <a:schemeClr val="dk1"/>
+          </a:lnRef>
+          <a:fillRef idx="1">
+            <a:schemeClr val="lt1"/>
+          </a:fillRef>
+          <a:effectRef idx="0">
+            <a:schemeClr val="dk1"/>
+          </a:effectRef>
+          <a:fontRef idx="minor">
+            <a:schemeClr val="dk1"/>
+          </a:fontRef>
+        </p:style>
+        <p:txBody>
+          <a:bodyPr rtlCol="0" anchor="ctr"/>
+          <a:lstStyle/>
+          <a:p>
+            <a:pPr algn="ctr"/>
+            <a:endParaRPr lang="en-US"/>
+          </a:p>
+        </p:txBody>
+      </p:sp>
+      <p:sp>
+        <p:nvSpPr>
+          <p:cNvPr id="14" name="Flèche : droite 13">
+            <a:extLst>
+              <a:ext uri="{FF2B5EF4-FFF2-40B4-BE49-F238E27FC236}">
+                <a16:creationId xmlns:a16="http://schemas.microsoft.com/office/drawing/2014/main" id="{24B54F9A-3828-49C7-98E5-A37788AE27BC}"/>
+              </a:ext>
+            </a:extLst>
+          </p:cNvPr>
+          <p:cNvSpPr/>
+          <p:nvPr/>
+        </p:nvSpPr>
+        <p:spPr>
+          <a:xfrm>
+            <a:off x="7505307" y="3615665"/>
+            <a:ext cx="778103" cy="479765"/>
+          </a:xfrm>
+          <a:prstGeom prst="rightArrow">
+            <a:avLst/>
+          </a:prstGeom>
+        </p:spPr>
+        <p:style>
+          <a:lnRef idx="2">
+            <a:schemeClr val="dk1"/>
+          </a:lnRef>
+          <a:fillRef idx="1">
+            <a:schemeClr val="lt1"/>
+          </a:fillRef>
+          <a:effectRef idx="0">
+            <a:schemeClr val="dk1"/>
+          </a:effectRef>
+          <a:fontRef idx="minor">
+            <a:schemeClr val="dk1"/>
+          </a:fontRef>
+        </p:style>
+        <p:txBody>
+          <a:bodyPr rtlCol="0" anchor="ctr"/>
+          <a:lstStyle/>
+          <a:p>
+            <a:pPr algn="ctr"/>
+            <a:endParaRPr lang="en-US"/>
+          </a:p>
+        </p:txBody>
+      </p:sp>
+      <p:sp>
+        <p:nvSpPr>
+          <p:cNvPr id="3" name="Bulle narrative : rectangle 2">
+            <a:extLst>
+              <a:ext uri="{FF2B5EF4-FFF2-40B4-BE49-F238E27FC236}">
+                <a16:creationId xmlns:a16="http://schemas.microsoft.com/office/drawing/2014/main" id="{C6689762-CBB9-49C4-8F17-5B84F3D4ECE9}"/>
+              </a:ext>
+            </a:extLst>
+          </p:cNvPr>
+          <p:cNvSpPr/>
+          <p:nvPr/>
+        </p:nvSpPr>
+        <p:spPr>
+          <a:xfrm>
+            <a:off x="4147795" y="4781406"/>
+            <a:ext cx="3503824" cy="818116"/>
+          </a:xfrm>
+          <a:prstGeom prst="wedgeRectCallout">
+            <a:avLst>
+              <a:gd name="adj1" fmla="val 81060"/>
+              <a:gd name="adj2" fmla="val -138046"/>
+            </a:avLst>
+          </a:prstGeom>
+        </p:spPr>
+        <p:style>
+          <a:lnRef idx="2">
+            <a:schemeClr val="accent2"/>
+          </a:lnRef>
+          <a:fillRef idx="1">
+            <a:schemeClr val="lt1"/>
+          </a:fillRef>
+          <a:effectRef idx="0">
+            <a:schemeClr val="accent2"/>
+          </a:effectRef>
+          <a:fontRef idx="minor">
+            <a:schemeClr val="dk1"/>
+          </a:fontRef>
+        </p:style>
+        <p:txBody>
+          <a:bodyPr rtlCol="0" anchor="ctr"/>
+          <a:lstStyle/>
+          <a:p>
+            <a:pPr algn="ctr"/>
+            <a:r>
+              <a:rPr lang="en-US" dirty="0"/>
+              <a:t>Adjust all ML algorithm parameters set </a:t>
+            </a:r>
+            <a:r>
+              <a:rPr lang="en-US" i="1" dirty="0"/>
+              <a:t>before</a:t>
+            </a:r>
+            <a:r>
+              <a:rPr lang="en-US" dirty="0"/>
+              <a:t> training starts</a:t>
+            </a:r>
+          </a:p>
+        </p:txBody>
+      </p:sp>
+    </p:spTree>
+    <p:extLst>
+      <p:ext uri="{BB962C8B-B14F-4D97-AF65-F5344CB8AC3E}">
+        <p14:creationId xmlns:p14="http://schemas.microsoft.com/office/powerpoint/2010/main" val="1961127763"/>
+      </p:ext>
+    </p:extLst>
+  </p:cSld>
+  <p:clrMapOvr>
+    <a:masterClrMapping/>
+  </p:clrMapOvr>
+</p:sld>
+</file>
+
+<file path=ppt/slides/slide34.xml><?xml version="1.0" encoding="utf-8"?>
+<p:sld xmlns:a="http://schemas.openxmlformats.org/drawingml/2006/main" xmlns:r="http://schemas.openxmlformats.org/officeDocument/2006/relationships" xmlns:p="http://schemas.openxmlformats.org/presentationml/2006/main">
+  <p:cSld>
+    <p:spTree>
+      <p:nvGrpSpPr>
+        <p:cNvPr id="1" name=""/>
+        <p:cNvGrpSpPr/>
+        <p:nvPr/>
+      </p:nvGrpSpPr>
+      <p:grpSpPr>
+        <a:xfrm>
+          <a:off x="0" y="0"/>
+          <a:ext cx="0" cy="0"/>
+          <a:chOff x="0" y="0"/>
+          <a:chExt cx="0" cy="0"/>
+        </a:xfrm>
+      </p:grpSpPr>
+      <p:sp>
+        <p:nvSpPr>
+          <p:cNvPr id="2" name="Titre 1">
+            <a:extLst>
+              <a:ext uri="{FF2B5EF4-FFF2-40B4-BE49-F238E27FC236}">
+                <a16:creationId xmlns:a16="http://schemas.microsoft.com/office/drawing/2014/main" id="{9912661D-1A1D-44AD-8E7C-4AE166B0BB84}"/>
+              </a:ext>
+            </a:extLst>
+          </p:cNvPr>
+          <p:cNvSpPr>
+            <a:spLocks noGrp="1"/>
+          </p:cNvSpPr>
+          <p:nvPr>
+            <p:ph type="title"/>
+          </p:nvPr>
+        </p:nvSpPr>
+        <p:spPr/>
+        <p:txBody>
+          <a:bodyPr/>
+          <a:lstStyle/>
+          <a:p>
+            <a:r>
+              <a:rPr lang="en-US" dirty="0"/>
+              <a:t>Hyperparameter tuning</a:t>
+            </a:r>
+          </a:p>
+        </p:txBody>
+      </p:sp>
+      <p:sp>
+        <p:nvSpPr>
+          <p:cNvPr id="3" name="Espace réservé du texte 2">
+            <a:extLst>
+              <a:ext uri="{FF2B5EF4-FFF2-40B4-BE49-F238E27FC236}">
+                <a16:creationId xmlns:a16="http://schemas.microsoft.com/office/drawing/2014/main" id="{8115ECAD-734D-4AEB-9714-A464E1D5CE54}"/>
+              </a:ext>
+            </a:extLst>
+          </p:cNvPr>
+          <p:cNvSpPr>
+            <a:spLocks noGrp="1"/>
+          </p:cNvSpPr>
+          <p:nvPr>
+            <p:ph type="body" sz="quarter" idx="10"/>
+          </p:nvPr>
+        </p:nvSpPr>
+        <p:spPr/>
+        <p:txBody>
+          <a:bodyPr/>
+          <a:lstStyle/>
+          <a:p>
+            <a:endParaRPr lang="en-US"/>
+          </a:p>
+        </p:txBody>
+      </p:sp>
+    </p:spTree>
+    <p:extLst>
+      <p:ext uri="{BB962C8B-B14F-4D97-AF65-F5344CB8AC3E}">
+        <p14:creationId xmlns:p14="http://schemas.microsoft.com/office/powerpoint/2010/main" val="989325629"/>
+      </p:ext>
+    </p:extLst>
+  </p:cSld>
+  <p:clrMapOvr>
+    <a:masterClrMapping/>
+  </p:clrMapOvr>
+</p:sld>
+</file>
+
+<file path=ppt/slides/slide35.xml><?xml version="1.0" encoding="utf-8"?>
+<p:sld xmlns:a="http://schemas.openxmlformats.org/drawingml/2006/main" xmlns:r="http://schemas.openxmlformats.org/officeDocument/2006/relationships" xmlns:p="http://schemas.openxmlformats.org/presentationml/2006/main">
+  <p:cSld>
+    <p:spTree>
+      <p:nvGrpSpPr>
+        <p:cNvPr id="1" name=""/>
+        <p:cNvGrpSpPr/>
+        <p:nvPr/>
+      </p:nvGrpSpPr>
+      <p:grpSpPr>
+        <a:xfrm>
+          <a:off x="0" y="0"/>
+          <a:ext cx="0" cy="0"/>
+          <a:chOff x="0" y="0"/>
+          <a:chExt cx="0" cy="0"/>
+        </a:xfrm>
+      </p:grpSpPr>
+      <p:sp>
+        <p:nvSpPr>
+          <p:cNvPr id="11" name="Rectangle : coins arrondis 10">
+            <a:extLst>
+              <a:ext uri="{FF2B5EF4-FFF2-40B4-BE49-F238E27FC236}">
+                <a16:creationId xmlns:a16="http://schemas.microsoft.com/office/drawing/2014/main" id="{26013B2E-CC3B-413E-8CDB-4F1697F804B5}"/>
+              </a:ext>
+            </a:extLst>
+          </p:cNvPr>
+          <p:cNvSpPr/>
+          <p:nvPr/>
+        </p:nvSpPr>
+        <p:spPr>
+          <a:xfrm>
+            <a:off x="8152222" y="1960775"/>
+            <a:ext cx="2950981" cy="3638747"/>
+          </a:xfrm>
+          <a:prstGeom prst="roundRect">
+            <a:avLst/>
+          </a:prstGeom>
+          <a:ln/>
+        </p:spPr>
+        <p:style>
+          <a:lnRef idx="2">
+            <a:schemeClr val="accent2"/>
+          </a:lnRef>
+          <a:fillRef idx="1">
+            <a:schemeClr val="lt1"/>
+          </a:fillRef>
+          <a:effectRef idx="0">
+            <a:schemeClr val="accent2"/>
+          </a:effectRef>
+          <a:fontRef idx="minor">
+            <a:schemeClr val="dk1"/>
+          </a:fontRef>
+        </p:style>
+        <p:txBody>
+          <a:bodyPr rtlCol="0" anchor="t"/>
+          <a:lstStyle/>
+          <a:p>
+            <a:pPr algn="ctr"/>
+            <a:r>
+              <a:rPr lang="en-US" dirty="0"/>
+              <a:t>Machine Learning</a:t>
+            </a:r>
+          </a:p>
+        </p:txBody>
+      </p:sp>
+      <p:sp>
+        <p:nvSpPr>
+          <p:cNvPr id="2" name="Titre 1">
+            <a:extLst>
+              <a:ext uri="{FF2B5EF4-FFF2-40B4-BE49-F238E27FC236}">
+                <a16:creationId xmlns:a16="http://schemas.microsoft.com/office/drawing/2014/main" id="{A5420EFC-FFB3-4740-9D5B-A9BB5F6B612F}"/>
+              </a:ext>
+            </a:extLst>
+          </p:cNvPr>
+          <p:cNvSpPr>
+            <a:spLocks noGrp="1"/>
+          </p:cNvSpPr>
+          <p:nvPr>
+            <p:ph type="title"/>
+          </p:nvPr>
+        </p:nvSpPr>
+        <p:spPr/>
+        <p:txBody>
+          <a:bodyPr/>
+          <a:lstStyle/>
+          <a:p>
+            <a:r>
+              <a:rPr lang="en-US" dirty="0"/>
+              <a:t>Machine Learning pipeline</a:t>
+            </a:r>
+          </a:p>
+        </p:txBody>
+      </p:sp>
+      <p:sp>
+        <p:nvSpPr>
+          <p:cNvPr id="4" name="Organigramme : Disque magnétique 3">
+            <a:extLst>
+              <a:ext uri="{FF2B5EF4-FFF2-40B4-BE49-F238E27FC236}">
+                <a16:creationId xmlns:a16="http://schemas.microsoft.com/office/drawing/2014/main" id="{7C72C114-1A3F-4108-81DB-BC96D0970337}"/>
+              </a:ext>
+            </a:extLst>
+          </p:cNvPr>
+          <p:cNvSpPr/>
+          <p:nvPr/>
+        </p:nvSpPr>
+        <p:spPr>
+          <a:xfrm>
+            <a:off x="761998" y="3007151"/>
+            <a:ext cx="1867293" cy="1611983"/>
+          </a:xfrm>
+          <a:prstGeom prst="flowChartMagneticDisk">
+            <a:avLst/>
+          </a:prstGeom>
+        </p:spPr>
+        <p:style>
+          <a:lnRef idx="2">
+            <a:schemeClr val="dk1"/>
+          </a:lnRef>
+          <a:fillRef idx="1">
+            <a:schemeClr val="lt1"/>
+          </a:fillRef>
+          <a:effectRef idx="0">
+            <a:schemeClr val="dk1"/>
+          </a:effectRef>
+          <a:fontRef idx="minor">
+            <a:schemeClr val="dk1"/>
+          </a:fontRef>
+        </p:style>
+        <p:txBody>
+          <a:bodyPr rtlCol="0" anchor="ctr"/>
+          <a:lstStyle/>
+          <a:p>
+            <a:pPr algn="ctr"/>
+            <a:r>
+              <a:rPr lang="en-US" dirty="0"/>
+              <a:t>Raw data</a:t>
+            </a:r>
+          </a:p>
+        </p:txBody>
+      </p:sp>
+      <p:sp>
+        <p:nvSpPr>
+          <p:cNvPr id="5" name="Rectangle : coins arrondis 4">
+            <a:extLst>
+              <a:ext uri="{FF2B5EF4-FFF2-40B4-BE49-F238E27FC236}">
+                <a16:creationId xmlns:a16="http://schemas.microsoft.com/office/drawing/2014/main" id="{E6D5FD6A-1026-4A3F-974B-CBE700AB2544}"/>
+              </a:ext>
+            </a:extLst>
+          </p:cNvPr>
+          <p:cNvSpPr/>
+          <p:nvPr/>
+        </p:nvSpPr>
+        <p:spPr>
+          <a:xfrm>
+            <a:off x="3276206" y="3307615"/>
+            <a:ext cx="1791093" cy="1095866"/>
+          </a:xfrm>
+          <a:prstGeom prst="roundRect">
+            <a:avLst/>
+          </a:prstGeom>
+        </p:spPr>
+        <p:style>
+          <a:lnRef idx="2">
+            <a:schemeClr val="accent6"/>
+          </a:lnRef>
+          <a:fillRef idx="1">
+            <a:schemeClr val="lt1"/>
+          </a:fillRef>
+          <a:effectRef idx="0">
+            <a:schemeClr val="accent6"/>
+          </a:effectRef>
+          <a:fontRef idx="minor">
+            <a:schemeClr val="dk1"/>
+          </a:fontRef>
+        </p:style>
+        <p:txBody>
+          <a:bodyPr rtlCol="0" anchor="ctr"/>
+          <a:lstStyle/>
+          <a:p>
+            <a:pPr algn="ctr"/>
+            <a:r>
+              <a:rPr lang="en-US" dirty="0"/>
+              <a:t>Preprocessing</a:t>
+            </a:r>
+          </a:p>
+        </p:txBody>
+      </p:sp>
+      <p:sp>
+        <p:nvSpPr>
+          <p:cNvPr id="6" name="Rectangle : coins arrondis 5">
+            <a:extLst>
+              <a:ext uri="{FF2B5EF4-FFF2-40B4-BE49-F238E27FC236}">
+                <a16:creationId xmlns:a16="http://schemas.microsoft.com/office/drawing/2014/main" id="{EED3D23D-DCE6-461A-9290-2AE5D2A13024}"/>
+              </a:ext>
+            </a:extLst>
+          </p:cNvPr>
+          <p:cNvSpPr/>
+          <p:nvPr/>
+        </p:nvSpPr>
+        <p:spPr>
+          <a:xfrm>
+            <a:off x="5714214" y="3307629"/>
+            <a:ext cx="1791093" cy="1095866"/>
+          </a:xfrm>
+          <a:prstGeom prst="roundRect">
+            <a:avLst/>
+          </a:prstGeom>
+          <a:ln>
+            <a:solidFill>
+              <a:schemeClr val="accent1"/>
+            </a:solidFill>
+          </a:ln>
+        </p:spPr>
+        <p:style>
+          <a:lnRef idx="2">
+            <a:schemeClr val="accent6"/>
+          </a:lnRef>
+          <a:fillRef idx="1">
+            <a:schemeClr val="lt1"/>
+          </a:fillRef>
+          <a:effectRef idx="0">
+            <a:schemeClr val="accent6"/>
+          </a:effectRef>
+          <a:fontRef idx="minor">
+            <a:schemeClr val="dk1"/>
+          </a:fontRef>
+        </p:style>
+        <p:txBody>
+          <a:bodyPr rtlCol="0" anchor="ctr"/>
+          <a:lstStyle/>
+          <a:p>
+            <a:pPr algn="ctr"/>
+            <a:r>
+              <a:rPr lang="en-US" dirty="0"/>
+              <a:t>Feature engineering</a:t>
+            </a:r>
+          </a:p>
+        </p:txBody>
+      </p:sp>
+      <p:sp>
+        <p:nvSpPr>
+          <p:cNvPr id="7" name="Rectangle : coins arrondis 6">
+            <a:extLst>
+              <a:ext uri="{FF2B5EF4-FFF2-40B4-BE49-F238E27FC236}">
+                <a16:creationId xmlns:a16="http://schemas.microsoft.com/office/drawing/2014/main" id="{881C9840-4F76-4F8B-8CC9-87B790F8CDF2}"/>
+              </a:ext>
+            </a:extLst>
+          </p:cNvPr>
+          <p:cNvSpPr/>
+          <p:nvPr/>
+        </p:nvSpPr>
+        <p:spPr>
+          <a:xfrm>
+            <a:off x="8480589" y="2668788"/>
+            <a:ext cx="2331171" cy="677567"/>
+          </a:xfrm>
+          <a:prstGeom prst="roundRect">
+            <a:avLst/>
+          </a:prstGeom>
+          <a:solidFill>
+            <a:schemeClr val="accent2">
+              <a:lumMod val="75000"/>
+            </a:schemeClr>
+          </a:solidFill>
+          <a:ln/>
+        </p:spPr>
+        <p:style>
+          <a:lnRef idx="2">
+            <a:schemeClr val="accent2"/>
+          </a:lnRef>
+          <a:fillRef idx="1">
+            <a:schemeClr val="lt1"/>
+          </a:fillRef>
+          <a:effectRef idx="0">
+            <a:schemeClr val="accent2"/>
+          </a:effectRef>
+          <a:fontRef idx="minor">
+            <a:schemeClr val="dk1"/>
+          </a:fontRef>
+        </p:style>
+        <p:txBody>
+          <a:bodyPr rtlCol="0" anchor="ctr"/>
+          <a:lstStyle/>
+          <a:p>
+            <a:pPr algn="ctr"/>
+            <a:r>
+              <a:rPr lang="en-US" dirty="0">
+                <a:solidFill>
+                  <a:schemeClr val="bg1"/>
+                </a:solidFill>
+              </a:rPr>
+              <a:t>Model selection</a:t>
+            </a:r>
+          </a:p>
+        </p:txBody>
+      </p:sp>
+      <p:sp>
+        <p:nvSpPr>
+          <p:cNvPr id="9" name="Rectangle : coins arrondis 8">
+            <a:extLst>
+              <a:ext uri="{FF2B5EF4-FFF2-40B4-BE49-F238E27FC236}">
+                <a16:creationId xmlns:a16="http://schemas.microsoft.com/office/drawing/2014/main" id="{9CDF2850-8F9D-4F03-9337-08204EE86A4B}"/>
+              </a:ext>
+            </a:extLst>
+          </p:cNvPr>
+          <p:cNvSpPr/>
+          <p:nvPr/>
+        </p:nvSpPr>
+        <p:spPr>
+          <a:xfrm>
+            <a:off x="8480589" y="3536135"/>
+            <a:ext cx="2331171" cy="677566"/>
+          </a:xfrm>
+          <a:prstGeom prst="roundRect">
+            <a:avLst/>
+          </a:prstGeom>
+          <a:solidFill>
+            <a:schemeClr val="accent2">
+              <a:lumMod val="60000"/>
+              <a:lumOff val="40000"/>
+            </a:schemeClr>
+          </a:solidFill>
+          <a:ln/>
+        </p:spPr>
+        <p:style>
+          <a:lnRef idx="2">
+            <a:schemeClr val="accent2"/>
+          </a:lnRef>
+          <a:fillRef idx="1">
+            <a:schemeClr val="lt1"/>
+          </a:fillRef>
+          <a:effectRef idx="0">
+            <a:schemeClr val="accent2"/>
+          </a:effectRef>
+          <a:fontRef idx="minor">
+            <a:schemeClr val="dk1"/>
+          </a:fontRef>
+        </p:style>
+        <p:txBody>
+          <a:bodyPr rtlCol="0" anchor="ctr"/>
+          <a:lstStyle/>
+          <a:p>
+            <a:pPr algn="ctr"/>
+            <a:r>
+              <a:rPr lang="en-US" dirty="0"/>
+              <a:t>Hyperparameter tuning</a:t>
+            </a:r>
+          </a:p>
+        </p:txBody>
+      </p:sp>
+      <p:sp>
+        <p:nvSpPr>
+          <p:cNvPr id="10" name="Rectangle : coins arrondis 9">
+            <a:extLst>
+              <a:ext uri="{FF2B5EF4-FFF2-40B4-BE49-F238E27FC236}">
+                <a16:creationId xmlns:a16="http://schemas.microsoft.com/office/drawing/2014/main" id="{2D340371-28B8-455F-B881-A909062EAFF2}"/>
+              </a:ext>
+            </a:extLst>
+          </p:cNvPr>
+          <p:cNvSpPr/>
+          <p:nvPr/>
+        </p:nvSpPr>
+        <p:spPr>
+          <a:xfrm>
+            <a:off x="8480588" y="4403481"/>
+            <a:ext cx="2331171" cy="677566"/>
+          </a:xfrm>
+          <a:prstGeom prst="roundRect">
+            <a:avLst/>
+          </a:prstGeom>
+          <a:solidFill>
+            <a:schemeClr val="accent2">
+              <a:lumMod val="40000"/>
+              <a:lumOff val="60000"/>
+            </a:schemeClr>
+          </a:solidFill>
+          <a:ln/>
+        </p:spPr>
+        <p:style>
+          <a:lnRef idx="2">
+            <a:schemeClr val="accent2"/>
+          </a:lnRef>
+          <a:fillRef idx="1">
+            <a:schemeClr val="lt1"/>
+          </a:fillRef>
+          <a:effectRef idx="0">
+            <a:schemeClr val="accent2"/>
+          </a:effectRef>
+          <a:fontRef idx="minor">
+            <a:schemeClr val="dk1"/>
+          </a:fontRef>
+        </p:style>
+        <p:txBody>
+          <a:bodyPr rtlCol="0" anchor="ctr"/>
+          <a:lstStyle/>
+          <a:p>
+            <a:pPr algn="ctr"/>
+            <a:r>
+              <a:rPr lang="en-US" dirty="0"/>
+              <a:t>Training and validation</a:t>
+            </a:r>
+          </a:p>
+        </p:txBody>
+      </p:sp>
+      <p:sp>
+        <p:nvSpPr>
+          <p:cNvPr id="12" name="Flèche : droite 11">
+            <a:extLst>
+              <a:ext uri="{FF2B5EF4-FFF2-40B4-BE49-F238E27FC236}">
+                <a16:creationId xmlns:a16="http://schemas.microsoft.com/office/drawing/2014/main" id="{98B44FC7-2E2E-40E3-9F38-2053326FE093}"/>
+              </a:ext>
+            </a:extLst>
+          </p:cNvPr>
+          <p:cNvSpPr/>
+          <p:nvPr/>
+        </p:nvSpPr>
+        <p:spPr>
+          <a:xfrm>
+            <a:off x="2629291" y="3573259"/>
+            <a:ext cx="778103" cy="479765"/>
+          </a:xfrm>
+          <a:prstGeom prst="rightArrow">
+            <a:avLst/>
+          </a:prstGeom>
+        </p:spPr>
+        <p:style>
+          <a:lnRef idx="2">
+            <a:schemeClr val="dk1"/>
+          </a:lnRef>
+          <a:fillRef idx="1">
+            <a:schemeClr val="lt1"/>
+          </a:fillRef>
+          <a:effectRef idx="0">
+            <a:schemeClr val="dk1"/>
+          </a:effectRef>
+          <a:fontRef idx="minor">
+            <a:schemeClr val="dk1"/>
+          </a:fontRef>
+        </p:style>
+        <p:txBody>
+          <a:bodyPr rtlCol="0" anchor="ctr"/>
+          <a:lstStyle/>
+          <a:p>
+            <a:pPr algn="ctr"/>
+            <a:endParaRPr lang="en-US"/>
+          </a:p>
+        </p:txBody>
+      </p:sp>
+      <p:sp>
+        <p:nvSpPr>
+          <p:cNvPr id="13" name="Flèche : droite 12">
+            <a:extLst>
+              <a:ext uri="{FF2B5EF4-FFF2-40B4-BE49-F238E27FC236}">
+                <a16:creationId xmlns:a16="http://schemas.microsoft.com/office/drawing/2014/main" id="{60828FC5-75BB-4604-850A-76BD9F07E5A2}"/>
+              </a:ext>
+            </a:extLst>
+          </p:cNvPr>
+          <p:cNvSpPr/>
+          <p:nvPr/>
+        </p:nvSpPr>
+        <p:spPr>
+          <a:xfrm>
+            <a:off x="5067299" y="3573259"/>
+            <a:ext cx="778103" cy="479765"/>
+          </a:xfrm>
+          <a:prstGeom prst="rightArrow">
+            <a:avLst/>
+          </a:prstGeom>
+        </p:spPr>
+        <p:style>
+          <a:lnRef idx="2">
+            <a:schemeClr val="dk1"/>
+          </a:lnRef>
+          <a:fillRef idx="1">
+            <a:schemeClr val="lt1"/>
+          </a:fillRef>
+          <a:effectRef idx="0">
+            <a:schemeClr val="dk1"/>
+          </a:effectRef>
+          <a:fontRef idx="minor">
+            <a:schemeClr val="dk1"/>
+          </a:fontRef>
+        </p:style>
+        <p:txBody>
+          <a:bodyPr rtlCol="0" anchor="ctr"/>
+          <a:lstStyle/>
+          <a:p>
+            <a:pPr algn="ctr"/>
+            <a:endParaRPr lang="en-US"/>
+          </a:p>
+        </p:txBody>
+      </p:sp>
+      <p:sp>
+        <p:nvSpPr>
+          <p:cNvPr id="14" name="Flèche : droite 13">
+            <a:extLst>
+              <a:ext uri="{FF2B5EF4-FFF2-40B4-BE49-F238E27FC236}">
+                <a16:creationId xmlns:a16="http://schemas.microsoft.com/office/drawing/2014/main" id="{24B54F9A-3828-49C7-98E5-A37788AE27BC}"/>
+              </a:ext>
+            </a:extLst>
+          </p:cNvPr>
+          <p:cNvSpPr/>
+          <p:nvPr/>
+        </p:nvSpPr>
+        <p:spPr>
+          <a:xfrm>
+            <a:off x="7505307" y="3615665"/>
+            <a:ext cx="778103" cy="479765"/>
+          </a:xfrm>
+          <a:prstGeom prst="rightArrow">
+            <a:avLst/>
+          </a:prstGeom>
+        </p:spPr>
+        <p:style>
+          <a:lnRef idx="2">
+            <a:schemeClr val="dk1"/>
+          </a:lnRef>
+          <a:fillRef idx="1">
+            <a:schemeClr val="lt1"/>
+          </a:fillRef>
+          <a:effectRef idx="0">
+            <a:schemeClr val="dk1"/>
+          </a:effectRef>
+          <a:fontRef idx="minor">
+            <a:schemeClr val="dk1"/>
+          </a:fontRef>
+        </p:style>
+        <p:txBody>
+          <a:bodyPr rtlCol="0" anchor="ctr"/>
+          <a:lstStyle/>
+          <a:p>
+            <a:pPr algn="ctr"/>
+            <a:endParaRPr lang="en-US"/>
+          </a:p>
+        </p:txBody>
+      </p:sp>
+      <p:sp>
+        <p:nvSpPr>
+          <p:cNvPr id="3" name="Bulle narrative : rectangle 2">
+            <a:extLst>
+              <a:ext uri="{FF2B5EF4-FFF2-40B4-BE49-F238E27FC236}">
+                <a16:creationId xmlns:a16="http://schemas.microsoft.com/office/drawing/2014/main" id="{C6689762-CBB9-49C4-8F17-5B84F3D4ECE9}"/>
+              </a:ext>
+            </a:extLst>
+          </p:cNvPr>
+          <p:cNvSpPr/>
+          <p:nvPr/>
+        </p:nvSpPr>
+        <p:spPr>
+          <a:xfrm>
+            <a:off x="4147795" y="4781406"/>
+            <a:ext cx="3503824" cy="818116"/>
+          </a:xfrm>
+          <a:prstGeom prst="wedgeRectCallout">
+            <a:avLst>
+              <a:gd name="adj1" fmla="val 79177"/>
+              <a:gd name="adj2" fmla="val -55083"/>
+            </a:avLst>
+          </a:prstGeom>
+        </p:spPr>
+        <p:style>
+          <a:lnRef idx="2">
+            <a:schemeClr val="accent2"/>
+          </a:lnRef>
+          <a:fillRef idx="1">
+            <a:schemeClr val="lt1"/>
+          </a:fillRef>
+          <a:effectRef idx="0">
+            <a:schemeClr val="accent2"/>
+          </a:effectRef>
+          <a:fontRef idx="minor">
+            <a:schemeClr val="dk1"/>
+          </a:fontRef>
+        </p:style>
+        <p:txBody>
+          <a:bodyPr rtlCol="0" anchor="ctr"/>
+          <a:lstStyle/>
+          <a:p>
+            <a:pPr algn="ctr"/>
+            <a:r>
+              <a:rPr lang="en-US" dirty="0"/>
+              <a:t>Try to evaluate whether the choices we made make sense</a:t>
+            </a:r>
+          </a:p>
+        </p:txBody>
+      </p:sp>
+    </p:spTree>
+    <p:extLst>
+      <p:ext uri="{BB962C8B-B14F-4D97-AF65-F5344CB8AC3E}">
+        <p14:creationId xmlns:p14="http://schemas.microsoft.com/office/powerpoint/2010/main" val="1481294426"/>
+      </p:ext>
+    </p:extLst>
+  </p:cSld>
+  <p:clrMapOvr>
+    <a:masterClrMapping/>
+  </p:clrMapOvr>
+</p:sld>
+</file>
+
+<file path=ppt/slides/slide36.xml><?xml version="1.0" encoding="utf-8"?>
+<p:sld xmlns:a="http://schemas.openxmlformats.org/drawingml/2006/main" xmlns:r="http://schemas.openxmlformats.org/officeDocument/2006/relationships" xmlns:p="http://schemas.openxmlformats.org/presentationml/2006/main">
+  <p:cSld>
+    <p:spTree>
+      <p:nvGrpSpPr>
+        <p:cNvPr id="1" name=""/>
+        <p:cNvGrpSpPr/>
+        <p:nvPr/>
+      </p:nvGrpSpPr>
+      <p:grpSpPr>
+        <a:xfrm>
+          <a:off x="0" y="0"/>
+          <a:ext cx="0" cy="0"/>
+          <a:chOff x="0" y="0"/>
+          <a:chExt cx="0" cy="0"/>
+        </a:xfrm>
+      </p:grpSpPr>
+      <p:sp>
+        <p:nvSpPr>
+          <p:cNvPr id="11" name="Rectangle : coins arrondis 10">
+            <a:extLst>
+              <a:ext uri="{FF2B5EF4-FFF2-40B4-BE49-F238E27FC236}">
+                <a16:creationId xmlns:a16="http://schemas.microsoft.com/office/drawing/2014/main" id="{26013B2E-CC3B-413E-8CDB-4F1697F804B5}"/>
+              </a:ext>
+            </a:extLst>
+          </p:cNvPr>
+          <p:cNvSpPr/>
+          <p:nvPr/>
+        </p:nvSpPr>
+        <p:spPr>
+          <a:xfrm>
+            <a:off x="8152222" y="1960775"/>
+            <a:ext cx="2950981" cy="3638747"/>
+          </a:xfrm>
+          <a:prstGeom prst="roundRect">
+            <a:avLst/>
+          </a:prstGeom>
+          <a:ln/>
+        </p:spPr>
+        <p:style>
+          <a:lnRef idx="2">
+            <a:schemeClr val="accent2"/>
+          </a:lnRef>
+          <a:fillRef idx="1">
+            <a:schemeClr val="lt1"/>
+          </a:fillRef>
+          <a:effectRef idx="0">
+            <a:schemeClr val="accent2"/>
+          </a:effectRef>
+          <a:fontRef idx="minor">
+            <a:schemeClr val="dk1"/>
+          </a:fontRef>
+        </p:style>
+        <p:txBody>
+          <a:bodyPr rtlCol="0" anchor="t"/>
+          <a:lstStyle/>
+          <a:p>
+            <a:pPr algn="ctr"/>
+            <a:r>
+              <a:rPr lang="en-US" dirty="0"/>
+              <a:t>Machine Learning</a:t>
+            </a:r>
+          </a:p>
+        </p:txBody>
+      </p:sp>
+      <p:sp>
+        <p:nvSpPr>
+          <p:cNvPr id="2" name="Titre 1">
+            <a:extLst>
+              <a:ext uri="{FF2B5EF4-FFF2-40B4-BE49-F238E27FC236}">
+                <a16:creationId xmlns:a16="http://schemas.microsoft.com/office/drawing/2014/main" id="{A5420EFC-FFB3-4740-9D5B-A9BB5F6B612F}"/>
+              </a:ext>
+            </a:extLst>
+          </p:cNvPr>
+          <p:cNvSpPr>
+            <a:spLocks noGrp="1"/>
+          </p:cNvSpPr>
+          <p:nvPr>
+            <p:ph type="title"/>
+          </p:nvPr>
+        </p:nvSpPr>
+        <p:spPr/>
+        <p:txBody>
+          <a:bodyPr/>
+          <a:lstStyle/>
+          <a:p>
+            <a:r>
+              <a:rPr lang="en-US" dirty="0"/>
+              <a:t>Machine Learning pipeline</a:t>
+            </a:r>
+          </a:p>
+        </p:txBody>
+      </p:sp>
+      <p:sp>
+        <p:nvSpPr>
+          <p:cNvPr id="4" name="Organigramme : Disque magnétique 3">
+            <a:extLst>
+              <a:ext uri="{FF2B5EF4-FFF2-40B4-BE49-F238E27FC236}">
+                <a16:creationId xmlns:a16="http://schemas.microsoft.com/office/drawing/2014/main" id="{7C72C114-1A3F-4108-81DB-BC96D0970337}"/>
+              </a:ext>
+            </a:extLst>
+          </p:cNvPr>
+          <p:cNvSpPr/>
+          <p:nvPr/>
+        </p:nvSpPr>
+        <p:spPr>
+          <a:xfrm>
+            <a:off x="761998" y="3007151"/>
+            <a:ext cx="1867293" cy="1611983"/>
+          </a:xfrm>
+          <a:prstGeom prst="flowChartMagneticDisk">
+            <a:avLst/>
+          </a:prstGeom>
+        </p:spPr>
+        <p:style>
+          <a:lnRef idx="2">
+            <a:schemeClr val="dk1"/>
+          </a:lnRef>
+          <a:fillRef idx="1">
+            <a:schemeClr val="lt1"/>
+          </a:fillRef>
+          <a:effectRef idx="0">
+            <a:schemeClr val="dk1"/>
+          </a:effectRef>
+          <a:fontRef idx="minor">
+            <a:schemeClr val="dk1"/>
+          </a:fontRef>
+        </p:style>
+        <p:txBody>
+          <a:bodyPr rtlCol="0" anchor="ctr"/>
+          <a:lstStyle/>
+          <a:p>
+            <a:pPr algn="ctr"/>
+            <a:r>
+              <a:rPr lang="en-US" dirty="0"/>
+              <a:t>Raw data</a:t>
+            </a:r>
+          </a:p>
+        </p:txBody>
+      </p:sp>
+      <p:sp>
+        <p:nvSpPr>
+          <p:cNvPr id="5" name="Rectangle : coins arrondis 4">
+            <a:extLst>
+              <a:ext uri="{FF2B5EF4-FFF2-40B4-BE49-F238E27FC236}">
+                <a16:creationId xmlns:a16="http://schemas.microsoft.com/office/drawing/2014/main" id="{E6D5FD6A-1026-4A3F-974B-CBE700AB2544}"/>
+              </a:ext>
+            </a:extLst>
+          </p:cNvPr>
+          <p:cNvSpPr/>
+          <p:nvPr/>
+        </p:nvSpPr>
+        <p:spPr>
+          <a:xfrm>
+            <a:off x="3276206" y="3307615"/>
+            <a:ext cx="1791093" cy="1095866"/>
+          </a:xfrm>
+          <a:prstGeom prst="roundRect">
+            <a:avLst/>
+          </a:prstGeom>
+        </p:spPr>
+        <p:style>
+          <a:lnRef idx="2">
+            <a:schemeClr val="accent6"/>
+          </a:lnRef>
+          <a:fillRef idx="1">
+            <a:schemeClr val="lt1"/>
+          </a:fillRef>
+          <a:effectRef idx="0">
+            <a:schemeClr val="accent6"/>
+          </a:effectRef>
+          <a:fontRef idx="minor">
+            <a:schemeClr val="dk1"/>
+          </a:fontRef>
+        </p:style>
+        <p:txBody>
+          <a:bodyPr rtlCol="0" anchor="ctr"/>
+          <a:lstStyle/>
+          <a:p>
+            <a:pPr algn="ctr"/>
+            <a:r>
+              <a:rPr lang="en-US" dirty="0"/>
+              <a:t>Preprocessing</a:t>
+            </a:r>
+          </a:p>
+        </p:txBody>
+      </p:sp>
+      <p:sp>
+        <p:nvSpPr>
+          <p:cNvPr id="6" name="Rectangle : coins arrondis 5">
+            <a:extLst>
+              <a:ext uri="{FF2B5EF4-FFF2-40B4-BE49-F238E27FC236}">
+                <a16:creationId xmlns:a16="http://schemas.microsoft.com/office/drawing/2014/main" id="{EED3D23D-DCE6-461A-9290-2AE5D2A13024}"/>
+              </a:ext>
+            </a:extLst>
+          </p:cNvPr>
+          <p:cNvSpPr/>
+          <p:nvPr/>
+        </p:nvSpPr>
+        <p:spPr>
+          <a:xfrm>
+            <a:off x="5714214" y="3307629"/>
+            <a:ext cx="1791093" cy="1095866"/>
+          </a:xfrm>
+          <a:prstGeom prst="roundRect">
+            <a:avLst/>
+          </a:prstGeom>
+          <a:ln>
+            <a:solidFill>
+              <a:schemeClr val="accent1"/>
+            </a:solidFill>
+          </a:ln>
+        </p:spPr>
+        <p:style>
+          <a:lnRef idx="2">
+            <a:schemeClr val="accent6"/>
+          </a:lnRef>
+          <a:fillRef idx="1">
+            <a:schemeClr val="lt1"/>
+          </a:fillRef>
+          <a:effectRef idx="0">
+            <a:schemeClr val="accent6"/>
+          </a:effectRef>
+          <a:fontRef idx="minor">
+            <a:schemeClr val="dk1"/>
+          </a:fontRef>
+        </p:style>
+        <p:txBody>
+          <a:bodyPr rtlCol="0" anchor="ctr"/>
+          <a:lstStyle/>
+          <a:p>
+            <a:pPr algn="ctr"/>
+            <a:r>
+              <a:rPr lang="en-US" dirty="0"/>
+              <a:t>Feature engineering</a:t>
+            </a:r>
+          </a:p>
+        </p:txBody>
+      </p:sp>
+      <p:sp>
+        <p:nvSpPr>
+          <p:cNvPr id="7" name="Rectangle : coins arrondis 6">
+            <a:extLst>
+              <a:ext uri="{FF2B5EF4-FFF2-40B4-BE49-F238E27FC236}">
+                <a16:creationId xmlns:a16="http://schemas.microsoft.com/office/drawing/2014/main" id="{881C9840-4F76-4F8B-8CC9-87B790F8CDF2}"/>
+              </a:ext>
+            </a:extLst>
+          </p:cNvPr>
+          <p:cNvSpPr/>
+          <p:nvPr/>
+        </p:nvSpPr>
+        <p:spPr>
+          <a:xfrm>
+            <a:off x="8480589" y="2668788"/>
+            <a:ext cx="2331171" cy="677567"/>
+          </a:xfrm>
+          <a:prstGeom prst="roundRect">
+            <a:avLst/>
+          </a:prstGeom>
+          <a:solidFill>
+            <a:schemeClr val="accent2">
+              <a:lumMod val="75000"/>
+            </a:schemeClr>
+          </a:solidFill>
+          <a:ln/>
+        </p:spPr>
+        <p:style>
+          <a:lnRef idx="2">
+            <a:schemeClr val="accent2"/>
+          </a:lnRef>
+          <a:fillRef idx="1">
+            <a:schemeClr val="lt1"/>
+          </a:fillRef>
+          <a:effectRef idx="0">
+            <a:schemeClr val="accent2"/>
+          </a:effectRef>
+          <a:fontRef idx="minor">
+            <a:schemeClr val="dk1"/>
+          </a:fontRef>
+        </p:style>
+        <p:txBody>
+          <a:bodyPr rtlCol="0" anchor="ctr"/>
+          <a:lstStyle/>
+          <a:p>
+            <a:pPr algn="ctr"/>
+            <a:r>
+              <a:rPr lang="en-US" dirty="0">
+                <a:solidFill>
+                  <a:schemeClr val="bg1"/>
+                </a:solidFill>
+              </a:rPr>
+              <a:t>Model selection</a:t>
+            </a:r>
+          </a:p>
+        </p:txBody>
+      </p:sp>
+      <p:sp>
+        <p:nvSpPr>
+          <p:cNvPr id="9" name="Rectangle : coins arrondis 8">
+            <a:extLst>
+              <a:ext uri="{FF2B5EF4-FFF2-40B4-BE49-F238E27FC236}">
+                <a16:creationId xmlns:a16="http://schemas.microsoft.com/office/drawing/2014/main" id="{9CDF2850-8F9D-4F03-9337-08204EE86A4B}"/>
+              </a:ext>
+            </a:extLst>
+          </p:cNvPr>
+          <p:cNvSpPr/>
+          <p:nvPr/>
+        </p:nvSpPr>
+        <p:spPr>
+          <a:xfrm>
+            <a:off x="8480589" y="3536135"/>
+            <a:ext cx="2331171" cy="677566"/>
+          </a:xfrm>
+          <a:prstGeom prst="roundRect">
+            <a:avLst/>
+          </a:prstGeom>
+          <a:solidFill>
+            <a:schemeClr val="accent2">
+              <a:lumMod val="60000"/>
+              <a:lumOff val="40000"/>
+            </a:schemeClr>
+          </a:solidFill>
+          <a:ln/>
+        </p:spPr>
+        <p:style>
+          <a:lnRef idx="2">
+            <a:schemeClr val="accent2"/>
+          </a:lnRef>
+          <a:fillRef idx="1">
+            <a:schemeClr val="lt1"/>
+          </a:fillRef>
+          <a:effectRef idx="0">
+            <a:schemeClr val="accent2"/>
+          </a:effectRef>
+          <a:fontRef idx="minor">
+            <a:schemeClr val="dk1"/>
+          </a:fontRef>
+        </p:style>
+        <p:txBody>
+          <a:bodyPr rtlCol="0" anchor="ctr"/>
+          <a:lstStyle/>
+          <a:p>
+            <a:pPr algn="ctr"/>
+            <a:r>
+              <a:rPr lang="en-US" dirty="0"/>
+              <a:t>Hyperparameter tuning</a:t>
+            </a:r>
+          </a:p>
+        </p:txBody>
+      </p:sp>
+      <p:sp>
+        <p:nvSpPr>
+          <p:cNvPr id="10" name="Rectangle : coins arrondis 9">
+            <a:extLst>
+              <a:ext uri="{FF2B5EF4-FFF2-40B4-BE49-F238E27FC236}">
+                <a16:creationId xmlns:a16="http://schemas.microsoft.com/office/drawing/2014/main" id="{2D340371-28B8-455F-B881-A909062EAFF2}"/>
+              </a:ext>
+            </a:extLst>
+          </p:cNvPr>
+          <p:cNvSpPr/>
+          <p:nvPr/>
+        </p:nvSpPr>
+        <p:spPr>
+          <a:xfrm>
+            <a:off x="8480588" y="4403481"/>
+            <a:ext cx="2331171" cy="677566"/>
+          </a:xfrm>
+          <a:prstGeom prst="roundRect">
+            <a:avLst/>
+          </a:prstGeom>
+          <a:solidFill>
+            <a:schemeClr val="accent2">
+              <a:lumMod val="40000"/>
+              <a:lumOff val="60000"/>
+            </a:schemeClr>
+          </a:solidFill>
+          <a:ln/>
+        </p:spPr>
+        <p:style>
+          <a:lnRef idx="2">
+            <a:schemeClr val="accent2"/>
+          </a:lnRef>
+          <a:fillRef idx="1">
+            <a:schemeClr val="lt1"/>
+          </a:fillRef>
+          <a:effectRef idx="0">
+            <a:schemeClr val="accent2"/>
+          </a:effectRef>
+          <a:fontRef idx="minor">
+            <a:schemeClr val="dk1"/>
+          </a:fontRef>
+        </p:style>
+        <p:txBody>
+          <a:bodyPr rtlCol="0" anchor="ctr"/>
+          <a:lstStyle/>
+          <a:p>
+            <a:pPr algn="ctr"/>
+            <a:r>
+              <a:rPr lang="en-US" dirty="0"/>
+              <a:t>Training and validation</a:t>
+            </a:r>
+          </a:p>
+        </p:txBody>
+      </p:sp>
+      <p:sp>
+        <p:nvSpPr>
+          <p:cNvPr id="12" name="Flèche : droite 11">
+            <a:extLst>
+              <a:ext uri="{FF2B5EF4-FFF2-40B4-BE49-F238E27FC236}">
+                <a16:creationId xmlns:a16="http://schemas.microsoft.com/office/drawing/2014/main" id="{98B44FC7-2E2E-40E3-9F38-2053326FE093}"/>
+              </a:ext>
+            </a:extLst>
+          </p:cNvPr>
+          <p:cNvSpPr/>
+          <p:nvPr/>
+        </p:nvSpPr>
+        <p:spPr>
+          <a:xfrm>
+            <a:off x="2629291" y="3573259"/>
+            <a:ext cx="778103" cy="479765"/>
+          </a:xfrm>
+          <a:prstGeom prst="rightArrow">
+            <a:avLst/>
+          </a:prstGeom>
+        </p:spPr>
+        <p:style>
+          <a:lnRef idx="2">
+            <a:schemeClr val="dk1"/>
+          </a:lnRef>
+          <a:fillRef idx="1">
+            <a:schemeClr val="lt1"/>
+          </a:fillRef>
+          <a:effectRef idx="0">
+            <a:schemeClr val="dk1"/>
+          </a:effectRef>
+          <a:fontRef idx="minor">
+            <a:schemeClr val="dk1"/>
+          </a:fontRef>
+        </p:style>
+        <p:txBody>
+          <a:bodyPr rtlCol="0" anchor="ctr"/>
+          <a:lstStyle/>
+          <a:p>
+            <a:pPr algn="ctr"/>
+            <a:endParaRPr lang="en-US"/>
+          </a:p>
+        </p:txBody>
+      </p:sp>
+      <p:sp>
+        <p:nvSpPr>
+          <p:cNvPr id="13" name="Flèche : droite 12">
+            <a:extLst>
+              <a:ext uri="{FF2B5EF4-FFF2-40B4-BE49-F238E27FC236}">
+                <a16:creationId xmlns:a16="http://schemas.microsoft.com/office/drawing/2014/main" id="{60828FC5-75BB-4604-850A-76BD9F07E5A2}"/>
+              </a:ext>
+            </a:extLst>
+          </p:cNvPr>
+          <p:cNvSpPr/>
+          <p:nvPr/>
+        </p:nvSpPr>
+        <p:spPr>
+          <a:xfrm>
+            <a:off x="5067299" y="3573259"/>
+            <a:ext cx="778103" cy="479765"/>
+          </a:xfrm>
+          <a:prstGeom prst="rightArrow">
+            <a:avLst/>
+          </a:prstGeom>
+        </p:spPr>
+        <p:style>
+          <a:lnRef idx="2">
+            <a:schemeClr val="dk1"/>
+          </a:lnRef>
+          <a:fillRef idx="1">
+            <a:schemeClr val="lt1"/>
+          </a:fillRef>
+          <a:effectRef idx="0">
+            <a:schemeClr val="dk1"/>
+          </a:effectRef>
+          <a:fontRef idx="minor">
+            <a:schemeClr val="dk1"/>
+          </a:fontRef>
+        </p:style>
+        <p:txBody>
+          <a:bodyPr rtlCol="0" anchor="ctr"/>
+          <a:lstStyle/>
+          <a:p>
+            <a:pPr algn="ctr"/>
+            <a:endParaRPr lang="en-US"/>
+          </a:p>
+        </p:txBody>
+      </p:sp>
+      <p:sp>
+        <p:nvSpPr>
+          <p:cNvPr id="14" name="Flèche : droite 13">
+            <a:extLst>
+              <a:ext uri="{FF2B5EF4-FFF2-40B4-BE49-F238E27FC236}">
+                <a16:creationId xmlns:a16="http://schemas.microsoft.com/office/drawing/2014/main" id="{24B54F9A-3828-49C7-98E5-A37788AE27BC}"/>
+              </a:ext>
+            </a:extLst>
+          </p:cNvPr>
+          <p:cNvSpPr/>
+          <p:nvPr/>
+        </p:nvSpPr>
+        <p:spPr>
+          <a:xfrm>
+            <a:off x="7505307" y="3615665"/>
+            <a:ext cx="778103" cy="479765"/>
+          </a:xfrm>
+          <a:prstGeom prst="rightArrow">
+            <a:avLst/>
+          </a:prstGeom>
+        </p:spPr>
+        <p:style>
+          <a:lnRef idx="2">
+            <a:schemeClr val="dk1"/>
+          </a:lnRef>
+          <a:fillRef idx="1">
+            <a:schemeClr val="lt1"/>
+          </a:fillRef>
+          <a:effectRef idx="0">
+            <a:schemeClr val="dk1"/>
+          </a:effectRef>
+          <a:fontRef idx="minor">
+            <a:schemeClr val="dk1"/>
+          </a:fontRef>
+        </p:style>
+        <p:txBody>
+          <a:bodyPr rtlCol="0" anchor="ctr"/>
+          <a:lstStyle/>
+          <a:p>
+            <a:pPr algn="ctr"/>
+            <a:endParaRPr lang="en-US"/>
+          </a:p>
+        </p:txBody>
+      </p:sp>
+      <p:sp>
+        <p:nvSpPr>
+          <p:cNvPr id="3" name="Bulle narrative : rectangle 2">
+            <a:extLst>
+              <a:ext uri="{FF2B5EF4-FFF2-40B4-BE49-F238E27FC236}">
+                <a16:creationId xmlns:a16="http://schemas.microsoft.com/office/drawing/2014/main" id="{C6689762-CBB9-49C4-8F17-5B84F3D4ECE9}"/>
+              </a:ext>
+            </a:extLst>
+          </p:cNvPr>
+          <p:cNvSpPr/>
+          <p:nvPr/>
+        </p:nvSpPr>
+        <p:spPr>
+          <a:xfrm>
+            <a:off x="4147795" y="4781406"/>
+            <a:ext cx="3503824" cy="818116"/>
+          </a:xfrm>
+          <a:prstGeom prst="wedgeRectCallout">
+            <a:avLst>
+              <a:gd name="adj1" fmla="val 79177"/>
+              <a:gd name="adj2" fmla="val -55083"/>
+            </a:avLst>
+          </a:prstGeom>
+        </p:spPr>
+        <p:style>
+          <a:lnRef idx="2">
+            <a:schemeClr val="accent2"/>
+          </a:lnRef>
+          <a:fillRef idx="1">
+            <a:schemeClr val="lt1"/>
+          </a:fillRef>
+          <a:effectRef idx="0">
+            <a:schemeClr val="accent2"/>
+          </a:effectRef>
+          <a:fontRef idx="minor">
+            <a:schemeClr val="dk1"/>
+          </a:fontRef>
+        </p:style>
+        <p:txBody>
+          <a:bodyPr rtlCol="0" anchor="ctr"/>
+          <a:lstStyle/>
+          <a:p>
+            <a:pPr algn="ctr"/>
+            <a:r>
+              <a:rPr lang="en-US" dirty="0"/>
+              <a:t>Try to evaluate whether the choices we made make sense</a:t>
+            </a:r>
+          </a:p>
+        </p:txBody>
+      </p:sp>
+      <p:sp>
+        <p:nvSpPr>
+          <p:cNvPr id="8" name="Parchemin : horizontal 7">
+            <a:extLst>
+              <a:ext uri="{FF2B5EF4-FFF2-40B4-BE49-F238E27FC236}">
+                <a16:creationId xmlns:a16="http://schemas.microsoft.com/office/drawing/2014/main" id="{150313D5-3985-4F02-ADBC-4852A0CE90BA}"/>
+              </a:ext>
+            </a:extLst>
+          </p:cNvPr>
+          <p:cNvSpPr/>
+          <p:nvPr/>
+        </p:nvSpPr>
+        <p:spPr>
+          <a:xfrm>
+            <a:off x="4864232" y="5390269"/>
+            <a:ext cx="3191071" cy="1074655"/>
+          </a:xfrm>
+          <a:prstGeom prst="horizontalScroll">
+            <a:avLst/>
+          </a:prstGeom>
+        </p:spPr>
+        <p:style>
+          <a:lnRef idx="2">
+            <a:schemeClr val="accent2">
+              <a:shade val="50000"/>
+            </a:schemeClr>
+          </a:lnRef>
+          <a:fillRef idx="1">
+            <a:schemeClr val="accent2"/>
+          </a:fillRef>
+          <a:effectRef idx="0">
+            <a:schemeClr val="accent2"/>
+          </a:effectRef>
+          <a:fontRef idx="minor">
+            <a:schemeClr val="lt1"/>
+          </a:fontRef>
+        </p:style>
+        <p:txBody>
+          <a:bodyPr rtlCol="0" anchor="ctr"/>
+          <a:lstStyle/>
+          <a:p>
+            <a:pPr algn="ctr"/>
+            <a:r>
+              <a:rPr lang="en-US" b="1" dirty="0"/>
+              <a:t>Vocabulary clash!</a:t>
+            </a:r>
+            <a:r>
+              <a:rPr lang="en-US" dirty="0"/>
+              <a:t> “Validation”? “Test”?</a:t>
+            </a:r>
+          </a:p>
+        </p:txBody>
+      </p:sp>
+    </p:spTree>
+    <p:extLst>
+      <p:ext uri="{BB962C8B-B14F-4D97-AF65-F5344CB8AC3E}">
+        <p14:creationId xmlns:p14="http://schemas.microsoft.com/office/powerpoint/2010/main" val="2451205037"/>
+      </p:ext>
+    </p:extLst>
+  </p:cSld>
+  <p:clrMapOvr>
+    <a:masterClrMapping/>
+  </p:clrMapOvr>
+</p:sld>
+</file>
+
+<file path=ppt/slides/slide37.xml><?xml version="1.0" encoding="utf-8"?>
+<p:sld xmlns:a="http://schemas.openxmlformats.org/drawingml/2006/main" xmlns:r="http://schemas.openxmlformats.org/officeDocument/2006/relationships" xmlns:p="http://schemas.openxmlformats.org/presentationml/2006/main">
+  <p:cSld>
+    <p:spTree>
+      <p:nvGrpSpPr>
+        <p:cNvPr id="1" name=""/>
+        <p:cNvGrpSpPr/>
+        <p:nvPr/>
+      </p:nvGrpSpPr>
+      <p:grpSpPr>
+        <a:xfrm>
+          <a:off x="0" y="0"/>
+          <a:ext cx="0" cy="0"/>
+          <a:chOff x="0" y="0"/>
+          <a:chExt cx="0" cy="0"/>
+        </a:xfrm>
+      </p:grpSpPr>
+      <p:sp>
+        <p:nvSpPr>
+          <p:cNvPr id="2" name="Titre 1">
+            <a:extLst>
+              <a:ext uri="{FF2B5EF4-FFF2-40B4-BE49-F238E27FC236}">
+                <a16:creationId xmlns:a16="http://schemas.microsoft.com/office/drawing/2014/main" id="{917F1DE8-CB6F-4342-AF58-634403FA2FCE}"/>
+              </a:ext>
+            </a:extLst>
+          </p:cNvPr>
+          <p:cNvSpPr>
+            <a:spLocks noGrp="1"/>
+          </p:cNvSpPr>
+          <p:nvPr>
+            <p:ph type="title"/>
+          </p:nvPr>
+        </p:nvSpPr>
+        <p:spPr/>
+        <p:txBody>
+          <a:bodyPr/>
+          <a:lstStyle/>
+          <a:p>
+            <a:r>
+              <a:rPr lang="en-US" dirty="0"/>
+              <a:t>Why do we need test/validation?</a:t>
+            </a:r>
+          </a:p>
+        </p:txBody>
+      </p:sp>
+      <p:sp>
+        <p:nvSpPr>
+          <p:cNvPr id="3" name="Espace réservé du texte 2">
+            <a:extLst>
+              <a:ext uri="{FF2B5EF4-FFF2-40B4-BE49-F238E27FC236}">
+                <a16:creationId xmlns:a16="http://schemas.microsoft.com/office/drawing/2014/main" id="{18CB57C6-E1FC-4F94-BDDB-7C4C622E0509}"/>
+              </a:ext>
+            </a:extLst>
+          </p:cNvPr>
+          <p:cNvSpPr>
+            <a:spLocks noGrp="1"/>
+          </p:cNvSpPr>
+          <p:nvPr>
+            <p:ph type="body" sz="quarter" idx="10"/>
+          </p:nvPr>
+        </p:nvSpPr>
+        <p:spPr/>
+        <p:txBody>
+          <a:bodyPr/>
+          <a:lstStyle/>
+          <a:p>
+            <a:endParaRPr lang="en-US"/>
+          </a:p>
+        </p:txBody>
+      </p:sp>
+    </p:spTree>
+    <p:extLst>
+      <p:ext uri="{BB962C8B-B14F-4D97-AF65-F5344CB8AC3E}">
+        <p14:creationId xmlns:p14="http://schemas.microsoft.com/office/powerpoint/2010/main" val="346557092"/>
+      </p:ext>
+    </p:extLst>
+  </p:cSld>
+  <p:clrMapOvr>
+    <a:masterClrMapping/>
+  </p:clrMapOvr>
+</p:sld>
+</file>
+
+<file path=ppt/slides/slide38.xml><?xml version="1.0" encoding="utf-8"?>
+<p:sld xmlns:a="http://schemas.openxmlformats.org/drawingml/2006/main" xmlns:r="http://schemas.openxmlformats.org/officeDocument/2006/relationships" xmlns:p="http://schemas.openxmlformats.org/presentationml/2006/main">
+  <p:cSld>
+    <p:spTree>
+      <p:nvGrpSpPr>
+        <p:cNvPr id="1" name=""/>
+        <p:cNvGrpSpPr/>
+        <p:nvPr/>
+      </p:nvGrpSpPr>
+      <p:grpSpPr>
+        <a:xfrm>
+          <a:off x="0" y="0"/>
+          <a:ext cx="0" cy="0"/>
+          <a:chOff x="0" y="0"/>
+          <a:chExt cx="0" cy="0"/>
+        </a:xfrm>
+      </p:grpSpPr>
+      <p:sp>
+        <p:nvSpPr>
+          <p:cNvPr id="2" name="Titre 1">
+            <a:extLst>
+              <a:ext uri="{FF2B5EF4-FFF2-40B4-BE49-F238E27FC236}">
+                <a16:creationId xmlns:a16="http://schemas.microsoft.com/office/drawing/2014/main" id="{ECFB150F-5597-47CB-A30A-85D6D9543B2F}"/>
+              </a:ext>
+            </a:extLst>
+          </p:cNvPr>
+          <p:cNvSpPr>
+            <a:spLocks noGrp="1"/>
+          </p:cNvSpPr>
+          <p:nvPr>
+            <p:ph type="title"/>
+          </p:nvPr>
+        </p:nvSpPr>
+        <p:spPr/>
+        <p:txBody>
+          <a:bodyPr/>
+          <a:lstStyle/>
+          <a:p>
+            <a:r>
+              <a:rPr lang="en-US" dirty="0"/>
+              <a:t>Why do we need test/validation?</a:t>
+            </a:r>
+          </a:p>
+        </p:txBody>
+      </p:sp>
+      <p:sp>
+        <p:nvSpPr>
+          <p:cNvPr id="3" name="Espace réservé du texte 2">
+            <a:extLst>
+              <a:ext uri="{FF2B5EF4-FFF2-40B4-BE49-F238E27FC236}">
+                <a16:creationId xmlns:a16="http://schemas.microsoft.com/office/drawing/2014/main" id="{B6437D54-6C1C-444B-8EEE-CDD87CC3A28D}"/>
+              </a:ext>
+            </a:extLst>
+          </p:cNvPr>
+          <p:cNvSpPr>
+            <a:spLocks noGrp="1"/>
+          </p:cNvSpPr>
+          <p:nvPr>
+            <p:ph type="body" sz="quarter" idx="10"/>
+          </p:nvPr>
+        </p:nvSpPr>
+        <p:spPr/>
+        <p:txBody>
+          <a:bodyPr/>
+          <a:lstStyle/>
+          <a:p>
+            <a:r>
+              <a:rPr lang="en-US" dirty="0"/>
+              <a:t>The Final Boss: OVERFITTING</a:t>
+            </a:r>
+          </a:p>
+        </p:txBody>
+      </p:sp>
+    </p:spTree>
+    <p:extLst>
+      <p:ext uri="{BB962C8B-B14F-4D97-AF65-F5344CB8AC3E}">
+        <p14:creationId xmlns:p14="http://schemas.microsoft.com/office/powerpoint/2010/main" val="2874937924"/>
+      </p:ext>
+    </p:extLst>
+  </p:cSld>
+  <p:clrMapOvr>
+    <a:masterClrMapping/>
+  </p:clrMapOvr>
+</p:sld>
+</file>
+
+<file path=ppt/slides/slide39.xml><?xml version="1.0" encoding="utf-8"?>
 <p:sld xmlns:a="http://schemas.openxmlformats.org/drawingml/2006/main" xmlns:r="http://schemas.openxmlformats.org/officeDocument/2006/relationships" xmlns:p="http://schemas.openxmlformats.org/presentationml/2006/main">
   <p:cSld>
     <p:spTree>

--- a/deep-learning-in-practice-with-pytorch/0-machine-learning.pptx
+++ b/deep-learning-in-practice-with-pytorch/0-machine-learning.pptx
@@ -5,7 +5,7 @@
     <p:sldMasterId id="2147483648" r:id="rId1"/>
   </p:sldMasterIdLst>
   <p:notesMasterIdLst>
-    <p:notesMasterId r:id="rId41"/>
+    <p:notesMasterId r:id="rId48"/>
   </p:notesMasterIdLst>
   <p:sldIdLst>
     <p:sldId id="257" r:id="rId2"/>
@@ -28,25 +28,32 @@
     <p:sldId id="359" r:id="rId19"/>
     <p:sldId id="374" r:id="rId20"/>
     <p:sldId id="360" r:id="rId21"/>
-    <p:sldId id="364" r:id="rId22"/>
-    <p:sldId id="366" r:id="rId23"/>
-    <p:sldId id="367" r:id="rId24"/>
-    <p:sldId id="369" r:id="rId25"/>
-    <p:sldId id="368" r:id="rId26"/>
-    <p:sldId id="370" r:id="rId27"/>
-    <p:sldId id="371" r:id="rId28"/>
-    <p:sldId id="375" r:id="rId29"/>
-    <p:sldId id="372" r:id="rId30"/>
-    <p:sldId id="376" r:id="rId31"/>
-    <p:sldId id="373" r:id="rId32"/>
-    <p:sldId id="365" r:id="rId33"/>
-    <p:sldId id="377" r:id="rId34"/>
-    <p:sldId id="378" r:id="rId35"/>
-    <p:sldId id="379" r:id="rId36"/>
-    <p:sldId id="380" r:id="rId37"/>
-    <p:sldId id="381" r:id="rId38"/>
-    <p:sldId id="382" r:id="rId39"/>
-    <p:sldId id="361" r:id="rId40"/>
+    <p:sldId id="387" r:id="rId22"/>
+    <p:sldId id="364" r:id="rId23"/>
+    <p:sldId id="366" r:id="rId24"/>
+    <p:sldId id="367" r:id="rId25"/>
+    <p:sldId id="369" r:id="rId26"/>
+    <p:sldId id="368" r:id="rId27"/>
+    <p:sldId id="370" r:id="rId28"/>
+    <p:sldId id="371" r:id="rId29"/>
+    <p:sldId id="375" r:id="rId30"/>
+    <p:sldId id="383" r:id="rId31"/>
+    <p:sldId id="372" r:id="rId32"/>
+    <p:sldId id="376" r:id="rId33"/>
+    <p:sldId id="373" r:id="rId34"/>
+    <p:sldId id="365" r:id="rId35"/>
+    <p:sldId id="377" r:id="rId36"/>
+    <p:sldId id="378" r:id="rId37"/>
+    <p:sldId id="379" r:id="rId38"/>
+    <p:sldId id="380" r:id="rId39"/>
+    <p:sldId id="381" r:id="rId40"/>
+    <p:sldId id="382" r:id="rId41"/>
+    <p:sldId id="384" r:id="rId42"/>
+    <p:sldId id="385" r:id="rId43"/>
+    <p:sldId id="386" r:id="rId44"/>
+    <p:sldId id="288" r:id="rId45"/>
+    <p:sldId id="289" r:id="rId46"/>
+    <p:sldId id="361" r:id="rId47"/>
   </p:sldIdLst>
   <p:sldSz cx="12192000" cy="6858000"/>
   <p:notesSz cx="6858000" cy="9144000"/>
@@ -235,7 +242,7 @@
           <a:p>
             <a:fld id="{BAE49E8B-CCD4-4618-AB1D-3C7C9883397C}" type="datetimeFigureOut">
               <a:rPr lang="en-US" smtClean="0"/>
-              <a:t>3/27/2024</a:t>
+              <a:t>3/29/2024</a:t>
             </a:fld>
             <a:endParaRPr lang="en-US"/>
           </a:p>
@@ -951,7 +958,7 @@
           <a:p>
             <a:fld id="{48D977CF-5572-4704-BDD5-87BB4760C726}" type="slidenum">
               <a:rPr lang="en-US" smtClean="0"/>
-              <a:t>21</a:t>
+              <a:t>22</a:t>
             </a:fld>
             <a:endParaRPr lang="en-US"/>
           </a:p>
@@ -1035,7 +1042,7 @@
           <a:p>
             <a:fld id="{48D977CF-5572-4704-BDD5-87BB4760C726}" type="slidenum">
               <a:rPr lang="en-US" smtClean="0"/>
-              <a:t>29</a:t>
+              <a:t>31</a:t>
             </a:fld>
             <a:endParaRPr lang="en-US"/>
           </a:p>
@@ -1154,7 +1161,7 @@
           <a:p>
             <a:fld id="{48D977CF-5572-4704-BDD5-87BB4760C726}" type="slidenum">
               <a:rPr lang="en-US" smtClean="0"/>
-              <a:t>33</a:t>
+              <a:t>35</a:t>
             </a:fld>
             <a:endParaRPr lang="en-US"/>
           </a:p>
@@ -1238,7 +1245,7 @@
           <a:p>
             <a:fld id="{48D977CF-5572-4704-BDD5-87BB4760C726}" type="slidenum">
               <a:rPr lang="en-US" smtClean="0"/>
-              <a:t>35</a:t>
+              <a:t>37</a:t>
             </a:fld>
             <a:endParaRPr lang="en-US"/>
           </a:p>
@@ -1322,7 +1329,7 @@
           <a:p>
             <a:fld id="{48D977CF-5572-4704-BDD5-87BB4760C726}" type="slidenum">
               <a:rPr lang="en-US" smtClean="0"/>
-              <a:t>36</a:t>
+              <a:t>38</a:t>
             </a:fld>
             <a:endParaRPr lang="en-US"/>
           </a:p>
@@ -4794,7 +4801,13 @@
           <p:cNvGraphicFramePr>
             <a:graphicFrameLocks noGrp="1"/>
           </p:cNvGraphicFramePr>
-          <p:nvPr/>
+          <p:nvPr>
+            <p:extLst>
+              <p:ext uri="{D42A27DB-BD31-4B8C-83A1-F6EECF244321}">
+                <p14:modId xmlns:p14="http://schemas.microsoft.com/office/powerpoint/2010/main" val="3777727646"/>
+              </p:ext>
+            </p:extLst>
+          </p:nvPr>
         </p:nvGraphicFramePr>
         <p:xfrm>
           <a:off x="9637694" y="2919535"/>
@@ -4804,7 +4817,7 @@
           <a:graphicData uri="http://schemas.openxmlformats.org/drawingml/2006/table">
             <a:tbl>
               <a:tblPr firstRow="1" bandRow="1">
-                <a:tableStyleId>{00A15C55-8517-42AA-B614-E9B94910E393}</a:tableStyleId>
+                <a:tableStyleId>{93296810-A885-4BE3-A3E7-6D5BEEA58F35}</a:tableStyleId>
               </a:tblPr>
               <a:tblGrid>
                 <a:gridCol w="1627337">
@@ -5203,10 +5216,18 @@
           </a:lstStyle>
           <a:p>
             <a:r>
-              <a:rPr lang="it-IT" dirty="0"/>
+              <a:rPr lang="it-IT" dirty="0">
+                <a:solidFill>
+                  <a:schemeClr val="accent6"/>
+                </a:solidFill>
+              </a:rPr>
               <a:t>Training data</a:t>
             </a:r>
-            <a:endParaRPr lang="en-US" dirty="0"/>
+            <a:endParaRPr lang="en-US" dirty="0">
+              <a:solidFill>
+                <a:schemeClr val="accent6"/>
+              </a:solidFill>
+            </a:endParaRPr>
           </a:p>
         </p:txBody>
       </p:sp>
@@ -5853,14 +5874,14 @@
             <a:r>
               <a:rPr lang="it-IT" sz="3200" b="1" dirty="0">
                 <a:solidFill>
-                  <a:schemeClr val="accent4"/>
+                  <a:schemeClr val="accent6"/>
                 </a:solidFill>
               </a:rPr>
               <a:t>Training data</a:t>
             </a:r>
             <a:endParaRPr lang="en-US" sz="3200" b="1" dirty="0">
               <a:solidFill>
-                <a:schemeClr val="accent4"/>
+                <a:schemeClr val="accent6"/>
               </a:solidFill>
             </a:endParaRPr>
           </a:p>
@@ -5927,7 +5948,7 @@
           <a:blip r:embed="rId4">
             <a:extLst>
               <a:ext uri="{28A0092B-C50C-407E-A947-70E740481C1C}">
-                <a14:useLocalDpi xmlns:a14="http://schemas.microsoft.com/office/drawing/2010/main"/>
+                <a14:useLocalDpi xmlns:a14="http://schemas.microsoft.com/office/drawing/2010/main" val="0"/>
               </a:ext>
             </a:extLst>
           </a:blip>
@@ -5937,7 +5958,7 @@
         <p:spPr bwMode="auto">
           <a:xfrm>
             <a:off x="8221241" y="2562598"/>
-            <a:ext cx="3792130" cy="2903456"/>
+            <a:ext cx="3792130" cy="2903455"/>
           </a:xfrm>
           <a:prstGeom prst="rect">
             <a:avLst/>
@@ -6617,10 +6638,18 @@
           </a:lstStyle>
           <a:p>
             <a:r>
-              <a:rPr lang="it-IT" dirty="0"/>
+              <a:rPr lang="it-IT" dirty="0">
+                <a:solidFill>
+                  <a:schemeClr val="accent6"/>
+                </a:solidFill>
+              </a:rPr>
               <a:t>Training data</a:t>
             </a:r>
-            <a:endParaRPr lang="en-US" dirty="0"/>
+            <a:endParaRPr lang="en-US" dirty="0">
+              <a:solidFill>
+                <a:schemeClr val="accent6"/>
+              </a:solidFill>
+            </a:endParaRPr>
           </a:p>
         </p:txBody>
       </p:sp>
@@ -6685,7 +6714,7 @@
           <a:blip r:embed="rId5">
             <a:extLst>
               <a:ext uri="{28A0092B-C50C-407E-A947-70E740481C1C}">
-                <a14:useLocalDpi xmlns:a14="http://schemas.microsoft.com/office/drawing/2010/main"/>
+                <a14:useLocalDpi xmlns:a14="http://schemas.microsoft.com/office/drawing/2010/main" val="0"/>
               </a:ext>
             </a:extLst>
           </a:blip>
@@ -6694,8 +6723,8 @@
         </p:blipFill>
         <p:spPr bwMode="auto">
           <a:xfrm>
-            <a:off x="8221241" y="2562598"/>
-            <a:ext cx="3792130" cy="2903456"/>
+            <a:off x="8222400" y="2533414"/>
+            <a:ext cx="3790800" cy="2929563"/>
           </a:xfrm>
           <a:prstGeom prst="rect">
             <a:avLst/>
@@ -8053,7 +8082,7 @@
           <a:blip r:embed="rId5">
             <a:extLst>
               <a:ext uri="{28A0092B-C50C-407E-A947-70E740481C1C}">
-                <a14:useLocalDpi xmlns:a14="http://schemas.microsoft.com/office/drawing/2010/main"/>
+                <a14:useLocalDpi xmlns:a14="http://schemas.microsoft.com/office/drawing/2010/main" val="0"/>
               </a:ext>
             </a:extLst>
           </a:blip>
@@ -8062,8 +8091,8 @@
         </p:blipFill>
         <p:spPr bwMode="auto">
           <a:xfrm>
-            <a:off x="8221241" y="2562598"/>
-            <a:ext cx="3792130" cy="2903456"/>
+            <a:off x="8221241" y="2577203"/>
+            <a:ext cx="3792130" cy="2874246"/>
           </a:xfrm>
           <a:prstGeom prst="rect">
             <a:avLst/>
@@ -8309,7 +8338,15 @@
           <a:p>
             <a:r>
               <a:rPr lang="en-US" dirty="0"/>
-              <a:t>Similar to ML, but not exactly</a:t>
+              <a:t>Similar </a:t>
+            </a:r>
+            <a:r>
+              <a:rPr lang="en-US"/>
+              <a:t>to supervised ML</a:t>
+            </a:r>
+            <a:r>
+              <a:rPr lang="en-US" dirty="0"/>
+              <a:t>, but not exactly</a:t>
             </a:r>
           </a:p>
           <a:p>
@@ -8338,7 +8375,7 @@
             <a:pPr lvl="1"/>
             <a:r>
               <a:rPr lang="en-US" dirty="0"/>
-              <a:t>Example: a chess game; should we trading a Queen for a Knight? Well, it depends on the </a:t>
+              <a:t>Example: a chess game; should we trade a Queen for a Knight? Well, it depends on the </a:t>
             </a:r>
             <a:r>
               <a:rPr lang="en-US" b="1" dirty="0"/>
@@ -8480,7 +8517,7 @@
           <a:p>
             <a:r>
               <a:rPr lang="en-US" dirty="0"/>
-              <a:t>Go (~10</a:t>
+              <a:t>Game of Go (~10</a:t>
             </a:r>
             <a:r>
               <a:rPr lang="en-US" baseline="30000" dirty="0"/>
@@ -8488,7 +8525,7 @@
             </a:r>
             <a:r>
               <a:rPr lang="en-US" dirty="0"/>
-              <a:t> states) was believed to be unapproachable</a:t>
+              <a:t> states) believed to be unapproachable</a:t>
             </a:r>
           </a:p>
           <a:p>
@@ -8706,13 +8743,13 @@
           <a:p>
             <a:r>
               <a:rPr lang="en-US" dirty="0"/>
-              <a:t>What happens when we don’t have the correct answer?</a:t>
-            </a:r>
-          </a:p>
-          <a:p>
-            <a:r>
-              <a:rPr lang="en-US" dirty="0"/>
-              <a:t>For example, separate data into groups</a:t>
+              <a:t>Supervised ML, min. difference predictions - ground truth</a:t>
+            </a:r>
+          </a:p>
+          <a:p>
+            <a:r>
+              <a:rPr lang="en-US" dirty="0"/>
+              <a:t>What happens when we do not have the ground truth?</a:t>
             </a:r>
           </a:p>
         </p:txBody>
@@ -8749,58 +8786,10 @@
       </p:grpSpPr>
       <p:sp>
         <p:nvSpPr>
-          <p:cNvPr id="11" name="Rectangle : coins arrondis 10">
-            <a:extLst>
-              <a:ext uri="{FF2B5EF4-FFF2-40B4-BE49-F238E27FC236}">
-                <a16:creationId xmlns:a16="http://schemas.microsoft.com/office/drawing/2014/main" id="{26013B2E-CC3B-413E-8CDB-4F1697F804B5}"/>
-              </a:ext>
-            </a:extLst>
-          </p:cNvPr>
-          <p:cNvSpPr/>
-          <p:nvPr/>
-        </p:nvSpPr>
-        <p:spPr>
-          <a:xfrm>
-            <a:off x="8152222" y="1960775"/>
-            <a:ext cx="2950981" cy="3638747"/>
-          </a:xfrm>
-          <a:prstGeom prst="roundRect">
-            <a:avLst/>
-          </a:prstGeom>
-          <a:ln/>
-        </p:spPr>
-        <p:style>
-          <a:lnRef idx="2">
-            <a:schemeClr val="accent2"/>
-          </a:lnRef>
-          <a:fillRef idx="1">
-            <a:schemeClr val="lt1"/>
-          </a:fillRef>
-          <a:effectRef idx="0">
-            <a:schemeClr val="accent2"/>
-          </a:effectRef>
-          <a:fontRef idx="minor">
-            <a:schemeClr val="dk1"/>
-          </a:fontRef>
-        </p:style>
-        <p:txBody>
-          <a:bodyPr rtlCol="0" anchor="t"/>
-          <a:lstStyle/>
-          <a:p>
-            <a:pPr algn="ctr"/>
-            <a:r>
-              <a:rPr lang="en-US" dirty="0"/>
-              <a:t>Machine Learning</a:t>
-            </a:r>
-          </a:p>
-        </p:txBody>
-      </p:sp>
-      <p:sp>
-        <p:nvSpPr>
           <p:cNvPr id="2" name="Titre 1">
             <a:extLst>
               <a:ext uri="{FF2B5EF4-FFF2-40B4-BE49-F238E27FC236}">
-                <a16:creationId xmlns:a16="http://schemas.microsoft.com/office/drawing/2014/main" id="{A5420EFC-FFB3-4740-9D5B-A9BB5F6B612F}"/>
+                <a16:creationId xmlns:a16="http://schemas.microsoft.com/office/drawing/2014/main" id="{408C6A72-DA48-4B08-9A75-07357EF82861}"/>
               </a:ext>
             </a:extLst>
           </p:cNvPr>
@@ -8818,458 +8807,40 @@
           <a:p>
             <a:r>
               <a:rPr lang="en-US" dirty="0"/>
-              <a:t>Machine Learning pipeline</a:t>
-            </a:r>
-          </a:p>
-        </p:txBody>
-      </p:sp>
-      <p:sp>
-        <p:nvSpPr>
-          <p:cNvPr id="4" name="Organigramme : Disque magnétique 3">
-            <a:extLst>
-              <a:ext uri="{FF2B5EF4-FFF2-40B4-BE49-F238E27FC236}">
-                <a16:creationId xmlns:a16="http://schemas.microsoft.com/office/drawing/2014/main" id="{7C72C114-1A3F-4108-81DB-BC96D0970337}"/>
-              </a:ext>
-            </a:extLst>
-          </p:cNvPr>
-          <p:cNvSpPr/>
-          <p:nvPr/>
-        </p:nvSpPr>
-        <p:spPr>
-          <a:xfrm>
-            <a:off x="761998" y="3007151"/>
-            <a:ext cx="1867293" cy="1611983"/>
-          </a:xfrm>
-          <a:prstGeom prst="flowChartMagneticDisk">
-            <a:avLst/>
-          </a:prstGeom>
-        </p:spPr>
-        <p:style>
-          <a:lnRef idx="2">
-            <a:schemeClr val="dk1"/>
-          </a:lnRef>
-          <a:fillRef idx="1">
-            <a:schemeClr val="lt1"/>
-          </a:fillRef>
-          <a:effectRef idx="0">
-            <a:schemeClr val="dk1"/>
-          </a:effectRef>
-          <a:fontRef idx="minor">
-            <a:schemeClr val="dk1"/>
-          </a:fontRef>
-        </p:style>
-        <p:txBody>
-          <a:bodyPr rtlCol="0" anchor="ctr"/>
-          <a:lstStyle/>
-          <a:p>
-            <a:pPr algn="ctr"/>
-            <a:r>
-              <a:rPr lang="en-US" dirty="0"/>
-              <a:t>Raw data</a:t>
-            </a:r>
-          </a:p>
-        </p:txBody>
-      </p:sp>
-      <p:sp>
-        <p:nvSpPr>
-          <p:cNvPr id="5" name="Rectangle : coins arrondis 4">
-            <a:extLst>
-              <a:ext uri="{FF2B5EF4-FFF2-40B4-BE49-F238E27FC236}">
-                <a16:creationId xmlns:a16="http://schemas.microsoft.com/office/drawing/2014/main" id="{E6D5FD6A-1026-4A3F-974B-CBE700AB2544}"/>
-              </a:ext>
-            </a:extLst>
-          </p:cNvPr>
-          <p:cNvSpPr/>
-          <p:nvPr/>
-        </p:nvSpPr>
-        <p:spPr>
-          <a:xfrm>
-            <a:off x="3276206" y="3307615"/>
-            <a:ext cx="1791093" cy="1095866"/>
-          </a:xfrm>
-          <a:prstGeom prst="roundRect">
-            <a:avLst/>
-          </a:prstGeom>
-        </p:spPr>
-        <p:style>
-          <a:lnRef idx="2">
-            <a:schemeClr val="accent6"/>
-          </a:lnRef>
-          <a:fillRef idx="1">
-            <a:schemeClr val="lt1"/>
-          </a:fillRef>
-          <a:effectRef idx="0">
-            <a:schemeClr val="accent6"/>
-          </a:effectRef>
-          <a:fontRef idx="minor">
-            <a:schemeClr val="dk1"/>
-          </a:fontRef>
-        </p:style>
-        <p:txBody>
-          <a:bodyPr rtlCol="0" anchor="ctr"/>
-          <a:lstStyle/>
-          <a:p>
-            <a:pPr algn="ctr"/>
-            <a:r>
-              <a:rPr lang="en-US" dirty="0"/>
-              <a:t>Preprocessing</a:t>
-            </a:r>
-          </a:p>
-        </p:txBody>
-      </p:sp>
-      <p:sp>
-        <p:nvSpPr>
-          <p:cNvPr id="6" name="Rectangle : coins arrondis 5">
-            <a:extLst>
-              <a:ext uri="{FF2B5EF4-FFF2-40B4-BE49-F238E27FC236}">
-                <a16:creationId xmlns:a16="http://schemas.microsoft.com/office/drawing/2014/main" id="{EED3D23D-DCE6-461A-9290-2AE5D2A13024}"/>
-              </a:ext>
-            </a:extLst>
-          </p:cNvPr>
-          <p:cNvSpPr/>
-          <p:nvPr/>
-        </p:nvSpPr>
-        <p:spPr>
-          <a:xfrm>
-            <a:off x="5714214" y="3307629"/>
-            <a:ext cx="1791093" cy="1095866"/>
-          </a:xfrm>
-          <a:prstGeom prst="roundRect">
-            <a:avLst/>
-          </a:prstGeom>
-          <a:ln>
-            <a:solidFill>
-              <a:schemeClr val="accent1"/>
-            </a:solidFill>
-          </a:ln>
-        </p:spPr>
-        <p:style>
-          <a:lnRef idx="2">
-            <a:schemeClr val="accent6"/>
-          </a:lnRef>
-          <a:fillRef idx="1">
-            <a:schemeClr val="lt1"/>
-          </a:fillRef>
-          <a:effectRef idx="0">
-            <a:schemeClr val="accent6"/>
-          </a:effectRef>
-          <a:fontRef idx="minor">
-            <a:schemeClr val="dk1"/>
-          </a:fontRef>
-        </p:style>
-        <p:txBody>
-          <a:bodyPr rtlCol="0" anchor="ctr"/>
-          <a:lstStyle/>
-          <a:p>
-            <a:pPr algn="ctr"/>
-            <a:r>
-              <a:rPr lang="en-US" dirty="0"/>
-              <a:t>Feature engineering</a:t>
-            </a:r>
-          </a:p>
-        </p:txBody>
-      </p:sp>
-      <p:sp>
-        <p:nvSpPr>
-          <p:cNvPr id="7" name="Rectangle : coins arrondis 6">
-            <a:extLst>
-              <a:ext uri="{FF2B5EF4-FFF2-40B4-BE49-F238E27FC236}">
-                <a16:creationId xmlns:a16="http://schemas.microsoft.com/office/drawing/2014/main" id="{881C9840-4F76-4F8B-8CC9-87B790F8CDF2}"/>
-              </a:ext>
-            </a:extLst>
-          </p:cNvPr>
-          <p:cNvSpPr/>
-          <p:nvPr/>
-        </p:nvSpPr>
-        <p:spPr>
-          <a:xfrm>
-            <a:off x="8480589" y="2668788"/>
-            <a:ext cx="2331171" cy="677567"/>
-          </a:xfrm>
-          <a:prstGeom prst="roundRect">
-            <a:avLst/>
-          </a:prstGeom>
-          <a:solidFill>
-            <a:schemeClr val="accent2">
-              <a:lumMod val="75000"/>
-            </a:schemeClr>
-          </a:solidFill>
-          <a:ln/>
-        </p:spPr>
-        <p:style>
-          <a:lnRef idx="2">
-            <a:schemeClr val="accent2"/>
-          </a:lnRef>
-          <a:fillRef idx="1">
-            <a:schemeClr val="lt1"/>
-          </a:fillRef>
-          <a:effectRef idx="0">
-            <a:schemeClr val="accent2"/>
-          </a:effectRef>
-          <a:fontRef idx="minor">
-            <a:schemeClr val="dk1"/>
-          </a:fontRef>
-        </p:style>
-        <p:txBody>
-          <a:bodyPr rtlCol="0" anchor="ctr"/>
-          <a:lstStyle/>
-          <a:p>
-            <a:pPr algn="ctr"/>
-            <a:r>
-              <a:rPr lang="en-US" dirty="0">
-                <a:solidFill>
-                  <a:schemeClr val="bg1"/>
-                </a:solidFill>
-              </a:rPr>
-              <a:t>Model selection</a:t>
-            </a:r>
-          </a:p>
-        </p:txBody>
-      </p:sp>
-      <p:sp>
-        <p:nvSpPr>
-          <p:cNvPr id="9" name="Rectangle : coins arrondis 8">
-            <a:extLst>
-              <a:ext uri="{FF2B5EF4-FFF2-40B4-BE49-F238E27FC236}">
-                <a16:creationId xmlns:a16="http://schemas.microsoft.com/office/drawing/2014/main" id="{9CDF2850-8F9D-4F03-9337-08204EE86A4B}"/>
-              </a:ext>
-            </a:extLst>
-          </p:cNvPr>
-          <p:cNvSpPr/>
-          <p:nvPr/>
-        </p:nvSpPr>
-        <p:spPr>
-          <a:xfrm>
-            <a:off x="8480589" y="3536135"/>
-            <a:ext cx="2331171" cy="677566"/>
-          </a:xfrm>
-          <a:prstGeom prst="roundRect">
-            <a:avLst/>
-          </a:prstGeom>
-          <a:solidFill>
-            <a:schemeClr val="accent2">
-              <a:lumMod val="60000"/>
-              <a:lumOff val="40000"/>
-            </a:schemeClr>
-          </a:solidFill>
-          <a:ln/>
-        </p:spPr>
-        <p:style>
-          <a:lnRef idx="2">
-            <a:schemeClr val="accent2"/>
-          </a:lnRef>
-          <a:fillRef idx="1">
-            <a:schemeClr val="lt1"/>
-          </a:fillRef>
-          <a:effectRef idx="0">
-            <a:schemeClr val="accent2"/>
-          </a:effectRef>
-          <a:fontRef idx="minor">
-            <a:schemeClr val="dk1"/>
-          </a:fontRef>
-        </p:style>
-        <p:txBody>
-          <a:bodyPr rtlCol="0" anchor="ctr"/>
-          <a:lstStyle/>
-          <a:p>
-            <a:pPr algn="ctr"/>
-            <a:r>
-              <a:rPr lang="en-US" dirty="0"/>
-              <a:t>Hyperparameter tuning</a:t>
-            </a:r>
-          </a:p>
-        </p:txBody>
-      </p:sp>
-      <p:sp>
-        <p:nvSpPr>
-          <p:cNvPr id="10" name="Rectangle : coins arrondis 9">
-            <a:extLst>
-              <a:ext uri="{FF2B5EF4-FFF2-40B4-BE49-F238E27FC236}">
-                <a16:creationId xmlns:a16="http://schemas.microsoft.com/office/drawing/2014/main" id="{2D340371-28B8-455F-B881-A909062EAFF2}"/>
-              </a:ext>
-            </a:extLst>
-          </p:cNvPr>
-          <p:cNvSpPr/>
-          <p:nvPr/>
-        </p:nvSpPr>
-        <p:spPr>
-          <a:xfrm>
-            <a:off x="8480588" y="4403481"/>
-            <a:ext cx="2331171" cy="677566"/>
-          </a:xfrm>
-          <a:prstGeom prst="roundRect">
-            <a:avLst/>
-          </a:prstGeom>
-          <a:solidFill>
-            <a:schemeClr val="accent2">
-              <a:lumMod val="40000"/>
-              <a:lumOff val="60000"/>
-            </a:schemeClr>
-          </a:solidFill>
-          <a:ln/>
-        </p:spPr>
-        <p:style>
-          <a:lnRef idx="2">
-            <a:schemeClr val="accent2"/>
-          </a:lnRef>
-          <a:fillRef idx="1">
-            <a:schemeClr val="lt1"/>
-          </a:fillRef>
-          <a:effectRef idx="0">
-            <a:schemeClr val="accent2"/>
-          </a:effectRef>
-          <a:fontRef idx="minor">
-            <a:schemeClr val="dk1"/>
-          </a:fontRef>
-        </p:style>
-        <p:txBody>
-          <a:bodyPr rtlCol="0" anchor="ctr"/>
-          <a:lstStyle/>
-          <a:p>
-            <a:pPr algn="ctr"/>
-            <a:r>
-              <a:rPr lang="en-US" dirty="0"/>
-              <a:t>Training and validation</a:t>
-            </a:r>
-          </a:p>
-        </p:txBody>
-      </p:sp>
-      <p:sp>
-        <p:nvSpPr>
-          <p:cNvPr id="12" name="Flèche : droite 11">
-            <a:extLst>
-              <a:ext uri="{FF2B5EF4-FFF2-40B4-BE49-F238E27FC236}">
-                <a16:creationId xmlns:a16="http://schemas.microsoft.com/office/drawing/2014/main" id="{98B44FC7-2E2E-40E3-9F38-2053326FE093}"/>
-              </a:ext>
-            </a:extLst>
-          </p:cNvPr>
-          <p:cNvSpPr/>
-          <p:nvPr/>
-        </p:nvSpPr>
-        <p:spPr>
-          <a:xfrm>
-            <a:off x="2629291" y="3573259"/>
-            <a:ext cx="778103" cy="479765"/>
-          </a:xfrm>
-          <a:prstGeom prst="rightArrow">
-            <a:avLst/>
-          </a:prstGeom>
-        </p:spPr>
-        <p:style>
-          <a:lnRef idx="2">
-            <a:schemeClr val="dk1"/>
-          </a:lnRef>
-          <a:fillRef idx="1">
-            <a:schemeClr val="lt1"/>
-          </a:fillRef>
-          <a:effectRef idx="0">
-            <a:schemeClr val="dk1"/>
-          </a:effectRef>
-          <a:fontRef idx="minor">
-            <a:schemeClr val="dk1"/>
-          </a:fontRef>
-        </p:style>
-        <p:txBody>
-          <a:bodyPr rtlCol="0" anchor="ctr"/>
-          <a:lstStyle/>
-          <a:p>
-            <a:pPr algn="ctr"/>
-            <a:endParaRPr lang="en-US"/>
-          </a:p>
-        </p:txBody>
-      </p:sp>
-      <p:sp>
-        <p:nvSpPr>
-          <p:cNvPr id="13" name="Flèche : droite 12">
-            <a:extLst>
-              <a:ext uri="{FF2B5EF4-FFF2-40B4-BE49-F238E27FC236}">
-                <a16:creationId xmlns:a16="http://schemas.microsoft.com/office/drawing/2014/main" id="{60828FC5-75BB-4604-850A-76BD9F07E5A2}"/>
-              </a:ext>
-            </a:extLst>
-          </p:cNvPr>
-          <p:cNvSpPr/>
-          <p:nvPr/>
-        </p:nvSpPr>
-        <p:spPr>
-          <a:xfrm>
-            <a:off x="5067299" y="3573259"/>
-            <a:ext cx="778103" cy="479765"/>
-          </a:xfrm>
-          <a:prstGeom prst="rightArrow">
-            <a:avLst/>
-          </a:prstGeom>
-        </p:spPr>
-        <p:style>
-          <a:lnRef idx="2">
-            <a:schemeClr val="dk1"/>
-          </a:lnRef>
-          <a:fillRef idx="1">
-            <a:schemeClr val="lt1"/>
-          </a:fillRef>
-          <a:effectRef idx="0">
-            <a:schemeClr val="dk1"/>
-          </a:effectRef>
-          <a:fontRef idx="minor">
-            <a:schemeClr val="dk1"/>
-          </a:fontRef>
-        </p:style>
-        <p:txBody>
-          <a:bodyPr rtlCol="0" anchor="ctr"/>
-          <a:lstStyle/>
-          <a:p>
-            <a:pPr algn="ctr"/>
-            <a:endParaRPr lang="en-US"/>
-          </a:p>
-        </p:txBody>
-      </p:sp>
-      <p:sp>
-        <p:nvSpPr>
-          <p:cNvPr id="14" name="Flèche : droite 13">
-            <a:extLst>
-              <a:ext uri="{FF2B5EF4-FFF2-40B4-BE49-F238E27FC236}">
-                <a16:creationId xmlns:a16="http://schemas.microsoft.com/office/drawing/2014/main" id="{24B54F9A-3828-49C7-98E5-A37788AE27BC}"/>
-              </a:ext>
-            </a:extLst>
-          </p:cNvPr>
-          <p:cNvSpPr/>
-          <p:nvPr/>
-        </p:nvSpPr>
-        <p:spPr>
-          <a:xfrm>
-            <a:off x="7505307" y="3615665"/>
-            <a:ext cx="778103" cy="479765"/>
-          </a:xfrm>
-          <a:prstGeom prst="rightArrow">
-            <a:avLst/>
-          </a:prstGeom>
-        </p:spPr>
-        <p:style>
-          <a:lnRef idx="2">
-            <a:schemeClr val="dk1"/>
-          </a:lnRef>
-          <a:fillRef idx="1">
-            <a:schemeClr val="lt1"/>
-          </a:fillRef>
-          <a:effectRef idx="0">
-            <a:schemeClr val="dk1"/>
-          </a:effectRef>
-          <a:fontRef idx="minor">
-            <a:schemeClr val="dk1"/>
-          </a:fontRef>
-        </p:style>
-        <p:txBody>
-          <a:bodyPr rtlCol="0" anchor="ctr"/>
-          <a:lstStyle/>
-          <a:p>
-            <a:pPr algn="ctr"/>
-            <a:endParaRPr lang="en-US"/>
+              <a:t>Unsupervised Machine Learning</a:t>
+            </a:r>
+          </a:p>
+        </p:txBody>
+      </p:sp>
+      <p:sp>
+        <p:nvSpPr>
+          <p:cNvPr id="3" name="Espace réservé du texte 2">
+            <a:extLst>
+              <a:ext uri="{FF2B5EF4-FFF2-40B4-BE49-F238E27FC236}">
+                <a16:creationId xmlns:a16="http://schemas.microsoft.com/office/drawing/2014/main" id="{E6DAD58F-54D1-4208-A59B-5709046F08AC}"/>
+              </a:ext>
+            </a:extLst>
+          </p:cNvPr>
+          <p:cNvSpPr>
+            <a:spLocks noGrp="1"/>
+          </p:cNvSpPr>
+          <p:nvPr>
+            <p:ph type="body" sz="quarter" idx="10"/>
+          </p:nvPr>
+        </p:nvSpPr>
+        <p:spPr/>
+        <p:txBody>
+          <a:bodyPr/>
+          <a:lstStyle/>
+          <a:p>
+            <a:endParaRPr lang="en-US" dirty="0"/>
           </a:p>
         </p:txBody>
       </p:sp>
     </p:spTree>
     <p:extLst>
       <p:ext uri="{BB962C8B-B14F-4D97-AF65-F5344CB8AC3E}">
-        <p14:creationId xmlns:p14="http://schemas.microsoft.com/office/powerpoint/2010/main" val="248212454"/>
+        <p14:creationId xmlns:p14="http://schemas.microsoft.com/office/powerpoint/2010/main" val="1841226651"/>
       </p:ext>
     </p:extLst>
   </p:cSld>
@@ -9815,81 +9386,10 @@
           </a:p>
         </p:txBody>
       </p:sp>
-      <p:sp>
-        <p:nvSpPr>
-          <p:cNvPr id="3" name="Bulle narrative : rectangle 2">
-            <a:extLst>
-              <a:ext uri="{FF2B5EF4-FFF2-40B4-BE49-F238E27FC236}">
-                <a16:creationId xmlns:a16="http://schemas.microsoft.com/office/drawing/2014/main" id="{0C59C0A2-D089-496D-8141-DB328C31F08C}"/>
-              </a:ext>
-            </a:extLst>
-          </p:cNvPr>
-          <p:cNvSpPr/>
-          <p:nvPr/>
-        </p:nvSpPr>
-        <p:spPr>
-          <a:xfrm>
-            <a:off x="2629291" y="4939645"/>
-            <a:ext cx="2649719" cy="1272619"/>
-          </a:xfrm>
-          <a:prstGeom prst="wedgeRectCallout">
-            <a:avLst>
-              <a:gd name="adj1" fmla="val 31402"/>
-              <a:gd name="adj2" fmla="val -110476"/>
-            </a:avLst>
-          </a:prstGeom>
-        </p:spPr>
-        <p:style>
-          <a:lnRef idx="2">
-            <a:schemeClr val="accent6"/>
-          </a:lnRef>
-          <a:fillRef idx="1">
-            <a:schemeClr val="lt1"/>
-          </a:fillRef>
-          <a:effectRef idx="0">
-            <a:schemeClr val="accent6"/>
-          </a:effectRef>
-          <a:fontRef idx="minor">
-            <a:schemeClr val="dk1"/>
-          </a:fontRef>
-        </p:style>
-        <p:txBody>
-          <a:bodyPr rtlCol="0" anchor="ctr"/>
-          <a:lstStyle/>
-          <a:p>
-            <a:pPr algn="ctr"/>
-            <a:r>
-              <a:rPr lang="en-US" dirty="0"/>
-              <a:t>Missing values</a:t>
-            </a:r>
-          </a:p>
-          <a:p>
-            <a:pPr algn="ctr"/>
-            <a:r>
-              <a:rPr lang="en-US" dirty="0"/>
-              <a:t>Non-numerical features</a:t>
-            </a:r>
-          </a:p>
-          <a:p>
-            <a:pPr algn="ctr"/>
-            <a:r>
-              <a:rPr lang="en-US" dirty="0"/>
-              <a:t>Outlier detection</a:t>
-            </a:r>
-          </a:p>
-          <a:p>
-            <a:pPr algn="ctr"/>
-            <a:r>
-              <a:rPr lang="en-US" i="1" dirty="0"/>
-              <a:t>Normalization?</a:t>
-            </a:r>
-          </a:p>
-        </p:txBody>
-      </p:sp>
     </p:spTree>
     <p:extLst>
       <p:ext uri="{BB962C8B-B14F-4D97-AF65-F5344CB8AC3E}">
-        <p14:creationId xmlns:p14="http://schemas.microsoft.com/office/powerpoint/2010/main" val="2906662125"/>
+        <p14:creationId xmlns:p14="http://schemas.microsoft.com/office/powerpoint/2010/main" val="248212454"/>
       </p:ext>
     </p:extLst>
   </p:cSld>
@@ -9918,10 +9418,58 @@
       </p:grpSpPr>
       <p:sp>
         <p:nvSpPr>
+          <p:cNvPr id="11" name="Rectangle : coins arrondis 10">
+            <a:extLst>
+              <a:ext uri="{FF2B5EF4-FFF2-40B4-BE49-F238E27FC236}">
+                <a16:creationId xmlns:a16="http://schemas.microsoft.com/office/drawing/2014/main" id="{26013B2E-CC3B-413E-8CDB-4F1697F804B5}"/>
+              </a:ext>
+            </a:extLst>
+          </p:cNvPr>
+          <p:cNvSpPr/>
+          <p:nvPr/>
+        </p:nvSpPr>
+        <p:spPr>
+          <a:xfrm>
+            <a:off x="8152222" y="1960775"/>
+            <a:ext cx="2950981" cy="3638747"/>
+          </a:xfrm>
+          <a:prstGeom prst="roundRect">
+            <a:avLst/>
+          </a:prstGeom>
+          <a:ln/>
+        </p:spPr>
+        <p:style>
+          <a:lnRef idx="2">
+            <a:schemeClr val="accent2"/>
+          </a:lnRef>
+          <a:fillRef idx="1">
+            <a:schemeClr val="lt1"/>
+          </a:fillRef>
+          <a:effectRef idx="0">
+            <a:schemeClr val="accent2"/>
+          </a:effectRef>
+          <a:fontRef idx="minor">
+            <a:schemeClr val="dk1"/>
+          </a:fontRef>
+        </p:style>
+        <p:txBody>
+          <a:bodyPr rtlCol="0" anchor="t"/>
+          <a:lstStyle/>
+          <a:p>
+            <a:pPr algn="ctr"/>
+            <a:r>
+              <a:rPr lang="en-US" dirty="0"/>
+              <a:t>Machine Learning</a:t>
+            </a:r>
+          </a:p>
+        </p:txBody>
+      </p:sp>
+      <p:sp>
+        <p:nvSpPr>
           <p:cNvPr id="2" name="Titre 1">
             <a:extLst>
               <a:ext uri="{FF2B5EF4-FFF2-40B4-BE49-F238E27FC236}">
-                <a16:creationId xmlns:a16="http://schemas.microsoft.com/office/drawing/2014/main" id="{2F392F3A-F165-4B24-BCCF-21BDCA8D7122}"/>
+                <a16:creationId xmlns:a16="http://schemas.microsoft.com/office/drawing/2014/main" id="{A5420EFC-FFB3-4740-9D5B-A9BB5F6B612F}"/>
               </a:ext>
             </a:extLst>
           </p:cNvPr>
@@ -9939,75 +9487,521 @@
           <a:p>
             <a:r>
               <a:rPr lang="en-US" dirty="0"/>
+              <a:t>Machine Learning pipeline</a:t>
+            </a:r>
+          </a:p>
+        </p:txBody>
+      </p:sp>
+      <p:sp>
+        <p:nvSpPr>
+          <p:cNvPr id="4" name="Organigramme : Disque magnétique 3">
+            <a:extLst>
+              <a:ext uri="{FF2B5EF4-FFF2-40B4-BE49-F238E27FC236}">
+                <a16:creationId xmlns:a16="http://schemas.microsoft.com/office/drawing/2014/main" id="{7C72C114-1A3F-4108-81DB-BC96D0970337}"/>
+              </a:ext>
+            </a:extLst>
+          </p:cNvPr>
+          <p:cNvSpPr/>
+          <p:nvPr/>
+        </p:nvSpPr>
+        <p:spPr>
+          <a:xfrm>
+            <a:off x="761998" y="3007151"/>
+            <a:ext cx="1867293" cy="1611983"/>
+          </a:xfrm>
+          <a:prstGeom prst="flowChartMagneticDisk">
+            <a:avLst/>
+          </a:prstGeom>
+        </p:spPr>
+        <p:style>
+          <a:lnRef idx="2">
+            <a:schemeClr val="dk1"/>
+          </a:lnRef>
+          <a:fillRef idx="1">
+            <a:schemeClr val="lt1"/>
+          </a:fillRef>
+          <a:effectRef idx="0">
+            <a:schemeClr val="dk1"/>
+          </a:effectRef>
+          <a:fontRef idx="minor">
+            <a:schemeClr val="dk1"/>
+          </a:fontRef>
+        </p:style>
+        <p:txBody>
+          <a:bodyPr rtlCol="0" anchor="ctr"/>
+          <a:lstStyle/>
+          <a:p>
+            <a:pPr algn="ctr"/>
+            <a:r>
+              <a:rPr lang="en-US" dirty="0"/>
+              <a:t>Raw data</a:t>
+            </a:r>
+          </a:p>
+        </p:txBody>
+      </p:sp>
+      <p:sp>
+        <p:nvSpPr>
+          <p:cNvPr id="5" name="Rectangle : coins arrondis 4">
+            <a:extLst>
+              <a:ext uri="{FF2B5EF4-FFF2-40B4-BE49-F238E27FC236}">
+                <a16:creationId xmlns:a16="http://schemas.microsoft.com/office/drawing/2014/main" id="{E6D5FD6A-1026-4A3F-974B-CBE700AB2544}"/>
+              </a:ext>
+            </a:extLst>
+          </p:cNvPr>
+          <p:cNvSpPr/>
+          <p:nvPr/>
+        </p:nvSpPr>
+        <p:spPr>
+          <a:xfrm>
+            <a:off x="3276206" y="3307615"/>
+            <a:ext cx="1791093" cy="1095866"/>
+          </a:xfrm>
+          <a:prstGeom prst="roundRect">
+            <a:avLst/>
+          </a:prstGeom>
+        </p:spPr>
+        <p:style>
+          <a:lnRef idx="2">
+            <a:schemeClr val="accent6"/>
+          </a:lnRef>
+          <a:fillRef idx="1">
+            <a:schemeClr val="lt1"/>
+          </a:fillRef>
+          <a:effectRef idx="0">
+            <a:schemeClr val="accent6"/>
+          </a:effectRef>
+          <a:fontRef idx="minor">
+            <a:schemeClr val="dk1"/>
+          </a:fontRef>
+        </p:style>
+        <p:txBody>
+          <a:bodyPr rtlCol="0" anchor="ctr"/>
+          <a:lstStyle/>
+          <a:p>
+            <a:pPr algn="ctr"/>
+            <a:r>
+              <a:rPr lang="en-US" dirty="0"/>
+              <a:t>Preprocessing</a:t>
+            </a:r>
+          </a:p>
+        </p:txBody>
+      </p:sp>
+      <p:sp>
+        <p:nvSpPr>
+          <p:cNvPr id="6" name="Rectangle : coins arrondis 5">
+            <a:extLst>
+              <a:ext uri="{FF2B5EF4-FFF2-40B4-BE49-F238E27FC236}">
+                <a16:creationId xmlns:a16="http://schemas.microsoft.com/office/drawing/2014/main" id="{EED3D23D-DCE6-461A-9290-2AE5D2A13024}"/>
+              </a:ext>
+            </a:extLst>
+          </p:cNvPr>
+          <p:cNvSpPr/>
+          <p:nvPr/>
+        </p:nvSpPr>
+        <p:spPr>
+          <a:xfrm>
+            <a:off x="5714214" y="3307629"/>
+            <a:ext cx="1791093" cy="1095866"/>
+          </a:xfrm>
+          <a:prstGeom prst="roundRect">
+            <a:avLst/>
+          </a:prstGeom>
+          <a:ln>
+            <a:solidFill>
+              <a:schemeClr val="accent1"/>
+            </a:solidFill>
+          </a:ln>
+        </p:spPr>
+        <p:style>
+          <a:lnRef idx="2">
+            <a:schemeClr val="accent6"/>
+          </a:lnRef>
+          <a:fillRef idx="1">
+            <a:schemeClr val="lt1"/>
+          </a:fillRef>
+          <a:effectRef idx="0">
+            <a:schemeClr val="accent6"/>
+          </a:effectRef>
+          <a:fontRef idx="minor">
+            <a:schemeClr val="dk1"/>
+          </a:fontRef>
+        </p:style>
+        <p:txBody>
+          <a:bodyPr rtlCol="0" anchor="ctr"/>
+          <a:lstStyle/>
+          <a:p>
+            <a:pPr algn="ctr"/>
+            <a:r>
+              <a:rPr lang="en-US" dirty="0"/>
+              <a:t>Feature engineering</a:t>
+            </a:r>
+          </a:p>
+        </p:txBody>
+      </p:sp>
+      <p:sp>
+        <p:nvSpPr>
+          <p:cNvPr id="7" name="Rectangle : coins arrondis 6">
+            <a:extLst>
+              <a:ext uri="{FF2B5EF4-FFF2-40B4-BE49-F238E27FC236}">
+                <a16:creationId xmlns:a16="http://schemas.microsoft.com/office/drawing/2014/main" id="{881C9840-4F76-4F8B-8CC9-87B790F8CDF2}"/>
+              </a:ext>
+            </a:extLst>
+          </p:cNvPr>
+          <p:cNvSpPr/>
+          <p:nvPr/>
+        </p:nvSpPr>
+        <p:spPr>
+          <a:xfrm>
+            <a:off x="8480589" y="2668788"/>
+            <a:ext cx="2331171" cy="677567"/>
+          </a:xfrm>
+          <a:prstGeom prst="roundRect">
+            <a:avLst/>
+          </a:prstGeom>
+          <a:solidFill>
+            <a:schemeClr val="accent2">
+              <a:lumMod val="75000"/>
+            </a:schemeClr>
+          </a:solidFill>
+          <a:ln/>
+        </p:spPr>
+        <p:style>
+          <a:lnRef idx="2">
+            <a:schemeClr val="accent2"/>
+          </a:lnRef>
+          <a:fillRef idx="1">
+            <a:schemeClr val="lt1"/>
+          </a:fillRef>
+          <a:effectRef idx="0">
+            <a:schemeClr val="accent2"/>
+          </a:effectRef>
+          <a:fontRef idx="minor">
+            <a:schemeClr val="dk1"/>
+          </a:fontRef>
+        </p:style>
+        <p:txBody>
+          <a:bodyPr rtlCol="0" anchor="ctr"/>
+          <a:lstStyle/>
+          <a:p>
+            <a:pPr algn="ctr"/>
+            <a:r>
+              <a:rPr lang="en-US" dirty="0">
+                <a:solidFill>
+                  <a:schemeClr val="bg1"/>
+                </a:solidFill>
+              </a:rPr>
+              <a:t>Model selection</a:t>
+            </a:r>
+          </a:p>
+        </p:txBody>
+      </p:sp>
+      <p:sp>
+        <p:nvSpPr>
+          <p:cNvPr id="9" name="Rectangle : coins arrondis 8">
+            <a:extLst>
+              <a:ext uri="{FF2B5EF4-FFF2-40B4-BE49-F238E27FC236}">
+                <a16:creationId xmlns:a16="http://schemas.microsoft.com/office/drawing/2014/main" id="{9CDF2850-8F9D-4F03-9337-08204EE86A4B}"/>
+              </a:ext>
+            </a:extLst>
+          </p:cNvPr>
+          <p:cNvSpPr/>
+          <p:nvPr/>
+        </p:nvSpPr>
+        <p:spPr>
+          <a:xfrm>
+            <a:off x="8480589" y="3536135"/>
+            <a:ext cx="2331171" cy="677566"/>
+          </a:xfrm>
+          <a:prstGeom prst="roundRect">
+            <a:avLst/>
+          </a:prstGeom>
+          <a:solidFill>
+            <a:schemeClr val="accent2">
+              <a:lumMod val="60000"/>
+              <a:lumOff val="40000"/>
+            </a:schemeClr>
+          </a:solidFill>
+          <a:ln/>
+        </p:spPr>
+        <p:style>
+          <a:lnRef idx="2">
+            <a:schemeClr val="accent2"/>
+          </a:lnRef>
+          <a:fillRef idx="1">
+            <a:schemeClr val="lt1"/>
+          </a:fillRef>
+          <a:effectRef idx="0">
+            <a:schemeClr val="accent2"/>
+          </a:effectRef>
+          <a:fontRef idx="minor">
+            <a:schemeClr val="dk1"/>
+          </a:fontRef>
+        </p:style>
+        <p:txBody>
+          <a:bodyPr rtlCol="0" anchor="ctr"/>
+          <a:lstStyle/>
+          <a:p>
+            <a:pPr algn="ctr"/>
+            <a:r>
+              <a:rPr lang="en-US" dirty="0"/>
+              <a:t>Hyperparameter tuning</a:t>
+            </a:r>
+          </a:p>
+        </p:txBody>
+      </p:sp>
+      <p:sp>
+        <p:nvSpPr>
+          <p:cNvPr id="10" name="Rectangle : coins arrondis 9">
+            <a:extLst>
+              <a:ext uri="{FF2B5EF4-FFF2-40B4-BE49-F238E27FC236}">
+                <a16:creationId xmlns:a16="http://schemas.microsoft.com/office/drawing/2014/main" id="{2D340371-28B8-455F-B881-A909062EAFF2}"/>
+              </a:ext>
+            </a:extLst>
+          </p:cNvPr>
+          <p:cNvSpPr/>
+          <p:nvPr/>
+        </p:nvSpPr>
+        <p:spPr>
+          <a:xfrm>
+            <a:off x="8480588" y="4403481"/>
+            <a:ext cx="2331171" cy="677566"/>
+          </a:xfrm>
+          <a:prstGeom prst="roundRect">
+            <a:avLst/>
+          </a:prstGeom>
+          <a:solidFill>
+            <a:schemeClr val="accent2">
+              <a:lumMod val="40000"/>
+              <a:lumOff val="60000"/>
+            </a:schemeClr>
+          </a:solidFill>
+          <a:ln/>
+        </p:spPr>
+        <p:style>
+          <a:lnRef idx="2">
+            <a:schemeClr val="accent2"/>
+          </a:lnRef>
+          <a:fillRef idx="1">
+            <a:schemeClr val="lt1"/>
+          </a:fillRef>
+          <a:effectRef idx="0">
+            <a:schemeClr val="accent2"/>
+          </a:effectRef>
+          <a:fontRef idx="minor">
+            <a:schemeClr val="dk1"/>
+          </a:fontRef>
+        </p:style>
+        <p:txBody>
+          <a:bodyPr rtlCol="0" anchor="ctr"/>
+          <a:lstStyle/>
+          <a:p>
+            <a:pPr algn="ctr"/>
+            <a:r>
+              <a:rPr lang="en-US" dirty="0"/>
+              <a:t>Training and validation</a:t>
+            </a:r>
+          </a:p>
+        </p:txBody>
+      </p:sp>
+      <p:sp>
+        <p:nvSpPr>
+          <p:cNvPr id="12" name="Flèche : droite 11">
+            <a:extLst>
+              <a:ext uri="{FF2B5EF4-FFF2-40B4-BE49-F238E27FC236}">
+                <a16:creationId xmlns:a16="http://schemas.microsoft.com/office/drawing/2014/main" id="{98B44FC7-2E2E-40E3-9F38-2053326FE093}"/>
+              </a:ext>
+            </a:extLst>
+          </p:cNvPr>
+          <p:cNvSpPr/>
+          <p:nvPr/>
+        </p:nvSpPr>
+        <p:spPr>
+          <a:xfrm>
+            <a:off x="2629291" y="3573259"/>
+            <a:ext cx="778103" cy="479765"/>
+          </a:xfrm>
+          <a:prstGeom prst="rightArrow">
+            <a:avLst/>
+          </a:prstGeom>
+        </p:spPr>
+        <p:style>
+          <a:lnRef idx="2">
+            <a:schemeClr val="dk1"/>
+          </a:lnRef>
+          <a:fillRef idx="1">
+            <a:schemeClr val="lt1"/>
+          </a:fillRef>
+          <a:effectRef idx="0">
+            <a:schemeClr val="dk1"/>
+          </a:effectRef>
+          <a:fontRef idx="minor">
+            <a:schemeClr val="dk1"/>
+          </a:fontRef>
+        </p:style>
+        <p:txBody>
+          <a:bodyPr rtlCol="0" anchor="ctr"/>
+          <a:lstStyle/>
+          <a:p>
+            <a:pPr algn="ctr"/>
+            <a:endParaRPr lang="en-US"/>
+          </a:p>
+        </p:txBody>
+      </p:sp>
+      <p:sp>
+        <p:nvSpPr>
+          <p:cNvPr id="13" name="Flèche : droite 12">
+            <a:extLst>
+              <a:ext uri="{FF2B5EF4-FFF2-40B4-BE49-F238E27FC236}">
+                <a16:creationId xmlns:a16="http://schemas.microsoft.com/office/drawing/2014/main" id="{60828FC5-75BB-4604-850A-76BD9F07E5A2}"/>
+              </a:ext>
+            </a:extLst>
+          </p:cNvPr>
+          <p:cNvSpPr/>
+          <p:nvPr/>
+        </p:nvSpPr>
+        <p:spPr>
+          <a:xfrm>
+            <a:off x="5067299" y="3573259"/>
+            <a:ext cx="778103" cy="479765"/>
+          </a:xfrm>
+          <a:prstGeom prst="rightArrow">
+            <a:avLst/>
+          </a:prstGeom>
+        </p:spPr>
+        <p:style>
+          <a:lnRef idx="2">
+            <a:schemeClr val="dk1"/>
+          </a:lnRef>
+          <a:fillRef idx="1">
+            <a:schemeClr val="lt1"/>
+          </a:fillRef>
+          <a:effectRef idx="0">
+            <a:schemeClr val="dk1"/>
+          </a:effectRef>
+          <a:fontRef idx="minor">
+            <a:schemeClr val="dk1"/>
+          </a:fontRef>
+        </p:style>
+        <p:txBody>
+          <a:bodyPr rtlCol="0" anchor="ctr"/>
+          <a:lstStyle/>
+          <a:p>
+            <a:pPr algn="ctr"/>
+            <a:endParaRPr lang="en-US"/>
+          </a:p>
+        </p:txBody>
+      </p:sp>
+      <p:sp>
+        <p:nvSpPr>
+          <p:cNvPr id="14" name="Flèche : droite 13">
+            <a:extLst>
+              <a:ext uri="{FF2B5EF4-FFF2-40B4-BE49-F238E27FC236}">
+                <a16:creationId xmlns:a16="http://schemas.microsoft.com/office/drawing/2014/main" id="{24B54F9A-3828-49C7-98E5-A37788AE27BC}"/>
+              </a:ext>
+            </a:extLst>
+          </p:cNvPr>
+          <p:cNvSpPr/>
+          <p:nvPr/>
+        </p:nvSpPr>
+        <p:spPr>
+          <a:xfrm>
+            <a:off x="7505307" y="3615665"/>
+            <a:ext cx="778103" cy="479765"/>
+          </a:xfrm>
+          <a:prstGeom prst="rightArrow">
+            <a:avLst/>
+          </a:prstGeom>
+        </p:spPr>
+        <p:style>
+          <a:lnRef idx="2">
+            <a:schemeClr val="dk1"/>
+          </a:lnRef>
+          <a:fillRef idx="1">
+            <a:schemeClr val="lt1"/>
+          </a:fillRef>
+          <a:effectRef idx="0">
+            <a:schemeClr val="dk1"/>
+          </a:effectRef>
+          <a:fontRef idx="minor">
+            <a:schemeClr val="dk1"/>
+          </a:fontRef>
+        </p:style>
+        <p:txBody>
+          <a:bodyPr rtlCol="0" anchor="ctr"/>
+          <a:lstStyle/>
+          <a:p>
+            <a:pPr algn="ctr"/>
+            <a:endParaRPr lang="en-US"/>
+          </a:p>
+        </p:txBody>
+      </p:sp>
+      <p:sp>
+        <p:nvSpPr>
+          <p:cNvPr id="3" name="Bulle narrative : rectangle 2">
+            <a:extLst>
+              <a:ext uri="{FF2B5EF4-FFF2-40B4-BE49-F238E27FC236}">
+                <a16:creationId xmlns:a16="http://schemas.microsoft.com/office/drawing/2014/main" id="{0C59C0A2-D089-496D-8141-DB328C31F08C}"/>
+              </a:ext>
+            </a:extLst>
+          </p:cNvPr>
+          <p:cNvSpPr/>
+          <p:nvPr/>
+        </p:nvSpPr>
+        <p:spPr>
+          <a:xfrm>
+            <a:off x="2629291" y="4939645"/>
+            <a:ext cx="2649719" cy="1272619"/>
+          </a:xfrm>
+          <a:prstGeom prst="wedgeRectCallout">
+            <a:avLst>
+              <a:gd name="adj1" fmla="val 31402"/>
+              <a:gd name="adj2" fmla="val -110476"/>
+            </a:avLst>
+          </a:prstGeom>
+        </p:spPr>
+        <p:style>
+          <a:lnRef idx="2">
+            <a:schemeClr val="accent6"/>
+          </a:lnRef>
+          <a:fillRef idx="1">
+            <a:schemeClr val="lt1"/>
+          </a:fillRef>
+          <a:effectRef idx="0">
+            <a:schemeClr val="accent6"/>
+          </a:effectRef>
+          <a:fontRef idx="minor">
+            <a:schemeClr val="dk1"/>
+          </a:fontRef>
+        </p:style>
+        <p:txBody>
+          <a:bodyPr rtlCol="0" anchor="ctr"/>
+          <a:lstStyle/>
+          <a:p>
+            <a:pPr algn="ctr"/>
+            <a:r>
+              <a:rPr lang="en-US" dirty="0"/>
               <a:t>Missing values</a:t>
             </a:r>
           </a:p>
-        </p:txBody>
-      </p:sp>
-      <p:sp>
-        <p:nvSpPr>
-          <p:cNvPr id="3" name="Espace réservé du texte 2">
-            <a:extLst>
-              <a:ext uri="{FF2B5EF4-FFF2-40B4-BE49-F238E27FC236}">
-                <a16:creationId xmlns:a16="http://schemas.microsoft.com/office/drawing/2014/main" id="{F9FAB469-74FE-4A47-8756-B39D07387A5C}"/>
-              </a:ext>
-            </a:extLst>
-          </p:cNvPr>
-          <p:cNvSpPr>
-            <a:spLocks noGrp="1"/>
-          </p:cNvSpPr>
-          <p:nvPr>
-            <p:ph type="body" sz="quarter" idx="10"/>
-          </p:nvPr>
-        </p:nvSpPr>
-        <p:spPr/>
-        <p:txBody>
-          <a:bodyPr/>
-          <a:lstStyle/>
-          <a:p>
-            <a:r>
-              <a:rPr lang="en-US" dirty="0"/>
-              <a:t>ML algorithms cannot natively deal with missing data</a:t>
-            </a:r>
-          </a:p>
-          <a:p>
-            <a:r>
-              <a:rPr lang="en-US" dirty="0"/>
-              <a:t>Trivial solutions</a:t>
-            </a:r>
-          </a:p>
-          <a:p>
-            <a:pPr lvl="1"/>
-            <a:r>
-              <a:rPr lang="en-US" dirty="0"/>
-              <a:t>Remove samples with missing feature values</a:t>
-            </a:r>
-          </a:p>
-          <a:p>
-            <a:pPr lvl="1"/>
-            <a:r>
-              <a:rPr lang="en-US" dirty="0"/>
-              <a:t>If a feature is often empty/</a:t>
-            </a:r>
-            <a:r>
-              <a:rPr lang="en-US" dirty="0" err="1"/>
-              <a:t>NaN</a:t>
-            </a:r>
-            <a:r>
-              <a:rPr lang="en-US" dirty="0"/>
-              <a:t>, remove whole feature</a:t>
-            </a:r>
-          </a:p>
-          <a:p>
-            <a:r>
-              <a:rPr lang="en-US" dirty="0"/>
-              <a:t>Issue: this reduces the available data</a:t>
-            </a:r>
-          </a:p>
-          <a:p>
-            <a:r>
-              <a:rPr lang="en-US" dirty="0"/>
-              <a:t>Can you think of any other solution?</a:t>
+          <a:p>
+            <a:pPr algn="ctr"/>
+            <a:r>
+              <a:rPr lang="en-US" dirty="0"/>
+              <a:t>Non-numerical features</a:t>
+            </a:r>
+          </a:p>
+          <a:p>
+            <a:pPr algn="ctr"/>
+            <a:r>
+              <a:rPr lang="en-US" dirty="0"/>
+              <a:t>Outlier detection</a:t>
+            </a:r>
+          </a:p>
+          <a:p>
+            <a:pPr algn="ctr"/>
+            <a:r>
+              <a:rPr lang="en-US" i="1" dirty="0"/>
+              <a:t>Normalization?</a:t>
             </a:r>
           </a:p>
         </p:txBody>
@@ -10015,7 +10009,7 @@
     </p:spTree>
     <p:extLst>
       <p:ext uri="{BB962C8B-B14F-4D97-AF65-F5344CB8AC3E}">
-        <p14:creationId xmlns:p14="http://schemas.microsoft.com/office/powerpoint/2010/main" val="566852169"/>
+        <p14:creationId xmlns:p14="http://schemas.microsoft.com/office/powerpoint/2010/main" val="2906662125"/>
       </p:ext>
     </p:extLst>
   </p:cSld>
@@ -10047,7 +10041,7 @@
           <p:cNvPr id="2" name="Titre 1">
             <a:extLst>
               <a:ext uri="{FF2B5EF4-FFF2-40B4-BE49-F238E27FC236}">
-                <a16:creationId xmlns:a16="http://schemas.microsoft.com/office/drawing/2014/main" id="{30CEDCC1-3136-4EEB-986B-163E630D285A}"/>
+                <a16:creationId xmlns:a16="http://schemas.microsoft.com/office/drawing/2014/main" id="{2F392F3A-F165-4B24-BCCF-21BDCA8D7122}"/>
               </a:ext>
             </a:extLst>
           </p:cNvPr>
@@ -10075,7 +10069,7 @@
           <p:cNvPr id="3" name="Espace réservé du texte 2">
             <a:extLst>
               <a:ext uri="{FF2B5EF4-FFF2-40B4-BE49-F238E27FC236}">
-                <a16:creationId xmlns:a16="http://schemas.microsoft.com/office/drawing/2014/main" id="{8BD9779C-0090-4697-BE22-D964DD90D977}"/>
+                <a16:creationId xmlns:a16="http://schemas.microsoft.com/office/drawing/2014/main" id="{F9FAB469-74FE-4A47-8756-B39D07387A5C}"/>
               </a:ext>
             </a:extLst>
           </p:cNvPr>
@@ -10093,69 +10087,47 @@
           <a:p>
             <a:r>
               <a:rPr lang="en-US" dirty="0"/>
-              <a:t>Imputation!</a:t>
+              <a:t>ML algorithms cannot natively deal with missing data</a:t>
+            </a:r>
+          </a:p>
+          <a:p>
+            <a:r>
+              <a:rPr lang="en-US" dirty="0"/>
+              <a:t>Trivial solutions</a:t>
             </a:r>
           </a:p>
           <a:p>
             <a:pPr lvl="1"/>
             <a:r>
               <a:rPr lang="en-US" dirty="0"/>
-              <a:t>Replace the missing value with </a:t>
-            </a:r>
-            <a:r>
-              <a:rPr lang="en-US" i="1" dirty="0"/>
-              <a:t>another value</a:t>
-            </a:r>
-            <a:r>
-              <a:rPr lang="en-US" dirty="0"/>
-              <a:t>; but which one?</a:t>
+              <a:t>Remove samples with missing feature values</a:t>
             </a:r>
           </a:p>
           <a:p>
             <a:pPr lvl="1"/>
             <a:r>
               <a:rPr lang="en-US" dirty="0"/>
-              <a:t>Zero (…)</a:t>
-            </a:r>
-          </a:p>
-          <a:p>
-            <a:pPr lvl="1"/>
-            <a:r>
-              <a:rPr lang="en-US" dirty="0"/>
-              <a:t>Mean/median value of the feature over all samples/same class</a:t>
-            </a:r>
-          </a:p>
-          <a:p>
-            <a:pPr lvl="1"/>
-            <a:r>
-              <a:rPr lang="en-US" dirty="0"/>
-              <a:t>Expert judgment (if not too many missing values)</a:t>
-            </a:r>
-          </a:p>
-          <a:p>
-            <a:r>
-              <a:rPr lang="en-US" dirty="0"/>
-              <a:t>Machine learning for imputation</a:t>
-            </a:r>
-          </a:p>
-          <a:p>
-            <a:pPr lvl="1"/>
-            <a:r>
-              <a:rPr lang="en-US" dirty="0"/>
-              <a:t>Train a ML model to predict the value of the feature</a:t>
-            </a:r>
-          </a:p>
-          <a:p>
-            <a:pPr lvl="1"/>
-            <a:r>
-              <a:rPr lang="en-US" dirty="0"/>
-              <a:t>Example: KNN imputation</a:t>
-            </a:r>
-          </a:p>
-          <a:p>
-            <a:r>
-              <a:rPr lang="en-US" dirty="0"/>
-              <a:t>(IMHO) If possible, try avoiding imputation</a:t>
+              <a:t>If a feature is often empty/</a:t>
+            </a:r>
+            <a:r>
+              <a:rPr lang="en-US" dirty="0" err="1"/>
+              <a:t>NaN</a:t>
+            </a:r>
+            <a:r>
+              <a:rPr lang="en-US" dirty="0"/>
+              <a:t>, remove whole feature</a:t>
+            </a:r>
+          </a:p>
+          <a:p>
+            <a:r>
+              <a:rPr lang="en-US" dirty="0"/>
+              <a:t>Issue: this reduces the available data</a:t>
+            </a:r>
+          </a:p>
+          <a:p>
+            <a:r>
+              <a:rPr lang="en-US" dirty="0"/>
+              <a:t>Can you think of any other solution?</a:t>
             </a:r>
           </a:p>
         </p:txBody>
@@ -10163,7 +10135,7 @@
     </p:spTree>
     <p:extLst>
       <p:ext uri="{BB962C8B-B14F-4D97-AF65-F5344CB8AC3E}">
-        <p14:creationId xmlns:p14="http://schemas.microsoft.com/office/powerpoint/2010/main" val="736284410"/>
+        <p14:creationId xmlns:p14="http://schemas.microsoft.com/office/powerpoint/2010/main" val="566852169"/>
       </p:ext>
     </p:extLst>
   </p:cSld>
@@ -10195,7 +10167,7 @@
           <p:cNvPr id="2" name="Titre 1">
             <a:extLst>
               <a:ext uri="{FF2B5EF4-FFF2-40B4-BE49-F238E27FC236}">
-                <a16:creationId xmlns:a16="http://schemas.microsoft.com/office/drawing/2014/main" id="{02D0C521-C85A-445C-A7E1-6F438EA13F8D}"/>
+                <a16:creationId xmlns:a16="http://schemas.microsoft.com/office/drawing/2014/main" id="{30CEDCC1-3136-4EEB-986B-163E630D285A}"/>
               </a:ext>
             </a:extLst>
           </p:cNvPr>
@@ -10213,7 +10185,7 @@
           <a:p>
             <a:r>
               <a:rPr lang="en-US" dirty="0"/>
-              <a:t>Non-numerical features</a:t>
+              <a:t>Missing values</a:t>
             </a:r>
           </a:p>
         </p:txBody>
@@ -10223,7 +10195,7 @@
           <p:cNvPr id="3" name="Espace réservé du texte 2">
             <a:extLst>
               <a:ext uri="{FF2B5EF4-FFF2-40B4-BE49-F238E27FC236}">
-                <a16:creationId xmlns:a16="http://schemas.microsoft.com/office/drawing/2014/main" id="{6475B81B-E81A-40F6-A294-FB4E96D599F9}"/>
+                <a16:creationId xmlns:a16="http://schemas.microsoft.com/office/drawing/2014/main" id="{8BD9779C-0090-4697-BE22-D964DD90D977}"/>
               </a:ext>
             </a:extLst>
           </p:cNvPr>
@@ -10240,59 +10212,71 @@
           <a:lstStyle/>
           <a:p>
             <a:r>
-              <a:rPr lang="en-US" dirty="0"/>
-              <a:t>Categorical features to numbers?</a:t>
-            </a:r>
-          </a:p>
-          <a:p>
-            <a:r>
-              <a:rPr lang="en-US" dirty="0"/>
-              <a:t>If ordered (“high”/“medium”/“low”), to </a:t>
-            </a:r>
-            <a:r>
               <a:rPr lang="en-US" b="1" dirty="0"/>
-              <a:t>integers</a:t>
-            </a:r>
-            <a:r>
-              <a:rPr lang="en-US" dirty="0"/>
-              <a:t> (2/1/0)</a:t>
-            </a:r>
-          </a:p>
-          <a:p>
-            <a:r>
-              <a:rPr lang="en-US" dirty="0"/>
-              <a:t>If not ordered (“red”/“blue”/“green”), </a:t>
-            </a:r>
-            <a:r>
-              <a:rPr lang="en-US" b="1" dirty="0"/>
-              <a:t>one-hot encoding</a:t>
-            </a:r>
+              <a:t>Imputation</a:t>
+            </a:r>
+            <a:endParaRPr lang="en-US" dirty="0"/>
           </a:p>
           <a:p>
             <a:pPr lvl="1"/>
             <a:r>
               <a:rPr lang="en-US" dirty="0"/>
-              <a:t>Create additional binary (0/1) features, equal to number of values of categorical feature</a:t>
+              <a:t>Replace the missing value with </a:t>
+            </a:r>
+            <a:r>
+              <a:rPr lang="en-US" i="1" dirty="0"/>
+              <a:t>another value</a:t>
+            </a:r>
+            <a:r>
+              <a:rPr lang="en-US" dirty="0"/>
+              <a:t>; but which one?</a:t>
             </a:r>
           </a:p>
           <a:p>
             <a:pPr lvl="1"/>
             <a:r>
               <a:rPr lang="en-US" dirty="0"/>
-              <a:t>Set binary feature to ‘1’ and others to ‘0’ to represent values</a:t>
+              <a:t>Zero, -1, (…)</a:t>
             </a:r>
           </a:p>
           <a:p>
             <a:pPr lvl="1"/>
             <a:r>
               <a:rPr lang="en-US" dirty="0"/>
-              <a:t>E.g. red=100, blue=010, green=001</a:t>
-            </a:r>
-          </a:p>
-          <a:p>
-            <a:r>
-              <a:rPr lang="en-US" dirty="0"/>
-              <a:t>Utils in Pandas that already take care of (most of) this</a:t>
+              <a:t>Mean/median value of the feature over all samples/same class</a:t>
+            </a:r>
+          </a:p>
+          <a:p>
+            <a:pPr lvl="1"/>
+            <a:r>
+              <a:rPr lang="en-US" dirty="0"/>
+              <a:t>Expert judgment (if not too many missing values)</a:t>
+            </a:r>
+          </a:p>
+          <a:p>
+            <a:r>
+              <a:rPr lang="en-US" dirty="0"/>
+              <a:t>Machine learning for imputation</a:t>
+            </a:r>
+          </a:p>
+          <a:p>
+            <a:pPr lvl="1"/>
+            <a:r>
+              <a:rPr lang="en-US" dirty="0"/>
+              <a:t>Train a ML model to predict the value of the feature</a:t>
+            </a:r>
+          </a:p>
+          <a:p>
+            <a:pPr lvl="1"/>
+            <a:r>
+              <a:rPr lang="en-US" dirty="0"/>
+              <a:t>Example: KNN imputation</a:t>
+            </a:r>
+          </a:p>
+          <a:p>
+            <a:r>
+              <a:rPr lang="en-US" dirty="0"/>
+              <a:t>(IMHO) If possible, try avoiding imputation</a:t>
             </a:r>
           </a:p>
         </p:txBody>
@@ -10300,7 +10284,7 @@
     </p:spTree>
     <p:extLst>
       <p:ext uri="{BB962C8B-B14F-4D97-AF65-F5344CB8AC3E}">
-        <p14:creationId xmlns:p14="http://schemas.microsoft.com/office/powerpoint/2010/main" val="2309632202"/>
+        <p14:creationId xmlns:p14="http://schemas.microsoft.com/office/powerpoint/2010/main" val="736284410"/>
       </p:ext>
     </p:extLst>
   </p:cSld>
@@ -10332,7 +10316,7 @@
           <p:cNvPr id="2" name="Titre 1">
             <a:extLst>
               <a:ext uri="{FF2B5EF4-FFF2-40B4-BE49-F238E27FC236}">
-                <a16:creationId xmlns:a16="http://schemas.microsoft.com/office/drawing/2014/main" id="{30468BC7-4F38-40A1-A025-E5FF635ADACE}"/>
+                <a16:creationId xmlns:a16="http://schemas.microsoft.com/office/drawing/2014/main" id="{02D0C521-C85A-445C-A7E1-6F438EA13F8D}"/>
               </a:ext>
             </a:extLst>
           </p:cNvPr>
@@ -10350,7 +10334,7 @@
           <a:p>
             <a:r>
               <a:rPr lang="en-US" dirty="0"/>
-              <a:t>Outlier detection</a:t>
+              <a:t>Non-numerical features</a:t>
             </a:r>
           </a:p>
         </p:txBody>
@@ -10360,7 +10344,7 @@
           <p:cNvPr id="3" name="Espace réservé du texte 2">
             <a:extLst>
               <a:ext uri="{FF2B5EF4-FFF2-40B4-BE49-F238E27FC236}">
-                <a16:creationId xmlns:a16="http://schemas.microsoft.com/office/drawing/2014/main" id="{53CCDE77-8D44-4A88-B13D-814FFC793D18}"/>
+                <a16:creationId xmlns:a16="http://schemas.microsoft.com/office/drawing/2014/main" id="{6475B81B-E81A-40F6-A294-FB4E96D599F9}"/>
               </a:ext>
             </a:extLst>
           </p:cNvPr>
@@ -10378,147 +10362,66 @@
           <a:p>
             <a:r>
               <a:rPr lang="en-US" dirty="0"/>
-              <a:t>What is an </a:t>
-            </a:r>
-            <a:r>
-              <a:rPr lang="en-US" i="1" dirty="0"/>
-              <a:t>outlier</a:t>
-            </a:r>
-            <a:r>
-              <a:rPr lang="en-US" dirty="0"/>
-              <a:t>?</a:t>
-            </a:r>
-          </a:p>
-        </p:txBody>
-      </p:sp>
-      <p:pic>
-        <p:nvPicPr>
-          <p:cNvPr id="5" name="Image 4">
-            <a:extLst>
-              <a:ext uri="{FF2B5EF4-FFF2-40B4-BE49-F238E27FC236}">
-                <a16:creationId xmlns:a16="http://schemas.microsoft.com/office/drawing/2014/main" id="{894BFC4B-7E06-45B8-B159-060092BFD7A0}"/>
-              </a:ext>
-            </a:extLst>
-          </p:cNvPr>
-          <p:cNvPicPr>
-            <a:picLocks noChangeAspect="1"/>
-          </p:cNvPicPr>
-          <p:nvPr/>
-        </p:nvPicPr>
-        <p:blipFill>
-          <a:blip r:embed="rId2"/>
-          <a:stretch>
-            <a:fillRect/>
-          </a:stretch>
-        </p:blipFill>
-        <p:spPr>
-          <a:xfrm>
-            <a:off x="3881895" y="3218623"/>
-            <a:ext cx="2924175" cy="1809750"/>
-          </a:xfrm>
-          <a:prstGeom prst="rect">
-            <a:avLst/>
-          </a:prstGeom>
-        </p:spPr>
-      </p:pic>
-      <p:pic>
-        <p:nvPicPr>
-          <p:cNvPr id="2052" name="Picture 4" descr="Identifying outliers - Minitab">
-            <a:extLst>
-              <a:ext uri="{FF2B5EF4-FFF2-40B4-BE49-F238E27FC236}">
-                <a16:creationId xmlns:a16="http://schemas.microsoft.com/office/drawing/2014/main" id="{7D2FBD14-4ABC-457F-BC68-E6138DBD6F16}"/>
-              </a:ext>
-            </a:extLst>
-          </p:cNvPr>
-          <p:cNvPicPr>
-            <a:picLocks noChangeAspect="1" noChangeArrowheads="1"/>
-          </p:cNvPicPr>
-          <p:nvPr/>
-        </p:nvPicPr>
-        <p:blipFill>
-          <a:blip r:embed="rId3">
-            <a:extLst>
-              <a:ext uri="{28A0092B-C50C-407E-A947-70E740481C1C}">
-                <a14:useLocalDpi xmlns:a14="http://schemas.microsoft.com/office/drawing/2010/main" val="0"/>
-              </a:ext>
-            </a:extLst>
-          </a:blip>
-          <a:srcRect/>
-          <a:stretch>
-            <a:fillRect/>
-          </a:stretch>
-        </p:blipFill>
-        <p:spPr bwMode="auto">
-          <a:xfrm>
-            <a:off x="938286" y="2279168"/>
-            <a:ext cx="2476500" cy="1647825"/>
-          </a:xfrm>
-          <a:prstGeom prst="rect">
-            <a:avLst/>
-          </a:prstGeom>
-          <a:noFill/>
-          <a:extLst>
-            <a:ext uri="{909E8E84-426E-40DD-AFC4-6F175D3DCCD1}">
-              <a14:hiddenFill xmlns:a14="http://schemas.microsoft.com/office/drawing/2010/main">
-                <a:solidFill>
-                  <a:srgbClr val="FFFFFF"/>
-                </a:solidFill>
-              </a14:hiddenFill>
-            </a:ext>
-          </a:extLst>
-        </p:spPr>
-      </p:pic>
-      <p:pic>
-        <p:nvPicPr>
-          <p:cNvPr id="2054" name="Picture 6" descr="11.6 Identification of outliers | Statistics | Siyavula">
-            <a:extLst>
-              <a:ext uri="{FF2B5EF4-FFF2-40B4-BE49-F238E27FC236}">
-                <a16:creationId xmlns:a16="http://schemas.microsoft.com/office/drawing/2014/main" id="{BD6A927D-5C12-4ADE-8030-A5677708C1A8}"/>
-              </a:ext>
-            </a:extLst>
-          </p:cNvPr>
-          <p:cNvPicPr>
-            <a:picLocks noChangeAspect="1" noChangeArrowheads="1"/>
-          </p:cNvPicPr>
-          <p:nvPr/>
-        </p:nvPicPr>
-        <p:blipFill>
-          <a:blip r:embed="rId4">
-            <a:extLst>
-              <a:ext uri="{28A0092B-C50C-407E-A947-70E740481C1C}">
-                <a14:useLocalDpi xmlns:a14="http://schemas.microsoft.com/office/drawing/2010/main" val="0"/>
-              </a:ext>
-            </a:extLst>
-          </a:blip>
-          <a:srcRect/>
-          <a:stretch>
-            <a:fillRect/>
-          </a:stretch>
-        </p:blipFill>
-        <p:spPr bwMode="auto">
-          <a:xfrm>
-            <a:off x="7273179" y="3834590"/>
-            <a:ext cx="3994601" cy="2490886"/>
-          </a:xfrm>
-          <a:prstGeom prst="rect">
-            <a:avLst/>
-          </a:prstGeom>
-          <a:noFill/>
-          <a:extLst>
-            <a:ext uri="{909E8E84-426E-40DD-AFC4-6F175D3DCCD1}">
-              <a14:hiddenFill xmlns:a14="http://schemas.microsoft.com/office/drawing/2010/main">
-                <a:solidFill>
-                  <a:srgbClr val="FFFFFF"/>
-                </a:solidFill>
-              </a14:hiddenFill>
-            </a:ext>
-          </a:extLst>
-        </p:spPr>
-      </p:pic>
+              <a:t>Categorical features to numbers?</a:t>
+            </a:r>
+          </a:p>
+          <a:p>
+            <a:r>
+              <a:rPr lang="en-US" dirty="0"/>
+              <a:t>If ordered (“high”/“medium”/“low”), to </a:t>
+            </a:r>
+            <a:r>
+              <a:rPr lang="en-US" b="1" dirty="0"/>
+              <a:t>integers</a:t>
+            </a:r>
+            <a:r>
+              <a:rPr lang="en-US" dirty="0"/>
+              <a:t> (2/1/0)</a:t>
+            </a:r>
+          </a:p>
+          <a:p>
+            <a:r>
+              <a:rPr lang="en-US" dirty="0"/>
+              <a:t>If not ordered (“red”/“blue”/“green”), </a:t>
+            </a:r>
+            <a:r>
+              <a:rPr lang="en-US" b="1" dirty="0"/>
+              <a:t>one-hot encoding</a:t>
+            </a:r>
+          </a:p>
+          <a:p>
+            <a:pPr lvl="1"/>
+            <a:r>
+              <a:rPr lang="en-US" dirty="0"/>
+              <a:t>Create additional binary (0/1) features, equal to number of values of categorical feature</a:t>
+            </a:r>
+          </a:p>
+          <a:p>
+            <a:pPr lvl="1"/>
+            <a:r>
+              <a:rPr lang="en-US" dirty="0"/>
+              <a:t>Set binary feature to ‘1’ and others to ‘0’ to represent values</a:t>
+            </a:r>
+          </a:p>
+          <a:p>
+            <a:pPr lvl="1"/>
+            <a:r>
+              <a:rPr lang="en-US" dirty="0"/>
+              <a:t>E.g. red=100, blue=010, green=001</a:t>
+            </a:r>
+          </a:p>
+          <a:p>
+            <a:r>
+              <a:rPr lang="en-US" dirty="0"/>
+              <a:t>Utils in Pandas that already take care of (most of) this</a:t>
+            </a:r>
+          </a:p>
+        </p:txBody>
+      </p:sp>
     </p:spTree>
     <p:extLst>
       <p:ext uri="{BB962C8B-B14F-4D97-AF65-F5344CB8AC3E}">
-        <p14:creationId xmlns:p14="http://schemas.microsoft.com/office/powerpoint/2010/main" val="2218690963"/>
+        <p14:creationId xmlns:p14="http://schemas.microsoft.com/office/powerpoint/2010/main" val="2309632202"/>
       </p:ext>
     </p:extLst>
   </p:cSld>
@@ -10550,7 +10453,7 @@
           <p:cNvPr id="2" name="Titre 1">
             <a:extLst>
               <a:ext uri="{FF2B5EF4-FFF2-40B4-BE49-F238E27FC236}">
-                <a16:creationId xmlns:a16="http://schemas.microsoft.com/office/drawing/2014/main" id="{AB82429B-BF9E-46C9-BAAF-7C28F0BC58A3}"/>
+                <a16:creationId xmlns:a16="http://schemas.microsoft.com/office/drawing/2014/main" id="{30468BC7-4F38-40A1-A025-E5FF635ADACE}"/>
               </a:ext>
             </a:extLst>
           </p:cNvPr>
@@ -10578,7 +10481,7 @@
           <p:cNvPr id="3" name="Espace réservé du texte 2">
             <a:extLst>
               <a:ext uri="{FF2B5EF4-FFF2-40B4-BE49-F238E27FC236}">
-                <a16:creationId xmlns:a16="http://schemas.microsoft.com/office/drawing/2014/main" id="{0D256506-DF5E-4A95-9B50-C12DBB31E5E5}"/>
+                <a16:creationId xmlns:a16="http://schemas.microsoft.com/office/drawing/2014/main" id="{53CCDE77-8D44-4A88-B13D-814FFC793D18}"/>
               </a:ext>
             </a:extLst>
           </p:cNvPr>
@@ -10596,69 +10499,199 @@
           <a:p>
             <a:r>
               <a:rPr lang="en-US" dirty="0"/>
-              <a:t>While the idea is intuitive, its application is difficult</a:t>
-            </a:r>
-          </a:p>
-          <a:p>
-            <a:pPr lvl="1"/>
-            <a:r>
-              <a:rPr lang="en-US" dirty="0"/>
-              <a:t>Sometimes outliers are errors in data collection…</a:t>
-            </a:r>
-          </a:p>
-          <a:p>
-            <a:pPr lvl="1"/>
-            <a:r>
-              <a:rPr lang="en-US" dirty="0"/>
-              <a:t>…but sometimes they are representative of the phenomenon</a:t>
-            </a:r>
-          </a:p>
-          <a:p>
-            <a:pPr lvl="1"/>
-            <a:r>
-              <a:rPr lang="en-US" dirty="0"/>
-              <a:t>“Out of Distribution”, but can we identify the distribution?</a:t>
-            </a:r>
-          </a:p>
-          <a:p>
-            <a:r>
-              <a:rPr lang="en-US" dirty="0"/>
-              <a:t>Machine learning methods</a:t>
-            </a:r>
-          </a:p>
-          <a:p>
-            <a:pPr lvl="1"/>
-            <a:r>
-              <a:rPr lang="en-US" dirty="0"/>
-              <a:t>Isolation Forest</a:t>
-            </a:r>
-          </a:p>
-          <a:p>
-            <a:pPr lvl="1"/>
-            <a:r>
-              <a:rPr lang="en-US" dirty="0"/>
-              <a:t>Local Outlier Factor</a:t>
-            </a:r>
-          </a:p>
-          <a:p>
-            <a:pPr lvl="1"/>
-            <a:r>
-              <a:rPr lang="en-US" dirty="0"/>
-              <a:t>Problem sometimes called “Novelty Detection”</a:t>
-            </a:r>
-          </a:p>
-          <a:p>
-            <a:r>
-              <a:rPr lang="en-US" dirty="0"/>
-              <a:t>(IMHO) Expert knowledge or avoid removing outliers</a:t>
-            </a:r>
+              <a:t>What is an </a:t>
+            </a:r>
+            <a:r>
+              <a:rPr lang="en-US" i="1" dirty="0"/>
+              <a:t>outlier</a:t>
+            </a:r>
+            <a:r>
+              <a:rPr lang="en-US" dirty="0"/>
+              <a:t>?</a:t>
+            </a:r>
+          </a:p>
+        </p:txBody>
+      </p:sp>
+      <p:pic>
+        <p:nvPicPr>
+          <p:cNvPr id="5" name="Image 4">
+            <a:extLst>
+              <a:ext uri="{FF2B5EF4-FFF2-40B4-BE49-F238E27FC236}">
+                <a16:creationId xmlns:a16="http://schemas.microsoft.com/office/drawing/2014/main" id="{894BFC4B-7E06-45B8-B159-060092BFD7A0}"/>
+              </a:ext>
+            </a:extLst>
+          </p:cNvPr>
+          <p:cNvPicPr>
+            <a:picLocks noChangeAspect="1"/>
+          </p:cNvPicPr>
+          <p:nvPr/>
+        </p:nvPicPr>
+        <p:blipFill>
+          <a:blip r:embed="rId2"/>
+          <a:stretch>
+            <a:fillRect/>
+          </a:stretch>
+        </p:blipFill>
+        <p:spPr>
+          <a:xfrm>
+            <a:off x="3881895" y="3218623"/>
+            <a:ext cx="2924175" cy="1809750"/>
+          </a:xfrm>
+          <a:prstGeom prst="rect">
+            <a:avLst/>
+          </a:prstGeom>
+        </p:spPr>
+      </p:pic>
+      <p:pic>
+        <p:nvPicPr>
+          <p:cNvPr id="2052" name="Picture 4" descr="Identifying outliers - Minitab">
+            <a:extLst>
+              <a:ext uri="{FF2B5EF4-FFF2-40B4-BE49-F238E27FC236}">
+                <a16:creationId xmlns:a16="http://schemas.microsoft.com/office/drawing/2014/main" id="{7D2FBD14-4ABC-457F-BC68-E6138DBD6F16}"/>
+              </a:ext>
+            </a:extLst>
+          </p:cNvPr>
+          <p:cNvPicPr>
+            <a:picLocks noChangeAspect="1" noChangeArrowheads="1"/>
+          </p:cNvPicPr>
+          <p:nvPr/>
+        </p:nvPicPr>
+        <p:blipFill>
+          <a:blip r:embed="rId3">
+            <a:extLst>
+              <a:ext uri="{28A0092B-C50C-407E-A947-70E740481C1C}">
+                <a14:useLocalDpi xmlns:a14="http://schemas.microsoft.com/office/drawing/2010/main" val="0"/>
+              </a:ext>
+            </a:extLst>
+          </a:blip>
+          <a:srcRect/>
+          <a:stretch>
+            <a:fillRect/>
+          </a:stretch>
+        </p:blipFill>
+        <p:spPr bwMode="auto">
+          <a:xfrm>
+            <a:off x="938286" y="2279168"/>
+            <a:ext cx="2476500" cy="1647825"/>
+          </a:xfrm>
+          <a:prstGeom prst="rect">
+            <a:avLst/>
+          </a:prstGeom>
+          <a:noFill/>
+          <a:extLst>
+            <a:ext uri="{909E8E84-426E-40DD-AFC4-6F175D3DCCD1}">
+              <a14:hiddenFill xmlns:a14="http://schemas.microsoft.com/office/drawing/2010/main">
+                <a:solidFill>
+                  <a:srgbClr val="FFFFFF"/>
+                </a:solidFill>
+              </a14:hiddenFill>
+            </a:ext>
+          </a:extLst>
+        </p:spPr>
+      </p:pic>
+      <p:pic>
+        <p:nvPicPr>
+          <p:cNvPr id="2054" name="Picture 6" descr="11.6 Identification of outliers | Statistics | Siyavula">
+            <a:extLst>
+              <a:ext uri="{FF2B5EF4-FFF2-40B4-BE49-F238E27FC236}">
+                <a16:creationId xmlns:a16="http://schemas.microsoft.com/office/drawing/2014/main" id="{BD6A927D-5C12-4ADE-8030-A5677708C1A8}"/>
+              </a:ext>
+            </a:extLst>
+          </p:cNvPr>
+          <p:cNvPicPr>
+            <a:picLocks noChangeAspect="1" noChangeArrowheads="1"/>
+          </p:cNvPicPr>
+          <p:nvPr/>
+        </p:nvPicPr>
+        <p:blipFill>
+          <a:blip r:embed="rId4">
+            <a:extLst>
+              <a:ext uri="{28A0092B-C50C-407E-A947-70E740481C1C}">
+                <a14:useLocalDpi xmlns:a14="http://schemas.microsoft.com/office/drawing/2010/main" val="0"/>
+              </a:ext>
+            </a:extLst>
+          </a:blip>
+          <a:srcRect/>
+          <a:stretch>
+            <a:fillRect/>
+          </a:stretch>
+        </p:blipFill>
+        <p:spPr bwMode="auto">
+          <a:xfrm>
+            <a:off x="7273179" y="3834590"/>
+            <a:ext cx="3994601" cy="2490886"/>
+          </a:xfrm>
+          <a:prstGeom prst="rect">
+            <a:avLst/>
+          </a:prstGeom>
+          <a:noFill/>
+          <a:extLst>
+            <a:ext uri="{909E8E84-426E-40DD-AFC4-6F175D3DCCD1}">
+              <a14:hiddenFill xmlns:a14="http://schemas.microsoft.com/office/drawing/2010/main">
+                <a:solidFill>
+                  <a:srgbClr val="FFFFFF"/>
+                </a:solidFill>
+              </a14:hiddenFill>
+            </a:ext>
+          </a:extLst>
+        </p:spPr>
+      </p:pic>
+      <p:sp>
+        <p:nvSpPr>
+          <p:cNvPr id="4" name="Ellipse 3">
+            <a:extLst>
+              <a:ext uri="{FF2B5EF4-FFF2-40B4-BE49-F238E27FC236}">
+                <a16:creationId xmlns:a16="http://schemas.microsoft.com/office/drawing/2014/main" id="{1038FB92-B7EA-4E63-9071-2DBCD8B3A8B6}"/>
+              </a:ext>
+            </a:extLst>
+          </p:cNvPr>
+          <p:cNvSpPr/>
+          <p:nvPr/>
+        </p:nvSpPr>
+        <p:spPr>
+          <a:xfrm>
+            <a:off x="4903943" y="3840305"/>
+            <a:ext cx="207390" cy="228363"/>
+          </a:xfrm>
+          <a:prstGeom prst="ellipse">
+            <a:avLst/>
+          </a:prstGeom>
+          <a:noFill/>
+          <a:ln>
+            <a:solidFill>
+              <a:srgbClr val="FF0000"/>
+            </a:solidFill>
+          </a:ln>
+        </p:spPr>
+        <p:style>
+          <a:lnRef idx="2">
+            <a:schemeClr val="accent1">
+              <a:shade val="50000"/>
+            </a:schemeClr>
+          </a:lnRef>
+          <a:fillRef idx="1">
+            <a:schemeClr val="accent1"/>
+          </a:fillRef>
+          <a:effectRef idx="0">
+            <a:schemeClr val="accent1"/>
+          </a:effectRef>
+          <a:fontRef idx="minor">
+            <a:schemeClr val="lt1"/>
+          </a:fontRef>
+        </p:style>
+        <p:txBody>
+          <a:bodyPr rtlCol="0" anchor="ctr"/>
+          <a:lstStyle/>
+          <a:p>
+            <a:pPr algn="ctr"/>
+            <a:endParaRPr lang="en-US"/>
           </a:p>
         </p:txBody>
       </p:sp>
     </p:spTree>
     <p:extLst>
       <p:ext uri="{BB962C8B-B14F-4D97-AF65-F5344CB8AC3E}">
-        <p14:creationId xmlns:p14="http://schemas.microsoft.com/office/powerpoint/2010/main" val="3286503184"/>
+        <p14:creationId xmlns:p14="http://schemas.microsoft.com/office/powerpoint/2010/main" val="2218690963"/>
       </p:ext>
     </p:extLst>
   </p:cSld>
@@ -10690,7 +10723,7 @@
           <p:cNvPr id="2" name="Titre 1">
             <a:extLst>
               <a:ext uri="{FF2B5EF4-FFF2-40B4-BE49-F238E27FC236}">
-                <a16:creationId xmlns:a16="http://schemas.microsoft.com/office/drawing/2014/main" id="{7B3225A0-7C8A-4301-A590-CE4C693588D8}"/>
+                <a16:creationId xmlns:a16="http://schemas.microsoft.com/office/drawing/2014/main" id="{AB82429B-BF9E-46C9-BAAF-7C28F0BC58A3}"/>
               </a:ext>
             </a:extLst>
           </p:cNvPr>
@@ -10708,7 +10741,7 @@
           <a:p>
             <a:r>
               <a:rPr lang="en-US" dirty="0"/>
-              <a:t>Normalization?</a:t>
+              <a:t>Outlier detection</a:t>
             </a:r>
           </a:p>
         </p:txBody>
@@ -10718,7 +10751,7 @@
           <p:cNvPr id="3" name="Espace réservé du texte 2">
             <a:extLst>
               <a:ext uri="{FF2B5EF4-FFF2-40B4-BE49-F238E27FC236}">
-                <a16:creationId xmlns:a16="http://schemas.microsoft.com/office/drawing/2014/main" id="{7F4055F1-B2C8-486D-85C0-D9720905EE21}"/>
+                <a16:creationId xmlns:a16="http://schemas.microsoft.com/office/drawing/2014/main" id="{0D256506-DF5E-4A95-9B50-C12DBB31E5E5}"/>
               </a:ext>
             </a:extLst>
           </p:cNvPr>
@@ -10736,21 +10769,61 @@
           <a:p>
             <a:r>
               <a:rPr lang="en-US" dirty="0"/>
-              <a:t>Several algorithms need feature values to be in (0,1) or (-1,1)</a:t>
+              <a:t>While the idea is intuitive, its application is difficult</a:t>
             </a:r>
           </a:p>
           <a:p>
             <a:pPr lvl="1"/>
             <a:r>
               <a:rPr lang="en-US" dirty="0"/>
-              <a:t>Optimization algorithms in the ML approach work better in range</a:t>
+              <a:t>Sometimes outliers are errors in data collection…</a:t>
             </a:r>
           </a:p>
           <a:p>
             <a:pPr lvl="1"/>
             <a:r>
               <a:rPr lang="en-US" dirty="0"/>
-              <a:t>Or possible numerical issues (e.g. values too big)</a:t>
+              <a:t>…but sometimes they are representative of the phenomenon</a:t>
+            </a:r>
+          </a:p>
+          <a:p>
+            <a:pPr lvl="1"/>
+            <a:r>
+              <a:rPr lang="en-US" dirty="0"/>
+              <a:t>“Out of Distribution”, but can we identify the distribution?</a:t>
+            </a:r>
+          </a:p>
+          <a:p>
+            <a:r>
+              <a:rPr lang="en-US" dirty="0"/>
+              <a:t>Machine learning methods</a:t>
+            </a:r>
+          </a:p>
+          <a:p>
+            <a:pPr lvl="1"/>
+            <a:r>
+              <a:rPr lang="en-US" dirty="0"/>
+              <a:t>Isolation Forest</a:t>
+            </a:r>
+          </a:p>
+          <a:p>
+            <a:pPr lvl="1"/>
+            <a:r>
+              <a:rPr lang="en-US" dirty="0"/>
+              <a:t>Local Outlier Factor</a:t>
+            </a:r>
+          </a:p>
+          <a:p>
+            <a:pPr lvl="1"/>
+            <a:r>
+              <a:rPr lang="en-US" dirty="0"/>
+              <a:t>Problem sometimes called “Novelty Detection”</a:t>
+            </a:r>
+          </a:p>
+          <a:p>
+            <a:r>
+              <a:rPr lang="en-US" dirty="0"/>
+              <a:t>(IMHO) Expert knowledge or avoid removing outliers</a:t>
             </a:r>
           </a:p>
         </p:txBody>
@@ -10758,7 +10831,7 @@
     </p:spTree>
     <p:extLst>
       <p:ext uri="{BB962C8B-B14F-4D97-AF65-F5344CB8AC3E}">
-        <p14:creationId xmlns:p14="http://schemas.microsoft.com/office/powerpoint/2010/main" val="1325431750"/>
+        <p14:creationId xmlns:p14="http://schemas.microsoft.com/office/powerpoint/2010/main" val="3286503184"/>
       </p:ext>
     </p:extLst>
   </p:cSld>
@@ -10787,58 +10860,10 @@
       </p:grpSpPr>
       <p:sp>
         <p:nvSpPr>
-          <p:cNvPr id="11" name="Rectangle : coins arrondis 10">
-            <a:extLst>
-              <a:ext uri="{FF2B5EF4-FFF2-40B4-BE49-F238E27FC236}">
-                <a16:creationId xmlns:a16="http://schemas.microsoft.com/office/drawing/2014/main" id="{26013B2E-CC3B-413E-8CDB-4F1697F804B5}"/>
-              </a:ext>
-            </a:extLst>
-          </p:cNvPr>
-          <p:cNvSpPr/>
-          <p:nvPr/>
-        </p:nvSpPr>
-        <p:spPr>
-          <a:xfrm>
-            <a:off x="8152222" y="1960775"/>
-            <a:ext cx="2950981" cy="3638747"/>
-          </a:xfrm>
-          <a:prstGeom prst="roundRect">
-            <a:avLst/>
-          </a:prstGeom>
-          <a:ln/>
-        </p:spPr>
-        <p:style>
-          <a:lnRef idx="2">
-            <a:schemeClr val="accent2"/>
-          </a:lnRef>
-          <a:fillRef idx="1">
-            <a:schemeClr val="lt1"/>
-          </a:fillRef>
-          <a:effectRef idx="0">
-            <a:schemeClr val="accent2"/>
-          </a:effectRef>
-          <a:fontRef idx="minor">
-            <a:schemeClr val="dk1"/>
-          </a:fontRef>
-        </p:style>
-        <p:txBody>
-          <a:bodyPr rtlCol="0" anchor="t"/>
-          <a:lstStyle/>
-          <a:p>
-            <a:pPr algn="ctr"/>
-            <a:r>
-              <a:rPr lang="en-US" dirty="0"/>
-              <a:t>Machine Learning</a:t>
-            </a:r>
-          </a:p>
-        </p:txBody>
-      </p:sp>
-      <p:sp>
-        <p:nvSpPr>
           <p:cNvPr id="2" name="Titre 1">
             <a:extLst>
               <a:ext uri="{FF2B5EF4-FFF2-40B4-BE49-F238E27FC236}">
-                <a16:creationId xmlns:a16="http://schemas.microsoft.com/office/drawing/2014/main" id="{A5420EFC-FFB3-4740-9D5B-A9BB5F6B612F}"/>
+                <a16:creationId xmlns:a16="http://schemas.microsoft.com/office/drawing/2014/main" id="{7B3225A0-7C8A-4301-A590-CE4C693588D8}"/>
               </a:ext>
             </a:extLst>
           </p:cNvPr>
@@ -10856,515 +10881,240 @@
           <a:p>
             <a:r>
               <a:rPr lang="en-US" dirty="0"/>
-              <a:t>Machine Learning pipeline</a:t>
-            </a:r>
-          </a:p>
-        </p:txBody>
-      </p:sp>
-      <p:sp>
-        <p:nvSpPr>
-          <p:cNvPr id="4" name="Organigramme : Disque magnétique 3">
-            <a:extLst>
-              <a:ext uri="{FF2B5EF4-FFF2-40B4-BE49-F238E27FC236}">
-                <a16:creationId xmlns:a16="http://schemas.microsoft.com/office/drawing/2014/main" id="{7C72C114-1A3F-4108-81DB-BC96D0970337}"/>
-              </a:ext>
-            </a:extLst>
-          </p:cNvPr>
-          <p:cNvSpPr/>
-          <p:nvPr/>
-        </p:nvSpPr>
-        <p:spPr>
-          <a:xfrm>
-            <a:off x="761998" y="3007151"/>
-            <a:ext cx="1867293" cy="1611983"/>
-          </a:xfrm>
-          <a:prstGeom prst="flowChartMagneticDisk">
-            <a:avLst/>
-          </a:prstGeom>
-        </p:spPr>
-        <p:style>
-          <a:lnRef idx="2">
-            <a:schemeClr val="dk1"/>
-          </a:lnRef>
-          <a:fillRef idx="1">
-            <a:schemeClr val="lt1"/>
-          </a:fillRef>
-          <a:effectRef idx="0">
-            <a:schemeClr val="dk1"/>
-          </a:effectRef>
-          <a:fontRef idx="minor">
-            <a:schemeClr val="dk1"/>
-          </a:fontRef>
-        </p:style>
-        <p:txBody>
-          <a:bodyPr rtlCol="0" anchor="ctr"/>
-          <a:lstStyle/>
-          <a:p>
-            <a:pPr algn="ctr"/>
-            <a:r>
-              <a:rPr lang="en-US" dirty="0"/>
-              <a:t>Raw data</a:t>
-            </a:r>
-          </a:p>
-        </p:txBody>
-      </p:sp>
-      <p:sp>
-        <p:nvSpPr>
-          <p:cNvPr id="5" name="Rectangle : coins arrondis 4">
-            <a:extLst>
-              <a:ext uri="{FF2B5EF4-FFF2-40B4-BE49-F238E27FC236}">
-                <a16:creationId xmlns:a16="http://schemas.microsoft.com/office/drawing/2014/main" id="{E6D5FD6A-1026-4A3F-974B-CBE700AB2544}"/>
-              </a:ext>
-            </a:extLst>
-          </p:cNvPr>
-          <p:cNvSpPr/>
-          <p:nvPr/>
-        </p:nvSpPr>
-        <p:spPr>
-          <a:xfrm>
-            <a:off x="3276206" y="3307615"/>
-            <a:ext cx="1791093" cy="1095866"/>
-          </a:xfrm>
-          <a:prstGeom prst="roundRect">
-            <a:avLst/>
-          </a:prstGeom>
-        </p:spPr>
-        <p:style>
-          <a:lnRef idx="2">
-            <a:schemeClr val="accent6"/>
-          </a:lnRef>
-          <a:fillRef idx="1">
-            <a:schemeClr val="lt1"/>
-          </a:fillRef>
-          <a:effectRef idx="0">
-            <a:schemeClr val="accent6"/>
-          </a:effectRef>
-          <a:fontRef idx="minor">
-            <a:schemeClr val="dk1"/>
-          </a:fontRef>
-        </p:style>
-        <p:txBody>
-          <a:bodyPr rtlCol="0" anchor="ctr"/>
-          <a:lstStyle/>
-          <a:p>
-            <a:pPr algn="ctr"/>
-            <a:r>
-              <a:rPr lang="en-US" dirty="0"/>
-              <a:t>Preprocessing</a:t>
-            </a:r>
-          </a:p>
-        </p:txBody>
-      </p:sp>
-      <p:sp>
-        <p:nvSpPr>
-          <p:cNvPr id="6" name="Rectangle : coins arrondis 5">
-            <a:extLst>
-              <a:ext uri="{FF2B5EF4-FFF2-40B4-BE49-F238E27FC236}">
-                <a16:creationId xmlns:a16="http://schemas.microsoft.com/office/drawing/2014/main" id="{EED3D23D-DCE6-461A-9290-2AE5D2A13024}"/>
-              </a:ext>
-            </a:extLst>
-          </p:cNvPr>
-          <p:cNvSpPr/>
-          <p:nvPr/>
-        </p:nvSpPr>
-        <p:spPr>
-          <a:xfrm>
-            <a:off x="5714214" y="3307629"/>
-            <a:ext cx="1791093" cy="1095866"/>
-          </a:xfrm>
-          <a:prstGeom prst="roundRect">
-            <a:avLst/>
-          </a:prstGeom>
-          <a:ln>
-            <a:solidFill>
-              <a:schemeClr val="accent1"/>
-            </a:solidFill>
-          </a:ln>
-        </p:spPr>
-        <p:style>
-          <a:lnRef idx="2">
-            <a:schemeClr val="accent6"/>
-          </a:lnRef>
-          <a:fillRef idx="1">
-            <a:schemeClr val="lt1"/>
-          </a:fillRef>
-          <a:effectRef idx="0">
-            <a:schemeClr val="accent6"/>
-          </a:effectRef>
-          <a:fontRef idx="minor">
-            <a:schemeClr val="dk1"/>
-          </a:fontRef>
-        </p:style>
-        <p:txBody>
-          <a:bodyPr rtlCol="0" anchor="ctr"/>
-          <a:lstStyle/>
-          <a:p>
-            <a:pPr algn="ctr"/>
-            <a:r>
-              <a:rPr lang="en-US" dirty="0"/>
-              <a:t>Feature engineering</a:t>
-            </a:r>
-          </a:p>
-        </p:txBody>
-      </p:sp>
-      <p:sp>
-        <p:nvSpPr>
-          <p:cNvPr id="7" name="Rectangle : coins arrondis 6">
-            <a:extLst>
-              <a:ext uri="{FF2B5EF4-FFF2-40B4-BE49-F238E27FC236}">
-                <a16:creationId xmlns:a16="http://schemas.microsoft.com/office/drawing/2014/main" id="{881C9840-4F76-4F8B-8CC9-87B790F8CDF2}"/>
-              </a:ext>
-            </a:extLst>
-          </p:cNvPr>
-          <p:cNvSpPr/>
-          <p:nvPr/>
-        </p:nvSpPr>
-        <p:spPr>
-          <a:xfrm>
-            <a:off x="8480589" y="2668788"/>
-            <a:ext cx="2331171" cy="677567"/>
-          </a:xfrm>
-          <a:prstGeom prst="roundRect">
-            <a:avLst/>
-          </a:prstGeom>
-          <a:solidFill>
-            <a:schemeClr val="accent2">
-              <a:lumMod val="75000"/>
-            </a:schemeClr>
-          </a:solidFill>
-          <a:ln/>
-        </p:spPr>
-        <p:style>
-          <a:lnRef idx="2">
-            <a:schemeClr val="accent2"/>
-          </a:lnRef>
-          <a:fillRef idx="1">
-            <a:schemeClr val="lt1"/>
-          </a:fillRef>
-          <a:effectRef idx="0">
-            <a:schemeClr val="accent2"/>
-          </a:effectRef>
-          <a:fontRef idx="minor">
-            <a:schemeClr val="dk1"/>
-          </a:fontRef>
-        </p:style>
-        <p:txBody>
-          <a:bodyPr rtlCol="0" anchor="ctr"/>
-          <a:lstStyle/>
-          <a:p>
-            <a:pPr algn="ctr"/>
-            <a:r>
-              <a:rPr lang="en-US" dirty="0">
-                <a:solidFill>
-                  <a:schemeClr val="bg1"/>
-                </a:solidFill>
-              </a:rPr>
-              <a:t>Model selection</a:t>
-            </a:r>
-          </a:p>
-        </p:txBody>
-      </p:sp>
-      <p:sp>
-        <p:nvSpPr>
-          <p:cNvPr id="9" name="Rectangle : coins arrondis 8">
-            <a:extLst>
-              <a:ext uri="{FF2B5EF4-FFF2-40B4-BE49-F238E27FC236}">
-                <a16:creationId xmlns:a16="http://schemas.microsoft.com/office/drawing/2014/main" id="{9CDF2850-8F9D-4F03-9337-08204EE86A4B}"/>
-              </a:ext>
-            </a:extLst>
-          </p:cNvPr>
-          <p:cNvSpPr/>
-          <p:nvPr/>
-        </p:nvSpPr>
-        <p:spPr>
-          <a:xfrm>
-            <a:off x="8480589" y="3536135"/>
-            <a:ext cx="2331171" cy="677566"/>
-          </a:xfrm>
-          <a:prstGeom prst="roundRect">
-            <a:avLst/>
-          </a:prstGeom>
-          <a:solidFill>
-            <a:schemeClr val="accent2">
-              <a:lumMod val="60000"/>
-              <a:lumOff val="40000"/>
-            </a:schemeClr>
-          </a:solidFill>
-          <a:ln/>
-        </p:spPr>
-        <p:style>
-          <a:lnRef idx="2">
-            <a:schemeClr val="accent2"/>
-          </a:lnRef>
-          <a:fillRef idx="1">
-            <a:schemeClr val="lt1"/>
-          </a:fillRef>
-          <a:effectRef idx="0">
-            <a:schemeClr val="accent2"/>
-          </a:effectRef>
-          <a:fontRef idx="minor">
-            <a:schemeClr val="dk1"/>
-          </a:fontRef>
-        </p:style>
-        <p:txBody>
-          <a:bodyPr rtlCol="0" anchor="ctr"/>
-          <a:lstStyle/>
-          <a:p>
-            <a:pPr algn="ctr"/>
-            <a:r>
-              <a:rPr lang="en-US" dirty="0"/>
-              <a:t>Hyperparameter tuning</a:t>
-            </a:r>
-          </a:p>
-        </p:txBody>
-      </p:sp>
-      <p:sp>
-        <p:nvSpPr>
-          <p:cNvPr id="10" name="Rectangle : coins arrondis 9">
-            <a:extLst>
-              <a:ext uri="{FF2B5EF4-FFF2-40B4-BE49-F238E27FC236}">
-                <a16:creationId xmlns:a16="http://schemas.microsoft.com/office/drawing/2014/main" id="{2D340371-28B8-455F-B881-A909062EAFF2}"/>
-              </a:ext>
-            </a:extLst>
-          </p:cNvPr>
-          <p:cNvSpPr/>
-          <p:nvPr/>
-        </p:nvSpPr>
-        <p:spPr>
-          <a:xfrm>
-            <a:off x="8480588" y="4403481"/>
-            <a:ext cx="2331171" cy="677566"/>
-          </a:xfrm>
-          <a:prstGeom prst="roundRect">
-            <a:avLst/>
-          </a:prstGeom>
-          <a:solidFill>
-            <a:schemeClr val="accent2">
-              <a:lumMod val="40000"/>
-              <a:lumOff val="60000"/>
-            </a:schemeClr>
-          </a:solidFill>
-          <a:ln/>
-        </p:spPr>
-        <p:style>
-          <a:lnRef idx="2">
-            <a:schemeClr val="accent2"/>
-          </a:lnRef>
-          <a:fillRef idx="1">
-            <a:schemeClr val="lt1"/>
-          </a:fillRef>
-          <a:effectRef idx="0">
-            <a:schemeClr val="accent2"/>
-          </a:effectRef>
-          <a:fontRef idx="minor">
-            <a:schemeClr val="dk1"/>
-          </a:fontRef>
-        </p:style>
-        <p:txBody>
-          <a:bodyPr rtlCol="0" anchor="ctr"/>
-          <a:lstStyle/>
-          <a:p>
-            <a:pPr algn="ctr"/>
-            <a:r>
-              <a:rPr lang="en-US" dirty="0"/>
-              <a:t>Training and validation</a:t>
-            </a:r>
-          </a:p>
-        </p:txBody>
-      </p:sp>
-      <p:sp>
-        <p:nvSpPr>
-          <p:cNvPr id="12" name="Flèche : droite 11">
-            <a:extLst>
-              <a:ext uri="{FF2B5EF4-FFF2-40B4-BE49-F238E27FC236}">
-                <a16:creationId xmlns:a16="http://schemas.microsoft.com/office/drawing/2014/main" id="{98B44FC7-2E2E-40E3-9F38-2053326FE093}"/>
-              </a:ext>
-            </a:extLst>
-          </p:cNvPr>
-          <p:cNvSpPr/>
-          <p:nvPr/>
-        </p:nvSpPr>
-        <p:spPr>
-          <a:xfrm>
-            <a:off x="2629291" y="3573259"/>
-            <a:ext cx="778103" cy="479765"/>
-          </a:xfrm>
-          <a:prstGeom prst="rightArrow">
-            <a:avLst/>
-          </a:prstGeom>
-        </p:spPr>
-        <p:style>
-          <a:lnRef idx="2">
-            <a:schemeClr val="dk1"/>
-          </a:lnRef>
-          <a:fillRef idx="1">
-            <a:schemeClr val="lt1"/>
-          </a:fillRef>
-          <a:effectRef idx="0">
-            <a:schemeClr val="dk1"/>
-          </a:effectRef>
-          <a:fontRef idx="minor">
-            <a:schemeClr val="dk1"/>
-          </a:fontRef>
-        </p:style>
-        <p:txBody>
-          <a:bodyPr rtlCol="0" anchor="ctr"/>
-          <a:lstStyle/>
-          <a:p>
-            <a:pPr algn="ctr"/>
-            <a:endParaRPr lang="en-US"/>
-          </a:p>
-        </p:txBody>
-      </p:sp>
-      <p:sp>
-        <p:nvSpPr>
-          <p:cNvPr id="13" name="Flèche : droite 12">
-            <a:extLst>
-              <a:ext uri="{FF2B5EF4-FFF2-40B4-BE49-F238E27FC236}">
-                <a16:creationId xmlns:a16="http://schemas.microsoft.com/office/drawing/2014/main" id="{60828FC5-75BB-4604-850A-76BD9F07E5A2}"/>
-              </a:ext>
-            </a:extLst>
-          </p:cNvPr>
-          <p:cNvSpPr/>
-          <p:nvPr/>
-        </p:nvSpPr>
-        <p:spPr>
-          <a:xfrm>
-            <a:off x="5067299" y="3573259"/>
-            <a:ext cx="778103" cy="479765"/>
-          </a:xfrm>
-          <a:prstGeom prst="rightArrow">
-            <a:avLst/>
-          </a:prstGeom>
-        </p:spPr>
-        <p:style>
-          <a:lnRef idx="2">
-            <a:schemeClr val="dk1"/>
-          </a:lnRef>
-          <a:fillRef idx="1">
-            <a:schemeClr val="lt1"/>
-          </a:fillRef>
-          <a:effectRef idx="0">
-            <a:schemeClr val="dk1"/>
-          </a:effectRef>
-          <a:fontRef idx="minor">
-            <a:schemeClr val="dk1"/>
-          </a:fontRef>
-        </p:style>
-        <p:txBody>
-          <a:bodyPr rtlCol="0" anchor="ctr"/>
-          <a:lstStyle/>
-          <a:p>
-            <a:pPr algn="ctr"/>
-            <a:endParaRPr lang="en-US"/>
-          </a:p>
-        </p:txBody>
-      </p:sp>
-      <p:sp>
-        <p:nvSpPr>
-          <p:cNvPr id="14" name="Flèche : droite 13">
-            <a:extLst>
-              <a:ext uri="{FF2B5EF4-FFF2-40B4-BE49-F238E27FC236}">
-                <a16:creationId xmlns:a16="http://schemas.microsoft.com/office/drawing/2014/main" id="{24B54F9A-3828-49C7-98E5-A37788AE27BC}"/>
-              </a:ext>
-            </a:extLst>
-          </p:cNvPr>
-          <p:cNvSpPr/>
-          <p:nvPr/>
-        </p:nvSpPr>
-        <p:spPr>
-          <a:xfrm>
-            <a:off x="7505307" y="3615665"/>
-            <a:ext cx="778103" cy="479765"/>
-          </a:xfrm>
-          <a:prstGeom prst="rightArrow">
-            <a:avLst/>
-          </a:prstGeom>
-        </p:spPr>
-        <p:style>
-          <a:lnRef idx="2">
-            <a:schemeClr val="dk1"/>
-          </a:lnRef>
-          <a:fillRef idx="1">
-            <a:schemeClr val="lt1"/>
-          </a:fillRef>
-          <a:effectRef idx="0">
-            <a:schemeClr val="dk1"/>
-          </a:effectRef>
-          <a:fontRef idx="minor">
-            <a:schemeClr val="dk1"/>
-          </a:fontRef>
-        </p:style>
-        <p:txBody>
-          <a:bodyPr rtlCol="0" anchor="ctr"/>
-          <a:lstStyle/>
-          <a:p>
-            <a:pPr algn="ctr"/>
-            <a:endParaRPr lang="en-US"/>
-          </a:p>
-        </p:txBody>
-      </p:sp>
-      <p:sp>
-        <p:nvSpPr>
-          <p:cNvPr id="3" name="Bulle narrative : rectangle 2">
-            <a:extLst>
-              <a:ext uri="{FF2B5EF4-FFF2-40B4-BE49-F238E27FC236}">
-                <a16:creationId xmlns:a16="http://schemas.microsoft.com/office/drawing/2014/main" id="{E6958609-EAE8-4E4F-B2C2-04BCCF348419}"/>
-              </a:ext>
-            </a:extLst>
-          </p:cNvPr>
-          <p:cNvSpPr/>
-          <p:nvPr/>
-        </p:nvSpPr>
-        <p:spPr>
-          <a:xfrm>
-            <a:off x="5067299" y="5081047"/>
-            <a:ext cx="2438008" cy="735291"/>
-          </a:xfrm>
-          <a:prstGeom prst="wedgeRectCallout">
-            <a:avLst>
-              <a:gd name="adj1" fmla="val 39167"/>
-              <a:gd name="adj2" fmla="val -154167"/>
-            </a:avLst>
-          </a:prstGeom>
-        </p:spPr>
-        <p:style>
-          <a:lnRef idx="2">
-            <a:schemeClr val="accent5"/>
-          </a:lnRef>
-          <a:fillRef idx="1">
-            <a:schemeClr val="lt1"/>
-          </a:fillRef>
-          <a:effectRef idx="0">
-            <a:schemeClr val="accent5"/>
-          </a:effectRef>
-          <a:fontRef idx="minor">
-            <a:schemeClr val="dk1"/>
-          </a:fontRef>
-        </p:style>
-        <p:txBody>
-          <a:bodyPr rtlCol="0" anchor="ctr"/>
-          <a:lstStyle/>
-          <a:p>
-            <a:pPr algn="ctr"/>
-            <a:r>
-              <a:rPr lang="en-US" dirty="0"/>
-              <a:t>Feature selection</a:t>
-            </a:r>
-          </a:p>
-          <a:p>
-            <a:pPr algn="ctr"/>
-            <a:r>
-              <a:rPr lang="en-US" dirty="0"/>
-              <a:t>Feature construction</a:t>
-            </a:r>
-          </a:p>
-        </p:txBody>
-      </p:sp>
+              <a:t>Normalization?</a:t>
+            </a:r>
+          </a:p>
+        </p:txBody>
+      </p:sp>
+      <mc:AlternateContent xmlns:mc="http://schemas.openxmlformats.org/markup-compatibility/2006" xmlns:a14="http://schemas.microsoft.com/office/drawing/2010/main">
+        <mc:Choice Requires="a14">
+          <p:sp>
+            <p:nvSpPr>
+              <p:cNvPr id="3" name="Espace réservé du texte 2">
+                <a:extLst>
+                  <a:ext uri="{FF2B5EF4-FFF2-40B4-BE49-F238E27FC236}">
+                    <a16:creationId xmlns:a16="http://schemas.microsoft.com/office/drawing/2014/main" id="{7F4055F1-B2C8-486D-85C0-D9720905EE21}"/>
+                  </a:ext>
+                </a:extLst>
+              </p:cNvPr>
+              <p:cNvSpPr>
+                <a:spLocks noGrp="1"/>
+              </p:cNvSpPr>
+              <p:nvPr>
+                <p:ph type="body" sz="quarter" idx="10"/>
+              </p:nvPr>
+            </p:nvSpPr>
+            <p:spPr/>
+            <p:txBody>
+              <a:bodyPr>
+                <a:normAutofit/>
+              </a:bodyPr>
+              <a:lstStyle/>
+              <a:p>
+                <a:r>
+                  <a:rPr lang="en-US" dirty="0"/>
+                  <a:t>Several algorithms need feature values to be in (0,1) or (-1,1)</a:t>
+                </a:r>
+              </a:p>
+              <a:p>
+                <a:pPr lvl="1"/>
+                <a:r>
+                  <a:rPr lang="en-US" dirty="0"/>
+                  <a:t>Optimization algorithms in the ML approach work better in range</a:t>
+                </a:r>
+              </a:p>
+              <a:p>
+                <a:pPr lvl="1"/>
+                <a:r>
+                  <a:rPr lang="en-US" dirty="0"/>
+                  <a:t>Or other possible numerical issues (e.g. values too big)</a:t>
+                </a:r>
+              </a:p>
+              <a:p>
+                <a:r>
+                  <a:rPr lang="en-US" dirty="0"/>
+                  <a:t>Library functions automatically perform normalization</a:t>
+                </a:r>
+              </a:p>
+              <a:p>
+                <a:r>
+                  <a:rPr lang="en-US" dirty="0"/>
+                  <a:t>Example: rescale to zero mean and unit variance</a:t>
+                </a:r>
+              </a:p>
+              <a:p>
+                <a:pPr marL="0" indent="0">
+                  <a:buNone/>
+                </a:pPr>
+                <a14:m>
+                  <m:oMathPara xmlns:m="http://schemas.openxmlformats.org/officeDocument/2006/math">
+                    <m:oMathParaPr>
+                      <m:jc m:val="centerGroup"/>
+                    </m:oMathParaPr>
+                    <m:oMath xmlns:m="http://schemas.openxmlformats.org/officeDocument/2006/math">
+                      <m:sSub>
+                        <m:sSubPr>
+                          <m:ctrlPr>
+                            <a:rPr lang="it-IT" b="0" i="1" smtClean="0">
+                              <a:latin typeface="Cambria Math" panose="02040503050406030204" pitchFamily="18" charset="0"/>
+                            </a:rPr>
+                          </m:ctrlPr>
+                        </m:sSubPr>
+                        <m:e>
+                          <m:r>
+                            <a:rPr lang="it-IT" b="0" i="1" smtClean="0">
+                              <a:latin typeface="Cambria Math" panose="02040503050406030204" pitchFamily="18" charset="0"/>
+                            </a:rPr>
+                            <m:t>𝑧</m:t>
+                          </m:r>
+                        </m:e>
+                        <m:sub>
+                          <m:r>
+                            <a:rPr lang="it-IT" b="0" i="1" smtClean="0">
+                              <a:latin typeface="Cambria Math" panose="02040503050406030204" pitchFamily="18" charset="0"/>
+                            </a:rPr>
+                            <m:t>𝑖</m:t>
+                          </m:r>
+                        </m:sub>
+                      </m:sSub>
+                      <m:r>
+                        <a:rPr lang="it-IT" b="0" i="1" smtClean="0">
+                          <a:latin typeface="Cambria Math" panose="02040503050406030204" pitchFamily="18" charset="0"/>
+                        </a:rPr>
+                        <m:t>=</m:t>
+                      </m:r>
+                      <m:f>
+                        <m:fPr>
+                          <m:ctrlPr>
+                            <a:rPr lang="it-IT" b="0" i="1" smtClean="0">
+                              <a:latin typeface="Cambria Math" panose="02040503050406030204" pitchFamily="18" charset="0"/>
+                            </a:rPr>
+                          </m:ctrlPr>
+                        </m:fPr>
+                        <m:num>
+                          <m:sSub>
+                            <m:sSubPr>
+                              <m:ctrlPr>
+                                <a:rPr lang="it-IT" i="1">
+                                  <a:latin typeface="Cambria Math" panose="02040503050406030204" pitchFamily="18" charset="0"/>
+                                </a:rPr>
+                              </m:ctrlPr>
+                            </m:sSubPr>
+                            <m:e>
+                              <m:r>
+                                <a:rPr lang="it-IT" i="1">
+                                  <a:latin typeface="Cambria Math" panose="02040503050406030204" pitchFamily="18" charset="0"/>
+                                </a:rPr>
+                                <m:t>(</m:t>
+                              </m:r>
+                              <m:r>
+                                <a:rPr lang="it-IT" i="1">
+                                  <a:latin typeface="Cambria Math" panose="02040503050406030204" pitchFamily="18" charset="0"/>
+                                </a:rPr>
+                                <m:t>𝑥</m:t>
+                              </m:r>
+                            </m:e>
+                            <m:sub>
+                              <m:r>
+                                <a:rPr lang="it-IT" i="1">
+                                  <a:latin typeface="Cambria Math" panose="02040503050406030204" pitchFamily="18" charset="0"/>
+                                </a:rPr>
+                                <m:t>𝑖</m:t>
+                              </m:r>
+                            </m:sub>
+                          </m:sSub>
+                          <m:r>
+                            <a:rPr lang="it-IT" i="1">
+                              <a:latin typeface="Cambria Math" panose="02040503050406030204" pitchFamily="18" charset="0"/>
+                            </a:rPr>
+                            <m:t>−</m:t>
+                          </m:r>
+                          <m:r>
+                            <a:rPr lang="it-IT" i="1">
+                              <a:latin typeface="Cambria Math" panose="02040503050406030204" pitchFamily="18" charset="0"/>
+                            </a:rPr>
+                            <m:t>𝜇</m:t>
+                          </m:r>
+                          <m:r>
+                            <a:rPr lang="it-IT" i="1">
+                              <a:latin typeface="Cambria Math" panose="02040503050406030204" pitchFamily="18" charset="0"/>
+                            </a:rPr>
+                            <m:t>)</m:t>
+                          </m:r>
+                        </m:num>
+                        <m:den>
+                          <m:r>
+                            <m:rPr>
+                              <m:sty m:val="p"/>
+                            </m:rPr>
+                            <a:rPr lang="it-IT" i="1">
+                              <a:latin typeface="Cambria Math" panose="02040503050406030204" pitchFamily="18" charset="0"/>
+                            </a:rPr>
+                            <m:t>σ</m:t>
+                          </m:r>
+                        </m:den>
+                      </m:f>
+                    </m:oMath>
+                  </m:oMathPara>
+                </a14:m>
+                <a:endParaRPr lang="en-US" dirty="0"/>
+              </a:p>
+              <a:p>
+                <a:endParaRPr lang="en-US" dirty="0"/>
+              </a:p>
+              <a:p>
+                <a:r>
+                  <a:rPr lang="en-US" dirty="0"/>
+                  <a:t>So, just apply normalization to the data…right?</a:t>
+                </a:r>
+              </a:p>
+            </p:txBody>
+          </p:sp>
+        </mc:Choice>
+        <mc:Fallback xmlns="">
+          <p:sp>
+            <p:nvSpPr>
+              <p:cNvPr id="3" name="Espace réservé du texte 2">
+                <a:extLst>
+                  <a:ext uri="{FF2B5EF4-FFF2-40B4-BE49-F238E27FC236}">
+                    <a16:creationId xmlns:a16="http://schemas.microsoft.com/office/drawing/2014/main" id="{7F4055F1-B2C8-486D-85C0-D9720905EE21}"/>
+                  </a:ext>
+                </a:extLst>
+              </p:cNvPr>
+              <p:cNvSpPr>
+                <a:spLocks noGrp="1" noRot="1" noChangeAspect="1" noMove="1" noResize="1" noEditPoints="1" noAdjustHandles="1" noChangeArrowheads="1" noChangeShapeType="1" noTextEdit="1"/>
+              </p:cNvSpPr>
+              <p:nvPr>
+                <p:ph type="body" sz="quarter" idx="10"/>
+              </p:nvPr>
+            </p:nvSpPr>
+            <p:spPr>
+              <a:blipFill>
+                <a:blip r:embed="rId2"/>
+                <a:stretch>
+                  <a:fillRect l="-1333" t="-2734" r="-696" b="-1042"/>
+                </a:stretch>
+              </a:blipFill>
+            </p:spPr>
+            <p:txBody>
+              <a:bodyPr/>
+              <a:lstStyle/>
+              <a:p>
+                <a:r>
+                  <a:rPr lang="en-US">
+                    <a:noFill/>
+                  </a:rPr>
+                  <a:t> </a:t>
+                </a:r>
+              </a:p>
+            </p:txBody>
+          </p:sp>
+        </mc:Fallback>
+      </mc:AlternateContent>
     </p:spTree>
     <p:extLst>
       <p:ext uri="{BB962C8B-B14F-4D97-AF65-F5344CB8AC3E}">
-        <p14:creationId xmlns:p14="http://schemas.microsoft.com/office/powerpoint/2010/main" val="2268850752"/>
+        <p14:creationId xmlns:p14="http://schemas.microsoft.com/office/powerpoint/2010/main" val="1325431750"/>
       </p:ext>
     </p:extLst>
   </p:cSld>
@@ -11479,7 +11229,7 @@
           <p:cNvPr id="2" name="Titre 1">
             <a:extLst>
               <a:ext uri="{FF2B5EF4-FFF2-40B4-BE49-F238E27FC236}">
-                <a16:creationId xmlns:a16="http://schemas.microsoft.com/office/drawing/2014/main" id="{BEF44876-89F5-41A3-BCDC-7EF481CCBACB}"/>
+                <a16:creationId xmlns:a16="http://schemas.microsoft.com/office/drawing/2014/main" id="{BCE88949-DFDD-453E-A86E-E10173099E1D}"/>
               </a:ext>
             </a:extLst>
           </p:cNvPr>
@@ -11497,40 +11247,276 @@
           <a:p>
             <a:r>
               <a:rPr lang="en-US" dirty="0"/>
-              <a:t>Feature selection</a:t>
-            </a:r>
-          </a:p>
-        </p:txBody>
-      </p:sp>
-      <p:sp>
-        <p:nvSpPr>
-          <p:cNvPr id="3" name="Espace réservé du texte 2">
-            <a:extLst>
-              <a:ext uri="{FF2B5EF4-FFF2-40B4-BE49-F238E27FC236}">
-                <a16:creationId xmlns:a16="http://schemas.microsoft.com/office/drawing/2014/main" id="{109416AC-DC52-43DD-9209-E630E641FA84}"/>
-              </a:ext>
-            </a:extLst>
-          </p:cNvPr>
-          <p:cNvSpPr>
-            <a:spLocks noGrp="1"/>
-          </p:cNvSpPr>
-          <p:nvPr>
-            <p:ph type="body" sz="quarter" idx="10"/>
-          </p:nvPr>
-        </p:nvSpPr>
-        <p:spPr/>
-        <p:txBody>
-          <a:bodyPr/>
-          <a:lstStyle/>
-          <a:p>
-            <a:endParaRPr lang="en-US"/>
-          </a:p>
-        </p:txBody>
-      </p:sp>
+              <a:t>Normalization</a:t>
+            </a:r>
+          </a:p>
+        </p:txBody>
+      </p:sp>
+      <mc:AlternateContent xmlns:mc="http://schemas.openxmlformats.org/markup-compatibility/2006" xmlns:a14="http://schemas.microsoft.com/office/drawing/2010/main">
+        <mc:Choice Requires="a14">
+          <p:sp>
+            <p:nvSpPr>
+              <p:cNvPr id="3" name="Espace réservé du texte 2">
+                <a:extLst>
+                  <a:ext uri="{FF2B5EF4-FFF2-40B4-BE49-F238E27FC236}">
+                    <a16:creationId xmlns:a16="http://schemas.microsoft.com/office/drawing/2014/main" id="{8D2ED805-4C32-4509-876C-8E62BED036ED}"/>
+                  </a:ext>
+                </a:extLst>
+              </p:cNvPr>
+              <p:cNvSpPr>
+                <a:spLocks noGrp="1"/>
+              </p:cNvSpPr>
+              <p:nvPr>
+                <p:ph type="body" sz="quarter" idx="10"/>
+              </p:nvPr>
+            </p:nvSpPr>
+            <p:spPr/>
+            <p:txBody>
+              <a:bodyPr/>
+              <a:lstStyle/>
+              <a:p>
+                <a:r>
+                  <a:rPr lang="en-US" dirty="0"/>
+                  <a:t>No! Normalization has </a:t>
+                </a:r>
+                <a:r>
+                  <a:rPr lang="en-US" i="1" dirty="0"/>
+                  <a:t>parameters learned on data!</a:t>
+                </a:r>
+              </a:p>
+              <a:p>
+                <a:pPr marL="0" indent="0">
+                  <a:buNone/>
+                </a:pPr>
+                <a14:m>
+                  <m:oMathPara xmlns:m="http://schemas.openxmlformats.org/officeDocument/2006/math">
+                    <m:oMathParaPr>
+                      <m:jc m:val="centerGroup"/>
+                    </m:oMathParaPr>
+                    <m:oMath xmlns:m="http://schemas.openxmlformats.org/officeDocument/2006/math">
+                      <m:sSub>
+                        <m:sSubPr>
+                          <m:ctrlPr>
+                            <a:rPr lang="it-IT" b="0" i="1" smtClean="0">
+                              <a:latin typeface="Cambria Math" panose="02040503050406030204" pitchFamily="18" charset="0"/>
+                            </a:rPr>
+                          </m:ctrlPr>
+                        </m:sSubPr>
+                        <m:e>
+                          <m:r>
+                            <a:rPr lang="it-IT" b="0" i="1" smtClean="0">
+                              <a:latin typeface="Cambria Math" panose="02040503050406030204" pitchFamily="18" charset="0"/>
+                            </a:rPr>
+                            <m:t>𝑧</m:t>
+                          </m:r>
+                        </m:e>
+                        <m:sub>
+                          <m:r>
+                            <a:rPr lang="it-IT" b="0" i="1" smtClean="0">
+                              <a:latin typeface="Cambria Math" panose="02040503050406030204" pitchFamily="18" charset="0"/>
+                            </a:rPr>
+                            <m:t>𝑖</m:t>
+                          </m:r>
+                        </m:sub>
+                      </m:sSub>
+                      <m:r>
+                        <a:rPr lang="it-IT" b="0" i="1" smtClean="0">
+                          <a:latin typeface="Cambria Math" panose="02040503050406030204" pitchFamily="18" charset="0"/>
+                        </a:rPr>
+                        <m:t>=</m:t>
+                      </m:r>
+                      <m:f>
+                        <m:fPr>
+                          <m:ctrlPr>
+                            <a:rPr lang="it-IT" b="0" i="1" smtClean="0">
+                              <a:latin typeface="Cambria Math" panose="02040503050406030204" pitchFamily="18" charset="0"/>
+                            </a:rPr>
+                          </m:ctrlPr>
+                        </m:fPr>
+                        <m:num>
+                          <m:sSub>
+                            <m:sSubPr>
+                              <m:ctrlPr>
+                                <a:rPr lang="it-IT" i="1">
+                                  <a:latin typeface="Cambria Math" panose="02040503050406030204" pitchFamily="18" charset="0"/>
+                                </a:rPr>
+                              </m:ctrlPr>
+                            </m:sSubPr>
+                            <m:e>
+                              <m:r>
+                                <a:rPr lang="it-IT" i="1">
+                                  <a:latin typeface="Cambria Math" panose="02040503050406030204" pitchFamily="18" charset="0"/>
+                                </a:rPr>
+                                <m:t>(</m:t>
+                              </m:r>
+                              <m:r>
+                                <a:rPr lang="it-IT" i="1">
+                                  <a:latin typeface="Cambria Math" panose="02040503050406030204" pitchFamily="18" charset="0"/>
+                                </a:rPr>
+                                <m:t>𝑥</m:t>
+                              </m:r>
+                            </m:e>
+                            <m:sub>
+                              <m:r>
+                                <a:rPr lang="it-IT" i="1">
+                                  <a:latin typeface="Cambria Math" panose="02040503050406030204" pitchFamily="18" charset="0"/>
+                                </a:rPr>
+                                <m:t>𝑖</m:t>
+                              </m:r>
+                            </m:sub>
+                          </m:sSub>
+                          <m:r>
+                            <a:rPr lang="it-IT" i="1">
+                              <a:latin typeface="Cambria Math" panose="02040503050406030204" pitchFamily="18" charset="0"/>
+                            </a:rPr>
+                            <m:t>−</m:t>
+                          </m:r>
+                          <m:r>
+                            <a:rPr lang="it-IT" i="1" smtClean="0">
+                              <a:solidFill>
+                                <a:srgbClr val="FF0000"/>
+                              </a:solidFill>
+                              <a:latin typeface="Cambria Math" panose="02040503050406030204" pitchFamily="18" charset="0"/>
+                            </a:rPr>
+                            <m:t>𝜇</m:t>
+                          </m:r>
+                          <m:r>
+                            <a:rPr lang="it-IT" i="1">
+                              <a:latin typeface="Cambria Math" panose="02040503050406030204" pitchFamily="18" charset="0"/>
+                            </a:rPr>
+                            <m:t>)</m:t>
+                          </m:r>
+                        </m:num>
+                        <m:den>
+                          <m:r>
+                            <m:rPr>
+                              <m:sty m:val="p"/>
+                            </m:rPr>
+                            <a:rPr lang="it-IT" i="1" smtClean="0">
+                              <a:solidFill>
+                                <a:srgbClr val="FF0000"/>
+                              </a:solidFill>
+                              <a:latin typeface="Cambria Math" panose="02040503050406030204" pitchFamily="18" charset="0"/>
+                            </a:rPr>
+                            <m:t>σ</m:t>
+                          </m:r>
+                        </m:den>
+                      </m:f>
+                    </m:oMath>
+                  </m:oMathPara>
+                </a14:m>
+                <a:endParaRPr lang="en-US" dirty="0"/>
+              </a:p>
+              <a:p>
+                <a:r>
+                  <a:rPr lang="en-US" dirty="0"/>
+                  <a:t>Learning parameters and applying to all data is </a:t>
+                </a:r>
+                <a:r>
+                  <a:rPr lang="en-US" b="1" dirty="0"/>
+                  <a:t>overfitting</a:t>
+                </a:r>
+              </a:p>
+              <a:p>
+                <a:r>
+                  <a:rPr lang="en-US" dirty="0"/>
+                  <a:t>The impact is usually not high, but it can be important</a:t>
+                </a:r>
+              </a:p>
+              <a:p>
+                <a:r>
+                  <a:rPr lang="en-US" dirty="0"/>
+                  <a:t>Choose normalization algorithm</a:t>
+                </a:r>
+              </a:p>
+              <a:p>
+                <a:pPr lvl="1"/>
+                <a:r>
+                  <a:rPr lang="en-US" dirty="0"/>
+                  <a:t>Apply it later, during the </a:t>
+                </a:r>
+                <a:r>
+                  <a:rPr lang="en-US" b="1" dirty="0">
+                    <a:solidFill>
+                      <a:schemeClr val="accent2">
+                        <a:lumMod val="40000"/>
+                        <a:lumOff val="60000"/>
+                      </a:schemeClr>
+                    </a:solidFill>
+                  </a:rPr>
+                  <a:t>training and validation</a:t>
+                </a:r>
+                <a:r>
+                  <a:rPr lang="en-US" dirty="0"/>
+                  <a:t> step</a:t>
+                </a:r>
+              </a:p>
+              <a:p>
+                <a:pPr lvl="1"/>
+                <a:r>
+                  <a:rPr lang="en-US" dirty="0"/>
+                  <a:t>Learn normalization from training set, apply to test set</a:t>
+                </a:r>
+              </a:p>
+              <a:p>
+                <a:pPr lvl="1"/>
+                <a:r>
+                  <a:rPr lang="en-US" dirty="0"/>
+                  <a:t>…unless you already know min/max and want to just </a:t>
+                </a:r>
+                <a:r>
+                  <a:rPr lang="en-US"/>
+                  <a:t>rescale (0,1)</a:t>
+                </a:r>
+                <a:endParaRPr lang="en-US" dirty="0"/>
+              </a:p>
+            </p:txBody>
+          </p:sp>
+        </mc:Choice>
+        <mc:Fallback xmlns="">
+          <p:sp>
+            <p:nvSpPr>
+              <p:cNvPr id="3" name="Espace réservé du texte 2">
+                <a:extLst>
+                  <a:ext uri="{FF2B5EF4-FFF2-40B4-BE49-F238E27FC236}">
+                    <a16:creationId xmlns:a16="http://schemas.microsoft.com/office/drawing/2014/main" id="{8D2ED805-4C32-4509-876C-8E62BED036ED}"/>
+                  </a:ext>
+                </a:extLst>
+              </p:cNvPr>
+              <p:cNvSpPr>
+                <a:spLocks noGrp="1" noRot="1" noChangeAspect="1" noMove="1" noResize="1" noEditPoints="1" noAdjustHandles="1" noChangeArrowheads="1" noChangeShapeType="1" noTextEdit="1"/>
+              </p:cNvSpPr>
+              <p:nvPr>
+                <p:ph type="body" sz="quarter" idx="10"/>
+              </p:nvPr>
+            </p:nvSpPr>
+            <p:spPr>
+              <a:blipFill>
+                <a:blip r:embed="rId2"/>
+                <a:stretch>
+                  <a:fillRect l="-1333" t="-2734"/>
+                </a:stretch>
+              </a:blipFill>
+            </p:spPr>
+            <p:txBody>
+              <a:bodyPr/>
+              <a:lstStyle/>
+              <a:p>
+                <a:r>
+                  <a:rPr lang="en-US">
+                    <a:noFill/>
+                  </a:rPr>
+                  <a:t> </a:t>
+                </a:r>
+              </a:p>
+            </p:txBody>
+          </p:sp>
+        </mc:Fallback>
+      </mc:AlternateContent>
     </p:spTree>
     <p:extLst>
       <p:ext uri="{BB962C8B-B14F-4D97-AF65-F5344CB8AC3E}">
-        <p14:creationId xmlns:p14="http://schemas.microsoft.com/office/powerpoint/2010/main" val="2558567936"/>
+        <p14:creationId xmlns:p14="http://schemas.microsoft.com/office/powerpoint/2010/main" val="1748925663"/>
       </p:ext>
     </p:extLst>
   </p:cSld>
@@ -11559,10 +11545,58 @@
       </p:grpSpPr>
       <p:sp>
         <p:nvSpPr>
+          <p:cNvPr id="11" name="Rectangle : coins arrondis 10">
+            <a:extLst>
+              <a:ext uri="{FF2B5EF4-FFF2-40B4-BE49-F238E27FC236}">
+                <a16:creationId xmlns:a16="http://schemas.microsoft.com/office/drawing/2014/main" id="{26013B2E-CC3B-413E-8CDB-4F1697F804B5}"/>
+              </a:ext>
+            </a:extLst>
+          </p:cNvPr>
+          <p:cNvSpPr/>
+          <p:nvPr/>
+        </p:nvSpPr>
+        <p:spPr>
+          <a:xfrm>
+            <a:off x="8152222" y="1960775"/>
+            <a:ext cx="2950981" cy="3638747"/>
+          </a:xfrm>
+          <a:prstGeom prst="roundRect">
+            <a:avLst/>
+          </a:prstGeom>
+          <a:ln/>
+        </p:spPr>
+        <p:style>
+          <a:lnRef idx="2">
+            <a:schemeClr val="accent2"/>
+          </a:lnRef>
+          <a:fillRef idx="1">
+            <a:schemeClr val="lt1"/>
+          </a:fillRef>
+          <a:effectRef idx="0">
+            <a:schemeClr val="accent2"/>
+          </a:effectRef>
+          <a:fontRef idx="minor">
+            <a:schemeClr val="dk1"/>
+          </a:fontRef>
+        </p:style>
+        <p:txBody>
+          <a:bodyPr rtlCol="0" anchor="t"/>
+          <a:lstStyle/>
+          <a:p>
+            <a:pPr algn="ctr"/>
+            <a:r>
+              <a:rPr lang="en-US" dirty="0"/>
+              <a:t>Machine Learning</a:t>
+            </a:r>
+          </a:p>
+        </p:txBody>
+      </p:sp>
+      <p:sp>
+        <p:nvSpPr>
           <p:cNvPr id="2" name="Titre 1">
             <a:extLst>
               <a:ext uri="{FF2B5EF4-FFF2-40B4-BE49-F238E27FC236}">
-                <a16:creationId xmlns:a16="http://schemas.microsoft.com/office/drawing/2014/main" id="{24803BEE-D182-42F8-92AE-40B6D290B905}"/>
+                <a16:creationId xmlns:a16="http://schemas.microsoft.com/office/drawing/2014/main" id="{A5420EFC-FFB3-4740-9D5B-A9BB5F6B612F}"/>
               </a:ext>
             </a:extLst>
           </p:cNvPr>
@@ -11580,40 +11614,515 @@
           <a:p>
             <a:r>
               <a:rPr lang="en-US" dirty="0"/>
+              <a:t>Machine Learning pipeline</a:t>
+            </a:r>
+          </a:p>
+        </p:txBody>
+      </p:sp>
+      <p:sp>
+        <p:nvSpPr>
+          <p:cNvPr id="4" name="Organigramme : Disque magnétique 3">
+            <a:extLst>
+              <a:ext uri="{FF2B5EF4-FFF2-40B4-BE49-F238E27FC236}">
+                <a16:creationId xmlns:a16="http://schemas.microsoft.com/office/drawing/2014/main" id="{7C72C114-1A3F-4108-81DB-BC96D0970337}"/>
+              </a:ext>
+            </a:extLst>
+          </p:cNvPr>
+          <p:cNvSpPr/>
+          <p:nvPr/>
+        </p:nvSpPr>
+        <p:spPr>
+          <a:xfrm>
+            <a:off x="761998" y="3007151"/>
+            <a:ext cx="1867293" cy="1611983"/>
+          </a:xfrm>
+          <a:prstGeom prst="flowChartMagneticDisk">
+            <a:avLst/>
+          </a:prstGeom>
+        </p:spPr>
+        <p:style>
+          <a:lnRef idx="2">
+            <a:schemeClr val="dk1"/>
+          </a:lnRef>
+          <a:fillRef idx="1">
+            <a:schemeClr val="lt1"/>
+          </a:fillRef>
+          <a:effectRef idx="0">
+            <a:schemeClr val="dk1"/>
+          </a:effectRef>
+          <a:fontRef idx="minor">
+            <a:schemeClr val="dk1"/>
+          </a:fontRef>
+        </p:style>
+        <p:txBody>
+          <a:bodyPr rtlCol="0" anchor="ctr"/>
+          <a:lstStyle/>
+          <a:p>
+            <a:pPr algn="ctr"/>
+            <a:r>
+              <a:rPr lang="en-US" dirty="0"/>
+              <a:t>Raw data</a:t>
+            </a:r>
+          </a:p>
+        </p:txBody>
+      </p:sp>
+      <p:sp>
+        <p:nvSpPr>
+          <p:cNvPr id="5" name="Rectangle : coins arrondis 4">
+            <a:extLst>
+              <a:ext uri="{FF2B5EF4-FFF2-40B4-BE49-F238E27FC236}">
+                <a16:creationId xmlns:a16="http://schemas.microsoft.com/office/drawing/2014/main" id="{E6D5FD6A-1026-4A3F-974B-CBE700AB2544}"/>
+              </a:ext>
+            </a:extLst>
+          </p:cNvPr>
+          <p:cNvSpPr/>
+          <p:nvPr/>
+        </p:nvSpPr>
+        <p:spPr>
+          <a:xfrm>
+            <a:off x="3276206" y="3307615"/>
+            <a:ext cx="1791093" cy="1095866"/>
+          </a:xfrm>
+          <a:prstGeom prst="roundRect">
+            <a:avLst/>
+          </a:prstGeom>
+        </p:spPr>
+        <p:style>
+          <a:lnRef idx="2">
+            <a:schemeClr val="accent6"/>
+          </a:lnRef>
+          <a:fillRef idx="1">
+            <a:schemeClr val="lt1"/>
+          </a:fillRef>
+          <a:effectRef idx="0">
+            <a:schemeClr val="accent6"/>
+          </a:effectRef>
+          <a:fontRef idx="minor">
+            <a:schemeClr val="dk1"/>
+          </a:fontRef>
+        </p:style>
+        <p:txBody>
+          <a:bodyPr rtlCol="0" anchor="ctr"/>
+          <a:lstStyle/>
+          <a:p>
+            <a:pPr algn="ctr"/>
+            <a:r>
+              <a:rPr lang="en-US" dirty="0"/>
+              <a:t>Preprocessing</a:t>
+            </a:r>
+          </a:p>
+        </p:txBody>
+      </p:sp>
+      <p:sp>
+        <p:nvSpPr>
+          <p:cNvPr id="6" name="Rectangle : coins arrondis 5">
+            <a:extLst>
+              <a:ext uri="{FF2B5EF4-FFF2-40B4-BE49-F238E27FC236}">
+                <a16:creationId xmlns:a16="http://schemas.microsoft.com/office/drawing/2014/main" id="{EED3D23D-DCE6-461A-9290-2AE5D2A13024}"/>
+              </a:ext>
+            </a:extLst>
+          </p:cNvPr>
+          <p:cNvSpPr/>
+          <p:nvPr/>
+        </p:nvSpPr>
+        <p:spPr>
+          <a:xfrm>
+            <a:off x="5714214" y="3307629"/>
+            <a:ext cx="1791093" cy="1095866"/>
+          </a:xfrm>
+          <a:prstGeom prst="roundRect">
+            <a:avLst/>
+          </a:prstGeom>
+          <a:ln>
+            <a:solidFill>
+              <a:schemeClr val="accent1"/>
+            </a:solidFill>
+          </a:ln>
+        </p:spPr>
+        <p:style>
+          <a:lnRef idx="2">
+            <a:schemeClr val="accent6"/>
+          </a:lnRef>
+          <a:fillRef idx="1">
+            <a:schemeClr val="lt1"/>
+          </a:fillRef>
+          <a:effectRef idx="0">
+            <a:schemeClr val="accent6"/>
+          </a:effectRef>
+          <a:fontRef idx="minor">
+            <a:schemeClr val="dk1"/>
+          </a:fontRef>
+        </p:style>
+        <p:txBody>
+          <a:bodyPr rtlCol="0" anchor="ctr"/>
+          <a:lstStyle/>
+          <a:p>
+            <a:pPr algn="ctr"/>
+            <a:r>
+              <a:rPr lang="en-US" dirty="0"/>
+              <a:t>Feature engineering</a:t>
+            </a:r>
+          </a:p>
+        </p:txBody>
+      </p:sp>
+      <p:sp>
+        <p:nvSpPr>
+          <p:cNvPr id="7" name="Rectangle : coins arrondis 6">
+            <a:extLst>
+              <a:ext uri="{FF2B5EF4-FFF2-40B4-BE49-F238E27FC236}">
+                <a16:creationId xmlns:a16="http://schemas.microsoft.com/office/drawing/2014/main" id="{881C9840-4F76-4F8B-8CC9-87B790F8CDF2}"/>
+              </a:ext>
+            </a:extLst>
+          </p:cNvPr>
+          <p:cNvSpPr/>
+          <p:nvPr/>
+        </p:nvSpPr>
+        <p:spPr>
+          <a:xfrm>
+            <a:off x="8480589" y="2668788"/>
+            <a:ext cx="2331171" cy="677567"/>
+          </a:xfrm>
+          <a:prstGeom prst="roundRect">
+            <a:avLst/>
+          </a:prstGeom>
+          <a:solidFill>
+            <a:schemeClr val="accent2">
+              <a:lumMod val="75000"/>
+            </a:schemeClr>
+          </a:solidFill>
+          <a:ln/>
+        </p:spPr>
+        <p:style>
+          <a:lnRef idx="2">
+            <a:schemeClr val="accent2"/>
+          </a:lnRef>
+          <a:fillRef idx="1">
+            <a:schemeClr val="lt1"/>
+          </a:fillRef>
+          <a:effectRef idx="0">
+            <a:schemeClr val="accent2"/>
+          </a:effectRef>
+          <a:fontRef idx="minor">
+            <a:schemeClr val="dk1"/>
+          </a:fontRef>
+        </p:style>
+        <p:txBody>
+          <a:bodyPr rtlCol="0" anchor="ctr"/>
+          <a:lstStyle/>
+          <a:p>
+            <a:pPr algn="ctr"/>
+            <a:r>
+              <a:rPr lang="en-US" dirty="0">
+                <a:solidFill>
+                  <a:schemeClr val="bg1"/>
+                </a:solidFill>
+              </a:rPr>
+              <a:t>Model selection</a:t>
+            </a:r>
+          </a:p>
+        </p:txBody>
+      </p:sp>
+      <p:sp>
+        <p:nvSpPr>
+          <p:cNvPr id="9" name="Rectangle : coins arrondis 8">
+            <a:extLst>
+              <a:ext uri="{FF2B5EF4-FFF2-40B4-BE49-F238E27FC236}">
+                <a16:creationId xmlns:a16="http://schemas.microsoft.com/office/drawing/2014/main" id="{9CDF2850-8F9D-4F03-9337-08204EE86A4B}"/>
+              </a:ext>
+            </a:extLst>
+          </p:cNvPr>
+          <p:cNvSpPr/>
+          <p:nvPr/>
+        </p:nvSpPr>
+        <p:spPr>
+          <a:xfrm>
+            <a:off x="8480589" y="3536135"/>
+            <a:ext cx="2331171" cy="677566"/>
+          </a:xfrm>
+          <a:prstGeom prst="roundRect">
+            <a:avLst/>
+          </a:prstGeom>
+          <a:solidFill>
+            <a:schemeClr val="accent2">
+              <a:lumMod val="60000"/>
+              <a:lumOff val="40000"/>
+            </a:schemeClr>
+          </a:solidFill>
+          <a:ln/>
+        </p:spPr>
+        <p:style>
+          <a:lnRef idx="2">
+            <a:schemeClr val="accent2"/>
+          </a:lnRef>
+          <a:fillRef idx="1">
+            <a:schemeClr val="lt1"/>
+          </a:fillRef>
+          <a:effectRef idx="0">
+            <a:schemeClr val="accent2"/>
+          </a:effectRef>
+          <a:fontRef idx="minor">
+            <a:schemeClr val="dk1"/>
+          </a:fontRef>
+        </p:style>
+        <p:txBody>
+          <a:bodyPr rtlCol="0" anchor="ctr"/>
+          <a:lstStyle/>
+          <a:p>
+            <a:pPr algn="ctr"/>
+            <a:r>
+              <a:rPr lang="en-US" dirty="0"/>
+              <a:t>Hyperparameter tuning</a:t>
+            </a:r>
+          </a:p>
+        </p:txBody>
+      </p:sp>
+      <p:sp>
+        <p:nvSpPr>
+          <p:cNvPr id="10" name="Rectangle : coins arrondis 9">
+            <a:extLst>
+              <a:ext uri="{FF2B5EF4-FFF2-40B4-BE49-F238E27FC236}">
+                <a16:creationId xmlns:a16="http://schemas.microsoft.com/office/drawing/2014/main" id="{2D340371-28B8-455F-B881-A909062EAFF2}"/>
+              </a:ext>
+            </a:extLst>
+          </p:cNvPr>
+          <p:cNvSpPr/>
+          <p:nvPr/>
+        </p:nvSpPr>
+        <p:spPr>
+          <a:xfrm>
+            <a:off x="8480588" y="4403481"/>
+            <a:ext cx="2331171" cy="677566"/>
+          </a:xfrm>
+          <a:prstGeom prst="roundRect">
+            <a:avLst/>
+          </a:prstGeom>
+          <a:solidFill>
+            <a:schemeClr val="accent2">
+              <a:lumMod val="40000"/>
+              <a:lumOff val="60000"/>
+            </a:schemeClr>
+          </a:solidFill>
+          <a:ln/>
+        </p:spPr>
+        <p:style>
+          <a:lnRef idx="2">
+            <a:schemeClr val="accent2"/>
+          </a:lnRef>
+          <a:fillRef idx="1">
+            <a:schemeClr val="lt1"/>
+          </a:fillRef>
+          <a:effectRef idx="0">
+            <a:schemeClr val="accent2"/>
+          </a:effectRef>
+          <a:fontRef idx="minor">
+            <a:schemeClr val="dk1"/>
+          </a:fontRef>
+        </p:style>
+        <p:txBody>
+          <a:bodyPr rtlCol="0" anchor="ctr"/>
+          <a:lstStyle/>
+          <a:p>
+            <a:pPr algn="ctr"/>
+            <a:r>
+              <a:rPr lang="en-US" dirty="0"/>
+              <a:t>Training and validation</a:t>
+            </a:r>
+          </a:p>
+        </p:txBody>
+      </p:sp>
+      <p:sp>
+        <p:nvSpPr>
+          <p:cNvPr id="12" name="Flèche : droite 11">
+            <a:extLst>
+              <a:ext uri="{FF2B5EF4-FFF2-40B4-BE49-F238E27FC236}">
+                <a16:creationId xmlns:a16="http://schemas.microsoft.com/office/drawing/2014/main" id="{98B44FC7-2E2E-40E3-9F38-2053326FE093}"/>
+              </a:ext>
+            </a:extLst>
+          </p:cNvPr>
+          <p:cNvSpPr/>
+          <p:nvPr/>
+        </p:nvSpPr>
+        <p:spPr>
+          <a:xfrm>
+            <a:off x="2629291" y="3573259"/>
+            <a:ext cx="778103" cy="479765"/>
+          </a:xfrm>
+          <a:prstGeom prst="rightArrow">
+            <a:avLst/>
+          </a:prstGeom>
+        </p:spPr>
+        <p:style>
+          <a:lnRef idx="2">
+            <a:schemeClr val="dk1"/>
+          </a:lnRef>
+          <a:fillRef idx="1">
+            <a:schemeClr val="lt1"/>
+          </a:fillRef>
+          <a:effectRef idx="0">
+            <a:schemeClr val="dk1"/>
+          </a:effectRef>
+          <a:fontRef idx="minor">
+            <a:schemeClr val="dk1"/>
+          </a:fontRef>
+        </p:style>
+        <p:txBody>
+          <a:bodyPr rtlCol="0" anchor="ctr"/>
+          <a:lstStyle/>
+          <a:p>
+            <a:pPr algn="ctr"/>
+            <a:endParaRPr lang="en-US"/>
+          </a:p>
+        </p:txBody>
+      </p:sp>
+      <p:sp>
+        <p:nvSpPr>
+          <p:cNvPr id="13" name="Flèche : droite 12">
+            <a:extLst>
+              <a:ext uri="{FF2B5EF4-FFF2-40B4-BE49-F238E27FC236}">
+                <a16:creationId xmlns:a16="http://schemas.microsoft.com/office/drawing/2014/main" id="{60828FC5-75BB-4604-850A-76BD9F07E5A2}"/>
+              </a:ext>
+            </a:extLst>
+          </p:cNvPr>
+          <p:cNvSpPr/>
+          <p:nvPr/>
+        </p:nvSpPr>
+        <p:spPr>
+          <a:xfrm>
+            <a:off x="5067299" y="3573259"/>
+            <a:ext cx="778103" cy="479765"/>
+          </a:xfrm>
+          <a:prstGeom prst="rightArrow">
+            <a:avLst/>
+          </a:prstGeom>
+        </p:spPr>
+        <p:style>
+          <a:lnRef idx="2">
+            <a:schemeClr val="dk1"/>
+          </a:lnRef>
+          <a:fillRef idx="1">
+            <a:schemeClr val="lt1"/>
+          </a:fillRef>
+          <a:effectRef idx="0">
+            <a:schemeClr val="dk1"/>
+          </a:effectRef>
+          <a:fontRef idx="minor">
+            <a:schemeClr val="dk1"/>
+          </a:fontRef>
+        </p:style>
+        <p:txBody>
+          <a:bodyPr rtlCol="0" anchor="ctr"/>
+          <a:lstStyle/>
+          <a:p>
+            <a:pPr algn="ctr"/>
+            <a:endParaRPr lang="en-US"/>
+          </a:p>
+        </p:txBody>
+      </p:sp>
+      <p:sp>
+        <p:nvSpPr>
+          <p:cNvPr id="14" name="Flèche : droite 13">
+            <a:extLst>
+              <a:ext uri="{FF2B5EF4-FFF2-40B4-BE49-F238E27FC236}">
+                <a16:creationId xmlns:a16="http://schemas.microsoft.com/office/drawing/2014/main" id="{24B54F9A-3828-49C7-98E5-A37788AE27BC}"/>
+              </a:ext>
+            </a:extLst>
+          </p:cNvPr>
+          <p:cNvSpPr/>
+          <p:nvPr/>
+        </p:nvSpPr>
+        <p:spPr>
+          <a:xfrm>
+            <a:off x="7505307" y="3615665"/>
+            <a:ext cx="778103" cy="479765"/>
+          </a:xfrm>
+          <a:prstGeom prst="rightArrow">
+            <a:avLst/>
+          </a:prstGeom>
+        </p:spPr>
+        <p:style>
+          <a:lnRef idx="2">
+            <a:schemeClr val="dk1"/>
+          </a:lnRef>
+          <a:fillRef idx="1">
+            <a:schemeClr val="lt1"/>
+          </a:fillRef>
+          <a:effectRef idx="0">
+            <a:schemeClr val="dk1"/>
+          </a:effectRef>
+          <a:fontRef idx="minor">
+            <a:schemeClr val="dk1"/>
+          </a:fontRef>
+        </p:style>
+        <p:txBody>
+          <a:bodyPr rtlCol="0" anchor="ctr"/>
+          <a:lstStyle/>
+          <a:p>
+            <a:pPr algn="ctr"/>
+            <a:endParaRPr lang="en-US"/>
+          </a:p>
+        </p:txBody>
+      </p:sp>
+      <p:sp>
+        <p:nvSpPr>
+          <p:cNvPr id="3" name="Bulle narrative : rectangle 2">
+            <a:extLst>
+              <a:ext uri="{FF2B5EF4-FFF2-40B4-BE49-F238E27FC236}">
+                <a16:creationId xmlns:a16="http://schemas.microsoft.com/office/drawing/2014/main" id="{E6958609-EAE8-4E4F-B2C2-04BCCF348419}"/>
+              </a:ext>
+            </a:extLst>
+          </p:cNvPr>
+          <p:cNvSpPr/>
+          <p:nvPr/>
+        </p:nvSpPr>
+        <p:spPr>
+          <a:xfrm>
+            <a:off x="5067299" y="5081047"/>
+            <a:ext cx="2438008" cy="735291"/>
+          </a:xfrm>
+          <a:prstGeom prst="wedgeRectCallout">
+            <a:avLst>
+              <a:gd name="adj1" fmla="val 39167"/>
+              <a:gd name="adj2" fmla="val -154167"/>
+            </a:avLst>
+          </a:prstGeom>
+        </p:spPr>
+        <p:style>
+          <a:lnRef idx="2">
+            <a:schemeClr val="accent5"/>
+          </a:lnRef>
+          <a:fillRef idx="1">
+            <a:schemeClr val="lt1"/>
+          </a:fillRef>
+          <a:effectRef idx="0">
+            <a:schemeClr val="accent5"/>
+          </a:effectRef>
+          <a:fontRef idx="minor">
+            <a:schemeClr val="dk1"/>
+          </a:fontRef>
+        </p:style>
+        <p:txBody>
+          <a:bodyPr rtlCol="0" anchor="ctr"/>
+          <a:lstStyle/>
+          <a:p>
+            <a:pPr algn="ctr"/>
+            <a:r>
+              <a:rPr lang="en-US" dirty="0"/>
+              <a:t>Feature selection</a:t>
+            </a:r>
+          </a:p>
+          <a:p>
+            <a:pPr algn="ctr"/>
+            <a:r>
+              <a:rPr lang="en-US" dirty="0"/>
               <a:t>Feature construction</a:t>
             </a:r>
-          </a:p>
-        </p:txBody>
-      </p:sp>
-      <p:sp>
-        <p:nvSpPr>
-          <p:cNvPr id="3" name="Espace réservé du texte 2">
-            <a:extLst>
-              <a:ext uri="{FF2B5EF4-FFF2-40B4-BE49-F238E27FC236}">
-                <a16:creationId xmlns:a16="http://schemas.microsoft.com/office/drawing/2014/main" id="{4B2593A4-540B-4982-B66E-3F921E5FC3A6}"/>
-              </a:ext>
-            </a:extLst>
-          </p:cNvPr>
-          <p:cNvSpPr>
-            <a:spLocks noGrp="1"/>
-          </p:cNvSpPr>
-          <p:nvPr>
-            <p:ph type="body" sz="quarter" idx="10"/>
-          </p:nvPr>
-        </p:nvSpPr>
-        <p:spPr/>
-        <p:txBody>
-          <a:bodyPr/>
-          <a:lstStyle/>
-          <a:p>
-            <a:endParaRPr lang="en-US"/>
           </a:p>
         </p:txBody>
       </p:sp>
     </p:spTree>
     <p:extLst>
       <p:ext uri="{BB962C8B-B14F-4D97-AF65-F5344CB8AC3E}">
-        <p14:creationId xmlns:p14="http://schemas.microsoft.com/office/powerpoint/2010/main" val="1684186787"/>
+        <p14:creationId xmlns:p14="http://schemas.microsoft.com/office/powerpoint/2010/main" val="2268850752"/>
       </p:ext>
     </p:extLst>
   </p:cSld>
@@ -11642,58 +12151,10 @@
       </p:grpSpPr>
       <p:sp>
         <p:nvSpPr>
-          <p:cNvPr id="11" name="Rectangle : coins arrondis 10">
-            <a:extLst>
-              <a:ext uri="{FF2B5EF4-FFF2-40B4-BE49-F238E27FC236}">
-                <a16:creationId xmlns:a16="http://schemas.microsoft.com/office/drawing/2014/main" id="{26013B2E-CC3B-413E-8CDB-4F1697F804B5}"/>
-              </a:ext>
-            </a:extLst>
-          </p:cNvPr>
-          <p:cNvSpPr/>
-          <p:nvPr/>
-        </p:nvSpPr>
-        <p:spPr>
-          <a:xfrm>
-            <a:off x="8152222" y="1960775"/>
-            <a:ext cx="2950981" cy="3638747"/>
-          </a:xfrm>
-          <a:prstGeom prst="roundRect">
-            <a:avLst/>
-          </a:prstGeom>
-          <a:ln/>
-        </p:spPr>
-        <p:style>
-          <a:lnRef idx="2">
-            <a:schemeClr val="accent2"/>
-          </a:lnRef>
-          <a:fillRef idx="1">
-            <a:schemeClr val="lt1"/>
-          </a:fillRef>
-          <a:effectRef idx="0">
-            <a:schemeClr val="accent2"/>
-          </a:effectRef>
-          <a:fontRef idx="minor">
-            <a:schemeClr val="dk1"/>
-          </a:fontRef>
-        </p:style>
-        <p:txBody>
-          <a:bodyPr rtlCol="0" anchor="t"/>
-          <a:lstStyle/>
-          <a:p>
-            <a:pPr algn="ctr"/>
-            <a:r>
-              <a:rPr lang="en-US" dirty="0"/>
-              <a:t>Machine Learning</a:t>
-            </a:r>
-          </a:p>
-        </p:txBody>
-      </p:sp>
-      <p:sp>
-        <p:nvSpPr>
           <p:cNvPr id="2" name="Titre 1">
             <a:extLst>
               <a:ext uri="{FF2B5EF4-FFF2-40B4-BE49-F238E27FC236}">
-                <a16:creationId xmlns:a16="http://schemas.microsoft.com/office/drawing/2014/main" id="{A5420EFC-FFB3-4740-9D5B-A9BB5F6B612F}"/>
+                <a16:creationId xmlns:a16="http://schemas.microsoft.com/office/drawing/2014/main" id="{BEF44876-89F5-41A3-BCDC-7EF481CCBACB}"/>
               </a:ext>
             </a:extLst>
           </p:cNvPr>
@@ -11711,580 +12172,40 @@
           <a:p>
             <a:r>
               <a:rPr lang="en-US" dirty="0"/>
-              <a:t>Deep Learning pipeline…?</a:t>
-            </a:r>
-          </a:p>
-        </p:txBody>
-      </p:sp>
-      <p:sp>
-        <p:nvSpPr>
-          <p:cNvPr id="4" name="Organigramme : Disque magnétique 3">
-            <a:extLst>
-              <a:ext uri="{FF2B5EF4-FFF2-40B4-BE49-F238E27FC236}">
-                <a16:creationId xmlns:a16="http://schemas.microsoft.com/office/drawing/2014/main" id="{7C72C114-1A3F-4108-81DB-BC96D0970337}"/>
-              </a:ext>
-            </a:extLst>
-          </p:cNvPr>
-          <p:cNvSpPr/>
-          <p:nvPr/>
-        </p:nvSpPr>
-        <p:spPr>
-          <a:xfrm>
-            <a:off x="761998" y="3007151"/>
-            <a:ext cx="1867293" cy="1611983"/>
-          </a:xfrm>
-          <a:prstGeom prst="flowChartMagneticDisk">
-            <a:avLst/>
-          </a:prstGeom>
-        </p:spPr>
-        <p:style>
-          <a:lnRef idx="2">
-            <a:schemeClr val="dk1"/>
-          </a:lnRef>
-          <a:fillRef idx="1">
-            <a:schemeClr val="lt1"/>
-          </a:fillRef>
-          <a:effectRef idx="0">
-            <a:schemeClr val="dk1"/>
-          </a:effectRef>
-          <a:fontRef idx="minor">
-            <a:schemeClr val="dk1"/>
-          </a:fontRef>
-        </p:style>
-        <p:txBody>
-          <a:bodyPr rtlCol="0" anchor="ctr"/>
-          <a:lstStyle/>
-          <a:p>
-            <a:pPr algn="ctr"/>
-            <a:r>
-              <a:rPr lang="en-US" dirty="0"/>
-              <a:t>Raw data</a:t>
-            </a:r>
-          </a:p>
-        </p:txBody>
-      </p:sp>
-      <p:sp>
-        <p:nvSpPr>
-          <p:cNvPr id="5" name="Rectangle : coins arrondis 4">
-            <a:extLst>
-              <a:ext uri="{FF2B5EF4-FFF2-40B4-BE49-F238E27FC236}">
-                <a16:creationId xmlns:a16="http://schemas.microsoft.com/office/drawing/2014/main" id="{E6D5FD6A-1026-4A3F-974B-CBE700AB2544}"/>
-              </a:ext>
-            </a:extLst>
-          </p:cNvPr>
-          <p:cNvSpPr/>
-          <p:nvPr/>
-        </p:nvSpPr>
-        <p:spPr>
-          <a:xfrm>
-            <a:off x="3276206" y="3307615"/>
-            <a:ext cx="1791093" cy="1095866"/>
-          </a:xfrm>
-          <a:prstGeom prst="roundRect">
-            <a:avLst/>
-          </a:prstGeom>
-        </p:spPr>
-        <p:style>
-          <a:lnRef idx="2">
-            <a:schemeClr val="accent6"/>
-          </a:lnRef>
-          <a:fillRef idx="1">
-            <a:schemeClr val="lt1"/>
-          </a:fillRef>
-          <a:effectRef idx="0">
-            <a:schemeClr val="accent6"/>
-          </a:effectRef>
-          <a:fontRef idx="minor">
-            <a:schemeClr val="dk1"/>
-          </a:fontRef>
-        </p:style>
-        <p:txBody>
-          <a:bodyPr rtlCol="0" anchor="ctr"/>
-          <a:lstStyle/>
-          <a:p>
-            <a:pPr algn="ctr"/>
-            <a:r>
-              <a:rPr lang="en-US" dirty="0"/>
-              <a:t>Preprocessing</a:t>
-            </a:r>
-          </a:p>
-        </p:txBody>
-      </p:sp>
-      <p:sp>
-        <p:nvSpPr>
-          <p:cNvPr id="6" name="Rectangle : coins arrondis 5">
-            <a:extLst>
-              <a:ext uri="{FF2B5EF4-FFF2-40B4-BE49-F238E27FC236}">
-                <a16:creationId xmlns:a16="http://schemas.microsoft.com/office/drawing/2014/main" id="{EED3D23D-DCE6-461A-9290-2AE5D2A13024}"/>
-              </a:ext>
-            </a:extLst>
-          </p:cNvPr>
-          <p:cNvSpPr/>
-          <p:nvPr/>
-        </p:nvSpPr>
-        <p:spPr>
-          <a:xfrm>
-            <a:off x="5714214" y="3307629"/>
-            <a:ext cx="1791093" cy="1095866"/>
-          </a:xfrm>
-          <a:prstGeom prst="roundRect">
-            <a:avLst/>
-          </a:prstGeom>
-          <a:ln>
-            <a:solidFill>
-              <a:schemeClr val="accent1"/>
-            </a:solidFill>
-          </a:ln>
-        </p:spPr>
-        <p:style>
-          <a:lnRef idx="2">
-            <a:schemeClr val="accent6"/>
-          </a:lnRef>
-          <a:fillRef idx="1">
-            <a:schemeClr val="lt1"/>
-          </a:fillRef>
-          <a:effectRef idx="0">
-            <a:schemeClr val="accent6"/>
-          </a:effectRef>
-          <a:fontRef idx="minor">
-            <a:schemeClr val="dk1"/>
-          </a:fontRef>
-        </p:style>
-        <p:txBody>
-          <a:bodyPr rtlCol="0" anchor="ctr"/>
-          <a:lstStyle/>
-          <a:p>
-            <a:pPr algn="ctr"/>
-            <a:r>
-              <a:rPr lang="en-US" dirty="0"/>
-              <a:t>Feature engineering</a:t>
-            </a:r>
-          </a:p>
-        </p:txBody>
-      </p:sp>
-      <p:sp>
-        <p:nvSpPr>
-          <p:cNvPr id="7" name="Rectangle : coins arrondis 6">
-            <a:extLst>
-              <a:ext uri="{FF2B5EF4-FFF2-40B4-BE49-F238E27FC236}">
-                <a16:creationId xmlns:a16="http://schemas.microsoft.com/office/drawing/2014/main" id="{881C9840-4F76-4F8B-8CC9-87B790F8CDF2}"/>
-              </a:ext>
-            </a:extLst>
-          </p:cNvPr>
-          <p:cNvSpPr/>
-          <p:nvPr/>
-        </p:nvSpPr>
-        <p:spPr>
-          <a:xfrm>
-            <a:off x="8480589" y="2668788"/>
-            <a:ext cx="2331171" cy="677567"/>
-          </a:xfrm>
-          <a:prstGeom prst="roundRect">
-            <a:avLst/>
-          </a:prstGeom>
-          <a:solidFill>
-            <a:schemeClr val="accent2">
-              <a:lumMod val="75000"/>
-            </a:schemeClr>
-          </a:solidFill>
-          <a:ln/>
-        </p:spPr>
-        <p:style>
-          <a:lnRef idx="2">
-            <a:schemeClr val="accent2"/>
-          </a:lnRef>
-          <a:fillRef idx="1">
-            <a:schemeClr val="lt1"/>
-          </a:fillRef>
-          <a:effectRef idx="0">
-            <a:schemeClr val="accent2"/>
-          </a:effectRef>
-          <a:fontRef idx="minor">
-            <a:schemeClr val="dk1"/>
-          </a:fontRef>
-        </p:style>
-        <p:txBody>
-          <a:bodyPr rtlCol="0" anchor="ctr"/>
-          <a:lstStyle/>
-          <a:p>
-            <a:pPr algn="ctr"/>
-            <a:r>
-              <a:rPr lang="en-US" dirty="0">
-                <a:solidFill>
-                  <a:schemeClr val="bg1"/>
-                </a:solidFill>
-              </a:rPr>
-              <a:t>Model selection</a:t>
-            </a:r>
-          </a:p>
-        </p:txBody>
-      </p:sp>
-      <p:sp>
-        <p:nvSpPr>
-          <p:cNvPr id="9" name="Rectangle : coins arrondis 8">
-            <a:extLst>
-              <a:ext uri="{FF2B5EF4-FFF2-40B4-BE49-F238E27FC236}">
-                <a16:creationId xmlns:a16="http://schemas.microsoft.com/office/drawing/2014/main" id="{9CDF2850-8F9D-4F03-9337-08204EE86A4B}"/>
-              </a:ext>
-            </a:extLst>
-          </p:cNvPr>
-          <p:cNvSpPr/>
-          <p:nvPr/>
-        </p:nvSpPr>
-        <p:spPr>
-          <a:xfrm>
-            <a:off x="8480589" y="3536135"/>
-            <a:ext cx="2331171" cy="677566"/>
-          </a:xfrm>
-          <a:prstGeom prst="roundRect">
-            <a:avLst/>
-          </a:prstGeom>
-          <a:solidFill>
-            <a:schemeClr val="accent2">
-              <a:lumMod val="60000"/>
-              <a:lumOff val="40000"/>
-            </a:schemeClr>
-          </a:solidFill>
-          <a:ln/>
-        </p:spPr>
-        <p:style>
-          <a:lnRef idx="2">
-            <a:schemeClr val="accent2"/>
-          </a:lnRef>
-          <a:fillRef idx="1">
-            <a:schemeClr val="lt1"/>
-          </a:fillRef>
-          <a:effectRef idx="0">
-            <a:schemeClr val="accent2"/>
-          </a:effectRef>
-          <a:fontRef idx="minor">
-            <a:schemeClr val="dk1"/>
-          </a:fontRef>
-        </p:style>
-        <p:txBody>
-          <a:bodyPr rtlCol="0" anchor="ctr"/>
-          <a:lstStyle/>
-          <a:p>
-            <a:pPr algn="ctr"/>
-            <a:r>
-              <a:rPr lang="en-US" dirty="0"/>
-              <a:t>Hyperparameter tuning</a:t>
-            </a:r>
-          </a:p>
-        </p:txBody>
-      </p:sp>
-      <p:sp>
-        <p:nvSpPr>
-          <p:cNvPr id="10" name="Rectangle : coins arrondis 9">
-            <a:extLst>
-              <a:ext uri="{FF2B5EF4-FFF2-40B4-BE49-F238E27FC236}">
-                <a16:creationId xmlns:a16="http://schemas.microsoft.com/office/drawing/2014/main" id="{2D340371-28B8-455F-B881-A909062EAFF2}"/>
-              </a:ext>
-            </a:extLst>
-          </p:cNvPr>
-          <p:cNvSpPr/>
-          <p:nvPr/>
-        </p:nvSpPr>
-        <p:spPr>
-          <a:xfrm>
-            <a:off x="8480588" y="4403481"/>
-            <a:ext cx="2331171" cy="677566"/>
-          </a:xfrm>
-          <a:prstGeom prst="roundRect">
-            <a:avLst/>
-          </a:prstGeom>
-          <a:solidFill>
-            <a:schemeClr val="accent2">
-              <a:lumMod val="40000"/>
-              <a:lumOff val="60000"/>
-            </a:schemeClr>
-          </a:solidFill>
-          <a:ln/>
-        </p:spPr>
-        <p:style>
-          <a:lnRef idx="2">
-            <a:schemeClr val="accent2"/>
-          </a:lnRef>
-          <a:fillRef idx="1">
-            <a:schemeClr val="lt1"/>
-          </a:fillRef>
-          <a:effectRef idx="0">
-            <a:schemeClr val="accent2"/>
-          </a:effectRef>
-          <a:fontRef idx="minor">
-            <a:schemeClr val="dk1"/>
-          </a:fontRef>
-        </p:style>
-        <p:txBody>
-          <a:bodyPr rtlCol="0" anchor="ctr"/>
-          <a:lstStyle/>
-          <a:p>
-            <a:pPr algn="ctr"/>
-            <a:r>
-              <a:rPr lang="en-US" dirty="0"/>
-              <a:t>Training and validation</a:t>
-            </a:r>
-          </a:p>
-        </p:txBody>
-      </p:sp>
-      <p:sp>
-        <p:nvSpPr>
-          <p:cNvPr id="12" name="Flèche : droite 11">
-            <a:extLst>
-              <a:ext uri="{FF2B5EF4-FFF2-40B4-BE49-F238E27FC236}">
-                <a16:creationId xmlns:a16="http://schemas.microsoft.com/office/drawing/2014/main" id="{98B44FC7-2E2E-40E3-9F38-2053326FE093}"/>
-              </a:ext>
-            </a:extLst>
-          </p:cNvPr>
-          <p:cNvSpPr/>
-          <p:nvPr/>
-        </p:nvSpPr>
-        <p:spPr>
-          <a:xfrm>
-            <a:off x="2629291" y="3573259"/>
-            <a:ext cx="778103" cy="479765"/>
-          </a:xfrm>
-          <a:prstGeom prst="rightArrow">
-            <a:avLst/>
-          </a:prstGeom>
-        </p:spPr>
-        <p:style>
-          <a:lnRef idx="2">
-            <a:schemeClr val="dk1"/>
-          </a:lnRef>
-          <a:fillRef idx="1">
-            <a:schemeClr val="lt1"/>
-          </a:fillRef>
-          <a:effectRef idx="0">
-            <a:schemeClr val="dk1"/>
-          </a:effectRef>
-          <a:fontRef idx="minor">
-            <a:schemeClr val="dk1"/>
-          </a:fontRef>
-        </p:style>
-        <p:txBody>
-          <a:bodyPr rtlCol="0" anchor="ctr"/>
-          <a:lstStyle/>
-          <a:p>
-            <a:pPr algn="ctr"/>
+              <a:t>Feature selection</a:t>
+            </a:r>
+          </a:p>
+        </p:txBody>
+      </p:sp>
+      <p:sp>
+        <p:nvSpPr>
+          <p:cNvPr id="3" name="Espace réservé du texte 2">
+            <a:extLst>
+              <a:ext uri="{FF2B5EF4-FFF2-40B4-BE49-F238E27FC236}">
+                <a16:creationId xmlns:a16="http://schemas.microsoft.com/office/drawing/2014/main" id="{109416AC-DC52-43DD-9209-E630E641FA84}"/>
+              </a:ext>
+            </a:extLst>
+          </p:cNvPr>
+          <p:cNvSpPr>
+            <a:spLocks noGrp="1"/>
+          </p:cNvSpPr>
+          <p:nvPr>
+            <p:ph type="body" sz="quarter" idx="10"/>
+          </p:nvPr>
+        </p:nvSpPr>
+        <p:spPr/>
+        <p:txBody>
+          <a:bodyPr/>
+          <a:lstStyle/>
+          <a:p>
             <a:endParaRPr lang="en-US"/>
-          </a:p>
-        </p:txBody>
-      </p:sp>
-      <p:sp>
-        <p:nvSpPr>
-          <p:cNvPr id="13" name="Flèche : droite 12">
-            <a:extLst>
-              <a:ext uri="{FF2B5EF4-FFF2-40B4-BE49-F238E27FC236}">
-                <a16:creationId xmlns:a16="http://schemas.microsoft.com/office/drawing/2014/main" id="{60828FC5-75BB-4604-850A-76BD9F07E5A2}"/>
-              </a:ext>
-            </a:extLst>
-          </p:cNvPr>
-          <p:cNvSpPr/>
-          <p:nvPr/>
-        </p:nvSpPr>
-        <p:spPr>
-          <a:xfrm>
-            <a:off x="5067299" y="3573259"/>
-            <a:ext cx="778103" cy="479765"/>
-          </a:xfrm>
-          <a:prstGeom prst="rightArrow">
-            <a:avLst/>
-          </a:prstGeom>
-        </p:spPr>
-        <p:style>
-          <a:lnRef idx="2">
-            <a:schemeClr val="dk1"/>
-          </a:lnRef>
-          <a:fillRef idx="1">
-            <a:schemeClr val="lt1"/>
-          </a:fillRef>
-          <a:effectRef idx="0">
-            <a:schemeClr val="dk1"/>
-          </a:effectRef>
-          <a:fontRef idx="minor">
-            <a:schemeClr val="dk1"/>
-          </a:fontRef>
-        </p:style>
-        <p:txBody>
-          <a:bodyPr rtlCol="0" anchor="ctr"/>
-          <a:lstStyle/>
-          <a:p>
-            <a:pPr algn="ctr"/>
-            <a:endParaRPr lang="en-US"/>
-          </a:p>
-        </p:txBody>
-      </p:sp>
-      <p:sp>
-        <p:nvSpPr>
-          <p:cNvPr id="14" name="Flèche : droite 13">
-            <a:extLst>
-              <a:ext uri="{FF2B5EF4-FFF2-40B4-BE49-F238E27FC236}">
-                <a16:creationId xmlns:a16="http://schemas.microsoft.com/office/drawing/2014/main" id="{24B54F9A-3828-49C7-98E5-A37788AE27BC}"/>
-              </a:ext>
-            </a:extLst>
-          </p:cNvPr>
-          <p:cNvSpPr/>
-          <p:nvPr/>
-        </p:nvSpPr>
-        <p:spPr>
-          <a:xfrm>
-            <a:off x="7505307" y="3615665"/>
-            <a:ext cx="778103" cy="479765"/>
-          </a:xfrm>
-          <a:prstGeom prst="rightArrow">
-            <a:avLst/>
-          </a:prstGeom>
-        </p:spPr>
-        <p:style>
-          <a:lnRef idx="2">
-            <a:schemeClr val="dk1"/>
-          </a:lnRef>
-          <a:fillRef idx="1">
-            <a:schemeClr val="lt1"/>
-          </a:fillRef>
-          <a:effectRef idx="0">
-            <a:schemeClr val="dk1"/>
-          </a:effectRef>
-          <a:fontRef idx="minor">
-            <a:schemeClr val="dk1"/>
-          </a:fontRef>
-        </p:style>
-        <p:txBody>
-          <a:bodyPr rtlCol="0" anchor="ctr"/>
-          <a:lstStyle/>
-          <a:p>
-            <a:pPr algn="ctr"/>
-            <a:endParaRPr lang="en-US"/>
-          </a:p>
-        </p:txBody>
-      </p:sp>
-      <p:sp>
-        <p:nvSpPr>
-          <p:cNvPr id="3" name="Signe de multiplication 2">
-            <a:extLst>
-              <a:ext uri="{FF2B5EF4-FFF2-40B4-BE49-F238E27FC236}">
-                <a16:creationId xmlns:a16="http://schemas.microsoft.com/office/drawing/2014/main" id="{D266F94B-A564-4FBF-8457-9BEF459D7A23}"/>
-              </a:ext>
-            </a:extLst>
-          </p:cNvPr>
-          <p:cNvSpPr/>
-          <p:nvPr/>
-        </p:nvSpPr>
-        <p:spPr>
-          <a:xfrm>
-            <a:off x="5037252" y="2733935"/>
-            <a:ext cx="3145018" cy="2281965"/>
-          </a:xfrm>
-          <a:prstGeom prst="mathMultiply">
-            <a:avLst>
-              <a:gd name="adj1" fmla="val 2015"/>
-            </a:avLst>
-          </a:prstGeom>
-          <a:solidFill>
-            <a:srgbClr val="FF0000"/>
-          </a:solidFill>
-          <a:ln>
-            <a:solidFill>
-              <a:srgbClr val="C00000"/>
-            </a:solidFill>
-          </a:ln>
-        </p:spPr>
-        <p:style>
-          <a:lnRef idx="2">
-            <a:schemeClr val="accent1">
-              <a:shade val="50000"/>
-            </a:schemeClr>
-          </a:lnRef>
-          <a:fillRef idx="1">
-            <a:schemeClr val="accent1"/>
-          </a:fillRef>
-          <a:effectRef idx="0">
-            <a:schemeClr val="accent1"/>
-          </a:effectRef>
-          <a:fontRef idx="minor">
-            <a:schemeClr val="lt1"/>
-          </a:fontRef>
-        </p:style>
-        <p:txBody>
-          <a:bodyPr rtlCol="0" anchor="ctr"/>
-          <a:lstStyle/>
-          <a:p>
-            <a:pPr algn="ctr"/>
-            <a:endParaRPr lang="en-US"/>
-          </a:p>
-        </p:txBody>
-      </p:sp>
-      <p:sp>
-        <p:nvSpPr>
-          <p:cNvPr id="8" name="Bulle narrative : rectangle 7">
-            <a:extLst>
-              <a:ext uri="{FF2B5EF4-FFF2-40B4-BE49-F238E27FC236}">
-                <a16:creationId xmlns:a16="http://schemas.microsoft.com/office/drawing/2014/main" id="{155AD1A6-7A42-417D-811F-AE1D4DFAA72D}"/>
-              </a:ext>
-            </a:extLst>
-          </p:cNvPr>
-          <p:cNvSpPr/>
-          <p:nvPr/>
-        </p:nvSpPr>
-        <p:spPr>
-          <a:xfrm>
-            <a:off x="3572760" y="1800519"/>
-            <a:ext cx="4100660" cy="933415"/>
-          </a:xfrm>
-          <a:prstGeom prst="wedgeRectCallout">
-            <a:avLst>
-              <a:gd name="adj1" fmla="val 75646"/>
-              <a:gd name="adj2" fmla="val 52451"/>
-            </a:avLst>
-          </a:prstGeom>
-        </p:spPr>
-        <p:style>
-          <a:lnRef idx="2">
-            <a:schemeClr val="accent5"/>
-          </a:lnRef>
-          <a:fillRef idx="1">
-            <a:schemeClr val="lt1"/>
-          </a:fillRef>
-          <a:effectRef idx="0">
-            <a:schemeClr val="accent5"/>
-          </a:effectRef>
-          <a:fontRef idx="minor">
-            <a:schemeClr val="dk1"/>
-          </a:fontRef>
-        </p:style>
-        <p:txBody>
-          <a:bodyPr rtlCol="0" anchor="ctr"/>
-          <a:lstStyle/>
-          <a:p>
-            <a:pPr algn="ctr"/>
-            <a:r>
-              <a:rPr lang="en-US" dirty="0"/>
-              <a:t>Instead, pick a model able to automatically </a:t>
-            </a:r>
-            <a:r>
-              <a:rPr lang="en-US" b="1" dirty="0"/>
-              <a:t>select</a:t>
-            </a:r>
-            <a:r>
-              <a:rPr lang="en-US" dirty="0"/>
-              <a:t> or </a:t>
-            </a:r>
-            <a:r>
-              <a:rPr lang="en-US" b="1" dirty="0"/>
-              <a:t>construct</a:t>
-            </a:r>
-            <a:r>
-              <a:rPr lang="en-US" dirty="0"/>
-              <a:t> features</a:t>
-            </a:r>
           </a:p>
         </p:txBody>
       </p:sp>
     </p:spTree>
     <p:extLst>
       <p:ext uri="{BB962C8B-B14F-4D97-AF65-F5344CB8AC3E}">
-        <p14:creationId xmlns:p14="http://schemas.microsoft.com/office/powerpoint/2010/main" val="105313343"/>
+        <p14:creationId xmlns:p14="http://schemas.microsoft.com/office/powerpoint/2010/main" val="2558567936"/>
       </p:ext>
     </p:extLst>
   </p:cSld>
@@ -12313,58 +12234,10 @@
       </p:grpSpPr>
       <p:sp>
         <p:nvSpPr>
-          <p:cNvPr id="11" name="Rectangle : coins arrondis 10">
-            <a:extLst>
-              <a:ext uri="{FF2B5EF4-FFF2-40B4-BE49-F238E27FC236}">
-                <a16:creationId xmlns:a16="http://schemas.microsoft.com/office/drawing/2014/main" id="{26013B2E-CC3B-413E-8CDB-4F1697F804B5}"/>
-              </a:ext>
-            </a:extLst>
-          </p:cNvPr>
-          <p:cNvSpPr/>
-          <p:nvPr/>
-        </p:nvSpPr>
-        <p:spPr>
-          <a:xfrm>
-            <a:off x="8152222" y="1960775"/>
-            <a:ext cx="2950981" cy="3638747"/>
-          </a:xfrm>
-          <a:prstGeom prst="roundRect">
-            <a:avLst/>
-          </a:prstGeom>
-          <a:ln/>
-        </p:spPr>
-        <p:style>
-          <a:lnRef idx="2">
-            <a:schemeClr val="accent2"/>
-          </a:lnRef>
-          <a:fillRef idx="1">
-            <a:schemeClr val="lt1"/>
-          </a:fillRef>
-          <a:effectRef idx="0">
-            <a:schemeClr val="accent2"/>
-          </a:effectRef>
-          <a:fontRef idx="minor">
-            <a:schemeClr val="dk1"/>
-          </a:fontRef>
-        </p:style>
-        <p:txBody>
-          <a:bodyPr rtlCol="0" anchor="t"/>
-          <a:lstStyle/>
-          <a:p>
-            <a:pPr algn="ctr"/>
-            <a:r>
-              <a:rPr lang="en-US" dirty="0"/>
-              <a:t>Machine Learning</a:t>
-            </a:r>
-          </a:p>
-        </p:txBody>
-      </p:sp>
-      <p:sp>
-        <p:nvSpPr>
           <p:cNvPr id="2" name="Titre 1">
             <a:extLst>
               <a:ext uri="{FF2B5EF4-FFF2-40B4-BE49-F238E27FC236}">
-                <a16:creationId xmlns:a16="http://schemas.microsoft.com/office/drawing/2014/main" id="{A5420EFC-FFB3-4740-9D5B-A9BB5F6B612F}"/>
+                <a16:creationId xmlns:a16="http://schemas.microsoft.com/office/drawing/2014/main" id="{24803BEE-D182-42F8-92AE-40B6D290B905}"/>
               </a:ext>
             </a:extLst>
           </p:cNvPr>
@@ -12382,516 +12255,40 @@
           <a:p>
             <a:r>
               <a:rPr lang="en-US" dirty="0"/>
-              <a:t>Machine Learning pipeline</a:t>
-            </a:r>
-          </a:p>
-        </p:txBody>
-      </p:sp>
-      <p:sp>
-        <p:nvSpPr>
-          <p:cNvPr id="4" name="Organigramme : Disque magnétique 3">
-            <a:extLst>
-              <a:ext uri="{FF2B5EF4-FFF2-40B4-BE49-F238E27FC236}">
-                <a16:creationId xmlns:a16="http://schemas.microsoft.com/office/drawing/2014/main" id="{7C72C114-1A3F-4108-81DB-BC96D0970337}"/>
-              </a:ext>
-            </a:extLst>
-          </p:cNvPr>
-          <p:cNvSpPr/>
-          <p:nvPr/>
-        </p:nvSpPr>
-        <p:spPr>
-          <a:xfrm>
-            <a:off x="761998" y="3007151"/>
-            <a:ext cx="1867293" cy="1611983"/>
-          </a:xfrm>
-          <a:prstGeom prst="flowChartMagneticDisk">
-            <a:avLst/>
-          </a:prstGeom>
-        </p:spPr>
-        <p:style>
-          <a:lnRef idx="2">
-            <a:schemeClr val="dk1"/>
-          </a:lnRef>
-          <a:fillRef idx="1">
-            <a:schemeClr val="lt1"/>
-          </a:fillRef>
-          <a:effectRef idx="0">
-            <a:schemeClr val="dk1"/>
-          </a:effectRef>
-          <a:fontRef idx="minor">
-            <a:schemeClr val="dk1"/>
-          </a:fontRef>
-        </p:style>
-        <p:txBody>
-          <a:bodyPr rtlCol="0" anchor="ctr"/>
-          <a:lstStyle/>
-          <a:p>
-            <a:pPr algn="ctr"/>
-            <a:r>
-              <a:rPr lang="en-US" dirty="0"/>
-              <a:t>Raw data</a:t>
-            </a:r>
-          </a:p>
-        </p:txBody>
-      </p:sp>
-      <p:sp>
-        <p:nvSpPr>
-          <p:cNvPr id="5" name="Rectangle : coins arrondis 4">
-            <a:extLst>
-              <a:ext uri="{FF2B5EF4-FFF2-40B4-BE49-F238E27FC236}">
-                <a16:creationId xmlns:a16="http://schemas.microsoft.com/office/drawing/2014/main" id="{E6D5FD6A-1026-4A3F-974B-CBE700AB2544}"/>
-              </a:ext>
-            </a:extLst>
-          </p:cNvPr>
-          <p:cNvSpPr/>
-          <p:nvPr/>
-        </p:nvSpPr>
-        <p:spPr>
-          <a:xfrm>
-            <a:off x="3276206" y="3307615"/>
-            <a:ext cx="1791093" cy="1095866"/>
-          </a:xfrm>
-          <a:prstGeom prst="roundRect">
-            <a:avLst/>
-          </a:prstGeom>
-        </p:spPr>
-        <p:style>
-          <a:lnRef idx="2">
-            <a:schemeClr val="accent6"/>
-          </a:lnRef>
-          <a:fillRef idx="1">
-            <a:schemeClr val="lt1"/>
-          </a:fillRef>
-          <a:effectRef idx="0">
-            <a:schemeClr val="accent6"/>
-          </a:effectRef>
-          <a:fontRef idx="minor">
-            <a:schemeClr val="dk1"/>
-          </a:fontRef>
-        </p:style>
-        <p:txBody>
-          <a:bodyPr rtlCol="0" anchor="ctr"/>
-          <a:lstStyle/>
-          <a:p>
-            <a:pPr algn="ctr"/>
-            <a:r>
-              <a:rPr lang="en-US" dirty="0"/>
-              <a:t>Preprocessing</a:t>
-            </a:r>
-          </a:p>
-        </p:txBody>
-      </p:sp>
-      <p:sp>
-        <p:nvSpPr>
-          <p:cNvPr id="6" name="Rectangle : coins arrondis 5">
-            <a:extLst>
-              <a:ext uri="{FF2B5EF4-FFF2-40B4-BE49-F238E27FC236}">
-                <a16:creationId xmlns:a16="http://schemas.microsoft.com/office/drawing/2014/main" id="{EED3D23D-DCE6-461A-9290-2AE5D2A13024}"/>
-              </a:ext>
-            </a:extLst>
-          </p:cNvPr>
-          <p:cNvSpPr/>
-          <p:nvPr/>
-        </p:nvSpPr>
-        <p:spPr>
-          <a:xfrm>
-            <a:off x="5714214" y="3307629"/>
-            <a:ext cx="1791093" cy="1095866"/>
-          </a:xfrm>
-          <a:prstGeom prst="roundRect">
-            <a:avLst/>
-          </a:prstGeom>
-          <a:ln>
-            <a:solidFill>
-              <a:schemeClr val="accent1"/>
-            </a:solidFill>
-          </a:ln>
-        </p:spPr>
-        <p:style>
-          <a:lnRef idx="2">
-            <a:schemeClr val="accent6"/>
-          </a:lnRef>
-          <a:fillRef idx="1">
-            <a:schemeClr val="lt1"/>
-          </a:fillRef>
-          <a:effectRef idx="0">
-            <a:schemeClr val="accent6"/>
-          </a:effectRef>
-          <a:fontRef idx="minor">
-            <a:schemeClr val="dk1"/>
-          </a:fontRef>
-        </p:style>
-        <p:txBody>
-          <a:bodyPr rtlCol="0" anchor="ctr"/>
-          <a:lstStyle/>
-          <a:p>
-            <a:pPr algn="ctr"/>
-            <a:r>
-              <a:rPr lang="en-US" dirty="0"/>
-              <a:t>Feature engineering</a:t>
-            </a:r>
-          </a:p>
-        </p:txBody>
-      </p:sp>
-      <p:sp>
-        <p:nvSpPr>
-          <p:cNvPr id="7" name="Rectangle : coins arrondis 6">
-            <a:extLst>
-              <a:ext uri="{FF2B5EF4-FFF2-40B4-BE49-F238E27FC236}">
-                <a16:creationId xmlns:a16="http://schemas.microsoft.com/office/drawing/2014/main" id="{881C9840-4F76-4F8B-8CC9-87B790F8CDF2}"/>
-              </a:ext>
-            </a:extLst>
-          </p:cNvPr>
-          <p:cNvSpPr/>
-          <p:nvPr/>
-        </p:nvSpPr>
-        <p:spPr>
-          <a:xfrm>
-            <a:off x="8480589" y="2668788"/>
-            <a:ext cx="2331171" cy="677567"/>
-          </a:xfrm>
-          <a:prstGeom prst="roundRect">
-            <a:avLst/>
-          </a:prstGeom>
-          <a:solidFill>
-            <a:schemeClr val="accent2">
-              <a:lumMod val="75000"/>
-            </a:schemeClr>
-          </a:solidFill>
-          <a:ln/>
-        </p:spPr>
-        <p:style>
-          <a:lnRef idx="2">
-            <a:schemeClr val="accent2"/>
-          </a:lnRef>
-          <a:fillRef idx="1">
-            <a:schemeClr val="lt1"/>
-          </a:fillRef>
-          <a:effectRef idx="0">
-            <a:schemeClr val="accent2"/>
-          </a:effectRef>
-          <a:fontRef idx="minor">
-            <a:schemeClr val="dk1"/>
-          </a:fontRef>
-        </p:style>
-        <p:txBody>
-          <a:bodyPr rtlCol="0" anchor="ctr"/>
-          <a:lstStyle/>
-          <a:p>
-            <a:pPr algn="ctr"/>
-            <a:r>
-              <a:rPr lang="en-US" dirty="0">
-                <a:solidFill>
-                  <a:schemeClr val="bg1"/>
-                </a:solidFill>
-              </a:rPr>
-              <a:t>Model selection</a:t>
-            </a:r>
-          </a:p>
-        </p:txBody>
-      </p:sp>
-      <p:sp>
-        <p:nvSpPr>
-          <p:cNvPr id="9" name="Rectangle : coins arrondis 8">
-            <a:extLst>
-              <a:ext uri="{FF2B5EF4-FFF2-40B4-BE49-F238E27FC236}">
-                <a16:creationId xmlns:a16="http://schemas.microsoft.com/office/drawing/2014/main" id="{9CDF2850-8F9D-4F03-9337-08204EE86A4B}"/>
-              </a:ext>
-            </a:extLst>
-          </p:cNvPr>
-          <p:cNvSpPr/>
-          <p:nvPr/>
-        </p:nvSpPr>
-        <p:spPr>
-          <a:xfrm>
-            <a:off x="8480589" y="3536135"/>
-            <a:ext cx="2331171" cy="677566"/>
-          </a:xfrm>
-          <a:prstGeom prst="roundRect">
-            <a:avLst/>
-          </a:prstGeom>
-          <a:solidFill>
-            <a:schemeClr val="accent2">
-              <a:lumMod val="60000"/>
-              <a:lumOff val="40000"/>
-            </a:schemeClr>
-          </a:solidFill>
-          <a:ln/>
-        </p:spPr>
-        <p:style>
-          <a:lnRef idx="2">
-            <a:schemeClr val="accent2"/>
-          </a:lnRef>
-          <a:fillRef idx="1">
-            <a:schemeClr val="lt1"/>
-          </a:fillRef>
-          <a:effectRef idx="0">
-            <a:schemeClr val="accent2"/>
-          </a:effectRef>
-          <a:fontRef idx="minor">
-            <a:schemeClr val="dk1"/>
-          </a:fontRef>
-        </p:style>
-        <p:txBody>
-          <a:bodyPr rtlCol="0" anchor="ctr"/>
-          <a:lstStyle/>
-          <a:p>
-            <a:pPr algn="ctr"/>
-            <a:r>
-              <a:rPr lang="en-US" dirty="0"/>
-              <a:t>Hyperparameter tuning</a:t>
-            </a:r>
-          </a:p>
-        </p:txBody>
-      </p:sp>
-      <p:sp>
-        <p:nvSpPr>
-          <p:cNvPr id="10" name="Rectangle : coins arrondis 9">
-            <a:extLst>
-              <a:ext uri="{FF2B5EF4-FFF2-40B4-BE49-F238E27FC236}">
-                <a16:creationId xmlns:a16="http://schemas.microsoft.com/office/drawing/2014/main" id="{2D340371-28B8-455F-B881-A909062EAFF2}"/>
-              </a:ext>
-            </a:extLst>
-          </p:cNvPr>
-          <p:cNvSpPr/>
-          <p:nvPr/>
-        </p:nvSpPr>
-        <p:spPr>
-          <a:xfrm>
-            <a:off x="8480588" y="4403481"/>
-            <a:ext cx="2331171" cy="677566"/>
-          </a:xfrm>
-          <a:prstGeom prst="roundRect">
-            <a:avLst/>
-          </a:prstGeom>
-          <a:solidFill>
-            <a:schemeClr val="accent2">
-              <a:lumMod val="40000"/>
-              <a:lumOff val="60000"/>
-            </a:schemeClr>
-          </a:solidFill>
-          <a:ln/>
-        </p:spPr>
-        <p:style>
-          <a:lnRef idx="2">
-            <a:schemeClr val="accent2"/>
-          </a:lnRef>
-          <a:fillRef idx="1">
-            <a:schemeClr val="lt1"/>
-          </a:fillRef>
-          <a:effectRef idx="0">
-            <a:schemeClr val="accent2"/>
-          </a:effectRef>
-          <a:fontRef idx="minor">
-            <a:schemeClr val="dk1"/>
-          </a:fontRef>
-        </p:style>
-        <p:txBody>
-          <a:bodyPr rtlCol="0" anchor="ctr"/>
-          <a:lstStyle/>
-          <a:p>
-            <a:pPr algn="ctr"/>
-            <a:r>
-              <a:rPr lang="en-US" dirty="0"/>
-              <a:t>Training and validation</a:t>
-            </a:r>
-          </a:p>
-        </p:txBody>
-      </p:sp>
-      <p:sp>
-        <p:nvSpPr>
-          <p:cNvPr id="12" name="Flèche : droite 11">
-            <a:extLst>
-              <a:ext uri="{FF2B5EF4-FFF2-40B4-BE49-F238E27FC236}">
-                <a16:creationId xmlns:a16="http://schemas.microsoft.com/office/drawing/2014/main" id="{98B44FC7-2E2E-40E3-9F38-2053326FE093}"/>
-              </a:ext>
-            </a:extLst>
-          </p:cNvPr>
-          <p:cNvSpPr/>
-          <p:nvPr/>
-        </p:nvSpPr>
-        <p:spPr>
-          <a:xfrm>
-            <a:off x="2629291" y="3573259"/>
-            <a:ext cx="778103" cy="479765"/>
-          </a:xfrm>
-          <a:prstGeom prst="rightArrow">
-            <a:avLst/>
-          </a:prstGeom>
-        </p:spPr>
-        <p:style>
-          <a:lnRef idx="2">
-            <a:schemeClr val="dk1"/>
-          </a:lnRef>
-          <a:fillRef idx="1">
-            <a:schemeClr val="lt1"/>
-          </a:fillRef>
-          <a:effectRef idx="0">
-            <a:schemeClr val="dk1"/>
-          </a:effectRef>
-          <a:fontRef idx="minor">
-            <a:schemeClr val="dk1"/>
-          </a:fontRef>
-        </p:style>
-        <p:txBody>
-          <a:bodyPr rtlCol="0" anchor="ctr"/>
-          <a:lstStyle/>
-          <a:p>
-            <a:pPr algn="ctr"/>
+              <a:t>Feature construction</a:t>
+            </a:r>
+          </a:p>
+        </p:txBody>
+      </p:sp>
+      <p:sp>
+        <p:nvSpPr>
+          <p:cNvPr id="3" name="Espace réservé du texte 2">
+            <a:extLst>
+              <a:ext uri="{FF2B5EF4-FFF2-40B4-BE49-F238E27FC236}">
+                <a16:creationId xmlns:a16="http://schemas.microsoft.com/office/drawing/2014/main" id="{4B2593A4-540B-4982-B66E-3F921E5FC3A6}"/>
+              </a:ext>
+            </a:extLst>
+          </p:cNvPr>
+          <p:cNvSpPr>
+            <a:spLocks noGrp="1"/>
+          </p:cNvSpPr>
+          <p:nvPr>
+            <p:ph type="body" sz="quarter" idx="10"/>
+          </p:nvPr>
+        </p:nvSpPr>
+        <p:spPr/>
+        <p:txBody>
+          <a:bodyPr/>
+          <a:lstStyle/>
+          <a:p>
             <a:endParaRPr lang="en-US"/>
-          </a:p>
-        </p:txBody>
-      </p:sp>
-      <p:sp>
-        <p:nvSpPr>
-          <p:cNvPr id="13" name="Flèche : droite 12">
-            <a:extLst>
-              <a:ext uri="{FF2B5EF4-FFF2-40B4-BE49-F238E27FC236}">
-                <a16:creationId xmlns:a16="http://schemas.microsoft.com/office/drawing/2014/main" id="{60828FC5-75BB-4604-850A-76BD9F07E5A2}"/>
-              </a:ext>
-            </a:extLst>
-          </p:cNvPr>
-          <p:cNvSpPr/>
-          <p:nvPr/>
-        </p:nvSpPr>
-        <p:spPr>
-          <a:xfrm>
-            <a:off x="5067299" y="3573259"/>
-            <a:ext cx="778103" cy="479765"/>
-          </a:xfrm>
-          <a:prstGeom prst="rightArrow">
-            <a:avLst/>
-          </a:prstGeom>
-        </p:spPr>
-        <p:style>
-          <a:lnRef idx="2">
-            <a:schemeClr val="dk1"/>
-          </a:lnRef>
-          <a:fillRef idx="1">
-            <a:schemeClr val="lt1"/>
-          </a:fillRef>
-          <a:effectRef idx="0">
-            <a:schemeClr val="dk1"/>
-          </a:effectRef>
-          <a:fontRef idx="minor">
-            <a:schemeClr val="dk1"/>
-          </a:fontRef>
-        </p:style>
-        <p:txBody>
-          <a:bodyPr rtlCol="0" anchor="ctr"/>
-          <a:lstStyle/>
-          <a:p>
-            <a:pPr algn="ctr"/>
-            <a:endParaRPr lang="en-US"/>
-          </a:p>
-        </p:txBody>
-      </p:sp>
-      <p:sp>
-        <p:nvSpPr>
-          <p:cNvPr id="14" name="Flèche : droite 13">
-            <a:extLst>
-              <a:ext uri="{FF2B5EF4-FFF2-40B4-BE49-F238E27FC236}">
-                <a16:creationId xmlns:a16="http://schemas.microsoft.com/office/drawing/2014/main" id="{24B54F9A-3828-49C7-98E5-A37788AE27BC}"/>
-              </a:ext>
-            </a:extLst>
-          </p:cNvPr>
-          <p:cNvSpPr/>
-          <p:nvPr/>
-        </p:nvSpPr>
-        <p:spPr>
-          <a:xfrm>
-            <a:off x="7505307" y="3615665"/>
-            <a:ext cx="778103" cy="479765"/>
-          </a:xfrm>
-          <a:prstGeom prst="rightArrow">
-            <a:avLst/>
-          </a:prstGeom>
-        </p:spPr>
-        <p:style>
-          <a:lnRef idx="2">
-            <a:schemeClr val="dk1"/>
-          </a:lnRef>
-          <a:fillRef idx="1">
-            <a:schemeClr val="lt1"/>
-          </a:fillRef>
-          <a:effectRef idx="0">
-            <a:schemeClr val="dk1"/>
-          </a:effectRef>
-          <a:fontRef idx="minor">
-            <a:schemeClr val="dk1"/>
-          </a:fontRef>
-        </p:style>
-        <p:txBody>
-          <a:bodyPr rtlCol="0" anchor="ctr"/>
-          <a:lstStyle/>
-          <a:p>
-            <a:pPr algn="ctr"/>
-            <a:endParaRPr lang="en-US"/>
-          </a:p>
-        </p:txBody>
-      </p:sp>
-      <p:sp>
-        <p:nvSpPr>
-          <p:cNvPr id="3" name="Bulle narrative : rectangle 2">
-            <a:extLst>
-              <a:ext uri="{FF2B5EF4-FFF2-40B4-BE49-F238E27FC236}">
-                <a16:creationId xmlns:a16="http://schemas.microsoft.com/office/drawing/2014/main" id="{C6689762-CBB9-49C4-8F17-5B84F3D4ECE9}"/>
-              </a:ext>
-            </a:extLst>
-          </p:cNvPr>
-          <p:cNvSpPr/>
-          <p:nvPr/>
-        </p:nvSpPr>
-        <p:spPr>
-          <a:xfrm>
-            <a:off x="4147795" y="4781406"/>
-            <a:ext cx="3503824" cy="818116"/>
-          </a:xfrm>
-          <a:prstGeom prst="wedgeRectCallout">
-            <a:avLst>
-              <a:gd name="adj1" fmla="val 81060"/>
-              <a:gd name="adj2" fmla="val -138046"/>
-            </a:avLst>
-          </a:prstGeom>
-        </p:spPr>
-        <p:style>
-          <a:lnRef idx="2">
-            <a:schemeClr val="accent2"/>
-          </a:lnRef>
-          <a:fillRef idx="1">
-            <a:schemeClr val="lt1"/>
-          </a:fillRef>
-          <a:effectRef idx="0">
-            <a:schemeClr val="accent2"/>
-          </a:effectRef>
-          <a:fontRef idx="minor">
-            <a:schemeClr val="dk1"/>
-          </a:fontRef>
-        </p:style>
-        <p:txBody>
-          <a:bodyPr rtlCol="0" anchor="ctr"/>
-          <a:lstStyle/>
-          <a:p>
-            <a:pPr algn="ctr"/>
-            <a:r>
-              <a:rPr lang="en-US" dirty="0"/>
-              <a:t>Adjust all ML algorithm parameters set </a:t>
-            </a:r>
-            <a:r>
-              <a:rPr lang="en-US" i="1" dirty="0"/>
-              <a:t>before</a:t>
-            </a:r>
-            <a:r>
-              <a:rPr lang="en-US" dirty="0"/>
-              <a:t> training starts</a:t>
-            </a:r>
           </a:p>
         </p:txBody>
       </p:sp>
     </p:spTree>
     <p:extLst>
       <p:ext uri="{BB962C8B-B14F-4D97-AF65-F5344CB8AC3E}">
-        <p14:creationId xmlns:p14="http://schemas.microsoft.com/office/powerpoint/2010/main" val="1961127763"/>
+        <p14:creationId xmlns:p14="http://schemas.microsoft.com/office/powerpoint/2010/main" val="1684186787"/>
       </p:ext>
     </p:extLst>
   </p:cSld>
@@ -12920,10 +12317,58 @@
       </p:grpSpPr>
       <p:sp>
         <p:nvSpPr>
+          <p:cNvPr id="11" name="Rectangle : coins arrondis 10">
+            <a:extLst>
+              <a:ext uri="{FF2B5EF4-FFF2-40B4-BE49-F238E27FC236}">
+                <a16:creationId xmlns:a16="http://schemas.microsoft.com/office/drawing/2014/main" id="{26013B2E-CC3B-413E-8CDB-4F1697F804B5}"/>
+              </a:ext>
+            </a:extLst>
+          </p:cNvPr>
+          <p:cNvSpPr/>
+          <p:nvPr/>
+        </p:nvSpPr>
+        <p:spPr>
+          <a:xfrm>
+            <a:off x="8152222" y="1960775"/>
+            <a:ext cx="2950981" cy="3638747"/>
+          </a:xfrm>
+          <a:prstGeom prst="roundRect">
+            <a:avLst/>
+          </a:prstGeom>
+          <a:ln/>
+        </p:spPr>
+        <p:style>
+          <a:lnRef idx="2">
+            <a:schemeClr val="accent2"/>
+          </a:lnRef>
+          <a:fillRef idx="1">
+            <a:schemeClr val="lt1"/>
+          </a:fillRef>
+          <a:effectRef idx="0">
+            <a:schemeClr val="accent2"/>
+          </a:effectRef>
+          <a:fontRef idx="minor">
+            <a:schemeClr val="dk1"/>
+          </a:fontRef>
+        </p:style>
+        <p:txBody>
+          <a:bodyPr rtlCol="0" anchor="t"/>
+          <a:lstStyle/>
+          <a:p>
+            <a:pPr algn="ctr"/>
+            <a:r>
+              <a:rPr lang="en-US" dirty="0"/>
+              <a:t>Machine Learning</a:t>
+            </a:r>
+          </a:p>
+        </p:txBody>
+      </p:sp>
+      <p:sp>
+        <p:nvSpPr>
           <p:cNvPr id="2" name="Titre 1">
             <a:extLst>
               <a:ext uri="{FF2B5EF4-FFF2-40B4-BE49-F238E27FC236}">
-                <a16:creationId xmlns:a16="http://schemas.microsoft.com/office/drawing/2014/main" id="{9912661D-1A1D-44AD-8E7C-4AE166B0BB84}"/>
+                <a16:creationId xmlns:a16="http://schemas.microsoft.com/office/drawing/2014/main" id="{A5420EFC-FFB3-4740-9D5B-A9BB5F6B612F}"/>
               </a:ext>
             </a:extLst>
           </p:cNvPr>
@@ -12941,6 +12386,263 @@
           <a:p>
             <a:r>
               <a:rPr lang="en-US" dirty="0"/>
+              <a:t>Deep Learning pipeline…?</a:t>
+            </a:r>
+          </a:p>
+        </p:txBody>
+      </p:sp>
+      <p:sp>
+        <p:nvSpPr>
+          <p:cNvPr id="4" name="Organigramme : Disque magnétique 3">
+            <a:extLst>
+              <a:ext uri="{FF2B5EF4-FFF2-40B4-BE49-F238E27FC236}">
+                <a16:creationId xmlns:a16="http://schemas.microsoft.com/office/drawing/2014/main" id="{7C72C114-1A3F-4108-81DB-BC96D0970337}"/>
+              </a:ext>
+            </a:extLst>
+          </p:cNvPr>
+          <p:cNvSpPr/>
+          <p:nvPr/>
+        </p:nvSpPr>
+        <p:spPr>
+          <a:xfrm>
+            <a:off x="761998" y="3007151"/>
+            <a:ext cx="1867293" cy="1611983"/>
+          </a:xfrm>
+          <a:prstGeom prst="flowChartMagneticDisk">
+            <a:avLst/>
+          </a:prstGeom>
+        </p:spPr>
+        <p:style>
+          <a:lnRef idx="2">
+            <a:schemeClr val="dk1"/>
+          </a:lnRef>
+          <a:fillRef idx="1">
+            <a:schemeClr val="lt1"/>
+          </a:fillRef>
+          <a:effectRef idx="0">
+            <a:schemeClr val="dk1"/>
+          </a:effectRef>
+          <a:fontRef idx="minor">
+            <a:schemeClr val="dk1"/>
+          </a:fontRef>
+        </p:style>
+        <p:txBody>
+          <a:bodyPr rtlCol="0" anchor="ctr"/>
+          <a:lstStyle/>
+          <a:p>
+            <a:pPr algn="ctr"/>
+            <a:r>
+              <a:rPr lang="en-US" dirty="0"/>
+              <a:t>Raw data</a:t>
+            </a:r>
+          </a:p>
+        </p:txBody>
+      </p:sp>
+      <p:sp>
+        <p:nvSpPr>
+          <p:cNvPr id="5" name="Rectangle : coins arrondis 4">
+            <a:extLst>
+              <a:ext uri="{FF2B5EF4-FFF2-40B4-BE49-F238E27FC236}">
+                <a16:creationId xmlns:a16="http://schemas.microsoft.com/office/drawing/2014/main" id="{E6D5FD6A-1026-4A3F-974B-CBE700AB2544}"/>
+              </a:ext>
+            </a:extLst>
+          </p:cNvPr>
+          <p:cNvSpPr/>
+          <p:nvPr/>
+        </p:nvSpPr>
+        <p:spPr>
+          <a:xfrm>
+            <a:off x="3276206" y="3307615"/>
+            <a:ext cx="1791093" cy="1095866"/>
+          </a:xfrm>
+          <a:prstGeom prst="roundRect">
+            <a:avLst/>
+          </a:prstGeom>
+        </p:spPr>
+        <p:style>
+          <a:lnRef idx="2">
+            <a:schemeClr val="accent6"/>
+          </a:lnRef>
+          <a:fillRef idx="1">
+            <a:schemeClr val="lt1"/>
+          </a:fillRef>
+          <a:effectRef idx="0">
+            <a:schemeClr val="accent6"/>
+          </a:effectRef>
+          <a:fontRef idx="minor">
+            <a:schemeClr val="dk1"/>
+          </a:fontRef>
+        </p:style>
+        <p:txBody>
+          <a:bodyPr rtlCol="0" anchor="ctr"/>
+          <a:lstStyle/>
+          <a:p>
+            <a:pPr algn="ctr"/>
+            <a:r>
+              <a:rPr lang="en-US" dirty="0"/>
+              <a:t>Preprocessing</a:t>
+            </a:r>
+          </a:p>
+        </p:txBody>
+      </p:sp>
+      <p:sp>
+        <p:nvSpPr>
+          <p:cNvPr id="6" name="Rectangle : coins arrondis 5">
+            <a:extLst>
+              <a:ext uri="{FF2B5EF4-FFF2-40B4-BE49-F238E27FC236}">
+                <a16:creationId xmlns:a16="http://schemas.microsoft.com/office/drawing/2014/main" id="{EED3D23D-DCE6-461A-9290-2AE5D2A13024}"/>
+              </a:ext>
+            </a:extLst>
+          </p:cNvPr>
+          <p:cNvSpPr/>
+          <p:nvPr/>
+        </p:nvSpPr>
+        <p:spPr>
+          <a:xfrm>
+            <a:off x="5714214" y="3307629"/>
+            <a:ext cx="1791093" cy="1095866"/>
+          </a:xfrm>
+          <a:prstGeom prst="roundRect">
+            <a:avLst/>
+          </a:prstGeom>
+          <a:ln>
+            <a:solidFill>
+              <a:schemeClr val="accent1"/>
+            </a:solidFill>
+          </a:ln>
+        </p:spPr>
+        <p:style>
+          <a:lnRef idx="2">
+            <a:schemeClr val="accent6"/>
+          </a:lnRef>
+          <a:fillRef idx="1">
+            <a:schemeClr val="lt1"/>
+          </a:fillRef>
+          <a:effectRef idx="0">
+            <a:schemeClr val="accent6"/>
+          </a:effectRef>
+          <a:fontRef idx="minor">
+            <a:schemeClr val="dk1"/>
+          </a:fontRef>
+        </p:style>
+        <p:txBody>
+          <a:bodyPr rtlCol="0" anchor="ctr"/>
+          <a:lstStyle/>
+          <a:p>
+            <a:pPr algn="ctr"/>
+            <a:r>
+              <a:rPr lang="en-US" dirty="0"/>
+              <a:t>Feature engineering</a:t>
+            </a:r>
+          </a:p>
+        </p:txBody>
+      </p:sp>
+      <p:sp>
+        <p:nvSpPr>
+          <p:cNvPr id="7" name="Rectangle : coins arrondis 6">
+            <a:extLst>
+              <a:ext uri="{FF2B5EF4-FFF2-40B4-BE49-F238E27FC236}">
+                <a16:creationId xmlns:a16="http://schemas.microsoft.com/office/drawing/2014/main" id="{881C9840-4F76-4F8B-8CC9-87B790F8CDF2}"/>
+              </a:ext>
+            </a:extLst>
+          </p:cNvPr>
+          <p:cNvSpPr/>
+          <p:nvPr/>
+        </p:nvSpPr>
+        <p:spPr>
+          <a:xfrm>
+            <a:off x="8480589" y="2668788"/>
+            <a:ext cx="2331171" cy="677567"/>
+          </a:xfrm>
+          <a:prstGeom prst="roundRect">
+            <a:avLst/>
+          </a:prstGeom>
+          <a:solidFill>
+            <a:schemeClr val="accent2">
+              <a:lumMod val="75000"/>
+            </a:schemeClr>
+          </a:solidFill>
+          <a:ln/>
+        </p:spPr>
+        <p:style>
+          <a:lnRef idx="2">
+            <a:schemeClr val="accent2"/>
+          </a:lnRef>
+          <a:fillRef idx="1">
+            <a:schemeClr val="lt1"/>
+          </a:fillRef>
+          <a:effectRef idx="0">
+            <a:schemeClr val="accent2"/>
+          </a:effectRef>
+          <a:fontRef idx="minor">
+            <a:schemeClr val="dk1"/>
+          </a:fontRef>
+        </p:style>
+        <p:txBody>
+          <a:bodyPr rtlCol="0" anchor="ctr"/>
+          <a:lstStyle/>
+          <a:p>
+            <a:pPr algn="ctr"/>
+            <a:r>
+              <a:rPr lang="en-US" dirty="0">
+                <a:solidFill>
+                  <a:schemeClr val="bg1"/>
+                </a:solidFill>
+              </a:rPr>
+              <a:t>Model selection</a:t>
+            </a:r>
+          </a:p>
+        </p:txBody>
+      </p:sp>
+      <p:sp>
+        <p:nvSpPr>
+          <p:cNvPr id="9" name="Rectangle : coins arrondis 8">
+            <a:extLst>
+              <a:ext uri="{FF2B5EF4-FFF2-40B4-BE49-F238E27FC236}">
+                <a16:creationId xmlns:a16="http://schemas.microsoft.com/office/drawing/2014/main" id="{9CDF2850-8F9D-4F03-9337-08204EE86A4B}"/>
+              </a:ext>
+            </a:extLst>
+          </p:cNvPr>
+          <p:cNvSpPr/>
+          <p:nvPr/>
+        </p:nvSpPr>
+        <p:spPr>
+          <a:xfrm>
+            <a:off x="8480589" y="3536135"/>
+            <a:ext cx="2331171" cy="677566"/>
+          </a:xfrm>
+          <a:prstGeom prst="roundRect">
+            <a:avLst/>
+          </a:prstGeom>
+          <a:solidFill>
+            <a:schemeClr val="accent2">
+              <a:lumMod val="60000"/>
+              <a:lumOff val="40000"/>
+            </a:schemeClr>
+          </a:solidFill>
+          <a:ln/>
+        </p:spPr>
+        <p:style>
+          <a:lnRef idx="2">
+            <a:schemeClr val="accent2"/>
+          </a:lnRef>
+          <a:fillRef idx="1">
+            <a:schemeClr val="lt1"/>
+          </a:fillRef>
+          <a:effectRef idx="0">
+            <a:schemeClr val="accent2"/>
+          </a:effectRef>
+          <a:fontRef idx="minor">
+            <a:schemeClr val="dk1"/>
+          </a:fontRef>
+        </p:style>
+        <p:txBody>
+          <a:bodyPr rtlCol="0" anchor="ctr"/>
+          <a:lstStyle/>
+          <a:p>
+            <a:pPr algn="ctr"/>
+            <a:r>
+              <a:rPr lang="en-US" dirty="0"/>
               <a:t>Hyperparameter tuning</a:t>
             </a:r>
           </a:p>
@@ -12948,33 +12650,316 @@
       </p:sp>
       <p:sp>
         <p:nvSpPr>
-          <p:cNvPr id="3" name="Espace réservé du texte 2">
-            <a:extLst>
-              <a:ext uri="{FF2B5EF4-FFF2-40B4-BE49-F238E27FC236}">
-                <a16:creationId xmlns:a16="http://schemas.microsoft.com/office/drawing/2014/main" id="{8115ECAD-734D-4AEB-9714-A464E1D5CE54}"/>
-              </a:ext>
-            </a:extLst>
-          </p:cNvPr>
-          <p:cNvSpPr>
-            <a:spLocks noGrp="1"/>
-          </p:cNvSpPr>
-          <p:nvPr>
-            <p:ph type="body" sz="quarter" idx="10"/>
-          </p:nvPr>
-        </p:nvSpPr>
-        <p:spPr/>
-        <p:txBody>
-          <a:bodyPr/>
-          <a:lstStyle/>
-          <a:p>
+          <p:cNvPr id="10" name="Rectangle : coins arrondis 9">
+            <a:extLst>
+              <a:ext uri="{FF2B5EF4-FFF2-40B4-BE49-F238E27FC236}">
+                <a16:creationId xmlns:a16="http://schemas.microsoft.com/office/drawing/2014/main" id="{2D340371-28B8-455F-B881-A909062EAFF2}"/>
+              </a:ext>
+            </a:extLst>
+          </p:cNvPr>
+          <p:cNvSpPr/>
+          <p:nvPr/>
+        </p:nvSpPr>
+        <p:spPr>
+          <a:xfrm>
+            <a:off x="8480588" y="4403481"/>
+            <a:ext cx="2331171" cy="677566"/>
+          </a:xfrm>
+          <a:prstGeom prst="roundRect">
+            <a:avLst/>
+          </a:prstGeom>
+          <a:solidFill>
+            <a:schemeClr val="accent2">
+              <a:lumMod val="40000"/>
+              <a:lumOff val="60000"/>
+            </a:schemeClr>
+          </a:solidFill>
+          <a:ln/>
+        </p:spPr>
+        <p:style>
+          <a:lnRef idx="2">
+            <a:schemeClr val="accent2"/>
+          </a:lnRef>
+          <a:fillRef idx="1">
+            <a:schemeClr val="lt1"/>
+          </a:fillRef>
+          <a:effectRef idx="0">
+            <a:schemeClr val="accent2"/>
+          </a:effectRef>
+          <a:fontRef idx="minor">
+            <a:schemeClr val="dk1"/>
+          </a:fontRef>
+        </p:style>
+        <p:txBody>
+          <a:bodyPr rtlCol="0" anchor="ctr"/>
+          <a:lstStyle/>
+          <a:p>
+            <a:pPr algn="ctr"/>
+            <a:r>
+              <a:rPr lang="en-US" dirty="0"/>
+              <a:t>Training and validation</a:t>
+            </a:r>
+          </a:p>
+        </p:txBody>
+      </p:sp>
+      <p:sp>
+        <p:nvSpPr>
+          <p:cNvPr id="12" name="Flèche : droite 11">
+            <a:extLst>
+              <a:ext uri="{FF2B5EF4-FFF2-40B4-BE49-F238E27FC236}">
+                <a16:creationId xmlns:a16="http://schemas.microsoft.com/office/drawing/2014/main" id="{98B44FC7-2E2E-40E3-9F38-2053326FE093}"/>
+              </a:ext>
+            </a:extLst>
+          </p:cNvPr>
+          <p:cNvSpPr/>
+          <p:nvPr/>
+        </p:nvSpPr>
+        <p:spPr>
+          <a:xfrm>
+            <a:off x="2629291" y="3573259"/>
+            <a:ext cx="778103" cy="479765"/>
+          </a:xfrm>
+          <a:prstGeom prst="rightArrow">
+            <a:avLst/>
+          </a:prstGeom>
+        </p:spPr>
+        <p:style>
+          <a:lnRef idx="2">
+            <a:schemeClr val="dk1"/>
+          </a:lnRef>
+          <a:fillRef idx="1">
+            <a:schemeClr val="lt1"/>
+          </a:fillRef>
+          <a:effectRef idx="0">
+            <a:schemeClr val="dk1"/>
+          </a:effectRef>
+          <a:fontRef idx="minor">
+            <a:schemeClr val="dk1"/>
+          </a:fontRef>
+        </p:style>
+        <p:txBody>
+          <a:bodyPr rtlCol="0" anchor="ctr"/>
+          <a:lstStyle/>
+          <a:p>
+            <a:pPr algn="ctr"/>
             <a:endParaRPr lang="en-US"/>
+          </a:p>
+        </p:txBody>
+      </p:sp>
+      <p:sp>
+        <p:nvSpPr>
+          <p:cNvPr id="13" name="Flèche : droite 12">
+            <a:extLst>
+              <a:ext uri="{FF2B5EF4-FFF2-40B4-BE49-F238E27FC236}">
+                <a16:creationId xmlns:a16="http://schemas.microsoft.com/office/drawing/2014/main" id="{60828FC5-75BB-4604-850A-76BD9F07E5A2}"/>
+              </a:ext>
+            </a:extLst>
+          </p:cNvPr>
+          <p:cNvSpPr/>
+          <p:nvPr/>
+        </p:nvSpPr>
+        <p:spPr>
+          <a:xfrm>
+            <a:off x="5067299" y="3573259"/>
+            <a:ext cx="778103" cy="479765"/>
+          </a:xfrm>
+          <a:prstGeom prst="rightArrow">
+            <a:avLst/>
+          </a:prstGeom>
+        </p:spPr>
+        <p:style>
+          <a:lnRef idx="2">
+            <a:schemeClr val="dk1"/>
+          </a:lnRef>
+          <a:fillRef idx="1">
+            <a:schemeClr val="lt1"/>
+          </a:fillRef>
+          <a:effectRef idx="0">
+            <a:schemeClr val="dk1"/>
+          </a:effectRef>
+          <a:fontRef idx="minor">
+            <a:schemeClr val="dk1"/>
+          </a:fontRef>
+        </p:style>
+        <p:txBody>
+          <a:bodyPr rtlCol="0" anchor="ctr"/>
+          <a:lstStyle/>
+          <a:p>
+            <a:pPr algn="ctr"/>
+            <a:endParaRPr lang="en-US"/>
+          </a:p>
+        </p:txBody>
+      </p:sp>
+      <p:sp>
+        <p:nvSpPr>
+          <p:cNvPr id="14" name="Flèche : droite 13">
+            <a:extLst>
+              <a:ext uri="{FF2B5EF4-FFF2-40B4-BE49-F238E27FC236}">
+                <a16:creationId xmlns:a16="http://schemas.microsoft.com/office/drawing/2014/main" id="{24B54F9A-3828-49C7-98E5-A37788AE27BC}"/>
+              </a:ext>
+            </a:extLst>
+          </p:cNvPr>
+          <p:cNvSpPr/>
+          <p:nvPr/>
+        </p:nvSpPr>
+        <p:spPr>
+          <a:xfrm>
+            <a:off x="7505307" y="3615665"/>
+            <a:ext cx="778103" cy="479765"/>
+          </a:xfrm>
+          <a:prstGeom prst="rightArrow">
+            <a:avLst/>
+          </a:prstGeom>
+        </p:spPr>
+        <p:style>
+          <a:lnRef idx="2">
+            <a:schemeClr val="dk1"/>
+          </a:lnRef>
+          <a:fillRef idx="1">
+            <a:schemeClr val="lt1"/>
+          </a:fillRef>
+          <a:effectRef idx="0">
+            <a:schemeClr val="dk1"/>
+          </a:effectRef>
+          <a:fontRef idx="minor">
+            <a:schemeClr val="dk1"/>
+          </a:fontRef>
+        </p:style>
+        <p:txBody>
+          <a:bodyPr rtlCol="0" anchor="ctr"/>
+          <a:lstStyle/>
+          <a:p>
+            <a:pPr algn="ctr"/>
+            <a:endParaRPr lang="en-US"/>
+          </a:p>
+        </p:txBody>
+      </p:sp>
+      <p:sp>
+        <p:nvSpPr>
+          <p:cNvPr id="3" name="Signe de multiplication 2">
+            <a:extLst>
+              <a:ext uri="{FF2B5EF4-FFF2-40B4-BE49-F238E27FC236}">
+                <a16:creationId xmlns:a16="http://schemas.microsoft.com/office/drawing/2014/main" id="{D266F94B-A564-4FBF-8457-9BEF459D7A23}"/>
+              </a:ext>
+            </a:extLst>
+          </p:cNvPr>
+          <p:cNvSpPr/>
+          <p:nvPr/>
+        </p:nvSpPr>
+        <p:spPr>
+          <a:xfrm>
+            <a:off x="5037252" y="2733935"/>
+            <a:ext cx="3145018" cy="2281965"/>
+          </a:xfrm>
+          <a:prstGeom prst="mathMultiply">
+            <a:avLst>
+              <a:gd name="adj1" fmla="val 2015"/>
+            </a:avLst>
+          </a:prstGeom>
+          <a:solidFill>
+            <a:srgbClr val="FF0000"/>
+          </a:solidFill>
+          <a:ln>
+            <a:solidFill>
+              <a:srgbClr val="C00000"/>
+            </a:solidFill>
+          </a:ln>
+        </p:spPr>
+        <p:style>
+          <a:lnRef idx="2">
+            <a:schemeClr val="accent1">
+              <a:shade val="50000"/>
+            </a:schemeClr>
+          </a:lnRef>
+          <a:fillRef idx="1">
+            <a:schemeClr val="accent1"/>
+          </a:fillRef>
+          <a:effectRef idx="0">
+            <a:schemeClr val="accent1"/>
+          </a:effectRef>
+          <a:fontRef idx="minor">
+            <a:schemeClr val="lt1"/>
+          </a:fontRef>
+        </p:style>
+        <p:txBody>
+          <a:bodyPr rtlCol="0" anchor="ctr"/>
+          <a:lstStyle/>
+          <a:p>
+            <a:pPr algn="ctr"/>
+            <a:endParaRPr lang="en-US"/>
+          </a:p>
+        </p:txBody>
+      </p:sp>
+      <p:sp>
+        <p:nvSpPr>
+          <p:cNvPr id="8" name="Bulle narrative : rectangle 7">
+            <a:extLst>
+              <a:ext uri="{FF2B5EF4-FFF2-40B4-BE49-F238E27FC236}">
+                <a16:creationId xmlns:a16="http://schemas.microsoft.com/office/drawing/2014/main" id="{155AD1A6-7A42-417D-811F-AE1D4DFAA72D}"/>
+              </a:ext>
+            </a:extLst>
+          </p:cNvPr>
+          <p:cNvSpPr/>
+          <p:nvPr/>
+        </p:nvSpPr>
+        <p:spPr>
+          <a:xfrm>
+            <a:off x="3572760" y="1800519"/>
+            <a:ext cx="4100660" cy="933415"/>
+          </a:xfrm>
+          <a:prstGeom prst="wedgeRectCallout">
+            <a:avLst>
+              <a:gd name="adj1" fmla="val 75646"/>
+              <a:gd name="adj2" fmla="val 52451"/>
+            </a:avLst>
+          </a:prstGeom>
+        </p:spPr>
+        <p:style>
+          <a:lnRef idx="2">
+            <a:schemeClr val="accent5"/>
+          </a:lnRef>
+          <a:fillRef idx="1">
+            <a:schemeClr val="lt1"/>
+          </a:fillRef>
+          <a:effectRef idx="0">
+            <a:schemeClr val="accent5"/>
+          </a:effectRef>
+          <a:fontRef idx="minor">
+            <a:schemeClr val="dk1"/>
+          </a:fontRef>
+        </p:style>
+        <p:txBody>
+          <a:bodyPr rtlCol="0" anchor="ctr"/>
+          <a:lstStyle/>
+          <a:p>
+            <a:pPr algn="ctr"/>
+            <a:r>
+              <a:rPr lang="en-US" dirty="0"/>
+              <a:t>Instead, pick a model able to automatically </a:t>
+            </a:r>
+            <a:r>
+              <a:rPr lang="en-US" b="1" dirty="0"/>
+              <a:t>select</a:t>
+            </a:r>
+            <a:r>
+              <a:rPr lang="en-US" dirty="0"/>
+              <a:t> or </a:t>
+            </a:r>
+            <a:r>
+              <a:rPr lang="en-US" b="1" dirty="0"/>
+              <a:t>construct</a:t>
+            </a:r>
+            <a:r>
+              <a:rPr lang="en-US" dirty="0"/>
+              <a:t> features</a:t>
+            </a:r>
           </a:p>
         </p:txBody>
       </p:sp>
     </p:spTree>
     <p:extLst>
       <p:ext uri="{BB962C8B-B14F-4D97-AF65-F5344CB8AC3E}">
-        <p14:creationId xmlns:p14="http://schemas.microsoft.com/office/powerpoint/2010/main" val="989325629"/>
+        <p14:creationId xmlns:p14="http://schemas.microsoft.com/office/powerpoint/2010/main" val="105313343"/>
       </p:ext>
     </p:extLst>
   </p:cSld>
@@ -13539,8 +13524,8 @@
           </a:xfrm>
           <a:prstGeom prst="wedgeRectCallout">
             <a:avLst>
-              <a:gd name="adj1" fmla="val 79177"/>
-              <a:gd name="adj2" fmla="val -55083"/>
+              <a:gd name="adj1" fmla="val 81060"/>
+              <a:gd name="adj2" fmla="val -138046"/>
             </a:avLst>
           </a:prstGeom>
         </p:spPr>
@@ -13565,7 +13550,15 @@
             <a:pPr algn="ctr"/>
             <a:r>
               <a:rPr lang="en-US" dirty="0"/>
-              <a:t>Try to evaluate whether the choices we made make sense</a:t>
+              <a:t>Adjust all ML algorithm parameters set </a:t>
+            </a:r>
+            <a:r>
+              <a:rPr lang="en-US" i="1" dirty="0"/>
+              <a:t>before</a:t>
+            </a:r>
+            <a:r>
+              <a:rPr lang="en-US" dirty="0"/>
+              <a:t> training starts</a:t>
             </a:r>
           </a:p>
         </p:txBody>
@@ -13573,7 +13566,7 @@
     </p:spTree>
     <p:extLst>
       <p:ext uri="{BB962C8B-B14F-4D97-AF65-F5344CB8AC3E}">
-        <p14:creationId xmlns:p14="http://schemas.microsoft.com/office/powerpoint/2010/main" val="1481294426"/>
+        <p14:creationId xmlns:p14="http://schemas.microsoft.com/office/powerpoint/2010/main" val="1961127763"/>
       </p:ext>
     </p:extLst>
   </p:cSld>
@@ -13602,58 +13595,10 @@
       </p:grpSpPr>
       <p:sp>
         <p:nvSpPr>
-          <p:cNvPr id="11" name="Rectangle : coins arrondis 10">
-            <a:extLst>
-              <a:ext uri="{FF2B5EF4-FFF2-40B4-BE49-F238E27FC236}">
-                <a16:creationId xmlns:a16="http://schemas.microsoft.com/office/drawing/2014/main" id="{26013B2E-CC3B-413E-8CDB-4F1697F804B5}"/>
-              </a:ext>
-            </a:extLst>
-          </p:cNvPr>
-          <p:cNvSpPr/>
-          <p:nvPr/>
-        </p:nvSpPr>
-        <p:spPr>
-          <a:xfrm>
-            <a:off x="8152222" y="1960775"/>
-            <a:ext cx="2950981" cy="3638747"/>
-          </a:xfrm>
-          <a:prstGeom prst="roundRect">
-            <a:avLst/>
-          </a:prstGeom>
-          <a:ln/>
-        </p:spPr>
-        <p:style>
-          <a:lnRef idx="2">
-            <a:schemeClr val="accent2"/>
-          </a:lnRef>
-          <a:fillRef idx="1">
-            <a:schemeClr val="lt1"/>
-          </a:fillRef>
-          <a:effectRef idx="0">
-            <a:schemeClr val="accent2"/>
-          </a:effectRef>
-          <a:fontRef idx="minor">
-            <a:schemeClr val="dk1"/>
-          </a:fontRef>
-        </p:style>
-        <p:txBody>
-          <a:bodyPr rtlCol="0" anchor="t"/>
-          <a:lstStyle/>
-          <a:p>
-            <a:pPr algn="ctr"/>
-            <a:r>
-              <a:rPr lang="en-US" dirty="0"/>
-              <a:t>Machine Learning</a:t>
-            </a:r>
-          </a:p>
-        </p:txBody>
-      </p:sp>
-      <p:sp>
-        <p:nvSpPr>
           <p:cNvPr id="2" name="Titre 1">
             <a:extLst>
               <a:ext uri="{FF2B5EF4-FFF2-40B4-BE49-F238E27FC236}">
-                <a16:creationId xmlns:a16="http://schemas.microsoft.com/office/drawing/2014/main" id="{A5420EFC-FFB3-4740-9D5B-A9BB5F6B612F}"/>
+                <a16:creationId xmlns:a16="http://schemas.microsoft.com/office/drawing/2014/main" id="{9912661D-1A1D-44AD-8E7C-4AE166B0BB84}"/>
               </a:ext>
             </a:extLst>
           </p:cNvPr>
@@ -13671,263 +13616,6 @@
           <a:p>
             <a:r>
               <a:rPr lang="en-US" dirty="0"/>
-              <a:t>Machine Learning pipeline</a:t>
-            </a:r>
-          </a:p>
-        </p:txBody>
-      </p:sp>
-      <p:sp>
-        <p:nvSpPr>
-          <p:cNvPr id="4" name="Organigramme : Disque magnétique 3">
-            <a:extLst>
-              <a:ext uri="{FF2B5EF4-FFF2-40B4-BE49-F238E27FC236}">
-                <a16:creationId xmlns:a16="http://schemas.microsoft.com/office/drawing/2014/main" id="{7C72C114-1A3F-4108-81DB-BC96D0970337}"/>
-              </a:ext>
-            </a:extLst>
-          </p:cNvPr>
-          <p:cNvSpPr/>
-          <p:nvPr/>
-        </p:nvSpPr>
-        <p:spPr>
-          <a:xfrm>
-            <a:off x="761998" y="3007151"/>
-            <a:ext cx="1867293" cy="1611983"/>
-          </a:xfrm>
-          <a:prstGeom prst="flowChartMagneticDisk">
-            <a:avLst/>
-          </a:prstGeom>
-        </p:spPr>
-        <p:style>
-          <a:lnRef idx="2">
-            <a:schemeClr val="dk1"/>
-          </a:lnRef>
-          <a:fillRef idx="1">
-            <a:schemeClr val="lt1"/>
-          </a:fillRef>
-          <a:effectRef idx="0">
-            <a:schemeClr val="dk1"/>
-          </a:effectRef>
-          <a:fontRef idx="minor">
-            <a:schemeClr val="dk1"/>
-          </a:fontRef>
-        </p:style>
-        <p:txBody>
-          <a:bodyPr rtlCol="0" anchor="ctr"/>
-          <a:lstStyle/>
-          <a:p>
-            <a:pPr algn="ctr"/>
-            <a:r>
-              <a:rPr lang="en-US" dirty="0"/>
-              <a:t>Raw data</a:t>
-            </a:r>
-          </a:p>
-        </p:txBody>
-      </p:sp>
-      <p:sp>
-        <p:nvSpPr>
-          <p:cNvPr id="5" name="Rectangle : coins arrondis 4">
-            <a:extLst>
-              <a:ext uri="{FF2B5EF4-FFF2-40B4-BE49-F238E27FC236}">
-                <a16:creationId xmlns:a16="http://schemas.microsoft.com/office/drawing/2014/main" id="{E6D5FD6A-1026-4A3F-974B-CBE700AB2544}"/>
-              </a:ext>
-            </a:extLst>
-          </p:cNvPr>
-          <p:cNvSpPr/>
-          <p:nvPr/>
-        </p:nvSpPr>
-        <p:spPr>
-          <a:xfrm>
-            <a:off x="3276206" y="3307615"/>
-            <a:ext cx="1791093" cy="1095866"/>
-          </a:xfrm>
-          <a:prstGeom prst="roundRect">
-            <a:avLst/>
-          </a:prstGeom>
-        </p:spPr>
-        <p:style>
-          <a:lnRef idx="2">
-            <a:schemeClr val="accent6"/>
-          </a:lnRef>
-          <a:fillRef idx="1">
-            <a:schemeClr val="lt1"/>
-          </a:fillRef>
-          <a:effectRef idx="0">
-            <a:schemeClr val="accent6"/>
-          </a:effectRef>
-          <a:fontRef idx="minor">
-            <a:schemeClr val="dk1"/>
-          </a:fontRef>
-        </p:style>
-        <p:txBody>
-          <a:bodyPr rtlCol="0" anchor="ctr"/>
-          <a:lstStyle/>
-          <a:p>
-            <a:pPr algn="ctr"/>
-            <a:r>
-              <a:rPr lang="en-US" dirty="0"/>
-              <a:t>Preprocessing</a:t>
-            </a:r>
-          </a:p>
-        </p:txBody>
-      </p:sp>
-      <p:sp>
-        <p:nvSpPr>
-          <p:cNvPr id="6" name="Rectangle : coins arrondis 5">
-            <a:extLst>
-              <a:ext uri="{FF2B5EF4-FFF2-40B4-BE49-F238E27FC236}">
-                <a16:creationId xmlns:a16="http://schemas.microsoft.com/office/drawing/2014/main" id="{EED3D23D-DCE6-461A-9290-2AE5D2A13024}"/>
-              </a:ext>
-            </a:extLst>
-          </p:cNvPr>
-          <p:cNvSpPr/>
-          <p:nvPr/>
-        </p:nvSpPr>
-        <p:spPr>
-          <a:xfrm>
-            <a:off x="5714214" y="3307629"/>
-            <a:ext cx="1791093" cy="1095866"/>
-          </a:xfrm>
-          <a:prstGeom prst="roundRect">
-            <a:avLst/>
-          </a:prstGeom>
-          <a:ln>
-            <a:solidFill>
-              <a:schemeClr val="accent1"/>
-            </a:solidFill>
-          </a:ln>
-        </p:spPr>
-        <p:style>
-          <a:lnRef idx="2">
-            <a:schemeClr val="accent6"/>
-          </a:lnRef>
-          <a:fillRef idx="1">
-            <a:schemeClr val="lt1"/>
-          </a:fillRef>
-          <a:effectRef idx="0">
-            <a:schemeClr val="accent6"/>
-          </a:effectRef>
-          <a:fontRef idx="minor">
-            <a:schemeClr val="dk1"/>
-          </a:fontRef>
-        </p:style>
-        <p:txBody>
-          <a:bodyPr rtlCol="0" anchor="ctr"/>
-          <a:lstStyle/>
-          <a:p>
-            <a:pPr algn="ctr"/>
-            <a:r>
-              <a:rPr lang="en-US" dirty="0"/>
-              <a:t>Feature engineering</a:t>
-            </a:r>
-          </a:p>
-        </p:txBody>
-      </p:sp>
-      <p:sp>
-        <p:nvSpPr>
-          <p:cNvPr id="7" name="Rectangle : coins arrondis 6">
-            <a:extLst>
-              <a:ext uri="{FF2B5EF4-FFF2-40B4-BE49-F238E27FC236}">
-                <a16:creationId xmlns:a16="http://schemas.microsoft.com/office/drawing/2014/main" id="{881C9840-4F76-4F8B-8CC9-87B790F8CDF2}"/>
-              </a:ext>
-            </a:extLst>
-          </p:cNvPr>
-          <p:cNvSpPr/>
-          <p:nvPr/>
-        </p:nvSpPr>
-        <p:spPr>
-          <a:xfrm>
-            <a:off x="8480589" y="2668788"/>
-            <a:ext cx="2331171" cy="677567"/>
-          </a:xfrm>
-          <a:prstGeom prst="roundRect">
-            <a:avLst/>
-          </a:prstGeom>
-          <a:solidFill>
-            <a:schemeClr val="accent2">
-              <a:lumMod val="75000"/>
-            </a:schemeClr>
-          </a:solidFill>
-          <a:ln/>
-        </p:spPr>
-        <p:style>
-          <a:lnRef idx="2">
-            <a:schemeClr val="accent2"/>
-          </a:lnRef>
-          <a:fillRef idx="1">
-            <a:schemeClr val="lt1"/>
-          </a:fillRef>
-          <a:effectRef idx="0">
-            <a:schemeClr val="accent2"/>
-          </a:effectRef>
-          <a:fontRef idx="minor">
-            <a:schemeClr val="dk1"/>
-          </a:fontRef>
-        </p:style>
-        <p:txBody>
-          <a:bodyPr rtlCol="0" anchor="ctr"/>
-          <a:lstStyle/>
-          <a:p>
-            <a:pPr algn="ctr"/>
-            <a:r>
-              <a:rPr lang="en-US" dirty="0">
-                <a:solidFill>
-                  <a:schemeClr val="bg1"/>
-                </a:solidFill>
-              </a:rPr>
-              <a:t>Model selection</a:t>
-            </a:r>
-          </a:p>
-        </p:txBody>
-      </p:sp>
-      <p:sp>
-        <p:nvSpPr>
-          <p:cNvPr id="9" name="Rectangle : coins arrondis 8">
-            <a:extLst>
-              <a:ext uri="{FF2B5EF4-FFF2-40B4-BE49-F238E27FC236}">
-                <a16:creationId xmlns:a16="http://schemas.microsoft.com/office/drawing/2014/main" id="{9CDF2850-8F9D-4F03-9337-08204EE86A4B}"/>
-              </a:ext>
-            </a:extLst>
-          </p:cNvPr>
-          <p:cNvSpPr/>
-          <p:nvPr/>
-        </p:nvSpPr>
-        <p:spPr>
-          <a:xfrm>
-            <a:off x="8480589" y="3536135"/>
-            <a:ext cx="2331171" cy="677566"/>
-          </a:xfrm>
-          <a:prstGeom prst="roundRect">
-            <a:avLst/>
-          </a:prstGeom>
-          <a:solidFill>
-            <a:schemeClr val="accent2">
-              <a:lumMod val="60000"/>
-              <a:lumOff val="40000"/>
-            </a:schemeClr>
-          </a:solidFill>
-          <a:ln/>
-        </p:spPr>
-        <p:style>
-          <a:lnRef idx="2">
-            <a:schemeClr val="accent2"/>
-          </a:lnRef>
-          <a:fillRef idx="1">
-            <a:schemeClr val="lt1"/>
-          </a:fillRef>
-          <a:effectRef idx="0">
-            <a:schemeClr val="accent2"/>
-          </a:effectRef>
-          <a:fontRef idx="minor">
-            <a:schemeClr val="dk1"/>
-          </a:fontRef>
-        </p:style>
-        <p:txBody>
-          <a:bodyPr rtlCol="0" anchor="ctr"/>
-          <a:lstStyle/>
-          <a:p>
-            <a:pPr algn="ctr"/>
-            <a:r>
-              <a:rPr lang="en-US" dirty="0"/>
               <a:t>Hyperparameter tuning</a:t>
             </a:r>
           </a:p>
@@ -13935,297 +13623,33 @@
       </p:sp>
       <p:sp>
         <p:nvSpPr>
-          <p:cNvPr id="10" name="Rectangle : coins arrondis 9">
-            <a:extLst>
-              <a:ext uri="{FF2B5EF4-FFF2-40B4-BE49-F238E27FC236}">
-                <a16:creationId xmlns:a16="http://schemas.microsoft.com/office/drawing/2014/main" id="{2D340371-28B8-455F-B881-A909062EAFF2}"/>
-              </a:ext>
-            </a:extLst>
-          </p:cNvPr>
-          <p:cNvSpPr/>
-          <p:nvPr/>
-        </p:nvSpPr>
-        <p:spPr>
-          <a:xfrm>
-            <a:off x="8480588" y="4403481"/>
-            <a:ext cx="2331171" cy="677566"/>
-          </a:xfrm>
-          <a:prstGeom prst="roundRect">
-            <a:avLst/>
-          </a:prstGeom>
-          <a:solidFill>
-            <a:schemeClr val="accent2">
-              <a:lumMod val="40000"/>
-              <a:lumOff val="60000"/>
-            </a:schemeClr>
-          </a:solidFill>
-          <a:ln/>
-        </p:spPr>
-        <p:style>
-          <a:lnRef idx="2">
-            <a:schemeClr val="accent2"/>
-          </a:lnRef>
-          <a:fillRef idx="1">
-            <a:schemeClr val="lt1"/>
-          </a:fillRef>
-          <a:effectRef idx="0">
-            <a:schemeClr val="accent2"/>
-          </a:effectRef>
-          <a:fontRef idx="minor">
-            <a:schemeClr val="dk1"/>
-          </a:fontRef>
-        </p:style>
-        <p:txBody>
-          <a:bodyPr rtlCol="0" anchor="ctr"/>
-          <a:lstStyle/>
-          <a:p>
-            <a:pPr algn="ctr"/>
-            <a:r>
-              <a:rPr lang="en-US" dirty="0"/>
-              <a:t>Training and validation</a:t>
-            </a:r>
-          </a:p>
-        </p:txBody>
-      </p:sp>
-      <p:sp>
-        <p:nvSpPr>
-          <p:cNvPr id="12" name="Flèche : droite 11">
-            <a:extLst>
-              <a:ext uri="{FF2B5EF4-FFF2-40B4-BE49-F238E27FC236}">
-                <a16:creationId xmlns:a16="http://schemas.microsoft.com/office/drawing/2014/main" id="{98B44FC7-2E2E-40E3-9F38-2053326FE093}"/>
-              </a:ext>
-            </a:extLst>
-          </p:cNvPr>
-          <p:cNvSpPr/>
-          <p:nvPr/>
-        </p:nvSpPr>
-        <p:spPr>
-          <a:xfrm>
-            <a:off x="2629291" y="3573259"/>
-            <a:ext cx="778103" cy="479765"/>
-          </a:xfrm>
-          <a:prstGeom prst="rightArrow">
-            <a:avLst/>
-          </a:prstGeom>
-        </p:spPr>
-        <p:style>
-          <a:lnRef idx="2">
-            <a:schemeClr val="dk1"/>
-          </a:lnRef>
-          <a:fillRef idx="1">
-            <a:schemeClr val="lt1"/>
-          </a:fillRef>
-          <a:effectRef idx="0">
-            <a:schemeClr val="dk1"/>
-          </a:effectRef>
-          <a:fontRef idx="minor">
-            <a:schemeClr val="dk1"/>
-          </a:fontRef>
-        </p:style>
-        <p:txBody>
-          <a:bodyPr rtlCol="0" anchor="ctr"/>
-          <a:lstStyle/>
-          <a:p>
-            <a:pPr algn="ctr"/>
+          <p:cNvPr id="3" name="Espace réservé du texte 2">
+            <a:extLst>
+              <a:ext uri="{FF2B5EF4-FFF2-40B4-BE49-F238E27FC236}">
+                <a16:creationId xmlns:a16="http://schemas.microsoft.com/office/drawing/2014/main" id="{8115ECAD-734D-4AEB-9714-A464E1D5CE54}"/>
+              </a:ext>
+            </a:extLst>
+          </p:cNvPr>
+          <p:cNvSpPr>
+            <a:spLocks noGrp="1"/>
+          </p:cNvSpPr>
+          <p:nvPr>
+            <p:ph type="body" sz="quarter" idx="10"/>
+          </p:nvPr>
+        </p:nvSpPr>
+        <p:spPr/>
+        <p:txBody>
+          <a:bodyPr/>
+          <a:lstStyle/>
+          <a:p>
             <a:endParaRPr lang="en-US"/>
-          </a:p>
-        </p:txBody>
-      </p:sp>
-      <p:sp>
-        <p:nvSpPr>
-          <p:cNvPr id="13" name="Flèche : droite 12">
-            <a:extLst>
-              <a:ext uri="{FF2B5EF4-FFF2-40B4-BE49-F238E27FC236}">
-                <a16:creationId xmlns:a16="http://schemas.microsoft.com/office/drawing/2014/main" id="{60828FC5-75BB-4604-850A-76BD9F07E5A2}"/>
-              </a:ext>
-            </a:extLst>
-          </p:cNvPr>
-          <p:cNvSpPr/>
-          <p:nvPr/>
-        </p:nvSpPr>
-        <p:spPr>
-          <a:xfrm>
-            <a:off x="5067299" y="3573259"/>
-            <a:ext cx="778103" cy="479765"/>
-          </a:xfrm>
-          <a:prstGeom prst="rightArrow">
-            <a:avLst/>
-          </a:prstGeom>
-        </p:spPr>
-        <p:style>
-          <a:lnRef idx="2">
-            <a:schemeClr val="dk1"/>
-          </a:lnRef>
-          <a:fillRef idx="1">
-            <a:schemeClr val="lt1"/>
-          </a:fillRef>
-          <a:effectRef idx="0">
-            <a:schemeClr val="dk1"/>
-          </a:effectRef>
-          <a:fontRef idx="minor">
-            <a:schemeClr val="dk1"/>
-          </a:fontRef>
-        </p:style>
-        <p:txBody>
-          <a:bodyPr rtlCol="0" anchor="ctr"/>
-          <a:lstStyle/>
-          <a:p>
-            <a:pPr algn="ctr"/>
-            <a:endParaRPr lang="en-US"/>
-          </a:p>
-        </p:txBody>
-      </p:sp>
-      <p:sp>
-        <p:nvSpPr>
-          <p:cNvPr id="14" name="Flèche : droite 13">
-            <a:extLst>
-              <a:ext uri="{FF2B5EF4-FFF2-40B4-BE49-F238E27FC236}">
-                <a16:creationId xmlns:a16="http://schemas.microsoft.com/office/drawing/2014/main" id="{24B54F9A-3828-49C7-98E5-A37788AE27BC}"/>
-              </a:ext>
-            </a:extLst>
-          </p:cNvPr>
-          <p:cNvSpPr/>
-          <p:nvPr/>
-        </p:nvSpPr>
-        <p:spPr>
-          <a:xfrm>
-            <a:off x="7505307" y="3615665"/>
-            <a:ext cx="778103" cy="479765"/>
-          </a:xfrm>
-          <a:prstGeom prst="rightArrow">
-            <a:avLst/>
-          </a:prstGeom>
-        </p:spPr>
-        <p:style>
-          <a:lnRef idx="2">
-            <a:schemeClr val="dk1"/>
-          </a:lnRef>
-          <a:fillRef idx="1">
-            <a:schemeClr val="lt1"/>
-          </a:fillRef>
-          <a:effectRef idx="0">
-            <a:schemeClr val="dk1"/>
-          </a:effectRef>
-          <a:fontRef idx="minor">
-            <a:schemeClr val="dk1"/>
-          </a:fontRef>
-        </p:style>
-        <p:txBody>
-          <a:bodyPr rtlCol="0" anchor="ctr"/>
-          <a:lstStyle/>
-          <a:p>
-            <a:pPr algn="ctr"/>
-            <a:endParaRPr lang="en-US"/>
-          </a:p>
-        </p:txBody>
-      </p:sp>
-      <p:sp>
-        <p:nvSpPr>
-          <p:cNvPr id="3" name="Bulle narrative : rectangle 2">
-            <a:extLst>
-              <a:ext uri="{FF2B5EF4-FFF2-40B4-BE49-F238E27FC236}">
-                <a16:creationId xmlns:a16="http://schemas.microsoft.com/office/drawing/2014/main" id="{C6689762-CBB9-49C4-8F17-5B84F3D4ECE9}"/>
-              </a:ext>
-            </a:extLst>
-          </p:cNvPr>
-          <p:cNvSpPr/>
-          <p:nvPr/>
-        </p:nvSpPr>
-        <p:spPr>
-          <a:xfrm>
-            <a:off x="4147795" y="4781406"/>
-            <a:ext cx="3503824" cy="818116"/>
-          </a:xfrm>
-          <a:prstGeom prst="wedgeRectCallout">
-            <a:avLst>
-              <a:gd name="adj1" fmla="val 79177"/>
-              <a:gd name="adj2" fmla="val -55083"/>
-            </a:avLst>
-          </a:prstGeom>
-        </p:spPr>
-        <p:style>
-          <a:lnRef idx="2">
-            <a:schemeClr val="accent2"/>
-          </a:lnRef>
-          <a:fillRef idx="1">
-            <a:schemeClr val="lt1"/>
-          </a:fillRef>
-          <a:effectRef idx="0">
-            <a:schemeClr val="accent2"/>
-          </a:effectRef>
-          <a:fontRef idx="minor">
-            <a:schemeClr val="dk1"/>
-          </a:fontRef>
-        </p:style>
-        <p:txBody>
-          <a:bodyPr rtlCol="0" anchor="ctr"/>
-          <a:lstStyle/>
-          <a:p>
-            <a:pPr algn="ctr"/>
-            <a:r>
-              <a:rPr lang="en-US" dirty="0"/>
-              <a:t>Try to evaluate whether the choices we made make sense</a:t>
-            </a:r>
-          </a:p>
-        </p:txBody>
-      </p:sp>
-      <p:sp>
-        <p:nvSpPr>
-          <p:cNvPr id="8" name="Parchemin : horizontal 7">
-            <a:extLst>
-              <a:ext uri="{FF2B5EF4-FFF2-40B4-BE49-F238E27FC236}">
-                <a16:creationId xmlns:a16="http://schemas.microsoft.com/office/drawing/2014/main" id="{150313D5-3985-4F02-ADBC-4852A0CE90BA}"/>
-              </a:ext>
-            </a:extLst>
-          </p:cNvPr>
-          <p:cNvSpPr/>
-          <p:nvPr/>
-        </p:nvSpPr>
-        <p:spPr>
-          <a:xfrm>
-            <a:off x="4864232" y="5390269"/>
-            <a:ext cx="3191071" cy="1074655"/>
-          </a:xfrm>
-          <a:prstGeom prst="horizontalScroll">
-            <a:avLst/>
-          </a:prstGeom>
-        </p:spPr>
-        <p:style>
-          <a:lnRef idx="2">
-            <a:schemeClr val="accent2">
-              <a:shade val="50000"/>
-            </a:schemeClr>
-          </a:lnRef>
-          <a:fillRef idx="1">
-            <a:schemeClr val="accent2"/>
-          </a:fillRef>
-          <a:effectRef idx="0">
-            <a:schemeClr val="accent2"/>
-          </a:effectRef>
-          <a:fontRef idx="minor">
-            <a:schemeClr val="lt1"/>
-          </a:fontRef>
-        </p:style>
-        <p:txBody>
-          <a:bodyPr rtlCol="0" anchor="ctr"/>
-          <a:lstStyle/>
-          <a:p>
-            <a:pPr algn="ctr"/>
-            <a:r>
-              <a:rPr lang="en-US" b="1" dirty="0"/>
-              <a:t>Vocabulary clash!</a:t>
-            </a:r>
-            <a:r>
-              <a:rPr lang="en-US" dirty="0"/>
-              <a:t> “Validation”? “Test”?</a:t>
-            </a:r>
           </a:p>
         </p:txBody>
       </p:sp>
     </p:spTree>
     <p:extLst>
       <p:ext uri="{BB962C8B-B14F-4D97-AF65-F5344CB8AC3E}">
-        <p14:creationId xmlns:p14="http://schemas.microsoft.com/office/powerpoint/2010/main" val="2451205037"/>
+        <p14:creationId xmlns:p14="http://schemas.microsoft.com/office/powerpoint/2010/main" val="989325629"/>
       </p:ext>
     </p:extLst>
   </p:cSld>
@@ -14254,10 +13678,58 @@
       </p:grpSpPr>
       <p:sp>
         <p:nvSpPr>
+          <p:cNvPr id="11" name="Rectangle : coins arrondis 10">
+            <a:extLst>
+              <a:ext uri="{FF2B5EF4-FFF2-40B4-BE49-F238E27FC236}">
+                <a16:creationId xmlns:a16="http://schemas.microsoft.com/office/drawing/2014/main" id="{26013B2E-CC3B-413E-8CDB-4F1697F804B5}"/>
+              </a:ext>
+            </a:extLst>
+          </p:cNvPr>
+          <p:cNvSpPr/>
+          <p:nvPr/>
+        </p:nvSpPr>
+        <p:spPr>
+          <a:xfrm>
+            <a:off x="8152222" y="1960775"/>
+            <a:ext cx="2950981" cy="3638747"/>
+          </a:xfrm>
+          <a:prstGeom prst="roundRect">
+            <a:avLst/>
+          </a:prstGeom>
+          <a:ln/>
+        </p:spPr>
+        <p:style>
+          <a:lnRef idx="2">
+            <a:schemeClr val="accent2"/>
+          </a:lnRef>
+          <a:fillRef idx="1">
+            <a:schemeClr val="lt1"/>
+          </a:fillRef>
+          <a:effectRef idx="0">
+            <a:schemeClr val="accent2"/>
+          </a:effectRef>
+          <a:fontRef idx="minor">
+            <a:schemeClr val="dk1"/>
+          </a:fontRef>
+        </p:style>
+        <p:txBody>
+          <a:bodyPr rtlCol="0" anchor="t"/>
+          <a:lstStyle/>
+          <a:p>
+            <a:pPr algn="ctr"/>
+            <a:r>
+              <a:rPr lang="en-US" dirty="0"/>
+              <a:t>Machine Learning</a:t>
+            </a:r>
+          </a:p>
+        </p:txBody>
+      </p:sp>
+      <p:sp>
+        <p:nvSpPr>
           <p:cNvPr id="2" name="Titre 1">
             <a:extLst>
               <a:ext uri="{FF2B5EF4-FFF2-40B4-BE49-F238E27FC236}">
-                <a16:creationId xmlns:a16="http://schemas.microsoft.com/office/drawing/2014/main" id="{917F1DE8-CB6F-4342-AF58-634403FA2FCE}"/>
+                <a16:creationId xmlns:a16="http://schemas.microsoft.com/office/drawing/2014/main" id="{A5420EFC-FFB3-4740-9D5B-A9BB5F6B612F}"/>
               </a:ext>
             </a:extLst>
           </p:cNvPr>
@@ -14275,40 +13747,508 @@
           <a:p>
             <a:r>
               <a:rPr lang="en-US" dirty="0"/>
-              <a:t>Why do we need test/validation?</a:t>
-            </a:r>
-          </a:p>
-        </p:txBody>
-      </p:sp>
-      <p:sp>
-        <p:nvSpPr>
-          <p:cNvPr id="3" name="Espace réservé du texte 2">
-            <a:extLst>
-              <a:ext uri="{FF2B5EF4-FFF2-40B4-BE49-F238E27FC236}">
-                <a16:creationId xmlns:a16="http://schemas.microsoft.com/office/drawing/2014/main" id="{18CB57C6-E1FC-4F94-BDDB-7C4C622E0509}"/>
-              </a:ext>
-            </a:extLst>
-          </p:cNvPr>
-          <p:cNvSpPr>
-            <a:spLocks noGrp="1"/>
-          </p:cNvSpPr>
-          <p:nvPr>
-            <p:ph type="body" sz="quarter" idx="10"/>
-          </p:nvPr>
-        </p:nvSpPr>
-        <p:spPr/>
-        <p:txBody>
-          <a:bodyPr/>
-          <a:lstStyle/>
-          <a:p>
+              <a:t>Machine Learning pipeline</a:t>
+            </a:r>
+          </a:p>
+        </p:txBody>
+      </p:sp>
+      <p:sp>
+        <p:nvSpPr>
+          <p:cNvPr id="4" name="Organigramme : Disque magnétique 3">
+            <a:extLst>
+              <a:ext uri="{FF2B5EF4-FFF2-40B4-BE49-F238E27FC236}">
+                <a16:creationId xmlns:a16="http://schemas.microsoft.com/office/drawing/2014/main" id="{7C72C114-1A3F-4108-81DB-BC96D0970337}"/>
+              </a:ext>
+            </a:extLst>
+          </p:cNvPr>
+          <p:cNvSpPr/>
+          <p:nvPr/>
+        </p:nvSpPr>
+        <p:spPr>
+          <a:xfrm>
+            <a:off x="761998" y="3007151"/>
+            <a:ext cx="1867293" cy="1611983"/>
+          </a:xfrm>
+          <a:prstGeom prst="flowChartMagneticDisk">
+            <a:avLst/>
+          </a:prstGeom>
+        </p:spPr>
+        <p:style>
+          <a:lnRef idx="2">
+            <a:schemeClr val="dk1"/>
+          </a:lnRef>
+          <a:fillRef idx="1">
+            <a:schemeClr val="lt1"/>
+          </a:fillRef>
+          <a:effectRef idx="0">
+            <a:schemeClr val="dk1"/>
+          </a:effectRef>
+          <a:fontRef idx="minor">
+            <a:schemeClr val="dk1"/>
+          </a:fontRef>
+        </p:style>
+        <p:txBody>
+          <a:bodyPr rtlCol="0" anchor="ctr"/>
+          <a:lstStyle/>
+          <a:p>
+            <a:pPr algn="ctr"/>
+            <a:r>
+              <a:rPr lang="en-US" dirty="0"/>
+              <a:t>Raw data</a:t>
+            </a:r>
+          </a:p>
+        </p:txBody>
+      </p:sp>
+      <p:sp>
+        <p:nvSpPr>
+          <p:cNvPr id="5" name="Rectangle : coins arrondis 4">
+            <a:extLst>
+              <a:ext uri="{FF2B5EF4-FFF2-40B4-BE49-F238E27FC236}">
+                <a16:creationId xmlns:a16="http://schemas.microsoft.com/office/drawing/2014/main" id="{E6D5FD6A-1026-4A3F-974B-CBE700AB2544}"/>
+              </a:ext>
+            </a:extLst>
+          </p:cNvPr>
+          <p:cNvSpPr/>
+          <p:nvPr/>
+        </p:nvSpPr>
+        <p:spPr>
+          <a:xfrm>
+            <a:off x="3276206" y="3307615"/>
+            <a:ext cx="1791093" cy="1095866"/>
+          </a:xfrm>
+          <a:prstGeom prst="roundRect">
+            <a:avLst/>
+          </a:prstGeom>
+        </p:spPr>
+        <p:style>
+          <a:lnRef idx="2">
+            <a:schemeClr val="accent6"/>
+          </a:lnRef>
+          <a:fillRef idx="1">
+            <a:schemeClr val="lt1"/>
+          </a:fillRef>
+          <a:effectRef idx="0">
+            <a:schemeClr val="accent6"/>
+          </a:effectRef>
+          <a:fontRef idx="minor">
+            <a:schemeClr val="dk1"/>
+          </a:fontRef>
+        </p:style>
+        <p:txBody>
+          <a:bodyPr rtlCol="0" anchor="ctr"/>
+          <a:lstStyle/>
+          <a:p>
+            <a:pPr algn="ctr"/>
+            <a:r>
+              <a:rPr lang="en-US" dirty="0"/>
+              <a:t>Preprocessing</a:t>
+            </a:r>
+          </a:p>
+        </p:txBody>
+      </p:sp>
+      <p:sp>
+        <p:nvSpPr>
+          <p:cNvPr id="6" name="Rectangle : coins arrondis 5">
+            <a:extLst>
+              <a:ext uri="{FF2B5EF4-FFF2-40B4-BE49-F238E27FC236}">
+                <a16:creationId xmlns:a16="http://schemas.microsoft.com/office/drawing/2014/main" id="{EED3D23D-DCE6-461A-9290-2AE5D2A13024}"/>
+              </a:ext>
+            </a:extLst>
+          </p:cNvPr>
+          <p:cNvSpPr/>
+          <p:nvPr/>
+        </p:nvSpPr>
+        <p:spPr>
+          <a:xfrm>
+            <a:off x="5714214" y="3307629"/>
+            <a:ext cx="1791093" cy="1095866"/>
+          </a:xfrm>
+          <a:prstGeom prst="roundRect">
+            <a:avLst/>
+          </a:prstGeom>
+          <a:ln>
+            <a:solidFill>
+              <a:schemeClr val="accent1"/>
+            </a:solidFill>
+          </a:ln>
+        </p:spPr>
+        <p:style>
+          <a:lnRef idx="2">
+            <a:schemeClr val="accent6"/>
+          </a:lnRef>
+          <a:fillRef idx="1">
+            <a:schemeClr val="lt1"/>
+          </a:fillRef>
+          <a:effectRef idx="0">
+            <a:schemeClr val="accent6"/>
+          </a:effectRef>
+          <a:fontRef idx="minor">
+            <a:schemeClr val="dk1"/>
+          </a:fontRef>
+        </p:style>
+        <p:txBody>
+          <a:bodyPr rtlCol="0" anchor="ctr"/>
+          <a:lstStyle/>
+          <a:p>
+            <a:pPr algn="ctr"/>
+            <a:r>
+              <a:rPr lang="en-US" dirty="0"/>
+              <a:t>Feature engineering</a:t>
+            </a:r>
+          </a:p>
+        </p:txBody>
+      </p:sp>
+      <p:sp>
+        <p:nvSpPr>
+          <p:cNvPr id="7" name="Rectangle : coins arrondis 6">
+            <a:extLst>
+              <a:ext uri="{FF2B5EF4-FFF2-40B4-BE49-F238E27FC236}">
+                <a16:creationId xmlns:a16="http://schemas.microsoft.com/office/drawing/2014/main" id="{881C9840-4F76-4F8B-8CC9-87B790F8CDF2}"/>
+              </a:ext>
+            </a:extLst>
+          </p:cNvPr>
+          <p:cNvSpPr/>
+          <p:nvPr/>
+        </p:nvSpPr>
+        <p:spPr>
+          <a:xfrm>
+            <a:off x="8480589" y="2668788"/>
+            <a:ext cx="2331171" cy="677567"/>
+          </a:xfrm>
+          <a:prstGeom prst="roundRect">
+            <a:avLst/>
+          </a:prstGeom>
+          <a:solidFill>
+            <a:schemeClr val="accent2">
+              <a:lumMod val="75000"/>
+            </a:schemeClr>
+          </a:solidFill>
+          <a:ln/>
+        </p:spPr>
+        <p:style>
+          <a:lnRef idx="2">
+            <a:schemeClr val="accent2"/>
+          </a:lnRef>
+          <a:fillRef idx="1">
+            <a:schemeClr val="lt1"/>
+          </a:fillRef>
+          <a:effectRef idx="0">
+            <a:schemeClr val="accent2"/>
+          </a:effectRef>
+          <a:fontRef idx="minor">
+            <a:schemeClr val="dk1"/>
+          </a:fontRef>
+        </p:style>
+        <p:txBody>
+          <a:bodyPr rtlCol="0" anchor="ctr"/>
+          <a:lstStyle/>
+          <a:p>
+            <a:pPr algn="ctr"/>
+            <a:r>
+              <a:rPr lang="en-US" dirty="0">
+                <a:solidFill>
+                  <a:schemeClr val="bg1"/>
+                </a:solidFill>
+              </a:rPr>
+              <a:t>Model selection</a:t>
+            </a:r>
+          </a:p>
+        </p:txBody>
+      </p:sp>
+      <p:sp>
+        <p:nvSpPr>
+          <p:cNvPr id="9" name="Rectangle : coins arrondis 8">
+            <a:extLst>
+              <a:ext uri="{FF2B5EF4-FFF2-40B4-BE49-F238E27FC236}">
+                <a16:creationId xmlns:a16="http://schemas.microsoft.com/office/drawing/2014/main" id="{9CDF2850-8F9D-4F03-9337-08204EE86A4B}"/>
+              </a:ext>
+            </a:extLst>
+          </p:cNvPr>
+          <p:cNvSpPr/>
+          <p:nvPr/>
+        </p:nvSpPr>
+        <p:spPr>
+          <a:xfrm>
+            <a:off x="8480589" y="3536135"/>
+            <a:ext cx="2331171" cy="677566"/>
+          </a:xfrm>
+          <a:prstGeom prst="roundRect">
+            <a:avLst/>
+          </a:prstGeom>
+          <a:solidFill>
+            <a:schemeClr val="accent2">
+              <a:lumMod val="60000"/>
+              <a:lumOff val="40000"/>
+            </a:schemeClr>
+          </a:solidFill>
+          <a:ln/>
+        </p:spPr>
+        <p:style>
+          <a:lnRef idx="2">
+            <a:schemeClr val="accent2"/>
+          </a:lnRef>
+          <a:fillRef idx="1">
+            <a:schemeClr val="lt1"/>
+          </a:fillRef>
+          <a:effectRef idx="0">
+            <a:schemeClr val="accent2"/>
+          </a:effectRef>
+          <a:fontRef idx="minor">
+            <a:schemeClr val="dk1"/>
+          </a:fontRef>
+        </p:style>
+        <p:txBody>
+          <a:bodyPr rtlCol="0" anchor="ctr"/>
+          <a:lstStyle/>
+          <a:p>
+            <a:pPr algn="ctr"/>
+            <a:r>
+              <a:rPr lang="en-US" dirty="0"/>
+              <a:t>Hyperparameter tuning</a:t>
+            </a:r>
+          </a:p>
+        </p:txBody>
+      </p:sp>
+      <p:sp>
+        <p:nvSpPr>
+          <p:cNvPr id="10" name="Rectangle : coins arrondis 9">
+            <a:extLst>
+              <a:ext uri="{FF2B5EF4-FFF2-40B4-BE49-F238E27FC236}">
+                <a16:creationId xmlns:a16="http://schemas.microsoft.com/office/drawing/2014/main" id="{2D340371-28B8-455F-B881-A909062EAFF2}"/>
+              </a:ext>
+            </a:extLst>
+          </p:cNvPr>
+          <p:cNvSpPr/>
+          <p:nvPr/>
+        </p:nvSpPr>
+        <p:spPr>
+          <a:xfrm>
+            <a:off x="8480588" y="4403481"/>
+            <a:ext cx="2331171" cy="677566"/>
+          </a:xfrm>
+          <a:prstGeom prst="roundRect">
+            <a:avLst/>
+          </a:prstGeom>
+          <a:solidFill>
+            <a:schemeClr val="accent2">
+              <a:lumMod val="40000"/>
+              <a:lumOff val="60000"/>
+            </a:schemeClr>
+          </a:solidFill>
+          <a:ln/>
+        </p:spPr>
+        <p:style>
+          <a:lnRef idx="2">
+            <a:schemeClr val="accent2"/>
+          </a:lnRef>
+          <a:fillRef idx="1">
+            <a:schemeClr val="lt1"/>
+          </a:fillRef>
+          <a:effectRef idx="0">
+            <a:schemeClr val="accent2"/>
+          </a:effectRef>
+          <a:fontRef idx="minor">
+            <a:schemeClr val="dk1"/>
+          </a:fontRef>
+        </p:style>
+        <p:txBody>
+          <a:bodyPr rtlCol="0" anchor="ctr"/>
+          <a:lstStyle/>
+          <a:p>
+            <a:pPr algn="ctr"/>
+            <a:r>
+              <a:rPr lang="en-US" dirty="0"/>
+              <a:t>Training and validation</a:t>
+            </a:r>
+          </a:p>
+        </p:txBody>
+      </p:sp>
+      <p:sp>
+        <p:nvSpPr>
+          <p:cNvPr id="12" name="Flèche : droite 11">
+            <a:extLst>
+              <a:ext uri="{FF2B5EF4-FFF2-40B4-BE49-F238E27FC236}">
+                <a16:creationId xmlns:a16="http://schemas.microsoft.com/office/drawing/2014/main" id="{98B44FC7-2E2E-40E3-9F38-2053326FE093}"/>
+              </a:ext>
+            </a:extLst>
+          </p:cNvPr>
+          <p:cNvSpPr/>
+          <p:nvPr/>
+        </p:nvSpPr>
+        <p:spPr>
+          <a:xfrm>
+            <a:off x="2629291" y="3573259"/>
+            <a:ext cx="778103" cy="479765"/>
+          </a:xfrm>
+          <a:prstGeom prst="rightArrow">
+            <a:avLst/>
+          </a:prstGeom>
+        </p:spPr>
+        <p:style>
+          <a:lnRef idx="2">
+            <a:schemeClr val="dk1"/>
+          </a:lnRef>
+          <a:fillRef idx="1">
+            <a:schemeClr val="lt1"/>
+          </a:fillRef>
+          <a:effectRef idx="0">
+            <a:schemeClr val="dk1"/>
+          </a:effectRef>
+          <a:fontRef idx="minor">
+            <a:schemeClr val="dk1"/>
+          </a:fontRef>
+        </p:style>
+        <p:txBody>
+          <a:bodyPr rtlCol="0" anchor="ctr"/>
+          <a:lstStyle/>
+          <a:p>
+            <a:pPr algn="ctr"/>
             <a:endParaRPr lang="en-US"/>
+          </a:p>
+        </p:txBody>
+      </p:sp>
+      <p:sp>
+        <p:nvSpPr>
+          <p:cNvPr id="13" name="Flèche : droite 12">
+            <a:extLst>
+              <a:ext uri="{FF2B5EF4-FFF2-40B4-BE49-F238E27FC236}">
+                <a16:creationId xmlns:a16="http://schemas.microsoft.com/office/drawing/2014/main" id="{60828FC5-75BB-4604-850A-76BD9F07E5A2}"/>
+              </a:ext>
+            </a:extLst>
+          </p:cNvPr>
+          <p:cNvSpPr/>
+          <p:nvPr/>
+        </p:nvSpPr>
+        <p:spPr>
+          <a:xfrm>
+            <a:off x="5067299" y="3573259"/>
+            <a:ext cx="778103" cy="479765"/>
+          </a:xfrm>
+          <a:prstGeom prst="rightArrow">
+            <a:avLst/>
+          </a:prstGeom>
+        </p:spPr>
+        <p:style>
+          <a:lnRef idx="2">
+            <a:schemeClr val="dk1"/>
+          </a:lnRef>
+          <a:fillRef idx="1">
+            <a:schemeClr val="lt1"/>
+          </a:fillRef>
+          <a:effectRef idx="0">
+            <a:schemeClr val="dk1"/>
+          </a:effectRef>
+          <a:fontRef idx="minor">
+            <a:schemeClr val="dk1"/>
+          </a:fontRef>
+        </p:style>
+        <p:txBody>
+          <a:bodyPr rtlCol="0" anchor="ctr"/>
+          <a:lstStyle/>
+          <a:p>
+            <a:pPr algn="ctr"/>
+            <a:endParaRPr lang="en-US"/>
+          </a:p>
+        </p:txBody>
+      </p:sp>
+      <p:sp>
+        <p:nvSpPr>
+          <p:cNvPr id="14" name="Flèche : droite 13">
+            <a:extLst>
+              <a:ext uri="{FF2B5EF4-FFF2-40B4-BE49-F238E27FC236}">
+                <a16:creationId xmlns:a16="http://schemas.microsoft.com/office/drawing/2014/main" id="{24B54F9A-3828-49C7-98E5-A37788AE27BC}"/>
+              </a:ext>
+            </a:extLst>
+          </p:cNvPr>
+          <p:cNvSpPr/>
+          <p:nvPr/>
+        </p:nvSpPr>
+        <p:spPr>
+          <a:xfrm>
+            <a:off x="7505307" y="3615665"/>
+            <a:ext cx="778103" cy="479765"/>
+          </a:xfrm>
+          <a:prstGeom prst="rightArrow">
+            <a:avLst/>
+          </a:prstGeom>
+        </p:spPr>
+        <p:style>
+          <a:lnRef idx="2">
+            <a:schemeClr val="dk1"/>
+          </a:lnRef>
+          <a:fillRef idx="1">
+            <a:schemeClr val="lt1"/>
+          </a:fillRef>
+          <a:effectRef idx="0">
+            <a:schemeClr val="dk1"/>
+          </a:effectRef>
+          <a:fontRef idx="minor">
+            <a:schemeClr val="dk1"/>
+          </a:fontRef>
+        </p:style>
+        <p:txBody>
+          <a:bodyPr rtlCol="0" anchor="ctr"/>
+          <a:lstStyle/>
+          <a:p>
+            <a:pPr algn="ctr"/>
+            <a:endParaRPr lang="en-US"/>
+          </a:p>
+        </p:txBody>
+      </p:sp>
+      <p:sp>
+        <p:nvSpPr>
+          <p:cNvPr id="3" name="Bulle narrative : rectangle 2">
+            <a:extLst>
+              <a:ext uri="{FF2B5EF4-FFF2-40B4-BE49-F238E27FC236}">
+                <a16:creationId xmlns:a16="http://schemas.microsoft.com/office/drawing/2014/main" id="{C6689762-CBB9-49C4-8F17-5B84F3D4ECE9}"/>
+              </a:ext>
+            </a:extLst>
+          </p:cNvPr>
+          <p:cNvSpPr/>
+          <p:nvPr/>
+        </p:nvSpPr>
+        <p:spPr>
+          <a:xfrm>
+            <a:off x="4147795" y="4781406"/>
+            <a:ext cx="3503824" cy="818116"/>
+          </a:xfrm>
+          <a:prstGeom prst="wedgeRectCallout">
+            <a:avLst>
+              <a:gd name="adj1" fmla="val 79177"/>
+              <a:gd name="adj2" fmla="val -55083"/>
+            </a:avLst>
+          </a:prstGeom>
+        </p:spPr>
+        <p:style>
+          <a:lnRef idx="2">
+            <a:schemeClr val="accent2"/>
+          </a:lnRef>
+          <a:fillRef idx="1">
+            <a:schemeClr val="lt1"/>
+          </a:fillRef>
+          <a:effectRef idx="0">
+            <a:schemeClr val="accent2"/>
+          </a:effectRef>
+          <a:fontRef idx="minor">
+            <a:schemeClr val="dk1"/>
+          </a:fontRef>
+        </p:style>
+        <p:txBody>
+          <a:bodyPr rtlCol="0" anchor="ctr"/>
+          <a:lstStyle/>
+          <a:p>
+            <a:pPr algn="ctr"/>
+            <a:r>
+              <a:rPr lang="en-US" dirty="0"/>
+              <a:t>Try to evaluate whether the choices we made make sense</a:t>
+            </a:r>
           </a:p>
         </p:txBody>
       </p:sp>
     </p:spTree>
     <p:extLst>
       <p:ext uri="{BB962C8B-B14F-4D97-AF65-F5344CB8AC3E}">
-        <p14:creationId xmlns:p14="http://schemas.microsoft.com/office/powerpoint/2010/main" val="346557092"/>
+        <p14:creationId xmlns:p14="http://schemas.microsoft.com/office/powerpoint/2010/main" val="1481294426"/>
       </p:ext>
     </p:extLst>
   </p:cSld>
@@ -14337,10 +14277,58 @@
       </p:grpSpPr>
       <p:sp>
         <p:nvSpPr>
+          <p:cNvPr id="11" name="Rectangle : coins arrondis 10">
+            <a:extLst>
+              <a:ext uri="{FF2B5EF4-FFF2-40B4-BE49-F238E27FC236}">
+                <a16:creationId xmlns:a16="http://schemas.microsoft.com/office/drawing/2014/main" id="{26013B2E-CC3B-413E-8CDB-4F1697F804B5}"/>
+              </a:ext>
+            </a:extLst>
+          </p:cNvPr>
+          <p:cNvSpPr/>
+          <p:nvPr/>
+        </p:nvSpPr>
+        <p:spPr>
+          <a:xfrm>
+            <a:off x="8152222" y="1960775"/>
+            <a:ext cx="2950981" cy="3638747"/>
+          </a:xfrm>
+          <a:prstGeom prst="roundRect">
+            <a:avLst/>
+          </a:prstGeom>
+          <a:ln/>
+        </p:spPr>
+        <p:style>
+          <a:lnRef idx="2">
+            <a:schemeClr val="accent2"/>
+          </a:lnRef>
+          <a:fillRef idx="1">
+            <a:schemeClr val="lt1"/>
+          </a:fillRef>
+          <a:effectRef idx="0">
+            <a:schemeClr val="accent2"/>
+          </a:effectRef>
+          <a:fontRef idx="minor">
+            <a:schemeClr val="dk1"/>
+          </a:fontRef>
+        </p:style>
+        <p:txBody>
+          <a:bodyPr rtlCol="0" anchor="t"/>
+          <a:lstStyle/>
+          <a:p>
+            <a:pPr algn="ctr"/>
+            <a:r>
+              <a:rPr lang="en-US" dirty="0"/>
+              <a:t>Machine Learning</a:t>
+            </a:r>
+          </a:p>
+        </p:txBody>
+      </p:sp>
+      <p:sp>
+        <p:nvSpPr>
           <p:cNvPr id="2" name="Titre 1">
             <a:extLst>
               <a:ext uri="{FF2B5EF4-FFF2-40B4-BE49-F238E27FC236}">
-                <a16:creationId xmlns:a16="http://schemas.microsoft.com/office/drawing/2014/main" id="{ECFB150F-5597-47CB-A30A-85D6D9543B2F}"/>
+                <a16:creationId xmlns:a16="http://schemas.microsoft.com/office/drawing/2014/main" id="{A5420EFC-FFB3-4740-9D5B-A9BB5F6B612F}"/>
               </a:ext>
             </a:extLst>
           </p:cNvPr>
@@ -14358,35 +14346,553 @@
           <a:p>
             <a:r>
               <a:rPr lang="en-US" dirty="0"/>
-              <a:t>Why do we need test/validation?</a:t>
-            </a:r>
-          </a:p>
-        </p:txBody>
-      </p:sp>
-      <p:sp>
-        <p:nvSpPr>
-          <p:cNvPr id="3" name="Espace réservé du texte 2">
-            <a:extLst>
-              <a:ext uri="{FF2B5EF4-FFF2-40B4-BE49-F238E27FC236}">
-                <a16:creationId xmlns:a16="http://schemas.microsoft.com/office/drawing/2014/main" id="{B6437D54-6C1C-444B-8EEE-CDD87CC3A28D}"/>
-              </a:ext>
-            </a:extLst>
-          </p:cNvPr>
-          <p:cNvSpPr>
-            <a:spLocks noGrp="1"/>
-          </p:cNvSpPr>
-          <p:nvPr>
-            <p:ph type="body" sz="quarter" idx="10"/>
-          </p:nvPr>
-        </p:nvSpPr>
-        <p:spPr/>
-        <p:txBody>
-          <a:bodyPr/>
-          <a:lstStyle/>
-          <a:p>
-            <a:r>
-              <a:rPr lang="en-US" dirty="0"/>
-              <a:t>The Final Boss: OVERFITTING</a:t>
+              <a:t>Machine Learning pipeline</a:t>
+            </a:r>
+          </a:p>
+        </p:txBody>
+      </p:sp>
+      <p:sp>
+        <p:nvSpPr>
+          <p:cNvPr id="4" name="Organigramme : Disque magnétique 3">
+            <a:extLst>
+              <a:ext uri="{FF2B5EF4-FFF2-40B4-BE49-F238E27FC236}">
+                <a16:creationId xmlns:a16="http://schemas.microsoft.com/office/drawing/2014/main" id="{7C72C114-1A3F-4108-81DB-BC96D0970337}"/>
+              </a:ext>
+            </a:extLst>
+          </p:cNvPr>
+          <p:cNvSpPr/>
+          <p:nvPr/>
+        </p:nvSpPr>
+        <p:spPr>
+          <a:xfrm>
+            <a:off x="761998" y="3007151"/>
+            <a:ext cx="1867293" cy="1611983"/>
+          </a:xfrm>
+          <a:prstGeom prst="flowChartMagneticDisk">
+            <a:avLst/>
+          </a:prstGeom>
+        </p:spPr>
+        <p:style>
+          <a:lnRef idx="2">
+            <a:schemeClr val="dk1"/>
+          </a:lnRef>
+          <a:fillRef idx="1">
+            <a:schemeClr val="lt1"/>
+          </a:fillRef>
+          <a:effectRef idx="0">
+            <a:schemeClr val="dk1"/>
+          </a:effectRef>
+          <a:fontRef idx="minor">
+            <a:schemeClr val="dk1"/>
+          </a:fontRef>
+        </p:style>
+        <p:txBody>
+          <a:bodyPr rtlCol="0" anchor="ctr"/>
+          <a:lstStyle/>
+          <a:p>
+            <a:pPr algn="ctr"/>
+            <a:r>
+              <a:rPr lang="en-US" dirty="0"/>
+              <a:t>Raw data</a:t>
+            </a:r>
+          </a:p>
+        </p:txBody>
+      </p:sp>
+      <p:sp>
+        <p:nvSpPr>
+          <p:cNvPr id="5" name="Rectangle : coins arrondis 4">
+            <a:extLst>
+              <a:ext uri="{FF2B5EF4-FFF2-40B4-BE49-F238E27FC236}">
+                <a16:creationId xmlns:a16="http://schemas.microsoft.com/office/drawing/2014/main" id="{E6D5FD6A-1026-4A3F-974B-CBE700AB2544}"/>
+              </a:ext>
+            </a:extLst>
+          </p:cNvPr>
+          <p:cNvSpPr/>
+          <p:nvPr/>
+        </p:nvSpPr>
+        <p:spPr>
+          <a:xfrm>
+            <a:off x="3276206" y="3307615"/>
+            <a:ext cx="1791093" cy="1095866"/>
+          </a:xfrm>
+          <a:prstGeom prst="roundRect">
+            <a:avLst/>
+          </a:prstGeom>
+        </p:spPr>
+        <p:style>
+          <a:lnRef idx="2">
+            <a:schemeClr val="accent6"/>
+          </a:lnRef>
+          <a:fillRef idx="1">
+            <a:schemeClr val="lt1"/>
+          </a:fillRef>
+          <a:effectRef idx="0">
+            <a:schemeClr val="accent6"/>
+          </a:effectRef>
+          <a:fontRef idx="minor">
+            <a:schemeClr val="dk1"/>
+          </a:fontRef>
+        </p:style>
+        <p:txBody>
+          <a:bodyPr rtlCol="0" anchor="ctr"/>
+          <a:lstStyle/>
+          <a:p>
+            <a:pPr algn="ctr"/>
+            <a:r>
+              <a:rPr lang="en-US" dirty="0"/>
+              <a:t>Preprocessing</a:t>
+            </a:r>
+          </a:p>
+        </p:txBody>
+      </p:sp>
+      <p:sp>
+        <p:nvSpPr>
+          <p:cNvPr id="6" name="Rectangle : coins arrondis 5">
+            <a:extLst>
+              <a:ext uri="{FF2B5EF4-FFF2-40B4-BE49-F238E27FC236}">
+                <a16:creationId xmlns:a16="http://schemas.microsoft.com/office/drawing/2014/main" id="{EED3D23D-DCE6-461A-9290-2AE5D2A13024}"/>
+              </a:ext>
+            </a:extLst>
+          </p:cNvPr>
+          <p:cNvSpPr/>
+          <p:nvPr/>
+        </p:nvSpPr>
+        <p:spPr>
+          <a:xfrm>
+            <a:off x="5714214" y="3307629"/>
+            <a:ext cx="1791093" cy="1095866"/>
+          </a:xfrm>
+          <a:prstGeom prst="roundRect">
+            <a:avLst/>
+          </a:prstGeom>
+          <a:ln>
+            <a:solidFill>
+              <a:schemeClr val="accent1"/>
+            </a:solidFill>
+          </a:ln>
+        </p:spPr>
+        <p:style>
+          <a:lnRef idx="2">
+            <a:schemeClr val="accent6"/>
+          </a:lnRef>
+          <a:fillRef idx="1">
+            <a:schemeClr val="lt1"/>
+          </a:fillRef>
+          <a:effectRef idx="0">
+            <a:schemeClr val="accent6"/>
+          </a:effectRef>
+          <a:fontRef idx="minor">
+            <a:schemeClr val="dk1"/>
+          </a:fontRef>
+        </p:style>
+        <p:txBody>
+          <a:bodyPr rtlCol="0" anchor="ctr"/>
+          <a:lstStyle/>
+          <a:p>
+            <a:pPr algn="ctr"/>
+            <a:r>
+              <a:rPr lang="en-US" dirty="0"/>
+              <a:t>Feature engineering</a:t>
+            </a:r>
+          </a:p>
+        </p:txBody>
+      </p:sp>
+      <p:sp>
+        <p:nvSpPr>
+          <p:cNvPr id="7" name="Rectangle : coins arrondis 6">
+            <a:extLst>
+              <a:ext uri="{FF2B5EF4-FFF2-40B4-BE49-F238E27FC236}">
+                <a16:creationId xmlns:a16="http://schemas.microsoft.com/office/drawing/2014/main" id="{881C9840-4F76-4F8B-8CC9-87B790F8CDF2}"/>
+              </a:ext>
+            </a:extLst>
+          </p:cNvPr>
+          <p:cNvSpPr/>
+          <p:nvPr/>
+        </p:nvSpPr>
+        <p:spPr>
+          <a:xfrm>
+            <a:off x="8480589" y="2668788"/>
+            <a:ext cx="2331171" cy="677567"/>
+          </a:xfrm>
+          <a:prstGeom prst="roundRect">
+            <a:avLst/>
+          </a:prstGeom>
+          <a:solidFill>
+            <a:schemeClr val="accent2">
+              <a:lumMod val="75000"/>
+            </a:schemeClr>
+          </a:solidFill>
+          <a:ln/>
+        </p:spPr>
+        <p:style>
+          <a:lnRef idx="2">
+            <a:schemeClr val="accent2"/>
+          </a:lnRef>
+          <a:fillRef idx="1">
+            <a:schemeClr val="lt1"/>
+          </a:fillRef>
+          <a:effectRef idx="0">
+            <a:schemeClr val="accent2"/>
+          </a:effectRef>
+          <a:fontRef idx="minor">
+            <a:schemeClr val="dk1"/>
+          </a:fontRef>
+        </p:style>
+        <p:txBody>
+          <a:bodyPr rtlCol="0" anchor="ctr"/>
+          <a:lstStyle/>
+          <a:p>
+            <a:pPr algn="ctr"/>
+            <a:r>
+              <a:rPr lang="en-US" dirty="0">
+                <a:solidFill>
+                  <a:schemeClr val="bg1"/>
+                </a:solidFill>
+              </a:rPr>
+              <a:t>Model selection</a:t>
+            </a:r>
+          </a:p>
+        </p:txBody>
+      </p:sp>
+      <p:sp>
+        <p:nvSpPr>
+          <p:cNvPr id="9" name="Rectangle : coins arrondis 8">
+            <a:extLst>
+              <a:ext uri="{FF2B5EF4-FFF2-40B4-BE49-F238E27FC236}">
+                <a16:creationId xmlns:a16="http://schemas.microsoft.com/office/drawing/2014/main" id="{9CDF2850-8F9D-4F03-9337-08204EE86A4B}"/>
+              </a:ext>
+            </a:extLst>
+          </p:cNvPr>
+          <p:cNvSpPr/>
+          <p:nvPr/>
+        </p:nvSpPr>
+        <p:spPr>
+          <a:xfrm>
+            <a:off x="8480589" y="3536135"/>
+            <a:ext cx="2331171" cy="677566"/>
+          </a:xfrm>
+          <a:prstGeom prst="roundRect">
+            <a:avLst/>
+          </a:prstGeom>
+          <a:solidFill>
+            <a:schemeClr val="accent2">
+              <a:lumMod val="60000"/>
+              <a:lumOff val="40000"/>
+            </a:schemeClr>
+          </a:solidFill>
+          <a:ln/>
+        </p:spPr>
+        <p:style>
+          <a:lnRef idx="2">
+            <a:schemeClr val="accent2"/>
+          </a:lnRef>
+          <a:fillRef idx="1">
+            <a:schemeClr val="lt1"/>
+          </a:fillRef>
+          <a:effectRef idx="0">
+            <a:schemeClr val="accent2"/>
+          </a:effectRef>
+          <a:fontRef idx="minor">
+            <a:schemeClr val="dk1"/>
+          </a:fontRef>
+        </p:style>
+        <p:txBody>
+          <a:bodyPr rtlCol="0" anchor="ctr"/>
+          <a:lstStyle/>
+          <a:p>
+            <a:pPr algn="ctr"/>
+            <a:r>
+              <a:rPr lang="en-US" dirty="0"/>
+              <a:t>Hyperparameter tuning</a:t>
+            </a:r>
+          </a:p>
+        </p:txBody>
+      </p:sp>
+      <p:sp>
+        <p:nvSpPr>
+          <p:cNvPr id="10" name="Rectangle : coins arrondis 9">
+            <a:extLst>
+              <a:ext uri="{FF2B5EF4-FFF2-40B4-BE49-F238E27FC236}">
+                <a16:creationId xmlns:a16="http://schemas.microsoft.com/office/drawing/2014/main" id="{2D340371-28B8-455F-B881-A909062EAFF2}"/>
+              </a:ext>
+            </a:extLst>
+          </p:cNvPr>
+          <p:cNvSpPr/>
+          <p:nvPr/>
+        </p:nvSpPr>
+        <p:spPr>
+          <a:xfrm>
+            <a:off x="8480588" y="4403481"/>
+            <a:ext cx="2331171" cy="677566"/>
+          </a:xfrm>
+          <a:prstGeom prst="roundRect">
+            <a:avLst/>
+          </a:prstGeom>
+          <a:solidFill>
+            <a:schemeClr val="accent2">
+              <a:lumMod val="40000"/>
+              <a:lumOff val="60000"/>
+            </a:schemeClr>
+          </a:solidFill>
+          <a:ln/>
+        </p:spPr>
+        <p:style>
+          <a:lnRef idx="2">
+            <a:schemeClr val="accent2"/>
+          </a:lnRef>
+          <a:fillRef idx="1">
+            <a:schemeClr val="lt1"/>
+          </a:fillRef>
+          <a:effectRef idx="0">
+            <a:schemeClr val="accent2"/>
+          </a:effectRef>
+          <a:fontRef idx="minor">
+            <a:schemeClr val="dk1"/>
+          </a:fontRef>
+        </p:style>
+        <p:txBody>
+          <a:bodyPr rtlCol="0" anchor="ctr"/>
+          <a:lstStyle/>
+          <a:p>
+            <a:pPr algn="ctr"/>
+            <a:r>
+              <a:rPr lang="en-US" dirty="0"/>
+              <a:t>Training and validation</a:t>
+            </a:r>
+          </a:p>
+        </p:txBody>
+      </p:sp>
+      <p:sp>
+        <p:nvSpPr>
+          <p:cNvPr id="12" name="Flèche : droite 11">
+            <a:extLst>
+              <a:ext uri="{FF2B5EF4-FFF2-40B4-BE49-F238E27FC236}">
+                <a16:creationId xmlns:a16="http://schemas.microsoft.com/office/drawing/2014/main" id="{98B44FC7-2E2E-40E3-9F38-2053326FE093}"/>
+              </a:ext>
+            </a:extLst>
+          </p:cNvPr>
+          <p:cNvSpPr/>
+          <p:nvPr/>
+        </p:nvSpPr>
+        <p:spPr>
+          <a:xfrm>
+            <a:off x="2629291" y="3573259"/>
+            <a:ext cx="778103" cy="479765"/>
+          </a:xfrm>
+          <a:prstGeom prst="rightArrow">
+            <a:avLst/>
+          </a:prstGeom>
+        </p:spPr>
+        <p:style>
+          <a:lnRef idx="2">
+            <a:schemeClr val="dk1"/>
+          </a:lnRef>
+          <a:fillRef idx="1">
+            <a:schemeClr val="lt1"/>
+          </a:fillRef>
+          <a:effectRef idx="0">
+            <a:schemeClr val="dk1"/>
+          </a:effectRef>
+          <a:fontRef idx="minor">
+            <a:schemeClr val="dk1"/>
+          </a:fontRef>
+        </p:style>
+        <p:txBody>
+          <a:bodyPr rtlCol="0" anchor="ctr"/>
+          <a:lstStyle/>
+          <a:p>
+            <a:pPr algn="ctr"/>
+            <a:endParaRPr lang="en-US"/>
+          </a:p>
+        </p:txBody>
+      </p:sp>
+      <p:sp>
+        <p:nvSpPr>
+          <p:cNvPr id="13" name="Flèche : droite 12">
+            <a:extLst>
+              <a:ext uri="{FF2B5EF4-FFF2-40B4-BE49-F238E27FC236}">
+                <a16:creationId xmlns:a16="http://schemas.microsoft.com/office/drawing/2014/main" id="{60828FC5-75BB-4604-850A-76BD9F07E5A2}"/>
+              </a:ext>
+            </a:extLst>
+          </p:cNvPr>
+          <p:cNvSpPr/>
+          <p:nvPr/>
+        </p:nvSpPr>
+        <p:spPr>
+          <a:xfrm>
+            <a:off x="5067299" y="3573259"/>
+            <a:ext cx="778103" cy="479765"/>
+          </a:xfrm>
+          <a:prstGeom prst="rightArrow">
+            <a:avLst/>
+          </a:prstGeom>
+        </p:spPr>
+        <p:style>
+          <a:lnRef idx="2">
+            <a:schemeClr val="dk1"/>
+          </a:lnRef>
+          <a:fillRef idx="1">
+            <a:schemeClr val="lt1"/>
+          </a:fillRef>
+          <a:effectRef idx="0">
+            <a:schemeClr val="dk1"/>
+          </a:effectRef>
+          <a:fontRef idx="minor">
+            <a:schemeClr val="dk1"/>
+          </a:fontRef>
+        </p:style>
+        <p:txBody>
+          <a:bodyPr rtlCol="0" anchor="ctr"/>
+          <a:lstStyle/>
+          <a:p>
+            <a:pPr algn="ctr"/>
+            <a:endParaRPr lang="en-US"/>
+          </a:p>
+        </p:txBody>
+      </p:sp>
+      <p:sp>
+        <p:nvSpPr>
+          <p:cNvPr id="14" name="Flèche : droite 13">
+            <a:extLst>
+              <a:ext uri="{FF2B5EF4-FFF2-40B4-BE49-F238E27FC236}">
+                <a16:creationId xmlns:a16="http://schemas.microsoft.com/office/drawing/2014/main" id="{24B54F9A-3828-49C7-98E5-A37788AE27BC}"/>
+              </a:ext>
+            </a:extLst>
+          </p:cNvPr>
+          <p:cNvSpPr/>
+          <p:nvPr/>
+        </p:nvSpPr>
+        <p:spPr>
+          <a:xfrm>
+            <a:off x="7505307" y="3615665"/>
+            <a:ext cx="778103" cy="479765"/>
+          </a:xfrm>
+          <a:prstGeom prst="rightArrow">
+            <a:avLst/>
+          </a:prstGeom>
+        </p:spPr>
+        <p:style>
+          <a:lnRef idx="2">
+            <a:schemeClr val="dk1"/>
+          </a:lnRef>
+          <a:fillRef idx="1">
+            <a:schemeClr val="lt1"/>
+          </a:fillRef>
+          <a:effectRef idx="0">
+            <a:schemeClr val="dk1"/>
+          </a:effectRef>
+          <a:fontRef idx="minor">
+            <a:schemeClr val="dk1"/>
+          </a:fontRef>
+        </p:style>
+        <p:txBody>
+          <a:bodyPr rtlCol="0" anchor="ctr"/>
+          <a:lstStyle/>
+          <a:p>
+            <a:pPr algn="ctr"/>
+            <a:endParaRPr lang="en-US"/>
+          </a:p>
+        </p:txBody>
+      </p:sp>
+      <p:sp>
+        <p:nvSpPr>
+          <p:cNvPr id="3" name="Bulle narrative : rectangle 2">
+            <a:extLst>
+              <a:ext uri="{FF2B5EF4-FFF2-40B4-BE49-F238E27FC236}">
+                <a16:creationId xmlns:a16="http://schemas.microsoft.com/office/drawing/2014/main" id="{C6689762-CBB9-49C4-8F17-5B84F3D4ECE9}"/>
+              </a:ext>
+            </a:extLst>
+          </p:cNvPr>
+          <p:cNvSpPr/>
+          <p:nvPr/>
+        </p:nvSpPr>
+        <p:spPr>
+          <a:xfrm>
+            <a:off x="4147795" y="4781406"/>
+            <a:ext cx="3503824" cy="818116"/>
+          </a:xfrm>
+          <a:prstGeom prst="wedgeRectCallout">
+            <a:avLst>
+              <a:gd name="adj1" fmla="val 79177"/>
+              <a:gd name="adj2" fmla="val -55083"/>
+            </a:avLst>
+          </a:prstGeom>
+        </p:spPr>
+        <p:style>
+          <a:lnRef idx="2">
+            <a:schemeClr val="accent2"/>
+          </a:lnRef>
+          <a:fillRef idx="1">
+            <a:schemeClr val="lt1"/>
+          </a:fillRef>
+          <a:effectRef idx="0">
+            <a:schemeClr val="accent2"/>
+          </a:effectRef>
+          <a:fontRef idx="minor">
+            <a:schemeClr val="dk1"/>
+          </a:fontRef>
+        </p:style>
+        <p:txBody>
+          <a:bodyPr rtlCol="0" anchor="ctr"/>
+          <a:lstStyle/>
+          <a:p>
+            <a:pPr algn="ctr"/>
+            <a:r>
+              <a:rPr lang="en-US" dirty="0"/>
+              <a:t>Try to evaluate whether the choices we made make sense</a:t>
+            </a:r>
+          </a:p>
+        </p:txBody>
+      </p:sp>
+      <p:sp>
+        <p:nvSpPr>
+          <p:cNvPr id="8" name="Parchemin : horizontal 7">
+            <a:extLst>
+              <a:ext uri="{FF2B5EF4-FFF2-40B4-BE49-F238E27FC236}">
+                <a16:creationId xmlns:a16="http://schemas.microsoft.com/office/drawing/2014/main" id="{150313D5-3985-4F02-ADBC-4852A0CE90BA}"/>
+              </a:ext>
+            </a:extLst>
+          </p:cNvPr>
+          <p:cNvSpPr/>
+          <p:nvPr/>
+        </p:nvSpPr>
+        <p:spPr>
+          <a:xfrm>
+            <a:off x="4864232" y="5390269"/>
+            <a:ext cx="3191071" cy="1074655"/>
+          </a:xfrm>
+          <a:prstGeom prst="horizontalScroll">
+            <a:avLst/>
+          </a:prstGeom>
+        </p:spPr>
+        <p:style>
+          <a:lnRef idx="2">
+            <a:schemeClr val="accent2">
+              <a:shade val="50000"/>
+            </a:schemeClr>
+          </a:lnRef>
+          <a:fillRef idx="1">
+            <a:schemeClr val="accent2"/>
+          </a:fillRef>
+          <a:effectRef idx="0">
+            <a:schemeClr val="accent2"/>
+          </a:effectRef>
+          <a:fontRef idx="minor">
+            <a:schemeClr val="lt1"/>
+          </a:fontRef>
+        </p:style>
+        <p:txBody>
+          <a:bodyPr rtlCol="0" anchor="ctr"/>
+          <a:lstStyle/>
+          <a:p>
+            <a:pPr algn="ctr"/>
+            <a:r>
+              <a:rPr lang="en-US" b="1" dirty="0"/>
+              <a:t>Vocabulary clash!</a:t>
+            </a:r>
+            <a:r>
+              <a:rPr lang="en-US" dirty="0"/>
+              <a:t> “Validation”? “Test”?</a:t>
             </a:r>
           </a:p>
         </p:txBody>
@@ -14394,7 +14900,7 @@
     </p:spTree>
     <p:extLst>
       <p:ext uri="{BB962C8B-B14F-4D97-AF65-F5344CB8AC3E}">
-        <p14:creationId xmlns:p14="http://schemas.microsoft.com/office/powerpoint/2010/main" val="2874937924"/>
+        <p14:creationId xmlns:p14="http://schemas.microsoft.com/office/powerpoint/2010/main" val="2451205037"/>
       </p:ext>
     </p:extLst>
   </p:cSld>
@@ -14426,7 +14932,7 @@
           <p:cNvPr id="2" name="Titre 1">
             <a:extLst>
               <a:ext uri="{FF2B5EF4-FFF2-40B4-BE49-F238E27FC236}">
-                <a16:creationId xmlns:a16="http://schemas.microsoft.com/office/drawing/2014/main" id="{F16277E0-521C-4E4C-BB21-74B628BD62D2}"/>
+                <a16:creationId xmlns:a16="http://schemas.microsoft.com/office/drawing/2014/main" id="{917F1DE8-CB6F-4342-AF58-634403FA2FCE}"/>
               </a:ext>
             </a:extLst>
           </p:cNvPr>
@@ -14444,7 +14950,7 @@
           <a:p>
             <a:r>
               <a:rPr lang="en-US" dirty="0"/>
-              <a:t>Take-home message(s)</a:t>
+              <a:t>Why do we need test/validation?</a:t>
             </a:r>
           </a:p>
         </p:txBody>
@@ -14454,7 +14960,7 @@
           <p:cNvPr id="3" name="Espace réservé du texte 2">
             <a:extLst>
               <a:ext uri="{FF2B5EF4-FFF2-40B4-BE49-F238E27FC236}">
-                <a16:creationId xmlns:a16="http://schemas.microsoft.com/office/drawing/2014/main" id="{23EF29C7-F839-4D4E-A71E-63C15B6F5979}"/>
+                <a16:creationId xmlns:a16="http://schemas.microsoft.com/office/drawing/2014/main" id="{18CB57C6-E1FC-4F94-BDDB-7C4C622E0509}"/>
               </a:ext>
             </a:extLst>
           </p:cNvPr>
@@ -14470,24 +14976,14 @@
           <a:bodyPr/>
           <a:lstStyle/>
           <a:p>
-            <a:r>
-              <a:rPr lang="en-US" dirty="0"/>
-              <a:t>Always preprocess your data, carefully</a:t>
-            </a:r>
-          </a:p>
-          <a:p>
-            <a:pPr lvl="1"/>
-            <a:r>
-              <a:rPr lang="en-US" dirty="0"/>
-              <a:t>Missing values? Remove rows, imputation</a:t>
-            </a:r>
+            <a:endParaRPr lang="en-US"/>
           </a:p>
         </p:txBody>
       </p:sp>
     </p:spTree>
     <p:extLst>
       <p:ext uri="{BB962C8B-B14F-4D97-AF65-F5344CB8AC3E}">
-        <p14:creationId xmlns:p14="http://schemas.microsoft.com/office/powerpoint/2010/main" val="2504076959"/>
+        <p14:creationId xmlns:p14="http://schemas.microsoft.com/office/powerpoint/2010/main" val="346557092"/>
       </p:ext>
     </p:extLst>
   </p:cSld>
@@ -14660,6 +15156,815 @@
     <p:extLst>
       <p:ext uri="{BB962C8B-B14F-4D97-AF65-F5344CB8AC3E}">
         <p14:creationId xmlns:p14="http://schemas.microsoft.com/office/powerpoint/2010/main" val="1304693269"/>
+      </p:ext>
+    </p:extLst>
+  </p:cSld>
+  <p:clrMapOvr>
+    <a:masterClrMapping/>
+  </p:clrMapOvr>
+</p:sld>
+</file>
+
+<file path=ppt/slides/slide40.xml><?xml version="1.0" encoding="utf-8"?>
+<p:sld xmlns:a="http://schemas.openxmlformats.org/drawingml/2006/main" xmlns:r="http://schemas.openxmlformats.org/officeDocument/2006/relationships" xmlns:p="http://schemas.openxmlformats.org/presentationml/2006/main">
+  <p:cSld>
+    <p:spTree>
+      <p:nvGrpSpPr>
+        <p:cNvPr id="1" name=""/>
+        <p:cNvGrpSpPr/>
+        <p:nvPr/>
+      </p:nvGrpSpPr>
+      <p:grpSpPr>
+        <a:xfrm>
+          <a:off x="0" y="0"/>
+          <a:ext cx="0" cy="0"/>
+          <a:chOff x="0" y="0"/>
+          <a:chExt cx="0" cy="0"/>
+        </a:xfrm>
+      </p:grpSpPr>
+      <p:sp>
+        <p:nvSpPr>
+          <p:cNvPr id="2" name="Titre 1">
+            <a:extLst>
+              <a:ext uri="{FF2B5EF4-FFF2-40B4-BE49-F238E27FC236}">
+                <a16:creationId xmlns:a16="http://schemas.microsoft.com/office/drawing/2014/main" id="{ECFB150F-5597-47CB-A30A-85D6D9543B2F}"/>
+              </a:ext>
+            </a:extLst>
+          </p:cNvPr>
+          <p:cNvSpPr>
+            <a:spLocks noGrp="1"/>
+          </p:cNvSpPr>
+          <p:nvPr>
+            <p:ph type="title"/>
+          </p:nvPr>
+        </p:nvSpPr>
+        <p:spPr/>
+        <p:txBody>
+          <a:bodyPr/>
+          <a:lstStyle/>
+          <a:p>
+            <a:r>
+              <a:rPr lang="en-US" dirty="0"/>
+              <a:t>Why do we need test/validation?</a:t>
+            </a:r>
+          </a:p>
+        </p:txBody>
+      </p:sp>
+      <p:sp>
+        <p:nvSpPr>
+          <p:cNvPr id="3" name="Espace réservé du texte 2">
+            <a:extLst>
+              <a:ext uri="{FF2B5EF4-FFF2-40B4-BE49-F238E27FC236}">
+                <a16:creationId xmlns:a16="http://schemas.microsoft.com/office/drawing/2014/main" id="{B6437D54-6C1C-444B-8EEE-CDD87CC3A28D}"/>
+              </a:ext>
+            </a:extLst>
+          </p:cNvPr>
+          <p:cNvSpPr>
+            <a:spLocks noGrp="1"/>
+          </p:cNvSpPr>
+          <p:nvPr>
+            <p:ph type="body" sz="quarter" idx="10"/>
+          </p:nvPr>
+        </p:nvSpPr>
+        <p:spPr/>
+        <p:txBody>
+          <a:bodyPr/>
+          <a:lstStyle/>
+          <a:p>
+            <a:r>
+              <a:rPr lang="en-US" dirty="0"/>
+              <a:t>The Final Boss: OVERFITTING</a:t>
+            </a:r>
+          </a:p>
+        </p:txBody>
+      </p:sp>
+    </p:spTree>
+    <p:extLst>
+      <p:ext uri="{BB962C8B-B14F-4D97-AF65-F5344CB8AC3E}">
+        <p14:creationId xmlns:p14="http://schemas.microsoft.com/office/powerpoint/2010/main" val="2874937924"/>
+      </p:ext>
+    </p:extLst>
+  </p:cSld>
+  <p:clrMapOvr>
+    <a:masterClrMapping/>
+  </p:clrMapOvr>
+</p:sld>
+</file>
+
+<file path=ppt/slides/slide41.xml><?xml version="1.0" encoding="utf-8"?>
+<p:sld xmlns:a="http://schemas.openxmlformats.org/drawingml/2006/main" xmlns:r="http://schemas.openxmlformats.org/officeDocument/2006/relationships" xmlns:p="http://schemas.openxmlformats.org/presentationml/2006/main">
+  <p:cSld>
+    <p:spTree>
+      <p:nvGrpSpPr>
+        <p:cNvPr id="1" name=""/>
+        <p:cNvGrpSpPr/>
+        <p:nvPr/>
+      </p:nvGrpSpPr>
+      <p:grpSpPr>
+        <a:xfrm>
+          <a:off x="0" y="0"/>
+          <a:ext cx="0" cy="0"/>
+          <a:chOff x="0" y="0"/>
+          <a:chExt cx="0" cy="0"/>
+        </a:xfrm>
+      </p:grpSpPr>
+      <p:sp>
+        <p:nvSpPr>
+          <p:cNvPr id="2" name="Titre 1">
+            <a:extLst>
+              <a:ext uri="{FF2B5EF4-FFF2-40B4-BE49-F238E27FC236}">
+                <a16:creationId xmlns:a16="http://schemas.microsoft.com/office/drawing/2014/main" id="{CBCCCC6A-6CFD-42C9-ADB0-F630C9C18CDF}"/>
+              </a:ext>
+            </a:extLst>
+          </p:cNvPr>
+          <p:cNvSpPr>
+            <a:spLocks noGrp="1"/>
+          </p:cNvSpPr>
+          <p:nvPr>
+            <p:ph type="title"/>
+          </p:nvPr>
+        </p:nvSpPr>
+        <p:spPr/>
+        <p:txBody>
+          <a:bodyPr/>
+          <a:lstStyle/>
+          <a:p>
+            <a:r>
+              <a:rPr lang="en-US" dirty="0"/>
+              <a:t>Algorithms work inside a computer</a:t>
+            </a:r>
+          </a:p>
+        </p:txBody>
+      </p:sp>
+      <p:sp>
+        <p:nvSpPr>
+          <p:cNvPr id="3" name="Espace réservé du texte 2">
+            <a:extLst>
+              <a:ext uri="{FF2B5EF4-FFF2-40B4-BE49-F238E27FC236}">
+                <a16:creationId xmlns:a16="http://schemas.microsoft.com/office/drawing/2014/main" id="{9770FCB6-8085-46C4-A1F5-C6F025E186E8}"/>
+              </a:ext>
+            </a:extLst>
+          </p:cNvPr>
+          <p:cNvSpPr>
+            <a:spLocks noGrp="1"/>
+          </p:cNvSpPr>
+          <p:nvPr>
+            <p:ph type="body" sz="quarter" idx="10"/>
+          </p:nvPr>
+        </p:nvSpPr>
+        <p:spPr/>
+        <p:txBody>
+          <a:bodyPr/>
+          <a:lstStyle/>
+          <a:p>
+            <a:r>
+              <a:rPr lang="en-US" dirty="0"/>
+              <a:t>How are numbers represented inside a computer?</a:t>
+            </a:r>
+          </a:p>
+        </p:txBody>
+      </p:sp>
+    </p:spTree>
+    <p:extLst>
+      <p:ext uri="{BB962C8B-B14F-4D97-AF65-F5344CB8AC3E}">
+        <p14:creationId xmlns:p14="http://schemas.microsoft.com/office/powerpoint/2010/main" val="1795394502"/>
+      </p:ext>
+    </p:extLst>
+  </p:cSld>
+  <p:clrMapOvr>
+    <a:masterClrMapping/>
+  </p:clrMapOvr>
+</p:sld>
+</file>
+
+<file path=ppt/slides/slide42.xml><?xml version="1.0" encoding="utf-8"?>
+<p:sld xmlns:a="http://schemas.openxmlformats.org/drawingml/2006/main" xmlns:r="http://schemas.openxmlformats.org/officeDocument/2006/relationships" xmlns:p="http://schemas.openxmlformats.org/presentationml/2006/main">
+  <p:cSld>
+    <p:spTree>
+      <p:nvGrpSpPr>
+        <p:cNvPr id="1" name=""/>
+        <p:cNvGrpSpPr/>
+        <p:nvPr/>
+      </p:nvGrpSpPr>
+      <p:grpSpPr>
+        <a:xfrm>
+          <a:off x="0" y="0"/>
+          <a:ext cx="0" cy="0"/>
+          <a:chOff x="0" y="0"/>
+          <a:chExt cx="0" cy="0"/>
+        </a:xfrm>
+      </p:grpSpPr>
+      <p:sp>
+        <p:nvSpPr>
+          <p:cNvPr id="2" name="Titre 1">
+            <a:extLst>
+              <a:ext uri="{FF2B5EF4-FFF2-40B4-BE49-F238E27FC236}">
+                <a16:creationId xmlns:a16="http://schemas.microsoft.com/office/drawing/2014/main" id="{5CEF1637-54BA-4FA0-88C4-107082B6A8CE}"/>
+              </a:ext>
+            </a:extLst>
+          </p:cNvPr>
+          <p:cNvSpPr>
+            <a:spLocks noGrp="1"/>
+          </p:cNvSpPr>
+          <p:nvPr>
+            <p:ph type="title"/>
+          </p:nvPr>
+        </p:nvSpPr>
+        <p:spPr/>
+        <p:txBody>
+          <a:bodyPr/>
+          <a:lstStyle/>
+          <a:p>
+            <a:r>
+              <a:rPr lang="en-US" dirty="0"/>
+              <a:t>Algorithms work inside a computer</a:t>
+            </a:r>
+          </a:p>
+        </p:txBody>
+      </p:sp>
+      <p:sp>
+        <p:nvSpPr>
+          <p:cNvPr id="3" name="Espace réservé du texte 2">
+            <a:extLst>
+              <a:ext uri="{FF2B5EF4-FFF2-40B4-BE49-F238E27FC236}">
+                <a16:creationId xmlns:a16="http://schemas.microsoft.com/office/drawing/2014/main" id="{432AF0FA-388A-4BBE-9011-D25E999FA96A}"/>
+              </a:ext>
+            </a:extLst>
+          </p:cNvPr>
+          <p:cNvSpPr>
+            <a:spLocks noGrp="1"/>
+          </p:cNvSpPr>
+          <p:nvPr>
+            <p:ph type="body" sz="quarter" idx="10"/>
+          </p:nvPr>
+        </p:nvSpPr>
+        <p:spPr/>
+        <p:txBody>
+          <a:bodyPr/>
+          <a:lstStyle/>
+          <a:p>
+            <a:r>
+              <a:rPr lang="en-US" i="1" dirty="0"/>
+              <a:t>Limit</a:t>
+            </a:r>
+            <a:r>
+              <a:rPr lang="en-US" dirty="0"/>
+              <a:t> to minimum and maximum representable</a:t>
+            </a:r>
+          </a:p>
+          <a:p>
+            <a:r>
+              <a:rPr lang="en-US" i="1" dirty="0"/>
+              <a:t>Limit</a:t>
+            </a:r>
+            <a:r>
+              <a:rPr lang="en-US" dirty="0"/>
+              <a:t> to the smallest detectable difference (</a:t>
+            </a:r>
+            <a:r>
+              <a:rPr lang="en-US" b="1" dirty="0"/>
+              <a:t>machine epsilon</a:t>
+            </a:r>
+            <a:r>
+              <a:rPr lang="en-US" dirty="0"/>
+              <a:t>)</a:t>
+            </a:r>
+          </a:p>
+          <a:p>
+            <a:r>
+              <a:rPr lang="en-US" dirty="0"/>
+              <a:t>Precision can be increased, at the cost of memory</a:t>
+            </a:r>
+          </a:p>
+        </p:txBody>
+      </p:sp>
+    </p:spTree>
+    <p:extLst>
+      <p:ext uri="{BB962C8B-B14F-4D97-AF65-F5344CB8AC3E}">
+        <p14:creationId xmlns:p14="http://schemas.microsoft.com/office/powerpoint/2010/main" val="1697303312"/>
+      </p:ext>
+    </p:extLst>
+  </p:cSld>
+  <p:clrMapOvr>
+    <a:masterClrMapping/>
+  </p:clrMapOvr>
+</p:sld>
+</file>
+
+<file path=ppt/slides/slide43.xml><?xml version="1.0" encoding="utf-8"?>
+<p:sld xmlns:a="http://schemas.openxmlformats.org/drawingml/2006/main" xmlns:r="http://schemas.openxmlformats.org/officeDocument/2006/relationships" xmlns:p="http://schemas.openxmlformats.org/presentationml/2006/main">
+  <p:cSld>
+    <p:spTree>
+      <p:nvGrpSpPr>
+        <p:cNvPr id="1" name=""/>
+        <p:cNvGrpSpPr/>
+        <p:nvPr/>
+      </p:nvGrpSpPr>
+      <p:grpSpPr>
+        <a:xfrm>
+          <a:off x="0" y="0"/>
+          <a:ext cx="0" cy="0"/>
+          <a:chOff x="0" y="0"/>
+          <a:chExt cx="0" cy="0"/>
+        </a:xfrm>
+      </p:grpSpPr>
+      <p:sp>
+        <p:nvSpPr>
+          <p:cNvPr id="2" name="Titre 1">
+            <a:extLst>
+              <a:ext uri="{FF2B5EF4-FFF2-40B4-BE49-F238E27FC236}">
+                <a16:creationId xmlns:a16="http://schemas.microsoft.com/office/drawing/2014/main" id="{C934E2D7-5102-4E23-97E4-8B84C2528D0A}"/>
+              </a:ext>
+            </a:extLst>
+          </p:cNvPr>
+          <p:cNvSpPr>
+            <a:spLocks noGrp="1"/>
+          </p:cNvSpPr>
+          <p:nvPr>
+            <p:ph type="title"/>
+          </p:nvPr>
+        </p:nvSpPr>
+        <p:spPr/>
+        <p:txBody>
+          <a:bodyPr/>
+          <a:lstStyle/>
+          <a:p>
+            <a:r>
+              <a:rPr lang="en-US" dirty="0"/>
+              <a:t>(Pseudo-)Random number generation</a:t>
+            </a:r>
+          </a:p>
+        </p:txBody>
+      </p:sp>
+      <p:sp>
+        <p:nvSpPr>
+          <p:cNvPr id="3" name="Espace réservé du texte 2">
+            <a:extLst>
+              <a:ext uri="{FF2B5EF4-FFF2-40B4-BE49-F238E27FC236}">
+                <a16:creationId xmlns:a16="http://schemas.microsoft.com/office/drawing/2014/main" id="{CA9D43CC-3D49-40A5-9D8F-8C5908E20DF0}"/>
+              </a:ext>
+            </a:extLst>
+          </p:cNvPr>
+          <p:cNvSpPr>
+            <a:spLocks noGrp="1"/>
+          </p:cNvSpPr>
+          <p:nvPr>
+            <p:ph type="body" sz="quarter" idx="10"/>
+          </p:nvPr>
+        </p:nvSpPr>
+        <p:spPr/>
+        <p:txBody>
+          <a:bodyPr/>
+          <a:lstStyle/>
+          <a:p>
+            <a:endParaRPr lang="en-US"/>
+          </a:p>
+        </p:txBody>
+      </p:sp>
+    </p:spTree>
+    <p:extLst>
+      <p:ext uri="{BB962C8B-B14F-4D97-AF65-F5344CB8AC3E}">
+        <p14:creationId xmlns:p14="http://schemas.microsoft.com/office/powerpoint/2010/main" val="3671036996"/>
+      </p:ext>
+    </p:extLst>
+  </p:cSld>
+  <p:clrMapOvr>
+    <a:masterClrMapping/>
+  </p:clrMapOvr>
+</p:sld>
+</file>
+
+<file path=ppt/slides/slide44.xml><?xml version="1.0" encoding="utf-8"?>
+<p:sld xmlns:a="http://schemas.openxmlformats.org/drawingml/2006/main" xmlns:r="http://schemas.openxmlformats.org/officeDocument/2006/relationships" xmlns:p="http://schemas.openxmlformats.org/presentationml/2006/main">
+  <p:cSld>
+    <p:spTree>
+      <p:nvGrpSpPr>
+        <p:cNvPr id="1" name=""/>
+        <p:cNvGrpSpPr/>
+        <p:nvPr/>
+      </p:nvGrpSpPr>
+      <p:grpSpPr>
+        <a:xfrm>
+          <a:off x="0" y="0"/>
+          <a:ext cx="0" cy="0"/>
+          <a:chOff x="0" y="0"/>
+          <a:chExt cx="0" cy="0"/>
+        </a:xfrm>
+      </p:grpSpPr>
+      <p:sp>
+        <p:nvSpPr>
+          <p:cNvPr id="2" name="Titre 1">
+            <a:extLst>
+              <a:ext uri="{FF2B5EF4-FFF2-40B4-BE49-F238E27FC236}">
+                <a16:creationId xmlns:a16="http://schemas.microsoft.com/office/drawing/2014/main" id="{46BC1EF7-993C-49E8-9F73-C74F1D18E979}"/>
+              </a:ext>
+            </a:extLst>
+          </p:cNvPr>
+          <p:cNvSpPr>
+            <a:spLocks noGrp="1"/>
+          </p:cNvSpPr>
+          <p:nvPr>
+            <p:ph type="title"/>
+          </p:nvPr>
+        </p:nvSpPr>
+        <p:spPr/>
+        <p:txBody>
+          <a:bodyPr/>
+          <a:lstStyle/>
+          <a:p>
+            <a:r>
+              <a:rPr lang="en-US" dirty="0"/>
+              <a:t>Vocabulary</a:t>
+            </a:r>
+          </a:p>
+        </p:txBody>
+      </p:sp>
+      <p:sp>
+        <p:nvSpPr>
+          <p:cNvPr id="3" name="Espace réservé du texte 2">
+            <a:extLst>
+              <a:ext uri="{FF2B5EF4-FFF2-40B4-BE49-F238E27FC236}">
+                <a16:creationId xmlns:a16="http://schemas.microsoft.com/office/drawing/2014/main" id="{D707E4BC-8C5E-4A2B-86EC-CED2DF37A35F}"/>
+              </a:ext>
+            </a:extLst>
+          </p:cNvPr>
+          <p:cNvSpPr>
+            <a:spLocks noGrp="1"/>
+          </p:cNvSpPr>
+          <p:nvPr>
+            <p:ph type="body" sz="quarter" idx="10"/>
+          </p:nvPr>
+        </p:nvSpPr>
+        <p:spPr/>
+        <p:txBody>
+          <a:bodyPr>
+            <a:normAutofit fontScale="92500" lnSpcReduction="20000"/>
+          </a:bodyPr>
+          <a:lstStyle/>
+          <a:p>
+            <a:r>
+              <a:rPr lang="en-US" b="1" dirty="0"/>
+              <a:t>Model/predictor</a:t>
+            </a:r>
+            <a:r>
+              <a:rPr lang="en-US" dirty="0"/>
+              <a:t>: one candidate solution (regressor/classifier)</a:t>
+            </a:r>
+          </a:p>
+          <a:p>
+            <a:r>
+              <a:rPr lang="en-US" b="1" dirty="0"/>
+              <a:t>Model parameters</a:t>
+            </a:r>
+          </a:p>
+          <a:p>
+            <a:pPr lvl="1"/>
+            <a:r>
+              <a:rPr lang="en-US" dirty="0"/>
+              <a:t>Values (numerical, categorical, …) </a:t>
+            </a:r>
+            <a:r>
+              <a:rPr lang="en-US" i="1" dirty="0"/>
+              <a:t>inside </a:t>
+            </a:r>
+            <a:r>
+              <a:rPr lang="en-US" dirty="0"/>
+              <a:t>the model</a:t>
+            </a:r>
+          </a:p>
+          <a:p>
+            <a:pPr lvl="1"/>
+            <a:r>
+              <a:rPr lang="en-US" dirty="0"/>
+              <a:t>Optimized (e.g. change values) during training process</a:t>
+            </a:r>
+          </a:p>
+          <a:p>
+            <a:r>
+              <a:rPr lang="en-US" b="1" dirty="0"/>
+              <a:t>Samples</a:t>
+            </a:r>
+            <a:r>
+              <a:rPr lang="en-US" dirty="0"/>
+              <a:t>: rows of the dataset</a:t>
+            </a:r>
+          </a:p>
+          <a:p>
+            <a:r>
+              <a:rPr lang="en-US" b="1" dirty="0"/>
+              <a:t>Features</a:t>
+            </a:r>
+            <a:r>
+              <a:rPr lang="en-US" dirty="0"/>
+              <a:t>: columns of the dataset</a:t>
+            </a:r>
+          </a:p>
+          <a:p>
+            <a:r>
+              <a:rPr lang="en-US" b="1" dirty="0"/>
+              <a:t>Training data</a:t>
+            </a:r>
+            <a:r>
+              <a:rPr lang="en-US" dirty="0"/>
+              <a:t>: data from which we want to learn</a:t>
+            </a:r>
+          </a:p>
+          <a:p>
+            <a:r>
+              <a:rPr lang="en-US" b="1" dirty="0"/>
+              <a:t>Test data</a:t>
+            </a:r>
+            <a:r>
+              <a:rPr lang="en-US" dirty="0"/>
+              <a:t>: unseen data, kept aside to assess </a:t>
+            </a:r>
+            <a:r>
+              <a:rPr lang="en-US" i="1" dirty="0"/>
+              <a:t>generalization</a:t>
+            </a:r>
+          </a:p>
+          <a:p>
+            <a:r>
+              <a:rPr lang="en-US" b="1" dirty="0"/>
+              <a:t>Validation data</a:t>
+            </a:r>
+            <a:r>
+              <a:rPr lang="en-US" dirty="0"/>
+              <a:t>: used during training, not for training (!)</a:t>
+            </a:r>
+          </a:p>
+          <a:p>
+            <a:r>
+              <a:rPr lang="en-US" b="1" dirty="0"/>
+              <a:t>Training/Fit</a:t>
+            </a:r>
+            <a:r>
+              <a:rPr lang="en-US" dirty="0"/>
+              <a:t>: optimize parameter values to fit training data</a:t>
+            </a:r>
+          </a:p>
+        </p:txBody>
+      </p:sp>
+    </p:spTree>
+    <p:extLst>
+      <p:ext uri="{BB962C8B-B14F-4D97-AF65-F5344CB8AC3E}">
+        <p14:creationId xmlns:p14="http://schemas.microsoft.com/office/powerpoint/2010/main" val="954076953"/>
+      </p:ext>
+    </p:extLst>
+  </p:cSld>
+  <p:clrMapOvr>
+    <a:masterClrMapping/>
+  </p:clrMapOvr>
+</p:sld>
+</file>
+
+<file path=ppt/slides/slide45.xml><?xml version="1.0" encoding="utf-8"?>
+<p:sld xmlns:a="http://schemas.openxmlformats.org/drawingml/2006/main" xmlns:r="http://schemas.openxmlformats.org/officeDocument/2006/relationships" xmlns:p="http://schemas.openxmlformats.org/presentationml/2006/main">
+  <p:cSld>
+    <p:spTree>
+      <p:nvGrpSpPr>
+        <p:cNvPr id="1" name=""/>
+        <p:cNvGrpSpPr/>
+        <p:nvPr/>
+      </p:nvGrpSpPr>
+      <p:grpSpPr>
+        <a:xfrm>
+          <a:off x="0" y="0"/>
+          <a:ext cx="0" cy="0"/>
+          <a:chOff x="0" y="0"/>
+          <a:chExt cx="0" cy="0"/>
+        </a:xfrm>
+      </p:grpSpPr>
+      <p:sp>
+        <p:nvSpPr>
+          <p:cNvPr id="2" name="Titre 1">
+            <a:extLst>
+              <a:ext uri="{FF2B5EF4-FFF2-40B4-BE49-F238E27FC236}">
+                <a16:creationId xmlns:a16="http://schemas.microsoft.com/office/drawing/2014/main" id="{7DE80714-48D1-4894-B80C-F1927D1F01FA}"/>
+              </a:ext>
+            </a:extLst>
+          </p:cNvPr>
+          <p:cNvSpPr>
+            <a:spLocks noGrp="1"/>
+          </p:cNvSpPr>
+          <p:nvPr>
+            <p:ph type="title"/>
+          </p:nvPr>
+        </p:nvSpPr>
+        <p:spPr/>
+        <p:txBody>
+          <a:bodyPr/>
+          <a:lstStyle/>
+          <a:p>
+            <a:r>
+              <a:rPr lang="en-US" dirty="0"/>
+              <a:t>Vocabulary</a:t>
+            </a:r>
+          </a:p>
+        </p:txBody>
+      </p:sp>
+      <p:sp>
+        <p:nvSpPr>
+          <p:cNvPr id="3" name="Espace réservé du texte 2">
+            <a:extLst>
+              <a:ext uri="{FF2B5EF4-FFF2-40B4-BE49-F238E27FC236}">
+                <a16:creationId xmlns:a16="http://schemas.microsoft.com/office/drawing/2014/main" id="{BF544E7A-57A8-43F2-B906-58659CE26955}"/>
+              </a:ext>
+            </a:extLst>
+          </p:cNvPr>
+          <p:cNvSpPr>
+            <a:spLocks noGrp="1"/>
+          </p:cNvSpPr>
+          <p:nvPr>
+            <p:ph type="body" sz="quarter" idx="10"/>
+          </p:nvPr>
+        </p:nvSpPr>
+        <p:spPr/>
+        <p:txBody>
+          <a:bodyPr/>
+          <a:lstStyle/>
+          <a:p>
+            <a:r>
+              <a:rPr lang="en-US" b="1" dirty="0"/>
+              <a:t>Model hyperparameters</a:t>
+            </a:r>
+          </a:p>
+          <a:p>
+            <a:pPr lvl="1"/>
+            <a:r>
+              <a:rPr lang="en-US" dirty="0"/>
+              <a:t>Choices/parameters </a:t>
+            </a:r>
+            <a:r>
+              <a:rPr lang="en-US" i="1" dirty="0"/>
+              <a:t>outside </a:t>
+            </a:r>
+            <a:r>
+              <a:rPr lang="en-US" dirty="0"/>
+              <a:t>the model</a:t>
+            </a:r>
+          </a:p>
+          <a:p>
+            <a:pPr lvl="1"/>
+            <a:r>
+              <a:rPr lang="en-US" dirty="0"/>
+              <a:t>Usually user-defined </a:t>
+            </a:r>
+            <a:r>
+              <a:rPr lang="en-US" i="1" dirty="0"/>
+              <a:t>before</a:t>
+            </a:r>
+            <a:r>
+              <a:rPr lang="en-US" dirty="0"/>
+              <a:t> training process starts</a:t>
+            </a:r>
+          </a:p>
+          <a:p>
+            <a:r>
+              <a:rPr lang="en-US" b="1" dirty="0"/>
+              <a:t>Capacity </a:t>
+            </a:r>
+            <a:r>
+              <a:rPr lang="en-US" dirty="0"/>
+              <a:t>(loose definition)</a:t>
+            </a:r>
+          </a:p>
+          <a:p>
+            <a:pPr lvl="1"/>
+            <a:r>
+              <a:rPr lang="en-US" dirty="0"/>
+              <a:t>Maximum order of function that can be approximated by model</a:t>
+            </a:r>
+          </a:p>
+          <a:p>
+            <a:pPr lvl="1"/>
+            <a:r>
+              <a:rPr lang="en-US" dirty="0"/>
+              <a:t>The more parameters, the more capacity</a:t>
+            </a:r>
+          </a:p>
+          <a:p>
+            <a:r>
+              <a:rPr lang="en-US" b="1" dirty="0"/>
+              <a:t>Bias</a:t>
+            </a:r>
+            <a:r>
+              <a:rPr lang="en-US" dirty="0"/>
+              <a:t>: source of errors, not enough capacity (underfitting)</a:t>
+            </a:r>
+          </a:p>
+          <a:p>
+            <a:r>
+              <a:rPr lang="en-US" b="1" dirty="0"/>
+              <a:t>Variance</a:t>
+            </a:r>
+            <a:r>
+              <a:rPr lang="en-US" dirty="0"/>
+              <a:t>: sensitivity to small variations in training data, too much capacity (overfitting)</a:t>
+            </a:r>
+          </a:p>
+          <a:p>
+            <a:endParaRPr lang="en-US" dirty="0"/>
+          </a:p>
+        </p:txBody>
+      </p:sp>
+    </p:spTree>
+    <p:extLst>
+      <p:ext uri="{BB962C8B-B14F-4D97-AF65-F5344CB8AC3E}">
+        <p14:creationId xmlns:p14="http://schemas.microsoft.com/office/powerpoint/2010/main" val="569751743"/>
+      </p:ext>
+    </p:extLst>
+  </p:cSld>
+  <p:clrMapOvr>
+    <a:masterClrMapping/>
+  </p:clrMapOvr>
+</p:sld>
+</file>
+
+<file path=ppt/slides/slide46.xml><?xml version="1.0" encoding="utf-8"?>
+<p:sld xmlns:a="http://schemas.openxmlformats.org/drawingml/2006/main" xmlns:r="http://schemas.openxmlformats.org/officeDocument/2006/relationships" xmlns:p="http://schemas.openxmlformats.org/presentationml/2006/main">
+  <p:cSld>
+    <p:spTree>
+      <p:nvGrpSpPr>
+        <p:cNvPr id="1" name=""/>
+        <p:cNvGrpSpPr/>
+        <p:nvPr/>
+      </p:nvGrpSpPr>
+      <p:grpSpPr>
+        <a:xfrm>
+          <a:off x="0" y="0"/>
+          <a:ext cx="0" cy="0"/>
+          <a:chOff x="0" y="0"/>
+          <a:chExt cx="0" cy="0"/>
+        </a:xfrm>
+      </p:grpSpPr>
+      <p:sp>
+        <p:nvSpPr>
+          <p:cNvPr id="2" name="Titre 1">
+            <a:extLst>
+              <a:ext uri="{FF2B5EF4-FFF2-40B4-BE49-F238E27FC236}">
+                <a16:creationId xmlns:a16="http://schemas.microsoft.com/office/drawing/2014/main" id="{F16277E0-521C-4E4C-BB21-74B628BD62D2}"/>
+              </a:ext>
+            </a:extLst>
+          </p:cNvPr>
+          <p:cNvSpPr>
+            <a:spLocks noGrp="1"/>
+          </p:cNvSpPr>
+          <p:nvPr>
+            <p:ph type="title"/>
+          </p:nvPr>
+        </p:nvSpPr>
+        <p:spPr/>
+        <p:txBody>
+          <a:bodyPr/>
+          <a:lstStyle/>
+          <a:p>
+            <a:r>
+              <a:rPr lang="en-US" dirty="0"/>
+              <a:t>Take-home message(s)</a:t>
+            </a:r>
+          </a:p>
+        </p:txBody>
+      </p:sp>
+      <p:sp>
+        <p:nvSpPr>
+          <p:cNvPr id="3" name="Espace réservé du texte 2">
+            <a:extLst>
+              <a:ext uri="{FF2B5EF4-FFF2-40B4-BE49-F238E27FC236}">
+                <a16:creationId xmlns:a16="http://schemas.microsoft.com/office/drawing/2014/main" id="{23EF29C7-F839-4D4E-A71E-63C15B6F5979}"/>
+              </a:ext>
+            </a:extLst>
+          </p:cNvPr>
+          <p:cNvSpPr>
+            <a:spLocks noGrp="1"/>
+          </p:cNvSpPr>
+          <p:nvPr>
+            <p:ph type="body" sz="quarter" idx="10"/>
+          </p:nvPr>
+        </p:nvSpPr>
+        <p:spPr/>
+        <p:txBody>
+          <a:bodyPr/>
+          <a:lstStyle/>
+          <a:p>
+            <a:r>
+              <a:rPr lang="en-US" dirty="0"/>
+              <a:t>Always preprocess your data, carefully</a:t>
+            </a:r>
+          </a:p>
+          <a:p>
+            <a:pPr lvl="1"/>
+            <a:r>
+              <a:rPr lang="en-US" dirty="0"/>
+              <a:t>Missing values? Remove rows, imputation</a:t>
+            </a:r>
+          </a:p>
+        </p:txBody>
+      </p:sp>
+    </p:spTree>
+    <p:extLst>
+      <p:ext uri="{BB962C8B-B14F-4D97-AF65-F5344CB8AC3E}">
+        <p14:creationId xmlns:p14="http://schemas.microsoft.com/office/powerpoint/2010/main" val="2504076959"/>
       </p:ext>
     </p:extLst>
   </p:cSld>

--- a/deep-learning-in-practice-with-pytorch/0-machine-learning.pptx
+++ b/deep-learning-in-practice-with-pytorch/0-machine-learning.pptx
@@ -659,6 +659,125 @@
           <a:bodyPr/>
           <a:lstStyle/>
           <a:p>
+            <a:r>
+              <a:rPr lang="en-US" dirty="0"/>
+              <a:t>Qui </a:t>
+            </a:r>
+            <a:r>
+              <a:rPr lang="en-US" dirty="0" err="1"/>
+              <a:t>chiedi</a:t>
+            </a:r>
+            <a:r>
+              <a:rPr lang="en-US" dirty="0"/>
+              <a:t> </a:t>
+            </a:r>
+            <a:r>
+              <a:rPr lang="en-US" dirty="0" err="1"/>
+              <a:t>cosa</a:t>
+            </a:r>
+            <a:r>
+              <a:rPr lang="en-US" dirty="0"/>
+              <a:t> </a:t>
+            </a:r>
+            <a:r>
+              <a:rPr lang="en-US" dirty="0" err="1"/>
+              <a:t>può</a:t>
+            </a:r>
+            <a:r>
+              <a:rPr lang="en-US" dirty="0"/>
+              <a:t> </a:t>
+            </a:r>
+            <a:r>
+              <a:rPr lang="en-US" dirty="0" err="1"/>
+              <a:t>includere</a:t>
+            </a:r>
+            <a:r>
+              <a:rPr lang="en-US" dirty="0"/>
+              <a:t> il pre-processing</a:t>
+            </a:r>
+          </a:p>
+        </p:txBody>
+      </p:sp>
+      <p:sp>
+        <p:nvSpPr>
+          <p:cNvPr id="4" name="Espace réservé du numéro de diapositive 3"/>
+          <p:cNvSpPr>
+            <a:spLocks noGrp="1"/>
+          </p:cNvSpPr>
+          <p:nvPr>
+            <p:ph type="sldNum" sz="quarter" idx="5"/>
+          </p:nvPr>
+        </p:nvSpPr>
+        <p:spPr/>
+        <p:txBody>
+          <a:bodyPr/>
+          <a:lstStyle/>
+          <a:p>
+            <a:fld id="{48D977CF-5572-4704-BDD5-87BB4760C726}" type="slidenum">
+              <a:rPr lang="en-US" smtClean="0"/>
+              <a:t>51</a:t>
+            </a:fld>
+            <a:endParaRPr lang="en-US"/>
+          </a:p>
+        </p:txBody>
+      </p:sp>
+    </p:spTree>
+    <p:extLst>
+      <p:ext uri="{BB962C8B-B14F-4D97-AF65-F5344CB8AC3E}">
+        <p14:creationId xmlns:p14="http://schemas.microsoft.com/office/powerpoint/2010/main" val="1431585811"/>
+      </p:ext>
+    </p:extLst>
+  </p:cSld>
+  <p:clrMapOvr>
+    <a:masterClrMapping/>
+  </p:clrMapOvr>
+</p:notes>
+</file>
+
+<file path=ppt/notesSlides/notesSlide11.xml><?xml version="1.0" encoding="utf-8"?>
+<p:notes xmlns:a="http://schemas.openxmlformats.org/drawingml/2006/main" xmlns:r="http://schemas.openxmlformats.org/officeDocument/2006/relationships" xmlns:p="http://schemas.openxmlformats.org/presentationml/2006/main">
+  <p:cSld>
+    <p:spTree>
+      <p:nvGrpSpPr>
+        <p:cNvPr id="1" name=""/>
+        <p:cNvGrpSpPr/>
+        <p:nvPr/>
+      </p:nvGrpSpPr>
+      <p:grpSpPr>
+        <a:xfrm>
+          <a:off x="0" y="0"/>
+          <a:ext cx="0" cy="0"/>
+          <a:chOff x="0" y="0"/>
+          <a:chExt cx="0" cy="0"/>
+        </a:xfrm>
+      </p:grpSpPr>
+      <p:sp>
+        <p:nvSpPr>
+          <p:cNvPr id="2" name="Espace réservé de l'image des diapositives 1"/>
+          <p:cNvSpPr>
+            <a:spLocks noGrp="1" noRot="1" noChangeAspect="1"/>
+          </p:cNvSpPr>
+          <p:nvPr>
+            <p:ph type="sldImg"/>
+          </p:nvPr>
+        </p:nvSpPr>
+        <p:spPr/>
+      </p:sp>
+      <p:sp>
+        <p:nvSpPr>
+          <p:cNvPr id="3" name="Espace réservé des notes 2"/>
+          <p:cNvSpPr>
+            <a:spLocks noGrp="1"/>
+          </p:cNvSpPr>
+          <p:nvPr>
+            <p:ph type="body" idx="1"/>
+          </p:nvPr>
+        </p:nvSpPr>
+        <p:spPr/>
+        <p:txBody>
+          <a:bodyPr/>
+          <a:lstStyle/>
+          <a:p>
             <a:endParaRPr lang="en-US" dirty="0"/>
           </a:p>
         </p:txBody>
@@ -699,7 +818,7 @@
 </p:notes>
 </file>
 
-<file path=ppt/notesSlides/notesSlide11.xml><?xml version="1.0" encoding="utf-8"?>
+<file path=ppt/notesSlides/notesSlide12.xml><?xml version="1.0" encoding="utf-8"?>
 <p:notes xmlns:a="http://schemas.openxmlformats.org/drawingml/2006/main" xmlns:r="http://schemas.openxmlformats.org/officeDocument/2006/relationships" xmlns:p="http://schemas.openxmlformats.org/presentationml/2006/main">
   <p:cSld>
     <p:spTree>
@@ -1293,39 +1412,7 @@
           <a:p>
             <a:r>
               <a:rPr lang="en-US" dirty="0"/>
-              <a:t>Qui </a:t>
-            </a:r>
-            <a:r>
-              <a:rPr lang="en-US" dirty="0" err="1"/>
-              <a:t>chiedi</a:t>
-            </a:r>
-            <a:r>
-              <a:rPr lang="en-US" dirty="0"/>
-              <a:t> </a:t>
-            </a:r>
-            <a:r>
-              <a:rPr lang="en-US" dirty="0" err="1"/>
-              <a:t>cosa</a:t>
-            </a:r>
-            <a:r>
-              <a:rPr lang="en-US" dirty="0"/>
-              <a:t> </a:t>
-            </a:r>
-            <a:r>
-              <a:rPr lang="en-US" dirty="0" err="1"/>
-              <a:t>può</a:t>
-            </a:r>
-            <a:r>
-              <a:rPr lang="en-US" dirty="0"/>
-              <a:t> </a:t>
-            </a:r>
-            <a:r>
-              <a:rPr lang="en-US" dirty="0" err="1"/>
-              <a:t>includere</a:t>
-            </a:r>
-            <a:r>
-              <a:rPr lang="en-US" dirty="0"/>
-              <a:t> il pre-processing</a:t>
+              <a:t>Also mention time series!</a:t>
             </a:r>
           </a:p>
         </p:txBody>
@@ -1347,7 +1434,7 @@
           <a:p>
             <a:fld id="{48D977CF-5572-4704-BDD5-87BB4760C726}" type="slidenum">
               <a:rPr lang="en-US" smtClean="0"/>
-              <a:t>48</a:t>
+              <a:t>40</a:t>
             </a:fld>
             <a:endParaRPr lang="en-US"/>
           </a:p>
@@ -1356,7 +1443,7 @@
     </p:spTree>
     <p:extLst>
       <p:ext uri="{BB962C8B-B14F-4D97-AF65-F5344CB8AC3E}">
-        <p14:creationId xmlns:p14="http://schemas.microsoft.com/office/powerpoint/2010/main" val="2157182044"/>
+        <p14:creationId xmlns:p14="http://schemas.microsoft.com/office/powerpoint/2010/main" val="434993697"/>
       </p:ext>
     </p:extLst>
   </p:cSld>
@@ -1466,7 +1553,7 @@
           <a:p>
             <a:fld id="{48D977CF-5572-4704-BDD5-87BB4760C726}" type="slidenum">
               <a:rPr lang="en-US" smtClean="0"/>
-              <a:t>49</a:t>
+              <a:t>48</a:t>
             </a:fld>
             <a:endParaRPr lang="en-US"/>
           </a:p>
@@ -1475,7 +1562,7 @@
     </p:spTree>
     <p:extLst>
       <p:ext uri="{BB962C8B-B14F-4D97-AF65-F5344CB8AC3E}">
-        <p14:creationId xmlns:p14="http://schemas.microsoft.com/office/powerpoint/2010/main" val="623751587"/>
+        <p14:creationId xmlns:p14="http://schemas.microsoft.com/office/powerpoint/2010/main" val="2157182044"/>
       </p:ext>
     </p:extLst>
   </p:cSld>
@@ -1585,7 +1672,7 @@
           <a:p>
             <a:fld id="{48D977CF-5572-4704-BDD5-87BB4760C726}" type="slidenum">
               <a:rPr lang="en-US" smtClean="0"/>
-              <a:t>51</a:t>
+              <a:t>49</a:t>
             </a:fld>
             <a:endParaRPr lang="en-US"/>
           </a:p>
@@ -1594,7 +1681,7 @@
     </p:spTree>
     <p:extLst>
       <p:ext uri="{BB962C8B-B14F-4D97-AF65-F5344CB8AC3E}">
-        <p14:creationId xmlns:p14="http://schemas.microsoft.com/office/powerpoint/2010/main" val="1431585811"/>
+        <p14:creationId xmlns:p14="http://schemas.microsoft.com/office/powerpoint/2010/main" val="623751587"/>
       </p:ext>
     </p:extLst>
   </p:cSld>
@@ -1969,7 +2056,7 @@
           <p:nvPr userDrawn="1"/>
         </p:nvPicPr>
         <p:blipFill rotWithShape="1">
-          <a:blip r:embed="rId6">
+          <a:blip r:embed="rId6" cstate="print">
             <a:extLst>
               <a:ext uri="{BEBA8EAE-BF5A-486C-A8C5-ECC9F3942E4B}">
                 <a14:imgProps xmlns:a14="http://schemas.microsoft.com/office/drawing/2010/main">
@@ -2023,7 +2110,13 @@
           <p:nvPr userDrawn="1"/>
         </p:nvPicPr>
         <p:blipFill>
-          <a:blip r:embed="rId8"/>
+          <a:blip r:embed="rId8">
+            <a:extLst>
+              <a:ext uri="{28A0092B-C50C-407E-A947-70E740481C1C}">
+                <a14:useLocalDpi xmlns:a14="http://schemas.microsoft.com/office/drawing/2010/main" val="0"/>
+              </a:ext>
+            </a:extLst>
+          </a:blip>
           <a:stretch>
             <a:fillRect/>
           </a:stretch>
@@ -2423,7 +2516,7 @@
           <p:nvPr userDrawn="1"/>
         </p:nvPicPr>
         <p:blipFill rotWithShape="1">
-          <a:blip r:embed="rId6">
+          <a:blip r:embed="rId6" cstate="print">
             <a:extLst>
               <a:ext uri="{BEBA8EAE-BF5A-486C-A8C5-ECC9F3942E4B}">
                 <a14:imgProps xmlns:a14="http://schemas.microsoft.com/office/drawing/2010/main">
@@ -2477,7 +2570,13 @@
           <p:nvPr userDrawn="1"/>
         </p:nvPicPr>
         <p:blipFill>
-          <a:blip r:embed="rId8"/>
+          <a:blip r:embed="rId8">
+            <a:extLst>
+              <a:ext uri="{28A0092B-C50C-407E-A947-70E740481C1C}">
+                <a14:useLocalDpi xmlns:a14="http://schemas.microsoft.com/office/drawing/2010/main" val="0"/>
+              </a:ext>
+            </a:extLst>
+          </a:blip>
           <a:stretch>
             <a:fillRect/>
           </a:stretch>
@@ -4331,7 +4430,7 @@
             <a:lum bright="70000" contrast="-70000"/>
             <a:extLst>
               <a:ext uri="{28A0092B-C50C-407E-A947-70E740481C1C}">
-                <a14:useLocalDpi xmlns:a14="http://schemas.microsoft.com/office/drawing/2010/main"/>
+                <a14:useLocalDpi xmlns:a14="http://schemas.microsoft.com/office/drawing/2010/main" val="0"/>
               </a:ext>
             </a:extLst>
           </a:blip>
@@ -4583,7 +4682,13 @@
           <p:nvPr/>
         </p:nvPicPr>
         <p:blipFill>
-          <a:blip r:embed="rId3"/>
+          <a:blip r:embed="rId3">
+            <a:extLst>
+              <a:ext uri="{28A0092B-C50C-407E-A947-70E740481C1C}">
+                <a14:useLocalDpi xmlns:a14="http://schemas.microsoft.com/office/drawing/2010/main" val="0"/>
+              </a:ext>
+            </a:extLst>
+          </a:blip>
           <a:stretch>
             <a:fillRect/>
           </a:stretch>
@@ -4673,7 +4778,13 @@
           <p:nvPr/>
         </p:nvPicPr>
         <p:blipFill>
-          <a:blip r:embed="rId4"/>
+          <a:blip r:embed="rId4">
+            <a:extLst>
+              <a:ext uri="{28A0092B-C50C-407E-A947-70E740481C1C}">
+                <a14:useLocalDpi xmlns:a14="http://schemas.microsoft.com/office/drawing/2010/main" val="0"/>
+              </a:ext>
+            </a:extLst>
+          </a:blip>
           <a:stretch>
             <a:fillRect/>
           </a:stretch>
@@ -4703,7 +4814,13 @@
           <p:nvPr/>
         </p:nvPicPr>
         <p:blipFill>
-          <a:blip r:embed="rId5"/>
+          <a:blip r:embed="rId5">
+            <a:extLst>
+              <a:ext uri="{28A0092B-C50C-407E-A947-70E740481C1C}">
+                <a14:useLocalDpi xmlns:a14="http://schemas.microsoft.com/office/drawing/2010/main" val="0"/>
+              </a:ext>
+            </a:extLst>
+          </a:blip>
           <a:stretch>
             <a:fillRect/>
           </a:stretch>
@@ -4733,7 +4850,13 @@
           <p:nvPr/>
         </p:nvPicPr>
         <p:blipFill>
-          <a:blip r:embed="rId6"/>
+          <a:blip r:embed="rId6">
+            <a:extLst>
+              <a:ext uri="{28A0092B-C50C-407E-A947-70E740481C1C}">
+                <a14:useLocalDpi xmlns:a14="http://schemas.microsoft.com/office/drawing/2010/main" val="0"/>
+              </a:ext>
+            </a:extLst>
+          </a:blip>
           <a:stretch>
             <a:fillRect/>
           </a:stretch>
@@ -5194,7 +5317,7 @@
           <a:blip r:embed="rId2" cstate="screen">
             <a:extLst>
               <a:ext uri="{28A0092B-C50C-407E-A947-70E740481C1C}">
-                <a14:useLocalDpi xmlns:a14="http://schemas.microsoft.com/office/drawing/2010/main"/>
+                <a14:useLocalDpi xmlns:a14="http://schemas.microsoft.com/office/drawing/2010/main" val="0"/>
               </a:ext>
             </a:extLst>
           </a:blip>
@@ -5647,7 +5770,7 @@
             </a:duotone>
             <a:extLst>
               <a:ext uri="{28A0092B-C50C-407E-A947-70E740481C1C}">
-                <a14:useLocalDpi xmlns:a14="http://schemas.microsoft.com/office/drawing/2010/main"/>
+                <a14:useLocalDpi xmlns:a14="http://schemas.microsoft.com/office/drawing/2010/main" val="0"/>
               </a:ext>
             </a:extLst>
           </a:blip>
@@ -6184,7 +6307,7 @@
           <a:blip r:embed="rId2" cstate="screen">
             <a:extLst>
               <a:ext uri="{28A0092B-C50C-407E-A947-70E740481C1C}">
-                <a14:useLocalDpi xmlns:a14="http://schemas.microsoft.com/office/drawing/2010/main"/>
+                <a14:useLocalDpi xmlns:a14="http://schemas.microsoft.com/office/drawing/2010/main" val="0"/>
               </a:ext>
             </a:extLst>
           </a:blip>
@@ -6313,7 +6436,7 @@
             </a:duotone>
             <a:extLst>
               <a:ext uri="{28A0092B-C50C-407E-A947-70E740481C1C}">
-                <a14:useLocalDpi xmlns:a14="http://schemas.microsoft.com/office/drawing/2010/main"/>
+                <a14:useLocalDpi xmlns:a14="http://schemas.microsoft.com/office/drawing/2010/main" val="0"/>
               </a:ext>
             </a:extLst>
           </a:blip>
@@ -6940,7 +7063,7 @@
           <a:blip r:embed="rId3" cstate="screen">
             <a:extLst>
               <a:ext uri="{28A0092B-C50C-407E-A947-70E740481C1C}">
-                <a14:useLocalDpi xmlns:a14="http://schemas.microsoft.com/office/drawing/2010/main"/>
+                <a14:useLocalDpi xmlns:a14="http://schemas.microsoft.com/office/drawing/2010/main" val="0"/>
               </a:ext>
             </a:extLst>
           </a:blip>
@@ -7069,7 +7192,7 @@
             </a:duotone>
             <a:extLst>
               <a:ext uri="{28A0092B-C50C-407E-A947-70E740481C1C}">
-                <a14:useLocalDpi xmlns:a14="http://schemas.microsoft.com/office/drawing/2010/main"/>
+                <a14:useLocalDpi xmlns:a14="http://schemas.microsoft.com/office/drawing/2010/main" val="0"/>
               </a:ext>
             </a:extLst>
           </a:blip>
@@ -7715,7 +7838,7 @@
           <a:blip r:embed="rId3" cstate="screen">
             <a:extLst>
               <a:ext uri="{28A0092B-C50C-407E-A947-70E740481C1C}">
-                <a14:useLocalDpi xmlns:a14="http://schemas.microsoft.com/office/drawing/2010/main"/>
+                <a14:useLocalDpi xmlns:a14="http://schemas.microsoft.com/office/drawing/2010/main" val="0"/>
               </a:ext>
             </a:extLst>
           </a:blip>
@@ -7784,7 +7907,7 @@
             <a:lum bright="70000" contrast="-70000"/>
             <a:extLst>
               <a:ext uri="{28A0092B-C50C-407E-A947-70E740481C1C}">
-                <a14:useLocalDpi xmlns:a14="http://schemas.microsoft.com/office/drawing/2010/main"/>
+                <a14:useLocalDpi xmlns:a14="http://schemas.microsoft.com/office/drawing/2010/main" val="0"/>
               </a:ext>
             </a:extLst>
           </a:blip>
@@ -8374,7 +8497,7 @@
           <a:blip r:embed="rId3" cstate="screen">
             <a:extLst>
               <a:ext uri="{28A0092B-C50C-407E-A947-70E740481C1C}">
-                <a14:useLocalDpi xmlns:a14="http://schemas.microsoft.com/office/drawing/2010/main"/>
+                <a14:useLocalDpi xmlns:a14="http://schemas.microsoft.com/office/drawing/2010/main" val="0"/>
               </a:ext>
             </a:extLst>
           </a:blip>
@@ -8443,7 +8566,7 @@
             <a:lum bright="70000" contrast="-70000"/>
             <a:extLst>
               <a:ext uri="{28A0092B-C50C-407E-A947-70E740481C1C}">
-                <a14:useLocalDpi xmlns:a14="http://schemas.microsoft.com/office/drawing/2010/main"/>
+                <a14:useLocalDpi xmlns:a14="http://schemas.microsoft.com/office/drawing/2010/main" val="0"/>
               </a:ext>
             </a:extLst>
           </a:blip>
@@ -10136,14 +10259,14 @@
           <p:nvPr/>
         </p:nvPicPr>
         <p:blipFill rotWithShape="1">
-          <a:blip r:embed="rId2">
+          <a:blip r:embed="rId2" cstate="print">
             <a:extLst>
               <a:ext uri="{28A0092B-C50C-407E-A947-70E740481C1C}">
                 <a14:useLocalDpi xmlns:a14="http://schemas.microsoft.com/office/drawing/2010/main" val="0"/>
               </a:ext>
             </a:extLst>
           </a:blip>
-          <a:srcRect l="5490" r="6875"/>
+          <a:srcRect/>
           <a:stretch/>
         </p:blipFill>
         <p:spPr bwMode="auto">
@@ -11939,7 +12062,13 @@
           <p:nvPr/>
         </p:nvPicPr>
         <p:blipFill>
-          <a:blip r:embed="rId2"/>
+          <a:blip r:embed="rId2">
+            <a:extLst>
+              <a:ext uri="{28A0092B-C50C-407E-A947-70E740481C1C}">
+                <a14:useLocalDpi xmlns:a14="http://schemas.microsoft.com/office/drawing/2010/main" val="0"/>
+              </a:ext>
+            </a:extLst>
+          </a:blip>
           <a:stretch>
             <a:fillRect/>
           </a:stretch>
@@ -12581,8 +12710,8 @@
           </a:p>
         </p:txBody>
       </p:sp>
-      <mc:AlternateContent xmlns:mc="http://schemas.openxmlformats.org/markup-compatibility/2006">
-        <mc:Choice xmlns:a14="http://schemas.microsoft.com/office/drawing/2010/main" Requires="a14">
+      <mc:AlternateContent xmlns:mc="http://schemas.openxmlformats.org/markup-compatibility/2006" xmlns:a14="http://schemas.microsoft.com/office/drawing/2010/main">
+        <mc:Choice Requires="a14">
           <p:sp>
             <p:nvSpPr>
               <p:cNvPr id="3" name="Espace réservé du texte 2">
@@ -12805,7 +12934,7 @@
             </p:txBody>
           </p:sp>
         </mc:Choice>
-        <mc:Fallback>
+        <mc:Fallback xmlns="">
           <p:sp>
             <p:nvSpPr>
               <p:cNvPr id="3" name="Espace réservé du texte 2">
@@ -14000,7 +14129,7 @@
               </a:ext>
             </a:extLst>
           </a:blip>
-          <a:srcRect t="2956" r="48604" b="48315"/>
+          <a:srcRect/>
           <a:stretch/>
         </p:blipFill>
         <p:spPr>
@@ -16023,7 +16152,13 @@
           <p:nvPr/>
         </p:nvPicPr>
         <p:blipFill>
-          <a:blip r:embed="rId2"/>
+          <a:blip r:embed="rId2">
+            <a:extLst>
+              <a:ext uri="{28A0092B-C50C-407E-A947-70E740481C1C}">
+                <a14:useLocalDpi xmlns:a14="http://schemas.microsoft.com/office/drawing/2010/main" val="0"/>
+              </a:ext>
+            </a:extLst>
+          </a:blip>
           <a:stretch>
             <a:fillRect/>
           </a:stretch>
@@ -17018,6 +17153,145 @@
           </a:p>
         </p:txBody>
       </p:sp>
+      <p:sp>
+        <p:nvSpPr>
+          <p:cNvPr id="16" name="Bulle narrative : rectangle 15">
+            <a:extLst>
+              <a:ext uri="{FF2B5EF4-FFF2-40B4-BE49-F238E27FC236}">
+                <a16:creationId xmlns:a16="http://schemas.microsoft.com/office/drawing/2014/main" id="{B97E59CE-C053-48B5-947B-5319AA0A806A}"/>
+              </a:ext>
+            </a:extLst>
+          </p:cNvPr>
+          <p:cNvSpPr/>
+          <p:nvPr/>
+        </p:nvSpPr>
+        <p:spPr>
+          <a:xfrm>
+            <a:off x="964669" y="4816592"/>
+            <a:ext cx="3983219" cy="1095867"/>
+          </a:xfrm>
+          <a:prstGeom prst="wedgeRectCallout">
+            <a:avLst>
+              <a:gd name="adj1" fmla="val 71857"/>
+              <a:gd name="adj2" fmla="val -26671"/>
+            </a:avLst>
+          </a:prstGeom>
+          <a:solidFill>
+            <a:schemeClr val="bg1"/>
+          </a:solidFill>
+        </p:spPr>
+        <p:style>
+          <a:lnRef idx="2">
+            <a:schemeClr val="accent3"/>
+          </a:lnRef>
+          <a:fillRef idx="1">
+            <a:schemeClr val="lt1"/>
+          </a:fillRef>
+          <a:effectRef idx="0">
+            <a:schemeClr val="accent3"/>
+          </a:effectRef>
+          <a:fontRef idx="minor">
+            <a:schemeClr val="dk1"/>
+          </a:fontRef>
+        </p:style>
+        <p:txBody>
+          <a:bodyPr rtlCol="0" anchor="ctr"/>
+          <a:lstStyle/>
+          <a:p>
+            <a:pPr algn="ctr"/>
+            <a:r>
+              <a:rPr lang="en-US" dirty="0"/>
+              <a:t>Example: TPOT and TPOT2 (</a:t>
+            </a:r>
+            <a:r>
+              <a:rPr lang="el-GR" dirty="0"/>
+              <a:t>α</a:t>
+            </a:r>
+            <a:r>
+              <a:rPr lang="it-IT" dirty="0"/>
+              <a:t>)</a:t>
+            </a:r>
+            <a:endParaRPr lang="en-US" dirty="0"/>
+          </a:p>
+          <a:p>
+            <a:pPr algn="ctr"/>
+            <a:r>
+              <a:rPr lang="en-US" dirty="0">
+                <a:hlinkClick r:id="rId3"/>
+              </a:rPr>
+              <a:t>https://github.com/EpistasisLab/tpot</a:t>
+            </a:r>
+            <a:endParaRPr lang="en-US" dirty="0"/>
+          </a:p>
+          <a:p>
+            <a:pPr algn="ctr"/>
+            <a:r>
+              <a:rPr lang="en-US" dirty="0">
+                <a:hlinkClick r:id="rId4"/>
+              </a:rPr>
+              <a:t>https://github.com/EpistasisLab/tpot2</a:t>
+            </a:r>
+            <a:endParaRPr lang="en-US" dirty="0"/>
+          </a:p>
+        </p:txBody>
+      </p:sp>
+      <p:pic>
+        <p:nvPicPr>
+          <p:cNvPr id="1026" name="Picture 2">
+            <a:extLst>
+              <a:ext uri="{FF2B5EF4-FFF2-40B4-BE49-F238E27FC236}">
+                <a16:creationId xmlns:a16="http://schemas.microsoft.com/office/drawing/2014/main" id="{65006D9A-5A4C-4F4B-BBD8-999C8F9A4620}"/>
+              </a:ext>
+            </a:extLst>
+          </p:cNvPr>
+          <p:cNvPicPr>
+            <a:picLocks noChangeAspect="1" noChangeArrowheads="1"/>
+          </p:cNvPicPr>
+          <p:nvPr/>
+        </p:nvPicPr>
+        <p:blipFill>
+          <a:blip r:embed="rId5" cstate="print">
+            <a:clrChange>
+              <a:clrFrom>
+                <a:srgbClr val="FFFFFF"/>
+              </a:clrFrom>
+              <a:clrTo>
+                <a:srgbClr val="FFFFFF">
+                  <a:alpha val="0"/>
+                </a:srgbClr>
+              </a:clrTo>
+            </a:clrChange>
+            <a:extLst>
+              <a:ext uri="{28A0092B-C50C-407E-A947-70E740481C1C}">
+                <a14:useLocalDpi xmlns:a14="http://schemas.microsoft.com/office/drawing/2010/main" val="0"/>
+              </a:ext>
+            </a:extLst>
+          </a:blip>
+          <a:srcRect/>
+          <a:stretch>
+            <a:fillRect/>
+          </a:stretch>
+        </p:blipFill>
+        <p:spPr bwMode="auto">
+          <a:xfrm>
+            <a:off x="145613" y="4286835"/>
+            <a:ext cx="1250039" cy="1095867"/>
+          </a:xfrm>
+          <a:prstGeom prst="rect">
+            <a:avLst/>
+          </a:prstGeom>
+          <a:noFill/>
+          <a:extLst>
+            <a:ext uri="{909E8E84-426E-40DD-AFC4-6F175D3DCCD1}">
+              <a14:hiddenFill xmlns:a14="http://schemas.microsoft.com/office/drawing/2010/main">
+                <a:solidFill>
+                  <a:srgbClr val="FFFFFF"/>
+                </a:solidFill>
+              </a14:hiddenFill>
+            </a:ext>
+          </a:extLst>
+        </p:spPr>
+      </p:pic>
     </p:spTree>
     <p:extLst>
       <p:ext uri="{BB962C8B-B14F-4D97-AF65-F5344CB8AC3E}">
@@ -21719,7 +21993,13 @@
           <p:nvPr/>
         </p:nvPicPr>
         <p:blipFill>
-          <a:blip r:embed="rId3"/>
+          <a:blip r:embed="rId3">
+            <a:extLst>
+              <a:ext uri="{28A0092B-C50C-407E-A947-70E740481C1C}">
+                <a14:useLocalDpi xmlns:a14="http://schemas.microsoft.com/office/drawing/2010/main" val="0"/>
+              </a:ext>
+            </a:extLst>
+          </a:blip>
           <a:stretch>
             <a:fillRect/>
           </a:stretch>
@@ -22523,7 +22803,7 @@
           <p:nvPr/>
         </p:nvPicPr>
         <p:blipFill rotWithShape="1">
-          <a:blip r:embed="rId2">
+          <a:blip r:embed="rId2" cstate="print">
             <a:extLst>
               <a:ext uri="{BEBA8EAE-BF5A-486C-A8C5-ECC9F3942E4B}">
                 <a14:imgProps xmlns:a14="http://schemas.microsoft.com/office/drawing/2010/main">
@@ -22577,7 +22857,13 @@
           <p:nvPr/>
         </p:nvPicPr>
         <p:blipFill>
-          <a:blip r:embed="rId4"/>
+          <a:blip r:embed="rId4">
+            <a:extLst>
+              <a:ext uri="{28A0092B-C50C-407E-A947-70E740481C1C}">
+                <a14:useLocalDpi xmlns:a14="http://schemas.microsoft.com/office/drawing/2010/main" val="0"/>
+              </a:ext>
+            </a:extLst>
+          </a:blip>
           <a:stretch>
             <a:fillRect/>
           </a:stretch>

--- a/deep-learning-in-practice-with-pytorch/0-machine-learning.pptx
+++ b/deep-learning-in-practice-with-pytorch/0-machine-learning.pptx
@@ -22769,7 +22769,7 @@
             </a:br>
             <a:r>
               <a:rPr lang="en-US" dirty="0"/>
-              <a:t>- James et al., </a:t>
+              <a:t>- James et al. 2023. </a:t>
             </a:r>
             <a:r>
               <a:rPr lang="en-US" i="1" dirty="0"/>
@@ -22777,7 +22777,7 @@
             </a:r>
             <a:r>
               <a:rPr lang="en-US" dirty="0"/>
-              <a:t>, 2023</a:t>
+              <a:t> </a:t>
             </a:r>
           </a:p>
           <a:p>
